--- a/제출자료/발표자료/중간_발표_자료_12조.pptx
+++ b/제출자료/발표자료/중간_발표_자료_12조.pptx
@@ -18,14 +18,15 @@
     <p:sldId id="287" r:id="rId12"/>
     <p:sldId id="289" r:id="rId13"/>
     <p:sldId id="291" r:id="rId14"/>
-    <p:sldId id="283" r:id="rId15"/>
-    <p:sldId id="284" r:id="rId16"/>
-    <p:sldId id="281" r:id="rId17"/>
-    <p:sldId id="280" r:id="rId18"/>
-    <p:sldId id="278" r:id="rId19"/>
-    <p:sldId id="279" r:id="rId20"/>
-    <p:sldId id="265" r:id="rId21"/>
-    <p:sldId id="273" r:id="rId22"/>
+    <p:sldId id="293" r:id="rId15"/>
+    <p:sldId id="283" r:id="rId16"/>
+    <p:sldId id="284" r:id="rId17"/>
+    <p:sldId id="281" r:id="rId18"/>
+    <p:sldId id="280" r:id="rId19"/>
+    <p:sldId id="278" r:id="rId20"/>
+    <p:sldId id="279" r:id="rId21"/>
+    <p:sldId id="265" r:id="rId22"/>
+    <p:sldId id="273" r:id="rId23"/>
   </p:sldIdLst>
   <p:sldSz cx="10693400" cy="7561263"/>
   <p:notesSz cx="7559675" cy="10691813"/>
@@ -13051,6 +13052,131 @@
       </p:grpSpPr>
       <p:sp>
         <p:nvSpPr>
+          <p:cNvPr id="4" name="CustomShape 1"/>
+          <p:cNvSpPr/>
+          <p:nvPr/>
+        </p:nvSpPr>
+        <p:spPr>
+          <a:xfrm>
+            <a:off x="423582" y="731905"/>
+            <a:ext cx="2682223" cy="2515680"/>
+          </a:xfrm>
+          <a:prstGeom prst="rect">
+            <a:avLst/>
+          </a:prstGeom>
+          <a:noFill/>
+          <a:ln>
+            <a:noFill/>
+          </a:ln>
+        </p:spPr>
+        <p:style>
+          <a:lnRef idx="0">
+            <a:scrgbClr r="0" g="0" b="0"/>
+          </a:lnRef>
+          <a:fillRef idx="0">
+            <a:scrgbClr r="0" g="0" b="0"/>
+          </a:fillRef>
+          <a:effectRef idx="0">
+            <a:scrgbClr r="0" g="0" b="0"/>
+          </a:effectRef>
+          <a:fontRef idx="minor"/>
+        </p:style>
+        <p:txBody>
+          <a:bodyPr lIns="0" tIns="0" rIns="0" bIns="0"/>
+          <a:lstStyle/>
+          <a:p>
+            <a:pPr algn="r">
+              <a:lnSpc>
+                <a:spcPct val="100000"/>
+              </a:lnSpc>
+            </a:pPr>
+            <a:endParaRPr lang="en-US" sz="1800" b="0" strike="noStrike" spc="-1" dirty="0">
+              <a:latin typeface="Times New Roman"/>
+            </a:endParaRPr>
+          </a:p>
+          <a:p>
+            <a:pPr algn="r">
+              <a:lnSpc>
+                <a:spcPct val="100000"/>
+              </a:lnSpc>
+            </a:pPr>
+            <a:r>
+              <a:rPr lang="ko-KR" altLang="en-US" sz="4000" b="0" strike="noStrike" spc="-1" dirty="0">
+                <a:solidFill>
+                  <a:srgbClr val="00AAAE"/>
+                </a:solidFill>
+                <a:latin typeface="나눔명조"/>
+              </a:rPr>
+              <a:t>트러블슈팅</a:t>
+            </a:r>
+            <a:endParaRPr lang="en-US" sz="4000" b="0" strike="noStrike" spc="-1" dirty="0">
+              <a:latin typeface="Times New Roman"/>
+            </a:endParaRPr>
+          </a:p>
+        </p:txBody>
+      </p:sp>
+      <p:pic>
+        <p:nvPicPr>
+          <p:cNvPr id="2" name="그림 1">
+            <a:extLst>
+              <a:ext uri="{FF2B5EF4-FFF2-40B4-BE49-F238E27FC236}">
+                <a16:creationId xmlns:a16="http://schemas.microsoft.com/office/drawing/2014/main" id="{0B0CFC9F-3245-4E54-9CE8-4C673389A78A}"/>
+              </a:ext>
+            </a:extLst>
+          </p:cNvPr>
+          <p:cNvPicPr>
+            <a:picLocks noChangeAspect="1"/>
+          </p:cNvPicPr>
+          <p:nvPr/>
+        </p:nvPicPr>
+        <p:blipFill>
+          <a:blip r:embed="rId2"/>
+          <a:stretch>
+            <a:fillRect/>
+          </a:stretch>
+        </p:blipFill>
+        <p:spPr>
+          <a:xfrm>
+            <a:off x="0" y="2466467"/>
+            <a:ext cx="10693400" cy="3694421"/>
+          </a:xfrm>
+          <a:prstGeom prst="rect">
+            <a:avLst/>
+          </a:prstGeom>
+        </p:spPr>
+      </p:pic>
+    </p:spTree>
+    <p:extLst>
+      <p:ext uri="{BB962C8B-B14F-4D97-AF65-F5344CB8AC3E}">
+        <p14:creationId xmlns:p14="http://schemas.microsoft.com/office/powerpoint/2010/main" val="2929183627"/>
+      </p:ext>
+    </p:extLst>
+  </p:cSld>
+  <p:clrMapOvr>
+    <a:masterClrMapping/>
+  </p:clrMapOvr>
+</p:sld>
+</file>
+
+<file path=ppt/slides/slide13.xml><?xml version="1.0" encoding="utf-8"?>
+<p:sld xmlns:a="http://schemas.openxmlformats.org/drawingml/2006/main" xmlns:r="http://schemas.openxmlformats.org/officeDocument/2006/relationships" xmlns:p="http://schemas.openxmlformats.org/presentationml/2006/main">
+  <p:cSld>
+    <p:spTree>
+      <p:nvGrpSpPr>
+        <p:cNvPr id="1" name=""/>
+        <p:cNvGrpSpPr/>
+        <p:nvPr/>
+      </p:nvGrpSpPr>
+      <p:grpSpPr>
+        <a:xfrm>
+          <a:off x="0" y="0"/>
+          <a:ext cx="0" cy="0"/>
+          <a:chOff x="0" y="0"/>
+          <a:chExt cx="0" cy="0"/>
+        </a:xfrm>
+      </p:grpSpPr>
+      <p:sp>
+        <p:nvSpPr>
           <p:cNvPr id="259" name="CustomShape 2"/>
           <p:cNvSpPr/>
           <p:nvPr/>
@@ -13241,7 +13367,7 @@
                 <a:latin typeface="맑은 고딕"/>
                 <a:ea typeface="DejaVu Sans"/>
               </a:rPr>
-              <a:t>12</a:t>
+              <a:t>13</a:t>
             </a:fld>
             <a:endParaRPr lang="en-US" sz="3600" b="0" strike="noStrike" spc="-1">
               <a:latin typeface="Times New Roman"/>
@@ -13586,7 +13712,7 @@
 </p:sld>
 </file>
 
-<file path=ppt/slides/slide13.xml><?xml version="1.0" encoding="utf-8"?>
+<file path=ppt/slides/slide14.xml><?xml version="1.0" encoding="utf-8"?>
 <p:sld xmlns:a="http://schemas.openxmlformats.org/drawingml/2006/main" xmlns:r="http://schemas.openxmlformats.org/officeDocument/2006/relationships" xmlns:p="http://schemas.openxmlformats.org/presentationml/2006/main">
   <p:cSld>
     <p:spTree>
@@ -13795,7 +13921,7 @@
                 <a:latin typeface="맑은 고딕"/>
                 <a:ea typeface="DejaVu Sans"/>
               </a:rPr>
-              <a:t>13</a:t>
+              <a:t>14</a:t>
             </a:fld>
             <a:endParaRPr lang="en-US" sz="3600" b="0" strike="noStrike" spc="-1">
               <a:latin typeface="Times New Roman"/>
@@ -14185,7 +14311,7 @@
 </p:sld>
 </file>
 
-<file path=ppt/slides/slide14.xml><?xml version="1.0" encoding="utf-8"?>
+<file path=ppt/slides/slide15.xml><?xml version="1.0" encoding="utf-8"?>
 <p:sld xmlns:a="http://schemas.openxmlformats.org/drawingml/2006/main" xmlns:r="http://schemas.openxmlformats.org/officeDocument/2006/relationships" xmlns:p="http://schemas.openxmlformats.org/presentationml/2006/main">
   <p:cSld>
     <p:spTree>
@@ -14479,7 +14605,7 @@
                 <a:latin typeface="맑은 고딕"/>
                 <a:ea typeface="DejaVu Sans"/>
               </a:rPr>
-              <a:t>14</a:t>
+              <a:t>15</a:t>
             </a:fld>
             <a:endParaRPr lang="en-US" sz="3600" b="0" strike="noStrike" spc="-1">
               <a:latin typeface="Times New Roman"/>
@@ -14598,456 +14724,6 @@
     <p:extLst>
       <p:ext uri="{BB962C8B-B14F-4D97-AF65-F5344CB8AC3E}">
         <p14:creationId xmlns:p14="http://schemas.microsoft.com/office/powerpoint/2010/main" val="990917115"/>
-      </p:ext>
-    </p:extLst>
-  </p:cSld>
-  <p:clrMapOvr>
-    <a:masterClrMapping/>
-  </p:clrMapOvr>
-  <p:timing>
-    <p:tnLst>
-      <p:par>
-        <p:cTn id="1" dur="indefinite" restart="never" nodeType="tmRoot">
-          <p:childTnLst>
-            <p:seq>
-              <p:cTn id="2" dur="indefinite" nodeType="mainSeq"/>
-              <p:prevCondLst>
-                <p:cond evt="onPrev" delay="0">
-                  <p:tgtEl>
-                    <p:sldTgt/>
-                  </p:tgtEl>
-                </p:cond>
-              </p:prevCondLst>
-              <p:nextCondLst>
-                <p:cond evt="onNext" delay="0">
-                  <p:tgtEl>
-                    <p:sldTgt/>
-                  </p:tgtEl>
-                </p:cond>
-              </p:nextCondLst>
-            </p:seq>
-          </p:childTnLst>
-        </p:cTn>
-      </p:par>
-    </p:tnLst>
-  </p:timing>
-</p:sld>
-</file>
-
-<file path=ppt/slides/slide15.xml><?xml version="1.0" encoding="utf-8"?>
-<p:sld xmlns:a="http://schemas.openxmlformats.org/drawingml/2006/main" xmlns:r="http://schemas.openxmlformats.org/officeDocument/2006/relationships" xmlns:p="http://schemas.openxmlformats.org/presentationml/2006/main">
-  <p:cSld>
-    <p:spTree>
-      <p:nvGrpSpPr>
-        <p:cNvPr id="1" name=""/>
-        <p:cNvGrpSpPr/>
-        <p:nvPr/>
-      </p:nvGrpSpPr>
-      <p:grpSpPr>
-        <a:xfrm>
-          <a:off x="0" y="0"/>
-          <a:ext cx="0" cy="0"/>
-          <a:chOff x="0" y="0"/>
-          <a:chExt cx="0" cy="0"/>
-        </a:xfrm>
-      </p:grpSpPr>
-      <p:sp>
-        <p:nvSpPr>
-          <p:cNvPr id="291" name="CustomShape 1"/>
-          <p:cNvSpPr/>
-          <p:nvPr/>
-        </p:nvSpPr>
-        <p:spPr>
-          <a:xfrm>
-            <a:off x="470880" y="432360"/>
-            <a:ext cx="2404800" cy="2515680"/>
-          </a:xfrm>
-          <a:prstGeom prst="rect">
-            <a:avLst/>
-          </a:prstGeom>
-          <a:noFill/>
-          <a:ln>
-            <a:noFill/>
-          </a:ln>
-        </p:spPr>
-        <p:style>
-          <a:lnRef idx="0">
-            <a:scrgbClr r="0" g="0" b="0"/>
-          </a:lnRef>
-          <a:fillRef idx="0">
-            <a:scrgbClr r="0" g="0" b="0"/>
-          </a:fillRef>
-          <a:effectRef idx="0">
-            <a:scrgbClr r="0" g="0" b="0"/>
-          </a:effectRef>
-          <a:fontRef idx="minor"/>
-        </p:style>
-        <p:txBody>
-          <a:bodyPr lIns="0" tIns="0" rIns="0" bIns="0"/>
-          <a:lstStyle/>
-          <a:p>
-            <a:pPr algn="r">
-              <a:lnSpc>
-                <a:spcPct val="100000"/>
-              </a:lnSpc>
-            </a:pPr>
-            <a:endParaRPr lang="en-US" sz="1800" b="0" strike="noStrike" spc="-1">
-              <a:latin typeface="Times New Roman"/>
-            </a:endParaRPr>
-          </a:p>
-          <a:p>
-            <a:pPr algn="r">
-              <a:lnSpc>
-                <a:spcPct val="100000"/>
-              </a:lnSpc>
-            </a:pPr>
-            <a:r>
-              <a:rPr lang="en-US" sz="4000" b="0" strike="noStrike" spc="-1">
-                <a:solidFill>
-                  <a:srgbClr val="00AAAE"/>
-                </a:solidFill>
-                <a:latin typeface="나눔명조"/>
-                <a:ea typeface="나눔명조"/>
-              </a:rPr>
-              <a:t>개발 일정</a:t>
-            </a:r>
-            <a:endParaRPr lang="en-US" sz="4000" b="0" strike="noStrike" spc="-1">
-              <a:latin typeface="Times New Roman"/>
-            </a:endParaRPr>
-          </a:p>
-        </p:txBody>
-      </p:sp>
-      <p:sp>
-        <p:nvSpPr>
-          <p:cNvPr id="292" name="CustomShape 2"/>
-          <p:cNvSpPr/>
-          <p:nvPr/>
-        </p:nvSpPr>
-        <p:spPr>
-          <a:xfrm>
-            <a:off x="118080" y="3710520"/>
-            <a:ext cx="1615680" cy="2407680"/>
-          </a:xfrm>
-          <a:prstGeom prst="rect">
-            <a:avLst/>
-          </a:prstGeom>
-          <a:noFill/>
-          <a:ln>
-            <a:noFill/>
-          </a:ln>
-        </p:spPr>
-        <p:style>
-          <a:lnRef idx="0">
-            <a:scrgbClr r="0" g="0" b="0"/>
-          </a:lnRef>
-          <a:fillRef idx="0">
-            <a:scrgbClr r="0" g="0" b="0"/>
-          </a:fillRef>
-          <a:effectRef idx="0">
-            <a:scrgbClr r="0" g="0" b="0"/>
-          </a:effectRef>
-          <a:fontRef idx="minor"/>
-        </p:style>
-        <p:txBody>
-          <a:bodyPr lIns="0" tIns="0" rIns="0" bIns="0"/>
-          <a:lstStyle/>
-          <a:p>
-            <a:pPr>
-              <a:lnSpc>
-                <a:spcPts val="18499"/>
-              </a:lnSpc>
-            </a:pPr>
-            <a:endParaRPr lang="en-US" sz="18500" b="0" strike="noStrike" spc="-1" dirty="0">
-              <a:latin typeface="Times New Roman"/>
-            </a:endParaRPr>
-          </a:p>
-        </p:txBody>
-      </p:sp>
-      <p:sp>
-        <p:nvSpPr>
-          <p:cNvPr id="293" name="CustomShape 3"/>
-          <p:cNvSpPr/>
-          <p:nvPr/>
-        </p:nvSpPr>
-        <p:spPr>
-          <a:xfrm rot="16200000">
-            <a:off x="9093240" y="4948560"/>
-            <a:ext cx="2623680" cy="715680"/>
-          </a:xfrm>
-          <a:prstGeom prst="rect">
-            <a:avLst/>
-          </a:prstGeom>
-          <a:noFill/>
-          <a:ln>
-            <a:noFill/>
-          </a:ln>
-        </p:spPr>
-        <p:style>
-          <a:lnRef idx="0">
-            <a:scrgbClr r="0" g="0" b="0"/>
-          </a:lnRef>
-          <a:fillRef idx="0">
-            <a:scrgbClr r="0" g="0" b="0"/>
-          </a:fillRef>
-          <a:effectRef idx="0">
-            <a:scrgbClr r="0" g="0" b="0"/>
-          </a:effectRef>
-          <a:fontRef idx="minor"/>
-        </p:style>
-        <p:txBody>
-          <a:bodyPr lIns="0" tIns="0" rIns="0" bIns="0"/>
-          <a:lstStyle/>
-          <a:p>
-            <a:pPr>
-              <a:lnSpc>
-                <a:spcPts val="3849"/>
-              </a:lnSpc>
-            </a:pPr>
-            <a:endParaRPr lang="en-US" sz="3850" b="0" strike="noStrike" spc="-1" dirty="0">
-              <a:latin typeface="Times New Roman"/>
-            </a:endParaRPr>
-          </a:p>
-        </p:txBody>
-      </p:sp>
-      <p:sp>
-        <p:nvSpPr>
-          <p:cNvPr id="294" name="CustomShape 4"/>
-          <p:cNvSpPr/>
-          <p:nvPr/>
-        </p:nvSpPr>
-        <p:spPr>
-          <a:xfrm>
-            <a:off x="4320000" y="864000"/>
-            <a:ext cx="5935680" cy="2263680"/>
-          </a:xfrm>
-          <a:prstGeom prst="rect">
-            <a:avLst/>
-          </a:prstGeom>
-          <a:noFill/>
-          <a:ln>
-            <a:noFill/>
-          </a:ln>
-        </p:spPr>
-        <p:style>
-          <a:lnRef idx="0">
-            <a:scrgbClr r="0" g="0" b="0"/>
-          </a:lnRef>
-          <a:fillRef idx="0">
-            <a:scrgbClr r="0" g="0" b="0"/>
-          </a:fillRef>
-          <a:effectRef idx="0">
-            <a:scrgbClr r="0" g="0" b="0"/>
-          </a:effectRef>
-          <a:fontRef idx="minor"/>
-        </p:style>
-      </p:sp>
-      <p:sp>
-        <p:nvSpPr>
-          <p:cNvPr id="298" name="CustomShape 8"/>
-          <p:cNvSpPr/>
-          <p:nvPr/>
-        </p:nvSpPr>
-        <p:spPr>
-          <a:xfrm>
-            <a:off x="6873840" y="1235181"/>
-            <a:ext cx="270000" cy="265680"/>
-          </a:xfrm>
-          <a:prstGeom prst="downArrow">
-            <a:avLst>
-              <a:gd name="adj1" fmla="val 50000"/>
-              <a:gd name="adj2" fmla="val 50000"/>
-            </a:avLst>
-          </a:prstGeom>
-          <a:solidFill>
-            <a:schemeClr val="accent2"/>
-          </a:solidFill>
-          <a:ln>
-            <a:noFill/>
-          </a:ln>
-        </p:spPr>
-        <p:style>
-          <a:lnRef idx="2">
-            <a:schemeClr val="accent1">
-              <a:shade val="50000"/>
-            </a:schemeClr>
-          </a:lnRef>
-          <a:fillRef idx="1">
-            <a:schemeClr val="accent1"/>
-          </a:fillRef>
-          <a:effectRef idx="0">
-            <a:schemeClr val="accent1"/>
-          </a:effectRef>
-          <a:fontRef idx="minor"/>
-        </p:style>
-      </p:sp>
-      <p:sp>
-        <p:nvSpPr>
-          <p:cNvPr id="299" name="CustomShape 9"/>
-          <p:cNvSpPr/>
-          <p:nvPr/>
-        </p:nvSpPr>
-        <p:spPr>
-          <a:xfrm>
-            <a:off x="7665840" y="184320"/>
-            <a:ext cx="2738880" cy="360720"/>
-          </a:xfrm>
-          <a:prstGeom prst="rect">
-            <a:avLst/>
-          </a:prstGeom>
-          <a:noFill/>
-          <a:ln>
-            <a:noFill/>
-          </a:ln>
-        </p:spPr>
-        <p:style>
-          <a:lnRef idx="0">
-            <a:scrgbClr r="0" g="0" b="0"/>
-          </a:lnRef>
-          <a:fillRef idx="0">
-            <a:scrgbClr r="0" g="0" b="0"/>
-          </a:fillRef>
-          <a:effectRef idx="0">
-            <a:scrgbClr r="0" g="0" b="0"/>
-          </a:effectRef>
-          <a:fontRef idx="minor"/>
-        </p:style>
-        <p:txBody>
-          <a:bodyPr lIns="90000" tIns="45000" rIns="90000" bIns="45000" anchor="ctr"/>
-          <a:lstStyle/>
-          <a:p>
-            <a:pPr algn="r">
-              <a:lnSpc>
-                <a:spcPct val="100000"/>
-              </a:lnSpc>
-            </a:pPr>
-            <a:fld id="{1B3B86FF-E4DC-44C6-8412-B41B5B7219B5}" type="slidenum">
-              <a:rPr lang="en-US" sz="3600" b="0" strike="noStrike" spc="-1">
-                <a:solidFill>
-                  <a:srgbClr val="B2B2B2"/>
-                </a:solidFill>
-                <a:latin typeface="맑은 고딕"/>
-                <a:ea typeface="DejaVu Sans"/>
-              </a:rPr>
-              <a:t>15</a:t>
-            </a:fld>
-            <a:endParaRPr lang="en-US" sz="3600" b="0" strike="noStrike" spc="-1">
-              <a:latin typeface="Times New Roman"/>
-            </a:endParaRPr>
-          </a:p>
-        </p:txBody>
-      </p:sp>
-      <p:pic>
-        <p:nvPicPr>
-          <p:cNvPr id="7" name="그림 6"/>
-          <p:cNvPicPr>
-            <a:picLocks noChangeAspect="1"/>
-          </p:cNvPicPr>
-          <p:nvPr/>
-        </p:nvPicPr>
-        <p:blipFill>
-          <a:blip r:embed="rId2"/>
-          <a:stretch>
-            <a:fillRect/>
-          </a:stretch>
-        </p:blipFill>
-        <p:spPr>
-          <a:xfrm>
-            <a:off x="321840" y="1527501"/>
-            <a:ext cx="9933840" cy="5422532"/>
-          </a:xfrm>
-          <a:prstGeom prst="rect">
-            <a:avLst/>
-          </a:prstGeom>
-        </p:spPr>
-      </p:pic>
-      <p:sp>
-        <p:nvSpPr>
-          <p:cNvPr id="9" name="CustomShape 3"/>
-          <p:cNvSpPr/>
-          <p:nvPr/>
-        </p:nvSpPr>
-        <p:spPr>
-          <a:xfrm>
-            <a:off x="4320000" y="432360"/>
-            <a:ext cx="5755680" cy="463680"/>
-          </a:xfrm>
-          <a:prstGeom prst="rect">
-            <a:avLst/>
-          </a:prstGeom>
-          <a:noFill/>
-          <a:ln>
-            <a:noFill/>
-          </a:ln>
-        </p:spPr>
-        <p:style>
-          <a:lnRef idx="0">
-            <a:scrgbClr r="0" g="0" b="0"/>
-          </a:lnRef>
-          <a:fillRef idx="0">
-            <a:scrgbClr r="0" g="0" b="0"/>
-          </a:fillRef>
-          <a:effectRef idx="0">
-            <a:scrgbClr r="0" g="0" b="0"/>
-          </a:effectRef>
-          <a:fontRef idx="minor"/>
-        </p:style>
-        <p:txBody>
-          <a:bodyPr lIns="0" tIns="0" rIns="0" bIns="0"/>
-          <a:lstStyle/>
-          <a:p>
-            <a:pPr>
-              <a:lnSpc>
-                <a:spcPts val="2401"/>
-              </a:lnSpc>
-            </a:pPr>
-            <a:endParaRPr lang="en-US" sz="2100" spc="-1" dirty="0">
-              <a:solidFill>
-                <a:srgbClr val="00AAAE"/>
-              </a:solidFill>
-              <a:latin typeface="나눔명조"/>
-              <a:ea typeface="나눔명조"/>
-            </a:endParaRPr>
-          </a:p>
-          <a:p>
-            <a:pPr>
-              <a:lnSpc>
-                <a:spcPts val="2401"/>
-              </a:lnSpc>
-            </a:pPr>
-            <a:endParaRPr lang="en-US" sz="2100" b="0" strike="noStrike" spc="-1" dirty="0">
-              <a:solidFill>
-                <a:srgbClr val="00AAAE"/>
-              </a:solidFill>
-              <a:latin typeface="나눔명조"/>
-              <a:ea typeface="나눔명조"/>
-            </a:endParaRPr>
-          </a:p>
-          <a:p>
-            <a:pPr>
-              <a:lnSpc>
-                <a:spcPts val="2401"/>
-              </a:lnSpc>
-            </a:pPr>
-            <a:r>
-              <a:rPr lang="ko-KR" altLang="en-US" sz="2100" b="0" strike="noStrike" spc="-1" dirty="0">
-                <a:solidFill>
-                  <a:srgbClr val="00AAAE"/>
-                </a:solidFill>
-                <a:latin typeface="나눔명조"/>
-                <a:ea typeface="나눔명조"/>
-              </a:rPr>
-              <a:t>세부 일정</a:t>
-            </a:r>
-            <a:endParaRPr lang="en-US" sz="2100" b="0" strike="noStrike" spc="-1" dirty="0">
-              <a:latin typeface="Times New Roman"/>
-            </a:endParaRPr>
-          </a:p>
-        </p:txBody>
-      </p:sp>
-    </p:spTree>
-    <p:extLst>
-      <p:ext uri="{BB962C8B-B14F-4D97-AF65-F5344CB8AC3E}">
-        <p14:creationId xmlns:p14="http://schemas.microsoft.com/office/powerpoint/2010/main" val="1115029113"/>
       </p:ext>
     </p:extLst>
   </p:cSld>
@@ -15103,14 +14779,14 @@
       </p:grpSpPr>
       <p:sp>
         <p:nvSpPr>
-          <p:cNvPr id="303" name="CustomShape 1"/>
+          <p:cNvPr id="291" name="CustomShape 1"/>
           <p:cNvSpPr/>
           <p:nvPr/>
         </p:nvSpPr>
         <p:spPr>
           <a:xfrm>
-            <a:off x="123840" y="3714480"/>
-            <a:ext cx="4482000" cy="2407680"/>
+            <a:off x="470880" y="432360"/>
+            <a:ext cx="2404800" cy="2515680"/>
           </a:xfrm>
           <a:prstGeom prst="rect">
             <a:avLst/>
@@ -15136,22 +14812,32 @@
           <a:bodyPr lIns="0" tIns="0" rIns="0" bIns="0"/>
           <a:lstStyle/>
           <a:p>
-            <a:pPr>
+            <a:pPr algn="r">
               <a:lnSpc>
-                <a:spcPts val="18499"/>
+                <a:spcPct val="100000"/>
+              </a:lnSpc>
+            </a:pPr>
+            <a:endParaRPr lang="en-US" sz="1800" b="0" strike="noStrike" spc="-1">
+              <a:latin typeface="Times New Roman"/>
+            </a:endParaRPr>
+          </a:p>
+          <a:p>
+            <a:pPr algn="r">
+              <a:lnSpc>
+                <a:spcPct val="100000"/>
               </a:lnSpc>
             </a:pPr>
             <a:r>
-              <a:rPr lang="en-US" sz="18500" b="0" strike="noStrike" spc="-117">
+              <a:rPr lang="en-US" sz="4000" b="0" strike="noStrike" spc="-1">
                 <a:solidFill>
-                  <a:srgbClr val="E1E2E3"/>
+                  <a:srgbClr val="00AAAE"/>
                 </a:solidFill>
                 <a:latin typeface="나눔명조"/>
                 <a:ea typeface="나눔명조"/>
               </a:rPr>
-              <a:t>4</a:t>
+              <a:t>개발 일정</a:t>
             </a:r>
-            <a:endParaRPr lang="en-US" sz="18500" b="0" strike="noStrike" spc="-1">
+            <a:endParaRPr lang="en-US" sz="4000" b="0" strike="noStrike" spc="-1">
               <a:latin typeface="Times New Roman"/>
             </a:endParaRPr>
           </a:p>
@@ -15159,14 +14845,14 @@
       </p:sp>
       <p:sp>
         <p:nvSpPr>
-          <p:cNvPr id="304" name="CustomShape 2"/>
+          <p:cNvPr id="292" name="CustomShape 2"/>
           <p:cNvSpPr/>
           <p:nvPr/>
         </p:nvSpPr>
         <p:spPr>
-          <a:xfrm rot="16200000">
-            <a:off x="9093600" y="4947120"/>
-            <a:ext cx="2623680" cy="715680"/>
+          <a:xfrm>
+            <a:off x="118080" y="3710520"/>
+            <a:ext cx="1615680" cy="2407680"/>
           </a:xfrm>
           <a:prstGeom prst="rect">
             <a:avLst/>
@@ -15194,20 +14880,10 @@
           <a:p>
             <a:pPr>
               <a:lnSpc>
-                <a:spcPts val="3849"/>
+                <a:spcPts val="18499"/>
               </a:lnSpc>
             </a:pPr>
-            <a:r>
-              <a:rPr lang="en-US" sz="3850" b="0" strike="noStrike" spc="-117">
-                <a:solidFill>
-                  <a:srgbClr val="D1D3D4"/>
-                </a:solidFill>
-                <a:latin typeface="나눔명조"/>
-                <a:ea typeface="나눔명조"/>
-              </a:rPr>
-              <a:t>confidential</a:t>
-            </a:r>
-            <a:endParaRPr lang="en-US" sz="3850" b="0" strike="noStrike" spc="-1">
+            <a:endParaRPr lang="en-US" sz="18500" b="0" strike="noStrike" spc="-1" dirty="0">
               <a:latin typeface="Times New Roman"/>
             </a:endParaRPr>
           </a:p>
@@ -15215,14 +14891,14 @@
       </p:sp>
       <p:sp>
         <p:nvSpPr>
-          <p:cNvPr id="305" name="CustomShape 3"/>
+          <p:cNvPr id="293" name="CustomShape 3"/>
           <p:cNvSpPr/>
           <p:nvPr/>
         </p:nvSpPr>
         <p:spPr>
-          <a:xfrm>
-            <a:off x="699120" y="432360"/>
-            <a:ext cx="2176560" cy="2515680"/>
+          <a:xfrm rot="16200000">
+            <a:off x="9093240" y="4948560"/>
+            <a:ext cx="2623680" cy="715680"/>
           </a:xfrm>
           <a:prstGeom prst="rect">
             <a:avLst/>
@@ -15248,40 +14924,91 @@
           <a:bodyPr lIns="0" tIns="0" rIns="0" bIns="0"/>
           <a:lstStyle/>
           <a:p>
-            <a:pPr algn="r">
+            <a:pPr>
               <a:lnSpc>
-                <a:spcPts val="4601"/>
+                <a:spcPts val="3849"/>
               </a:lnSpc>
             </a:pPr>
-            <a:endParaRPr lang="en-US" sz="1800" b="0" strike="noStrike" spc="-1" dirty="0">
+            <a:endParaRPr lang="en-US" sz="3850" b="0" strike="noStrike" spc="-1" dirty="0">
               <a:latin typeface="Times New Roman"/>
             </a:endParaRPr>
           </a:p>
-          <a:p>
-            <a:pPr algn="r">
-              <a:lnSpc>
-                <a:spcPts val="4601"/>
-              </a:lnSpc>
-            </a:pPr>
-            <a:r>
-              <a:rPr lang="en-US" sz="4000" b="0" strike="noStrike" spc="-1" dirty="0">
-                <a:solidFill>
-                  <a:srgbClr val="00AAAE"/>
-                </a:solidFill>
-                <a:latin typeface="나눔명조"/>
-                <a:ea typeface="나눔명조"/>
-              </a:rPr>
-              <a:t>DEMO</a:t>
-            </a:r>
-            <a:endParaRPr lang="en-US" sz="4000" b="0" strike="noStrike" spc="-1" dirty="0">
-              <a:latin typeface="Times New Roman"/>
-            </a:endParaRPr>
-          </a:p>
         </p:txBody>
       </p:sp>
       <p:sp>
         <p:nvSpPr>
-          <p:cNvPr id="306" name="CustomShape 4"/>
+          <p:cNvPr id="294" name="CustomShape 4"/>
+          <p:cNvSpPr/>
+          <p:nvPr/>
+        </p:nvSpPr>
+        <p:spPr>
+          <a:xfrm>
+            <a:off x="4320000" y="864000"/>
+            <a:ext cx="5935680" cy="2263680"/>
+          </a:xfrm>
+          <a:prstGeom prst="rect">
+            <a:avLst/>
+          </a:prstGeom>
+          <a:noFill/>
+          <a:ln>
+            <a:noFill/>
+          </a:ln>
+        </p:spPr>
+        <p:style>
+          <a:lnRef idx="0">
+            <a:scrgbClr r="0" g="0" b="0"/>
+          </a:lnRef>
+          <a:fillRef idx="0">
+            <a:scrgbClr r="0" g="0" b="0"/>
+          </a:fillRef>
+          <a:effectRef idx="0">
+            <a:scrgbClr r="0" g="0" b="0"/>
+          </a:effectRef>
+          <a:fontRef idx="minor"/>
+        </p:style>
+      </p:sp>
+      <p:sp>
+        <p:nvSpPr>
+          <p:cNvPr id="298" name="CustomShape 8"/>
+          <p:cNvSpPr/>
+          <p:nvPr/>
+        </p:nvSpPr>
+        <p:spPr>
+          <a:xfrm>
+            <a:off x="6873840" y="1235181"/>
+            <a:ext cx="270000" cy="265680"/>
+          </a:xfrm>
+          <a:prstGeom prst="downArrow">
+            <a:avLst>
+              <a:gd name="adj1" fmla="val 50000"/>
+              <a:gd name="adj2" fmla="val 50000"/>
+            </a:avLst>
+          </a:prstGeom>
+          <a:solidFill>
+            <a:schemeClr val="accent2"/>
+          </a:solidFill>
+          <a:ln>
+            <a:noFill/>
+          </a:ln>
+        </p:spPr>
+        <p:style>
+          <a:lnRef idx="2">
+            <a:schemeClr val="accent1">
+              <a:shade val="50000"/>
+            </a:schemeClr>
+          </a:lnRef>
+          <a:fillRef idx="1">
+            <a:schemeClr val="accent1"/>
+          </a:fillRef>
+          <a:effectRef idx="0">
+            <a:schemeClr val="accent1"/>
+          </a:effectRef>
+          <a:fontRef idx="minor"/>
+        </p:style>
+      </p:sp>
+      <p:sp>
+        <p:nvSpPr>
+          <p:cNvPr id="299" name="CustomShape 9"/>
           <p:cNvSpPr/>
           <p:nvPr/>
         </p:nvSpPr>
@@ -15319,7 +15046,7 @@
                 <a:spcPct val="100000"/>
               </a:lnSpc>
             </a:pPr>
-            <a:fld id="{B4C5496A-E8CF-44D6-83D5-350FF8F3AFFE}" type="slidenum">
+            <a:fld id="{1B3B86FF-E4DC-44C6-8412-B41B5B7219B5}" type="slidenum">
               <a:rPr lang="en-US" sz="3600" b="0" strike="noStrike" spc="-1">
                 <a:solidFill>
                   <a:srgbClr val="B2B2B2"/>
@@ -15335,7 +15062,120 @@
           </a:p>
         </p:txBody>
       </p:sp>
+      <p:pic>
+        <p:nvPicPr>
+          <p:cNvPr id="7" name="그림 6"/>
+          <p:cNvPicPr>
+            <a:picLocks noChangeAspect="1"/>
+          </p:cNvPicPr>
+          <p:nvPr/>
+        </p:nvPicPr>
+        <p:blipFill>
+          <a:blip r:embed="rId2"/>
+          <a:stretch>
+            <a:fillRect/>
+          </a:stretch>
+        </p:blipFill>
+        <p:spPr>
+          <a:xfrm>
+            <a:off x="321840" y="1527501"/>
+            <a:ext cx="9933840" cy="5422532"/>
+          </a:xfrm>
+          <a:prstGeom prst="rect">
+            <a:avLst/>
+          </a:prstGeom>
+        </p:spPr>
+      </p:pic>
+      <p:sp>
+        <p:nvSpPr>
+          <p:cNvPr id="9" name="CustomShape 3"/>
+          <p:cNvSpPr/>
+          <p:nvPr/>
+        </p:nvSpPr>
+        <p:spPr>
+          <a:xfrm>
+            <a:off x="4320000" y="432360"/>
+            <a:ext cx="5755680" cy="463680"/>
+          </a:xfrm>
+          <a:prstGeom prst="rect">
+            <a:avLst/>
+          </a:prstGeom>
+          <a:noFill/>
+          <a:ln>
+            <a:noFill/>
+          </a:ln>
+        </p:spPr>
+        <p:style>
+          <a:lnRef idx="0">
+            <a:scrgbClr r="0" g="0" b="0"/>
+          </a:lnRef>
+          <a:fillRef idx="0">
+            <a:scrgbClr r="0" g="0" b="0"/>
+          </a:fillRef>
+          <a:effectRef idx="0">
+            <a:scrgbClr r="0" g="0" b="0"/>
+          </a:effectRef>
+          <a:fontRef idx="minor"/>
+        </p:style>
+        <p:txBody>
+          <a:bodyPr lIns="0" tIns="0" rIns="0" bIns="0"/>
+          <a:lstStyle/>
+          <a:p>
+            <a:pPr>
+              <a:lnSpc>
+                <a:spcPts val="2401"/>
+              </a:lnSpc>
+            </a:pPr>
+            <a:endParaRPr lang="en-US" sz="2100" spc="-1" dirty="0">
+              <a:solidFill>
+                <a:srgbClr val="00AAAE"/>
+              </a:solidFill>
+              <a:latin typeface="나눔명조"/>
+              <a:ea typeface="나눔명조"/>
+            </a:endParaRPr>
+          </a:p>
+          <a:p>
+            <a:pPr>
+              <a:lnSpc>
+                <a:spcPts val="2401"/>
+              </a:lnSpc>
+            </a:pPr>
+            <a:endParaRPr lang="en-US" sz="2100" b="0" strike="noStrike" spc="-1" dirty="0">
+              <a:solidFill>
+                <a:srgbClr val="00AAAE"/>
+              </a:solidFill>
+              <a:latin typeface="나눔명조"/>
+              <a:ea typeface="나눔명조"/>
+            </a:endParaRPr>
+          </a:p>
+          <a:p>
+            <a:pPr>
+              <a:lnSpc>
+                <a:spcPts val="2401"/>
+              </a:lnSpc>
+            </a:pPr>
+            <a:r>
+              <a:rPr lang="ko-KR" altLang="en-US" sz="2100" b="0" strike="noStrike" spc="-1" dirty="0">
+                <a:solidFill>
+                  <a:srgbClr val="00AAAE"/>
+                </a:solidFill>
+                <a:latin typeface="나눔명조"/>
+                <a:ea typeface="나눔명조"/>
+              </a:rPr>
+              <a:t>세부 일정</a:t>
+            </a:r>
+            <a:endParaRPr lang="en-US" sz="2100" b="0" strike="noStrike" spc="-1" dirty="0">
+              <a:latin typeface="Times New Roman"/>
+            </a:endParaRPr>
+          </a:p>
+        </p:txBody>
+      </p:sp>
     </p:spTree>
+    <p:extLst>
+      <p:ext uri="{BB962C8B-B14F-4D97-AF65-F5344CB8AC3E}">
+        <p14:creationId xmlns:p14="http://schemas.microsoft.com/office/powerpoint/2010/main" val="1115029113"/>
+      </p:ext>
+    </p:extLst>
   </p:cSld>
   <p:clrMapOvr>
     <a:masterClrMapping/>
@@ -15389,14 +15229,14 @@
       </p:grpSpPr>
       <p:sp>
         <p:nvSpPr>
-          <p:cNvPr id="307" name="CustomShape 1"/>
+          <p:cNvPr id="303" name="CustomShape 1"/>
           <p:cNvSpPr/>
           <p:nvPr/>
         </p:nvSpPr>
         <p:spPr>
           <a:xfrm>
-            <a:off x="3222360" y="3625560"/>
-            <a:ext cx="4244400" cy="305640"/>
+            <a:off x="123840" y="3714480"/>
+            <a:ext cx="4482000" cy="2407680"/>
           </a:xfrm>
           <a:prstGeom prst="rect">
             <a:avLst/>
@@ -15422,22 +15262,22 @@
           <a:bodyPr lIns="0" tIns="0" rIns="0" bIns="0"/>
           <a:lstStyle/>
           <a:p>
-            <a:pPr algn="ctr">
+            <a:pPr>
               <a:lnSpc>
-                <a:spcPts val="2401"/>
+                <a:spcPts val="18499"/>
               </a:lnSpc>
             </a:pPr>
             <a:r>
-              <a:rPr lang="en-US" sz="2100" b="0" strike="noStrike" spc="-1" dirty="0">
+              <a:rPr lang="en-US" sz="18500" b="0" strike="noStrike" spc="-117">
                 <a:solidFill>
-                  <a:srgbClr val="00AAAE"/>
+                  <a:srgbClr val="E1E2E3"/>
                 </a:solidFill>
                 <a:latin typeface="나눔명조"/>
                 <a:ea typeface="나눔명조"/>
               </a:rPr>
-              <a:t>Q &amp; A</a:t>
+              <a:t>4</a:t>
             </a:r>
-            <a:endParaRPr lang="en-US" sz="2100" b="0" strike="noStrike" spc="-1" dirty="0">
+            <a:endParaRPr lang="en-US" sz="18500" b="0" strike="noStrike" spc="-1">
               <a:latin typeface="Times New Roman"/>
             </a:endParaRPr>
           </a:p>
@@ -15445,7 +15285,7 @@
       </p:sp>
       <p:sp>
         <p:nvSpPr>
-          <p:cNvPr id="308" name="CustomShape 2"/>
+          <p:cNvPr id="304" name="CustomShape 2"/>
           <p:cNvSpPr/>
           <p:nvPr/>
         </p:nvSpPr>
@@ -15501,7 +15341,73 @@
       </p:sp>
       <p:sp>
         <p:nvSpPr>
-          <p:cNvPr id="309" name="CustomShape 3"/>
+          <p:cNvPr id="305" name="CustomShape 3"/>
+          <p:cNvSpPr/>
+          <p:nvPr/>
+        </p:nvSpPr>
+        <p:spPr>
+          <a:xfrm>
+            <a:off x="699120" y="432360"/>
+            <a:ext cx="2176560" cy="2515680"/>
+          </a:xfrm>
+          <a:prstGeom prst="rect">
+            <a:avLst/>
+          </a:prstGeom>
+          <a:noFill/>
+          <a:ln>
+            <a:noFill/>
+          </a:ln>
+        </p:spPr>
+        <p:style>
+          <a:lnRef idx="0">
+            <a:scrgbClr r="0" g="0" b="0"/>
+          </a:lnRef>
+          <a:fillRef idx="0">
+            <a:scrgbClr r="0" g="0" b="0"/>
+          </a:fillRef>
+          <a:effectRef idx="0">
+            <a:scrgbClr r="0" g="0" b="0"/>
+          </a:effectRef>
+          <a:fontRef idx="minor"/>
+        </p:style>
+        <p:txBody>
+          <a:bodyPr lIns="0" tIns="0" rIns="0" bIns="0"/>
+          <a:lstStyle/>
+          <a:p>
+            <a:pPr algn="r">
+              <a:lnSpc>
+                <a:spcPts val="4601"/>
+              </a:lnSpc>
+            </a:pPr>
+            <a:endParaRPr lang="en-US" sz="1800" b="0" strike="noStrike" spc="-1" dirty="0">
+              <a:latin typeface="Times New Roman"/>
+            </a:endParaRPr>
+          </a:p>
+          <a:p>
+            <a:pPr algn="r">
+              <a:lnSpc>
+                <a:spcPts val="4601"/>
+              </a:lnSpc>
+            </a:pPr>
+            <a:r>
+              <a:rPr lang="en-US" sz="4000" b="0" strike="noStrike" spc="-1" dirty="0">
+                <a:solidFill>
+                  <a:srgbClr val="00AAAE"/>
+                </a:solidFill>
+                <a:latin typeface="나눔명조"/>
+                <a:ea typeface="나눔명조"/>
+              </a:rPr>
+              <a:t>DEMO</a:t>
+            </a:r>
+            <a:endParaRPr lang="en-US" sz="4000" b="0" strike="noStrike" spc="-1" dirty="0">
+              <a:latin typeface="Times New Roman"/>
+            </a:endParaRPr>
+          </a:p>
+        </p:txBody>
+      </p:sp>
+      <p:sp>
+        <p:nvSpPr>
+          <p:cNvPr id="306" name="CustomShape 4"/>
           <p:cNvSpPr/>
           <p:nvPr/>
         </p:nvSpPr>
@@ -15539,7 +15445,7 @@
                 <a:spcPct val="100000"/>
               </a:lnSpc>
             </a:pPr>
-            <a:fld id="{BEDC0114-8F35-4223-89BF-C151FC7B352D}" type="slidenum">
+            <a:fld id="{B4C5496A-E8CF-44D6-83D5-350FF8F3AFFE}" type="slidenum">
               <a:rPr lang="en-US" sz="3600" b="0" strike="noStrike" spc="-1">
                 <a:solidFill>
                   <a:srgbClr val="B2B2B2"/>
@@ -15591,7 +15497,7 @@
 </file>
 
 <file path=ppt/slides/slide18.xml><?xml version="1.0" encoding="utf-8"?>
-<p:sld xmlns:a="http://schemas.openxmlformats.org/drawingml/2006/main" xmlns:r="http://schemas.openxmlformats.org/officeDocument/2006/relationships" xmlns:p="http://schemas.openxmlformats.org/presentationml/2006/main" show="0">
+<p:sld xmlns:a="http://schemas.openxmlformats.org/drawingml/2006/main" xmlns:r="http://schemas.openxmlformats.org/officeDocument/2006/relationships" xmlns:p="http://schemas.openxmlformats.org/presentationml/2006/main">
   <p:cSld>
     <p:spTree>
       <p:nvGrpSpPr>
@@ -15609,14 +15515,14 @@
       </p:grpSpPr>
       <p:sp>
         <p:nvSpPr>
-          <p:cNvPr id="180" name="CustomShape 1"/>
+          <p:cNvPr id="307" name="CustomShape 1"/>
           <p:cNvSpPr/>
           <p:nvPr/>
         </p:nvSpPr>
         <p:spPr>
           <a:xfrm>
-            <a:off x="470880" y="432360"/>
-            <a:ext cx="2404800" cy="2515680"/>
+            <a:off x="3222360" y="3625560"/>
+            <a:ext cx="4244400" cy="305640"/>
           </a:xfrm>
           <a:prstGeom prst="rect">
             <a:avLst/>
@@ -15642,103 +15548,7 @@
           <a:bodyPr lIns="0" tIns="0" rIns="0" bIns="0"/>
           <a:lstStyle/>
           <a:p>
-            <a:pPr algn="r">
-              <a:lnSpc>
-                <a:spcPct val="100000"/>
-              </a:lnSpc>
-            </a:pPr>
-            <a:endParaRPr lang="en-US" sz="1800" b="0" strike="noStrike" spc="-1" dirty="0">
-              <a:latin typeface="Times New Roman"/>
-            </a:endParaRPr>
-          </a:p>
-          <a:p>
-            <a:pPr algn="r">
-              <a:lnSpc>
-                <a:spcPct val="100000"/>
-              </a:lnSpc>
-            </a:pPr>
-            <a:r>
-              <a:rPr lang="ko-KR" altLang="en-US" sz="4000" spc="-1" dirty="0">
-                <a:solidFill>
-                  <a:srgbClr val="00AAAE"/>
-                </a:solidFill>
-                <a:latin typeface="나눔명조"/>
-                <a:ea typeface="나눔명조"/>
-              </a:rPr>
-              <a:t>프로젝트</a:t>
-            </a:r>
-            <a:endParaRPr lang="en-US" sz="4000" b="0" strike="noStrike" spc="-1" dirty="0">
-              <a:latin typeface="Times New Roman"/>
-            </a:endParaRPr>
-          </a:p>
-        </p:txBody>
-      </p:sp>
-      <p:sp>
-        <p:nvSpPr>
-          <p:cNvPr id="181" name="CustomShape 2"/>
-          <p:cNvSpPr/>
-          <p:nvPr/>
-        </p:nvSpPr>
-        <p:spPr>
-          <a:xfrm>
-            <a:off x="4320000" y="432360"/>
-            <a:ext cx="5755680" cy="463680"/>
-          </a:xfrm>
-          <a:prstGeom prst="rect">
-            <a:avLst/>
-          </a:prstGeom>
-          <a:noFill/>
-          <a:ln>
-            <a:noFill/>
-          </a:ln>
-        </p:spPr>
-        <p:style>
-          <a:lnRef idx="0">
-            <a:scrgbClr r="0" g="0" b="0"/>
-          </a:lnRef>
-          <a:fillRef idx="0">
-            <a:scrgbClr r="0" g="0" b="0"/>
-          </a:fillRef>
-          <a:effectRef idx="0">
-            <a:scrgbClr r="0" g="0" b="0"/>
-          </a:effectRef>
-          <a:fontRef idx="minor"/>
-        </p:style>
-        <p:txBody>
-          <a:bodyPr lIns="0" tIns="0" rIns="0" bIns="0"/>
-          <a:lstStyle/>
-          <a:p>
-            <a:pPr>
-              <a:lnSpc>
-                <a:spcPts val="2401"/>
-              </a:lnSpc>
-            </a:pPr>
-            <a:endParaRPr lang="en-US" sz="1800" b="0" strike="noStrike" spc="-1" dirty="0">
-              <a:latin typeface="Times New Roman"/>
-            </a:endParaRPr>
-          </a:p>
-          <a:p>
-            <a:pPr>
-              <a:lnSpc>
-                <a:spcPts val="2401"/>
-              </a:lnSpc>
-            </a:pPr>
-            <a:endParaRPr lang="en-US" sz="1800" b="0" strike="noStrike" spc="-1" dirty="0">
-              <a:latin typeface="Times New Roman"/>
-            </a:endParaRPr>
-          </a:p>
-          <a:p>
-            <a:pPr>
-              <a:lnSpc>
-                <a:spcPts val="2401"/>
-              </a:lnSpc>
-            </a:pPr>
-            <a:endParaRPr lang="en-US" sz="1800" b="0" strike="noStrike" spc="-1" dirty="0">
-              <a:latin typeface="Times New Roman"/>
-            </a:endParaRPr>
-          </a:p>
-          <a:p>
-            <a:pPr>
+            <a:pPr algn="ctr">
               <a:lnSpc>
                 <a:spcPts val="2401"/>
               </a:lnSpc>
@@ -15751,7 +15561,7 @@
                 <a:latin typeface="나눔명조"/>
                 <a:ea typeface="나눔명조"/>
               </a:rPr>
-              <a:t>1</a:t>
+              <a:t>Q &amp; A</a:t>
             </a:r>
             <a:endParaRPr lang="en-US" sz="2100" b="0" strike="noStrike" spc="-1" dirty="0">
               <a:latin typeface="Times New Roman"/>
@@ -15761,196 +15571,13 @@
       </p:sp>
       <p:sp>
         <p:nvSpPr>
-          <p:cNvPr id="182" name="CustomShape 3"/>
+          <p:cNvPr id="308" name="CustomShape 2"/>
           <p:cNvSpPr/>
           <p:nvPr/>
         </p:nvSpPr>
         <p:spPr>
-          <a:xfrm>
-            <a:off x="4320000" y="863280"/>
-            <a:ext cx="5830200" cy="6466320"/>
-          </a:xfrm>
-          <a:prstGeom prst="rect">
-            <a:avLst/>
-          </a:prstGeom>
-          <a:noFill/>
-          <a:ln>
-            <a:noFill/>
-          </a:ln>
-        </p:spPr>
-        <p:style>
-          <a:lnRef idx="0">
-            <a:scrgbClr r="0" g="0" b="0"/>
-          </a:lnRef>
-          <a:fillRef idx="0">
-            <a:scrgbClr r="0" g="0" b="0"/>
-          </a:fillRef>
-          <a:effectRef idx="0">
-            <a:scrgbClr r="0" g="0" b="0"/>
-          </a:effectRef>
-          <a:fontRef idx="minor"/>
-        </p:style>
-        <p:txBody>
-          <a:bodyPr lIns="0" tIns="0" rIns="0" bIns="0"/>
-          <a:lstStyle/>
-          <a:p>
-            <a:pPr algn="just">
-              <a:lnSpc>
-                <a:spcPct val="150000"/>
-              </a:lnSpc>
-            </a:pPr>
-            <a:endParaRPr lang="en-US" sz="1800" b="0" strike="noStrike" spc="-1" dirty="0">
-              <a:latin typeface="Times New Roman"/>
-            </a:endParaRPr>
-          </a:p>
-          <a:p>
-            <a:pPr algn="just">
-              <a:lnSpc>
-                <a:spcPct val="150000"/>
-              </a:lnSpc>
-            </a:pPr>
-            <a:endParaRPr lang="en-US" sz="1800" b="0" strike="noStrike" spc="-1" dirty="0">
-              <a:latin typeface="Times New Roman"/>
-            </a:endParaRPr>
-          </a:p>
-          <a:p>
-            <a:pPr algn="just">
-              <a:lnSpc>
-                <a:spcPct val="150000"/>
-              </a:lnSpc>
-            </a:pPr>
-            <a:endParaRPr lang="en-US" sz="1800" b="0" strike="noStrike" spc="-1" dirty="0">
-              <a:latin typeface="Times New Roman"/>
-            </a:endParaRPr>
-          </a:p>
-          <a:p>
-            <a:pPr algn="just">
-              <a:lnSpc>
-                <a:spcPct val="150000"/>
-              </a:lnSpc>
-            </a:pPr>
-            <a:endParaRPr lang="en-US" sz="1800" b="0" strike="noStrike" spc="-1" dirty="0">
-              <a:latin typeface="Times New Roman"/>
-            </a:endParaRPr>
-          </a:p>
-          <a:p>
-            <a:pPr marL="171360" indent="-167040" algn="just">
-              <a:lnSpc>
-                <a:spcPct val="150000"/>
-              </a:lnSpc>
-              <a:buClr>
-                <a:srgbClr val="745EA8"/>
-              </a:buClr>
-              <a:buFont typeface="Arial"/>
-              <a:buChar char="•"/>
-            </a:pPr>
-            <a:r>
-              <a:rPr lang="en-US" sz="1800" b="0" strike="noStrike" spc="-1" dirty="0">
-                <a:solidFill>
-                  <a:srgbClr val="745EA8"/>
-                </a:solidFill>
-                <a:latin typeface="나눔고딕"/>
-                <a:ea typeface="나눔고딕"/>
-              </a:rPr>
-              <a:t>2</a:t>
-            </a:r>
-            <a:endParaRPr lang="en-US" sz="1800" b="0" strike="noStrike" spc="-1" dirty="0">
-              <a:latin typeface="Times New Roman"/>
-            </a:endParaRPr>
-          </a:p>
-          <a:p>
-            <a:pPr marL="432000" lvl="1" indent="-212760" algn="just">
-              <a:lnSpc>
-                <a:spcPct val="150000"/>
-              </a:lnSpc>
-              <a:buClr>
-                <a:srgbClr val="000000"/>
-              </a:buClr>
-              <a:buSzPct val="45000"/>
-              <a:buFont typeface="Wingdings" charset="2"/>
-              <a:buChar char=""/>
-            </a:pPr>
-            <a:r>
-              <a:rPr lang="en-US" sz="1800" b="0" strike="noStrike" spc="-1" dirty="0">
-                <a:solidFill>
-                  <a:srgbClr val="000000"/>
-                </a:solidFill>
-                <a:latin typeface="맑은 고딕"/>
-                <a:ea typeface="나눔고딕"/>
-              </a:rPr>
-              <a:t>3.</a:t>
-            </a:r>
-            <a:endParaRPr lang="en-US" sz="1800" b="0" strike="noStrike" spc="-1" dirty="0">
-              <a:latin typeface="Times New Roman"/>
-            </a:endParaRPr>
-          </a:p>
-        </p:txBody>
-      </p:sp>
-      <p:sp>
-        <p:nvSpPr>
-          <p:cNvPr id="183" name="CustomShape 4"/>
-          <p:cNvSpPr/>
-          <p:nvPr/>
-        </p:nvSpPr>
-        <p:spPr>
-          <a:xfrm>
-            <a:off x="118080" y="3710520"/>
-            <a:ext cx="1615680" cy="2407680"/>
-          </a:xfrm>
-          <a:prstGeom prst="rect">
-            <a:avLst/>
-          </a:prstGeom>
-          <a:noFill/>
-          <a:ln>
-            <a:noFill/>
-          </a:ln>
-        </p:spPr>
-        <p:style>
-          <a:lnRef idx="0">
-            <a:scrgbClr r="0" g="0" b="0"/>
-          </a:lnRef>
-          <a:fillRef idx="0">
-            <a:scrgbClr r="0" g="0" b="0"/>
-          </a:fillRef>
-          <a:effectRef idx="0">
-            <a:scrgbClr r="0" g="0" b="0"/>
-          </a:effectRef>
-          <a:fontRef idx="minor"/>
-        </p:style>
-        <p:txBody>
-          <a:bodyPr lIns="0" tIns="0" rIns="0" bIns="0"/>
-          <a:lstStyle/>
-          <a:p>
-            <a:pPr>
-              <a:lnSpc>
-                <a:spcPts val="18499"/>
-              </a:lnSpc>
-            </a:pPr>
-            <a:r>
-              <a:rPr lang="en-US" sz="18500" b="0" strike="noStrike" spc="-117">
-                <a:solidFill>
-                  <a:srgbClr val="E1E2E3"/>
-                </a:solidFill>
-                <a:latin typeface="나눔명조"/>
-                <a:ea typeface="나눔명조"/>
-              </a:rPr>
-              <a:t>1</a:t>
-            </a:r>
-            <a:endParaRPr lang="en-US" sz="18500" b="0" strike="noStrike" spc="-1">
-              <a:latin typeface="Times New Roman"/>
-            </a:endParaRPr>
-          </a:p>
-        </p:txBody>
-      </p:sp>
-      <p:sp>
-        <p:nvSpPr>
-          <p:cNvPr id="184" name="CustomShape 5"/>
-          <p:cNvSpPr/>
-          <p:nvPr/>
-        </p:nvSpPr>
-        <p:spPr>
           <a:xfrm rot="16200000">
-            <a:off x="9093240" y="4948560"/>
+            <a:off x="9093600" y="4947120"/>
             <a:ext cx="2623680" cy="715680"/>
           </a:xfrm>
           <a:prstGeom prst="rect">
@@ -16000,7 +15627,7 @@
       </p:sp>
       <p:sp>
         <p:nvSpPr>
-          <p:cNvPr id="185" name="CustomShape 6"/>
+          <p:cNvPr id="309" name="CustomShape 3"/>
           <p:cNvSpPr/>
           <p:nvPr/>
         </p:nvSpPr>
@@ -16038,7 +15665,7 @@
                 <a:spcPct val="100000"/>
               </a:lnSpc>
             </a:pPr>
-            <a:fld id="{B7B0DEE4-020F-4BDE-8D48-D9DC0918F8F2}" type="slidenum">
+            <a:fld id="{BEDC0114-8F35-4223-89BF-C151FC7B352D}" type="slidenum">
               <a:rPr lang="en-US" sz="3600" b="0" strike="noStrike" spc="-1">
                 <a:solidFill>
                   <a:srgbClr val="B2B2B2"/>
@@ -16108,7 +15735,7 @@
       </p:grpSpPr>
       <p:sp>
         <p:nvSpPr>
-          <p:cNvPr id="258" name="CustomShape 1"/>
+          <p:cNvPr id="180" name="CustomShape 1"/>
           <p:cNvSpPr/>
           <p:nvPr/>
         </p:nvSpPr>
@@ -16146,14 +15773,25 @@
                 <a:spcPct val="100000"/>
               </a:lnSpc>
             </a:pPr>
+            <a:endParaRPr lang="en-US" sz="1800" b="0" strike="noStrike" spc="-1" dirty="0">
+              <a:latin typeface="Times New Roman"/>
+            </a:endParaRPr>
+          </a:p>
+          <a:p>
+            <a:pPr algn="r">
+              <a:lnSpc>
+                <a:spcPct val="100000"/>
+              </a:lnSpc>
+            </a:pPr>
             <a:r>
-              <a:rPr lang="ko-KR" altLang="en-US" spc="-1" dirty="0">
+              <a:rPr lang="ko-KR" altLang="en-US" sz="4000" spc="-1" dirty="0">
                 <a:solidFill>
                   <a:srgbClr val="00AAAE"/>
                 </a:solidFill>
                 <a:latin typeface="나눔명조"/>
+                <a:ea typeface="나눔명조"/>
               </a:rPr>
-              <a:t>피드백</a:t>
+              <a:t>프로젝트</a:t>
             </a:r>
             <a:endParaRPr lang="en-US" sz="4000" b="0" strike="noStrike" spc="-1" dirty="0">
               <a:latin typeface="Times New Roman"/>
@@ -16163,7 +15801,220 @@
       </p:sp>
       <p:sp>
         <p:nvSpPr>
-          <p:cNvPr id="259" name="CustomShape 2"/>
+          <p:cNvPr id="181" name="CustomShape 2"/>
+          <p:cNvSpPr/>
+          <p:nvPr/>
+        </p:nvSpPr>
+        <p:spPr>
+          <a:xfrm>
+            <a:off x="4320000" y="432360"/>
+            <a:ext cx="5755680" cy="463680"/>
+          </a:xfrm>
+          <a:prstGeom prst="rect">
+            <a:avLst/>
+          </a:prstGeom>
+          <a:noFill/>
+          <a:ln>
+            <a:noFill/>
+          </a:ln>
+        </p:spPr>
+        <p:style>
+          <a:lnRef idx="0">
+            <a:scrgbClr r="0" g="0" b="0"/>
+          </a:lnRef>
+          <a:fillRef idx="0">
+            <a:scrgbClr r="0" g="0" b="0"/>
+          </a:fillRef>
+          <a:effectRef idx="0">
+            <a:scrgbClr r="0" g="0" b="0"/>
+          </a:effectRef>
+          <a:fontRef idx="minor"/>
+        </p:style>
+        <p:txBody>
+          <a:bodyPr lIns="0" tIns="0" rIns="0" bIns="0"/>
+          <a:lstStyle/>
+          <a:p>
+            <a:pPr>
+              <a:lnSpc>
+                <a:spcPts val="2401"/>
+              </a:lnSpc>
+            </a:pPr>
+            <a:endParaRPr lang="en-US" sz="1800" b="0" strike="noStrike" spc="-1" dirty="0">
+              <a:latin typeface="Times New Roman"/>
+            </a:endParaRPr>
+          </a:p>
+          <a:p>
+            <a:pPr>
+              <a:lnSpc>
+                <a:spcPts val="2401"/>
+              </a:lnSpc>
+            </a:pPr>
+            <a:endParaRPr lang="en-US" sz="1800" b="0" strike="noStrike" spc="-1" dirty="0">
+              <a:latin typeface="Times New Roman"/>
+            </a:endParaRPr>
+          </a:p>
+          <a:p>
+            <a:pPr>
+              <a:lnSpc>
+                <a:spcPts val="2401"/>
+              </a:lnSpc>
+            </a:pPr>
+            <a:endParaRPr lang="en-US" sz="1800" b="0" strike="noStrike" spc="-1" dirty="0">
+              <a:latin typeface="Times New Roman"/>
+            </a:endParaRPr>
+          </a:p>
+          <a:p>
+            <a:pPr>
+              <a:lnSpc>
+                <a:spcPts val="2401"/>
+              </a:lnSpc>
+            </a:pPr>
+            <a:r>
+              <a:rPr lang="en-US" sz="2100" b="0" strike="noStrike" spc="-1" dirty="0">
+                <a:solidFill>
+                  <a:srgbClr val="00AAAE"/>
+                </a:solidFill>
+                <a:latin typeface="나눔명조"/>
+                <a:ea typeface="나눔명조"/>
+              </a:rPr>
+              <a:t>1</a:t>
+            </a:r>
+            <a:endParaRPr lang="en-US" sz="2100" b="0" strike="noStrike" spc="-1" dirty="0">
+              <a:latin typeface="Times New Roman"/>
+            </a:endParaRPr>
+          </a:p>
+        </p:txBody>
+      </p:sp>
+      <p:sp>
+        <p:nvSpPr>
+          <p:cNvPr id="182" name="CustomShape 3"/>
+          <p:cNvSpPr/>
+          <p:nvPr/>
+        </p:nvSpPr>
+        <p:spPr>
+          <a:xfrm>
+            <a:off x="4320000" y="863280"/>
+            <a:ext cx="5830200" cy="6466320"/>
+          </a:xfrm>
+          <a:prstGeom prst="rect">
+            <a:avLst/>
+          </a:prstGeom>
+          <a:noFill/>
+          <a:ln>
+            <a:noFill/>
+          </a:ln>
+        </p:spPr>
+        <p:style>
+          <a:lnRef idx="0">
+            <a:scrgbClr r="0" g="0" b="0"/>
+          </a:lnRef>
+          <a:fillRef idx="0">
+            <a:scrgbClr r="0" g="0" b="0"/>
+          </a:fillRef>
+          <a:effectRef idx="0">
+            <a:scrgbClr r="0" g="0" b="0"/>
+          </a:effectRef>
+          <a:fontRef idx="minor"/>
+        </p:style>
+        <p:txBody>
+          <a:bodyPr lIns="0" tIns="0" rIns="0" bIns="0"/>
+          <a:lstStyle/>
+          <a:p>
+            <a:pPr algn="just">
+              <a:lnSpc>
+                <a:spcPct val="150000"/>
+              </a:lnSpc>
+            </a:pPr>
+            <a:endParaRPr lang="en-US" sz="1800" b="0" strike="noStrike" spc="-1" dirty="0">
+              <a:latin typeface="Times New Roman"/>
+            </a:endParaRPr>
+          </a:p>
+          <a:p>
+            <a:pPr algn="just">
+              <a:lnSpc>
+                <a:spcPct val="150000"/>
+              </a:lnSpc>
+            </a:pPr>
+            <a:endParaRPr lang="en-US" sz="1800" b="0" strike="noStrike" spc="-1" dirty="0">
+              <a:latin typeface="Times New Roman"/>
+            </a:endParaRPr>
+          </a:p>
+          <a:p>
+            <a:pPr algn="just">
+              <a:lnSpc>
+                <a:spcPct val="150000"/>
+              </a:lnSpc>
+            </a:pPr>
+            <a:endParaRPr lang="en-US" sz="1800" b="0" strike="noStrike" spc="-1" dirty="0">
+              <a:latin typeface="Times New Roman"/>
+            </a:endParaRPr>
+          </a:p>
+          <a:p>
+            <a:pPr algn="just">
+              <a:lnSpc>
+                <a:spcPct val="150000"/>
+              </a:lnSpc>
+            </a:pPr>
+            <a:endParaRPr lang="en-US" sz="1800" b="0" strike="noStrike" spc="-1" dirty="0">
+              <a:latin typeface="Times New Roman"/>
+            </a:endParaRPr>
+          </a:p>
+          <a:p>
+            <a:pPr marL="171360" indent="-167040" algn="just">
+              <a:lnSpc>
+                <a:spcPct val="150000"/>
+              </a:lnSpc>
+              <a:buClr>
+                <a:srgbClr val="745EA8"/>
+              </a:buClr>
+              <a:buFont typeface="Arial"/>
+              <a:buChar char="•"/>
+            </a:pPr>
+            <a:r>
+              <a:rPr lang="en-US" sz="1800" b="0" strike="noStrike" spc="-1" dirty="0">
+                <a:solidFill>
+                  <a:srgbClr val="745EA8"/>
+                </a:solidFill>
+                <a:latin typeface="나눔고딕"/>
+                <a:ea typeface="나눔고딕"/>
+              </a:rPr>
+              <a:t>2</a:t>
+            </a:r>
+            <a:endParaRPr lang="en-US" sz="1800" b="0" strike="noStrike" spc="-1" dirty="0">
+              <a:latin typeface="Times New Roman"/>
+            </a:endParaRPr>
+          </a:p>
+          <a:p>
+            <a:pPr marL="432000" lvl="1" indent="-212760" algn="just">
+              <a:lnSpc>
+                <a:spcPct val="150000"/>
+              </a:lnSpc>
+              <a:buClr>
+                <a:srgbClr val="000000"/>
+              </a:buClr>
+              <a:buSzPct val="45000"/>
+              <a:buFont typeface="Wingdings" charset="2"/>
+              <a:buChar char=""/>
+            </a:pPr>
+            <a:r>
+              <a:rPr lang="en-US" sz="1800" b="0" strike="noStrike" spc="-1" dirty="0">
+                <a:solidFill>
+                  <a:srgbClr val="000000"/>
+                </a:solidFill>
+                <a:latin typeface="맑은 고딕"/>
+                <a:ea typeface="나눔고딕"/>
+              </a:rPr>
+              <a:t>3.</a:t>
+            </a:r>
+            <a:endParaRPr lang="en-US" sz="1800" b="0" strike="noStrike" spc="-1" dirty="0">
+              <a:latin typeface="Times New Roman"/>
+            </a:endParaRPr>
+          </a:p>
+        </p:txBody>
+      </p:sp>
+      <p:sp>
+        <p:nvSpPr>
+          <p:cNvPr id="183" name="CustomShape 4"/>
           <p:cNvSpPr/>
           <p:nvPr/>
         </p:nvSpPr>
@@ -16209,7 +16060,7 @@
                 <a:latin typeface="나눔명조"/>
                 <a:ea typeface="나눔명조"/>
               </a:rPr>
-              <a:t>2</a:t>
+              <a:t>1</a:t>
             </a:r>
             <a:endParaRPr lang="en-US" sz="18500" b="0" strike="noStrike" spc="-1">
               <a:latin typeface="Times New Roman"/>
@@ -16219,7 +16070,7 @@
       </p:sp>
       <p:sp>
         <p:nvSpPr>
-          <p:cNvPr id="260" name="CustomShape 3"/>
+          <p:cNvPr id="184" name="CustomShape 5"/>
           <p:cNvSpPr/>
           <p:nvPr/>
         </p:nvSpPr>
@@ -16275,39 +16126,7 @@
       </p:sp>
       <p:sp>
         <p:nvSpPr>
-          <p:cNvPr id="261" name="CustomShape 4"/>
-          <p:cNvSpPr/>
-          <p:nvPr/>
-        </p:nvSpPr>
-        <p:spPr>
-          <a:xfrm>
-            <a:off x="4320000" y="864000"/>
-            <a:ext cx="5935680" cy="2263680"/>
-          </a:xfrm>
-          <a:prstGeom prst="rect">
-            <a:avLst/>
-          </a:prstGeom>
-          <a:noFill/>
-          <a:ln>
-            <a:noFill/>
-          </a:ln>
-        </p:spPr>
-        <p:style>
-          <a:lnRef idx="0">
-            <a:scrgbClr r="0" g="0" b="0"/>
-          </a:lnRef>
-          <a:fillRef idx="0">
-            <a:scrgbClr r="0" g="0" b="0"/>
-          </a:fillRef>
-          <a:effectRef idx="0">
-            <a:scrgbClr r="0" g="0" b="0"/>
-          </a:effectRef>
-          <a:fontRef idx="minor"/>
-        </p:style>
-      </p:sp>
-      <p:sp>
-        <p:nvSpPr>
-          <p:cNvPr id="262" name="CustomShape 5"/>
+          <p:cNvPr id="185" name="CustomShape 6"/>
           <p:cNvSpPr/>
           <p:nvPr/>
         </p:nvSpPr>
@@ -16345,7 +16164,7 @@
                 <a:spcPct val="100000"/>
               </a:lnSpc>
             </a:pPr>
-            <a:fld id="{4BE3E488-F79C-47A6-9A13-15ED77F759EE}" type="slidenum">
+            <a:fld id="{B7B0DEE4-020F-4BDE-8D48-D9DC0918F8F2}" type="slidenum">
               <a:rPr lang="en-US" sz="3600" b="0" strike="noStrike" spc="-1">
                 <a:solidFill>
                   <a:srgbClr val="B2B2B2"/>
@@ -16844,6 +16663,313 @@
                 <a:ea typeface="DejaVu Sans"/>
               </a:rPr>
               <a:t>2</a:t>
+            </a:fld>
+            <a:endParaRPr lang="en-US" sz="3600" b="0" strike="noStrike" spc="-1">
+              <a:latin typeface="Times New Roman"/>
+            </a:endParaRPr>
+          </a:p>
+        </p:txBody>
+      </p:sp>
+    </p:spTree>
+  </p:cSld>
+  <p:clrMapOvr>
+    <a:masterClrMapping/>
+  </p:clrMapOvr>
+  <p:timing>
+    <p:tnLst>
+      <p:par>
+        <p:cTn id="1" dur="indefinite" restart="never" nodeType="tmRoot">
+          <p:childTnLst>
+            <p:seq>
+              <p:cTn id="2" dur="indefinite" nodeType="mainSeq"/>
+              <p:prevCondLst>
+                <p:cond evt="onPrev" delay="0">
+                  <p:tgtEl>
+                    <p:sldTgt/>
+                  </p:tgtEl>
+                </p:cond>
+              </p:prevCondLst>
+              <p:nextCondLst>
+                <p:cond evt="onNext" delay="0">
+                  <p:tgtEl>
+                    <p:sldTgt/>
+                  </p:tgtEl>
+                </p:cond>
+              </p:nextCondLst>
+            </p:seq>
+          </p:childTnLst>
+        </p:cTn>
+      </p:par>
+    </p:tnLst>
+  </p:timing>
+</p:sld>
+</file>
+
+<file path=ppt/slides/slide20.xml><?xml version="1.0" encoding="utf-8"?>
+<p:sld xmlns:a="http://schemas.openxmlformats.org/drawingml/2006/main" xmlns:r="http://schemas.openxmlformats.org/officeDocument/2006/relationships" xmlns:p="http://schemas.openxmlformats.org/presentationml/2006/main" show="0">
+  <p:cSld>
+    <p:spTree>
+      <p:nvGrpSpPr>
+        <p:cNvPr id="1" name=""/>
+        <p:cNvGrpSpPr/>
+        <p:nvPr/>
+      </p:nvGrpSpPr>
+      <p:grpSpPr>
+        <a:xfrm>
+          <a:off x="0" y="0"/>
+          <a:ext cx="0" cy="0"/>
+          <a:chOff x="0" y="0"/>
+          <a:chExt cx="0" cy="0"/>
+        </a:xfrm>
+      </p:grpSpPr>
+      <p:sp>
+        <p:nvSpPr>
+          <p:cNvPr id="258" name="CustomShape 1"/>
+          <p:cNvSpPr/>
+          <p:nvPr/>
+        </p:nvSpPr>
+        <p:spPr>
+          <a:xfrm>
+            <a:off x="470880" y="432360"/>
+            <a:ext cx="2404800" cy="2515680"/>
+          </a:xfrm>
+          <a:prstGeom prst="rect">
+            <a:avLst/>
+          </a:prstGeom>
+          <a:noFill/>
+          <a:ln>
+            <a:noFill/>
+          </a:ln>
+        </p:spPr>
+        <p:style>
+          <a:lnRef idx="0">
+            <a:scrgbClr r="0" g="0" b="0"/>
+          </a:lnRef>
+          <a:fillRef idx="0">
+            <a:scrgbClr r="0" g="0" b="0"/>
+          </a:fillRef>
+          <a:effectRef idx="0">
+            <a:scrgbClr r="0" g="0" b="0"/>
+          </a:effectRef>
+          <a:fontRef idx="minor"/>
+        </p:style>
+        <p:txBody>
+          <a:bodyPr lIns="0" tIns="0" rIns="0" bIns="0"/>
+          <a:lstStyle/>
+          <a:p>
+            <a:pPr algn="r">
+              <a:lnSpc>
+                <a:spcPct val="100000"/>
+              </a:lnSpc>
+            </a:pPr>
+            <a:r>
+              <a:rPr lang="ko-KR" altLang="en-US" spc="-1" dirty="0">
+                <a:solidFill>
+                  <a:srgbClr val="00AAAE"/>
+                </a:solidFill>
+                <a:latin typeface="나눔명조"/>
+              </a:rPr>
+              <a:t>피드백</a:t>
+            </a:r>
+            <a:endParaRPr lang="en-US" sz="4000" b="0" strike="noStrike" spc="-1" dirty="0">
+              <a:latin typeface="Times New Roman"/>
+            </a:endParaRPr>
+          </a:p>
+        </p:txBody>
+      </p:sp>
+      <p:sp>
+        <p:nvSpPr>
+          <p:cNvPr id="259" name="CustomShape 2"/>
+          <p:cNvSpPr/>
+          <p:nvPr/>
+        </p:nvSpPr>
+        <p:spPr>
+          <a:xfrm>
+            <a:off x="118080" y="3710520"/>
+            <a:ext cx="1615680" cy="2407680"/>
+          </a:xfrm>
+          <a:prstGeom prst="rect">
+            <a:avLst/>
+          </a:prstGeom>
+          <a:noFill/>
+          <a:ln>
+            <a:noFill/>
+          </a:ln>
+        </p:spPr>
+        <p:style>
+          <a:lnRef idx="0">
+            <a:scrgbClr r="0" g="0" b="0"/>
+          </a:lnRef>
+          <a:fillRef idx="0">
+            <a:scrgbClr r="0" g="0" b="0"/>
+          </a:fillRef>
+          <a:effectRef idx="0">
+            <a:scrgbClr r="0" g="0" b="0"/>
+          </a:effectRef>
+          <a:fontRef idx="minor"/>
+        </p:style>
+        <p:txBody>
+          <a:bodyPr lIns="0" tIns="0" rIns="0" bIns="0"/>
+          <a:lstStyle/>
+          <a:p>
+            <a:pPr>
+              <a:lnSpc>
+                <a:spcPts val="18499"/>
+              </a:lnSpc>
+            </a:pPr>
+            <a:r>
+              <a:rPr lang="en-US" sz="18500" b="0" strike="noStrike" spc="-117">
+                <a:solidFill>
+                  <a:srgbClr val="E1E2E3"/>
+                </a:solidFill>
+                <a:latin typeface="나눔명조"/>
+                <a:ea typeface="나눔명조"/>
+              </a:rPr>
+              <a:t>2</a:t>
+            </a:r>
+            <a:endParaRPr lang="en-US" sz="18500" b="0" strike="noStrike" spc="-1">
+              <a:latin typeface="Times New Roman"/>
+            </a:endParaRPr>
+          </a:p>
+        </p:txBody>
+      </p:sp>
+      <p:sp>
+        <p:nvSpPr>
+          <p:cNvPr id="260" name="CustomShape 3"/>
+          <p:cNvSpPr/>
+          <p:nvPr/>
+        </p:nvSpPr>
+        <p:spPr>
+          <a:xfrm rot="16200000">
+            <a:off x="9093240" y="4948560"/>
+            <a:ext cx="2623680" cy="715680"/>
+          </a:xfrm>
+          <a:prstGeom prst="rect">
+            <a:avLst/>
+          </a:prstGeom>
+          <a:noFill/>
+          <a:ln>
+            <a:noFill/>
+          </a:ln>
+        </p:spPr>
+        <p:style>
+          <a:lnRef idx="0">
+            <a:scrgbClr r="0" g="0" b="0"/>
+          </a:lnRef>
+          <a:fillRef idx="0">
+            <a:scrgbClr r="0" g="0" b="0"/>
+          </a:fillRef>
+          <a:effectRef idx="0">
+            <a:scrgbClr r="0" g="0" b="0"/>
+          </a:effectRef>
+          <a:fontRef idx="minor"/>
+        </p:style>
+        <p:txBody>
+          <a:bodyPr lIns="0" tIns="0" rIns="0" bIns="0"/>
+          <a:lstStyle/>
+          <a:p>
+            <a:pPr>
+              <a:lnSpc>
+                <a:spcPts val="3849"/>
+              </a:lnSpc>
+            </a:pPr>
+            <a:r>
+              <a:rPr lang="en-US" sz="3850" b="0" strike="noStrike" spc="-117">
+                <a:solidFill>
+                  <a:srgbClr val="D1D3D4"/>
+                </a:solidFill>
+                <a:latin typeface="나눔명조"/>
+                <a:ea typeface="나눔명조"/>
+              </a:rPr>
+              <a:t>confidential</a:t>
+            </a:r>
+            <a:endParaRPr lang="en-US" sz="3850" b="0" strike="noStrike" spc="-1">
+              <a:latin typeface="Times New Roman"/>
+            </a:endParaRPr>
+          </a:p>
+        </p:txBody>
+      </p:sp>
+      <p:sp>
+        <p:nvSpPr>
+          <p:cNvPr id="261" name="CustomShape 4"/>
+          <p:cNvSpPr/>
+          <p:nvPr/>
+        </p:nvSpPr>
+        <p:spPr>
+          <a:xfrm>
+            <a:off x="4320000" y="864000"/>
+            <a:ext cx="5935680" cy="2263680"/>
+          </a:xfrm>
+          <a:prstGeom prst="rect">
+            <a:avLst/>
+          </a:prstGeom>
+          <a:noFill/>
+          <a:ln>
+            <a:noFill/>
+          </a:ln>
+        </p:spPr>
+        <p:style>
+          <a:lnRef idx="0">
+            <a:scrgbClr r="0" g="0" b="0"/>
+          </a:lnRef>
+          <a:fillRef idx="0">
+            <a:scrgbClr r="0" g="0" b="0"/>
+          </a:fillRef>
+          <a:effectRef idx="0">
+            <a:scrgbClr r="0" g="0" b="0"/>
+          </a:effectRef>
+          <a:fontRef idx="minor"/>
+        </p:style>
+      </p:sp>
+      <p:sp>
+        <p:nvSpPr>
+          <p:cNvPr id="262" name="CustomShape 5"/>
+          <p:cNvSpPr/>
+          <p:nvPr/>
+        </p:nvSpPr>
+        <p:spPr>
+          <a:xfrm>
+            <a:off x="7665840" y="184320"/>
+            <a:ext cx="2738880" cy="360720"/>
+          </a:xfrm>
+          <a:prstGeom prst="rect">
+            <a:avLst/>
+          </a:prstGeom>
+          <a:noFill/>
+          <a:ln>
+            <a:noFill/>
+          </a:ln>
+        </p:spPr>
+        <p:style>
+          <a:lnRef idx="0">
+            <a:scrgbClr r="0" g="0" b="0"/>
+          </a:lnRef>
+          <a:fillRef idx="0">
+            <a:scrgbClr r="0" g="0" b="0"/>
+          </a:fillRef>
+          <a:effectRef idx="0">
+            <a:scrgbClr r="0" g="0" b="0"/>
+          </a:effectRef>
+          <a:fontRef idx="minor"/>
+        </p:style>
+        <p:txBody>
+          <a:bodyPr lIns="90000" tIns="45000" rIns="90000" bIns="45000" anchor="ctr"/>
+          <a:lstStyle/>
+          <a:p>
+            <a:pPr algn="r">
+              <a:lnSpc>
+                <a:spcPct val="100000"/>
+              </a:lnSpc>
+            </a:pPr>
+            <a:fld id="{4BE3E488-F79C-47A6-9A13-15ED77F759EE}" type="slidenum">
+              <a:rPr lang="en-US" sz="3600" b="0" strike="noStrike" spc="-1">
+                <a:solidFill>
+                  <a:srgbClr val="B2B2B2"/>
+                </a:solidFill>
+                <a:latin typeface="맑은 고딕"/>
+                <a:ea typeface="DejaVu Sans"/>
+              </a:rPr>
+              <a:t>20</a:t>
             </a:fld>
             <a:endParaRPr lang="en-US" sz="3600" b="0" strike="noStrike" spc="-1">
               <a:latin typeface="Times New Roman"/>

--- a/제출자료/발표자료/중간_발표_자료_12조.pptx
+++ b/제출자료/발표자료/중간_발표_자료_12조.pptx
@@ -13,20 +13,22 @@
     <p:sldId id="259" r:id="rId7"/>
     <p:sldId id="260" r:id="rId8"/>
     <p:sldId id="261" r:id="rId9"/>
-    <p:sldId id="282" r:id="rId10"/>
-    <p:sldId id="286" r:id="rId11"/>
-    <p:sldId id="287" r:id="rId12"/>
-    <p:sldId id="289" r:id="rId13"/>
-    <p:sldId id="291" r:id="rId14"/>
-    <p:sldId id="293" r:id="rId15"/>
-    <p:sldId id="283" r:id="rId16"/>
-    <p:sldId id="284" r:id="rId17"/>
-    <p:sldId id="281" r:id="rId18"/>
-    <p:sldId id="280" r:id="rId19"/>
-    <p:sldId id="278" r:id="rId20"/>
-    <p:sldId id="279" r:id="rId21"/>
-    <p:sldId id="265" r:id="rId22"/>
-    <p:sldId id="273" r:id="rId23"/>
+    <p:sldId id="283" r:id="rId10"/>
+    <p:sldId id="284" r:id="rId11"/>
+    <p:sldId id="281" r:id="rId12"/>
+    <p:sldId id="280" r:id="rId13"/>
+    <p:sldId id="282" r:id="rId14"/>
+    <p:sldId id="286" r:id="rId15"/>
+    <p:sldId id="287" r:id="rId16"/>
+    <p:sldId id="289" r:id="rId17"/>
+    <p:sldId id="291" r:id="rId18"/>
+    <p:sldId id="293" r:id="rId19"/>
+    <p:sldId id="294" r:id="rId20"/>
+    <p:sldId id="295" r:id="rId21"/>
+    <p:sldId id="296" r:id="rId22"/>
+    <p:sldId id="297" r:id="rId23"/>
+    <p:sldId id="278" r:id="rId24"/>
+    <p:sldId id="279" r:id="rId25"/>
   </p:sldIdLst>
   <p:sldSz cx="10693400" cy="7561263"/>
   <p:notesSz cx="7559675" cy="10691813"/>
@@ -1630,434 +1632,6 @@
 <file path=ppt/diagrams/data1.xml><?xml version="1.0" encoding="utf-8"?>
 <dgm:dataModel xmlns:dgm="http://schemas.openxmlformats.org/drawingml/2006/diagram" xmlns:a="http://schemas.openxmlformats.org/drawingml/2006/main">
   <dgm:ptLst>
-    <dgm:pt modelId="{043BE711-4BB0-4B43-B7F9-23368F748180}" type="doc">
-      <dgm:prSet loTypeId="urn:microsoft.com/office/officeart/2005/8/layout/vList2" loCatId="list" qsTypeId="urn:microsoft.com/office/officeart/2005/8/quickstyle/simple1" qsCatId="simple" csTypeId="urn:microsoft.com/office/officeart/2005/8/colors/accent1_2" csCatId="accent1" phldr="1"/>
-      <dgm:spPr/>
-      <dgm:t>
-        <a:bodyPr/>
-        <a:lstStyle/>
-        <a:p>
-          <a:pPr latinLnBrk="1"/>
-          <a:endParaRPr lang="ko-KR" altLang="en-US"/>
-        </a:p>
-      </dgm:t>
-    </dgm:pt>
-    <dgm:pt modelId="{D53C2AC5-91A6-4039-A69C-3C4106EA8E8D}">
-      <dgm:prSet phldrT="[텍스트]"/>
-      <dgm:spPr/>
-      <dgm:t>
-        <a:bodyPr/>
-        <a:lstStyle/>
-        <a:p>
-          <a:pPr latinLnBrk="1"/>
-          <a:r>
-            <a:rPr lang="en-US" altLang="ko-KR" dirty="0">
-              <a:latin typeface="나눔명조"/>
-              <a:ea typeface="바탕" panose="02030600000101010101" pitchFamily="18" charset="-127"/>
-            </a:rPr>
-            <a:t>DB</a:t>
-          </a:r>
-          <a:r>
-            <a:rPr lang="ko-KR" altLang="en-US" dirty="0">
-              <a:latin typeface="나눔명조"/>
-              <a:ea typeface="바탕" panose="02030600000101010101" pitchFamily="18" charset="-127"/>
-            </a:rPr>
-            <a:t>에 </a:t>
-          </a:r>
-          <a:r>
-            <a:rPr lang="ko-KR" altLang="en-US" dirty="0" err="1">
-              <a:latin typeface="나눔명조"/>
-              <a:ea typeface="바탕" panose="02030600000101010101" pitchFamily="18" charset="-127"/>
-            </a:rPr>
-            <a:t>저장시</a:t>
-          </a:r>
-          <a:r>
-            <a:rPr lang="ko-KR" altLang="en-US" dirty="0">
-              <a:latin typeface="나눔명조"/>
-              <a:ea typeface="바탕" panose="02030600000101010101" pitchFamily="18" charset="-127"/>
-            </a:rPr>
-            <a:t> </a:t>
-          </a:r>
-          <a:r>
-            <a:rPr lang="en-US" altLang="ko-KR" dirty="0">
-              <a:latin typeface="나눔명조"/>
-              <a:ea typeface="바탕" panose="02030600000101010101" pitchFamily="18" charset="-127"/>
-            </a:rPr>
-            <a:t>2</a:t>
-          </a:r>
-          <a:r>
-            <a:rPr lang="ko-KR" altLang="en-US" dirty="0">
-              <a:latin typeface="나눔명조"/>
-              <a:ea typeface="바탕" panose="02030600000101010101" pitchFamily="18" charset="-127"/>
-            </a:rPr>
-            <a:t>차원 배열의 매장 구조가 사라지는 문제</a:t>
-          </a:r>
-          <a:r>
-            <a:rPr lang="en-US" altLang="ko-KR" dirty="0">
-              <a:latin typeface="나눔명조"/>
-              <a:ea typeface="바탕" panose="02030600000101010101" pitchFamily="18" charset="-127"/>
-            </a:rPr>
-            <a:t>	</a:t>
-          </a:r>
-          <a:endParaRPr lang="ko-KR" altLang="en-US" dirty="0">
-            <a:latin typeface="나눔명조"/>
-            <a:ea typeface="바탕" panose="02030600000101010101" pitchFamily="18" charset="-127"/>
-          </a:endParaRPr>
-        </a:p>
-      </dgm:t>
-    </dgm:pt>
-    <dgm:pt modelId="{1690804E-7E7A-4AC7-9C1F-D81DF18853C7}" type="parTrans" cxnId="{28733054-0EA8-46D9-80E7-E96199C3AD4D}">
-      <dgm:prSet/>
-      <dgm:spPr/>
-      <dgm:t>
-        <a:bodyPr/>
-        <a:lstStyle/>
-        <a:p>
-          <a:pPr latinLnBrk="1"/>
-          <a:endParaRPr lang="ko-KR" altLang="en-US"/>
-        </a:p>
-      </dgm:t>
-    </dgm:pt>
-    <dgm:pt modelId="{CA827AC6-54D5-4125-8130-EA26630FF219}" type="sibTrans" cxnId="{28733054-0EA8-46D9-80E7-E96199C3AD4D}">
-      <dgm:prSet/>
-      <dgm:spPr/>
-      <dgm:t>
-        <a:bodyPr/>
-        <a:lstStyle/>
-        <a:p>
-          <a:pPr latinLnBrk="1"/>
-          <a:endParaRPr lang="ko-KR" altLang="en-US"/>
-        </a:p>
-      </dgm:t>
-    </dgm:pt>
-    <dgm:pt modelId="{80DC2A4D-82AC-450A-9C97-876FA2F79CAE}">
-      <dgm:prSet phldrT="[텍스트]"/>
-      <dgm:spPr/>
-      <dgm:t>
-        <a:bodyPr/>
-        <a:lstStyle/>
-        <a:p>
-          <a:pPr latinLnBrk="1"/>
-          <a:r>
-            <a:rPr lang="ko-KR" altLang="en-US" dirty="0"/>
-            <a:t>원인 </a:t>
-          </a:r>
-          <a:r>
-            <a:rPr lang="ko-KR" altLang="en-US" dirty="0" err="1"/>
-            <a:t>파악중</a:t>
-          </a:r>
-          <a:endParaRPr lang="ko-KR" altLang="en-US" dirty="0"/>
-        </a:p>
-      </dgm:t>
-    </dgm:pt>
-    <dgm:pt modelId="{86D63361-7BA5-4408-BC89-E1CF86CB5673}" type="parTrans" cxnId="{46AF317F-BEEF-4AFE-BD5A-105675D9211E}">
-      <dgm:prSet/>
-      <dgm:spPr/>
-      <dgm:t>
-        <a:bodyPr/>
-        <a:lstStyle/>
-        <a:p>
-          <a:pPr latinLnBrk="1"/>
-          <a:endParaRPr lang="ko-KR" altLang="en-US"/>
-        </a:p>
-      </dgm:t>
-    </dgm:pt>
-    <dgm:pt modelId="{1E554EBC-0457-47F8-AEBE-6FD9B6BA3EF4}" type="sibTrans" cxnId="{46AF317F-BEEF-4AFE-BD5A-105675D9211E}">
-      <dgm:prSet/>
-      <dgm:spPr/>
-      <dgm:t>
-        <a:bodyPr/>
-        <a:lstStyle/>
-        <a:p>
-          <a:pPr latinLnBrk="1"/>
-          <a:endParaRPr lang="ko-KR" altLang="en-US"/>
-        </a:p>
-      </dgm:t>
-    </dgm:pt>
-    <dgm:pt modelId="{CF54C324-C5F3-4FAE-829F-EC2721AB112F}">
-      <dgm:prSet phldrT="[텍스트]"/>
-      <dgm:spPr/>
-      <dgm:t>
-        <a:bodyPr/>
-        <a:lstStyle/>
-        <a:p>
-          <a:pPr latinLnBrk="1"/>
-          <a:r>
-            <a:rPr lang="ko-KR" altLang="en-US" dirty="0"/>
-            <a:t>진열대 범위를 드래그로 </a:t>
-          </a:r>
-          <a:r>
-            <a:rPr lang="ko-KR" altLang="en-US" dirty="0" err="1"/>
-            <a:t>지정시</a:t>
-          </a:r>
-          <a:r>
-            <a:rPr lang="ko-KR" altLang="en-US" dirty="0"/>
-            <a:t> </a:t>
-          </a:r>
-          <a:r>
-            <a:rPr lang="en-US" altLang="ko-KR" dirty="0"/>
-            <a:t>UI</a:t>
-          </a:r>
-          <a:r>
-            <a:rPr lang="ko-KR" altLang="en-US" dirty="0"/>
-            <a:t>에 업데이트되지 않는 문제</a:t>
-          </a:r>
-        </a:p>
-      </dgm:t>
-    </dgm:pt>
-    <dgm:pt modelId="{66A606B8-1E05-40B5-AD62-7AE15CDFD595}" type="parTrans" cxnId="{86405F3D-4E08-495C-AE8B-EED921684738}">
-      <dgm:prSet/>
-      <dgm:spPr/>
-      <dgm:t>
-        <a:bodyPr/>
-        <a:lstStyle/>
-        <a:p>
-          <a:pPr latinLnBrk="1"/>
-          <a:endParaRPr lang="ko-KR" altLang="en-US"/>
-        </a:p>
-      </dgm:t>
-    </dgm:pt>
-    <dgm:pt modelId="{7B63FEE9-753B-4382-AF1E-D95F43C37210}" type="sibTrans" cxnId="{86405F3D-4E08-495C-AE8B-EED921684738}">
-      <dgm:prSet/>
-      <dgm:spPr/>
-      <dgm:t>
-        <a:bodyPr/>
-        <a:lstStyle/>
-        <a:p>
-          <a:pPr latinLnBrk="1"/>
-          <a:endParaRPr lang="ko-KR" altLang="en-US"/>
-        </a:p>
-      </dgm:t>
-    </dgm:pt>
-    <dgm:pt modelId="{04EA567F-0530-435F-B55A-ECDB79F3E7BD}">
-      <dgm:prSet phldrT="[텍스트]"/>
-      <dgm:spPr/>
-      <dgm:t>
-        <a:bodyPr/>
-        <a:lstStyle/>
-        <a:p>
-          <a:pPr latinLnBrk="1"/>
-          <a:r>
-            <a:rPr lang="ko-KR" altLang="en-US" dirty="0"/>
-            <a:t>외부 </a:t>
-          </a:r>
-          <a:r>
-            <a:rPr lang="ko-KR" altLang="en-US" dirty="0" err="1"/>
-            <a:t>데이터그리드</a:t>
-          </a:r>
-          <a:r>
-            <a:rPr lang="ko-KR" altLang="en-US" dirty="0"/>
-            <a:t> 컨트롤 자체 문제</a:t>
-          </a:r>
-        </a:p>
-      </dgm:t>
-    </dgm:pt>
-    <dgm:pt modelId="{2FFC40D2-108F-4D02-A334-480EC2D1734C}" type="parTrans" cxnId="{DC32B8C7-10C2-4479-BE1F-FE481CC068EC}">
-      <dgm:prSet/>
-      <dgm:spPr/>
-      <dgm:t>
-        <a:bodyPr/>
-        <a:lstStyle/>
-        <a:p>
-          <a:pPr latinLnBrk="1"/>
-          <a:endParaRPr lang="ko-KR" altLang="en-US"/>
-        </a:p>
-      </dgm:t>
-    </dgm:pt>
-    <dgm:pt modelId="{0B05BCCF-4F63-420F-964B-8892EFCA8B44}" type="sibTrans" cxnId="{DC32B8C7-10C2-4479-BE1F-FE481CC068EC}">
-      <dgm:prSet/>
-      <dgm:spPr/>
-      <dgm:t>
-        <a:bodyPr/>
-        <a:lstStyle/>
-        <a:p>
-          <a:pPr latinLnBrk="1"/>
-          <a:endParaRPr lang="ko-KR" altLang="en-US"/>
-        </a:p>
-      </dgm:t>
-    </dgm:pt>
-    <dgm:pt modelId="{AFD94FF0-B9C7-4F41-94E5-5C5CFE4996A7}">
-      <dgm:prSet phldrT="[텍스트]"/>
-      <dgm:spPr/>
-      <dgm:t>
-        <a:bodyPr/>
-        <a:lstStyle/>
-        <a:p>
-          <a:pPr latinLnBrk="1"/>
-          <a:r>
-            <a:rPr lang="ko-KR" altLang="en-US" dirty="0"/>
-            <a:t>업데이트 발생시 변경된 전체 행의 정보를 갱신하여 우회</a:t>
-          </a:r>
-        </a:p>
-      </dgm:t>
-    </dgm:pt>
-    <dgm:pt modelId="{53E57195-B3E9-427A-A444-FD72EE85EC07}" type="parTrans" cxnId="{F67987FE-6BE8-4F44-9A90-2D0C82CE273B}">
-      <dgm:prSet/>
-      <dgm:spPr/>
-    </dgm:pt>
-    <dgm:pt modelId="{C5F3A0B5-A6D2-4B58-A003-52351A34DA40}" type="sibTrans" cxnId="{F67987FE-6BE8-4F44-9A90-2D0C82CE273B}">
-      <dgm:prSet/>
-      <dgm:spPr/>
-    </dgm:pt>
-    <dgm:pt modelId="{04157F00-A46B-4BC5-ABA0-499F7EF7EB85}">
-      <dgm:prSet phldrT="[텍스트]"/>
-      <dgm:spPr/>
-      <dgm:t>
-        <a:bodyPr/>
-        <a:lstStyle/>
-        <a:p>
-          <a:pPr latinLnBrk="1"/>
-          <a:r>
-            <a:rPr lang="ko-KR" altLang="en-US" dirty="0"/>
-            <a:t>기존 </a:t>
-          </a:r>
-          <a:r>
-            <a:rPr lang="ko-KR" altLang="en-US" dirty="0" err="1"/>
-            <a:t>데이터그리드</a:t>
-          </a:r>
-          <a:r>
-            <a:rPr lang="ko-KR" altLang="en-US" dirty="0"/>
-            <a:t> 컨트롤 제거</a:t>
-          </a:r>
-        </a:p>
-      </dgm:t>
-    </dgm:pt>
-    <dgm:pt modelId="{7C831F14-44B5-4039-9B52-EFB7C4E9A185}" type="parTrans" cxnId="{0FE5152B-2845-4CD1-A22A-BCD795BB187B}">
-      <dgm:prSet/>
-      <dgm:spPr/>
-    </dgm:pt>
-    <dgm:pt modelId="{07B6532A-5858-4F2C-8379-6850F7DAD54D}" type="sibTrans" cxnId="{0FE5152B-2845-4CD1-A22A-BCD795BB187B}">
-      <dgm:prSet/>
-      <dgm:spPr/>
-    </dgm:pt>
-    <dgm:pt modelId="{17D32743-9ED1-48EB-93F1-9272D2A22CB4}">
-      <dgm:prSet phldrT="[텍스트]"/>
-      <dgm:spPr/>
-      <dgm:t>
-        <a:bodyPr/>
-        <a:lstStyle/>
-        <a:p>
-          <a:pPr latinLnBrk="1"/>
-          <a:r>
-            <a:rPr lang="ko-KR" altLang="en-US" dirty="0"/>
-            <a:t>현재 사용중인 </a:t>
-          </a:r>
-          <a:r>
-            <a:rPr lang="en-US" altLang="ko-KR" dirty="0"/>
-            <a:t>react </a:t>
-          </a:r>
-          <a:r>
-            <a:rPr lang="ko-KR" altLang="en-US" dirty="0"/>
-            <a:t>버전과 호환에 한계성이 존재</a:t>
-          </a:r>
-        </a:p>
-      </dgm:t>
-    </dgm:pt>
-    <dgm:pt modelId="{931DAD04-096B-4567-A8F1-B8EDA27A1BFA}" type="parTrans" cxnId="{160C3AB1-3B33-40A5-A3E8-1B19BC3BE9CF}">
-      <dgm:prSet/>
-      <dgm:spPr/>
-    </dgm:pt>
-    <dgm:pt modelId="{B54244BB-B7BA-47C1-A2B0-42AAB8B1040D}" type="sibTrans" cxnId="{160C3AB1-3B33-40A5-A3E8-1B19BC3BE9CF}">
-      <dgm:prSet/>
-      <dgm:spPr/>
-    </dgm:pt>
-    <dgm:pt modelId="{8531F7B8-5AAB-475A-AD47-5B9C5A294CAD}" type="pres">
-      <dgm:prSet presAssocID="{043BE711-4BB0-4B43-B7F9-23368F748180}" presName="linear" presStyleCnt="0">
-        <dgm:presLayoutVars>
-          <dgm:animLvl val="lvl"/>
-          <dgm:resizeHandles val="exact"/>
-        </dgm:presLayoutVars>
-      </dgm:prSet>
-      <dgm:spPr/>
-    </dgm:pt>
-    <dgm:pt modelId="{74357B0A-EA17-467C-A519-5DDCEA83369A}" type="pres">
-      <dgm:prSet presAssocID="{D53C2AC5-91A6-4039-A69C-3C4106EA8E8D}" presName="parentText" presStyleLbl="node1" presStyleIdx="0" presStyleCnt="3">
-        <dgm:presLayoutVars>
-          <dgm:chMax val="0"/>
-          <dgm:bulletEnabled val="1"/>
-        </dgm:presLayoutVars>
-      </dgm:prSet>
-      <dgm:spPr/>
-    </dgm:pt>
-    <dgm:pt modelId="{D492F64C-CB86-4AD2-9344-854CDFEF84FD}" type="pres">
-      <dgm:prSet presAssocID="{D53C2AC5-91A6-4039-A69C-3C4106EA8E8D}" presName="childText" presStyleLbl="revTx" presStyleIdx="0" presStyleCnt="3">
-        <dgm:presLayoutVars>
-          <dgm:bulletEnabled val="1"/>
-        </dgm:presLayoutVars>
-      </dgm:prSet>
-      <dgm:spPr/>
-    </dgm:pt>
-    <dgm:pt modelId="{0FB52F8E-4289-4BB3-A3B8-0F4436489C86}" type="pres">
-      <dgm:prSet presAssocID="{04157F00-A46B-4BC5-ABA0-499F7EF7EB85}" presName="parentText" presStyleLbl="node1" presStyleIdx="1" presStyleCnt="3">
-        <dgm:presLayoutVars>
-          <dgm:chMax val="0"/>
-          <dgm:bulletEnabled val="1"/>
-        </dgm:presLayoutVars>
-      </dgm:prSet>
-      <dgm:spPr/>
-    </dgm:pt>
-    <dgm:pt modelId="{94FB8C21-F713-4E15-A81F-912CFD0BF3B2}" type="pres">
-      <dgm:prSet presAssocID="{04157F00-A46B-4BC5-ABA0-499F7EF7EB85}" presName="childText" presStyleLbl="revTx" presStyleIdx="1" presStyleCnt="3">
-        <dgm:presLayoutVars>
-          <dgm:bulletEnabled val="1"/>
-        </dgm:presLayoutVars>
-      </dgm:prSet>
-      <dgm:spPr/>
-    </dgm:pt>
-    <dgm:pt modelId="{8E9B063F-CE87-4287-8FE4-893E9FE9A045}" type="pres">
-      <dgm:prSet presAssocID="{CF54C324-C5F3-4FAE-829F-EC2721AB112F}" presName="parentText" presStyleLbl="node1" presStyleIdx="2" presStyleCnt="3">
-        <dgm:presLayoutVars>
-          <dgm:chMax val="0"/>
-          <dgm:bulletEnabled val="1"/>
-        </dgm:presLayoutVars>
-      </dgm:prSet>
-      <dgm:spPr/>
-    </dgm:pt>
-    <dgm:pt modelId="{26FA67A0-8C37-412C-BBA5-837E8B8CF6C4}" type="pres">
-      <dgm:prSet presAssocID="{CF54C324-C5F3-4FAE-829F-EC2721AB112F}" presName="childText" presStyleLbl="revTx" presStyleIdx="2" presStyleCnt="3">
-        <dgm:presLayoutVars>
-          <dgm:bulletEnabled val="1"/>
-        </dgm:presLayoutVars>
-      </dgm:prSet>
-      <dgm:spPr/>
-    </dgm:pt>
-  </dgm:ptLst>
-  <dgm:cxnLst>
-    <dgm:cxn modelId="{DAFB5307-98F3-4483-89A2-D9A6C3E8624A}" type="presOf" srcId="{043BE711-4BB0-4B43-B7F9-23368F748180}" destId="{8531F7B8-5AAB-475A-AD47-5B9C5A294CAD}" srcOrd="0" destOrd="0" presId="urn:microsoft.com/office/officeart/2005/8/layout/vList2"/>
-    <dgm:cxn modelId="{BFCEA00F-8529-4491-A539-644C3D49B5F3}" type="presOf" srcId="{04EA567F-0530-435F-B55A-ECDB79F3E7BD}" destId="{26FA67A0-8C37-412C-BBA5-837E8B8CF6C4}" srcOrd="0" destOrd="0" presId="urn:microsoft.com/office/officeart/2005/8/layout/vList2"/>
-    <dgm:cxn modelId="{0FE5152B-2845-4CD1-A22A-BCD795BB187B}" srcId="{043BE711-4BB0-4B43-B7F9-23368F748180}" destId="{04157F00-A46B-4BC5-ABA0-499F7EF7EB85}" srcOrd="1" destOrd="0" parTransId="{7C831F14-44B5-4039-9B52-EFB7C4E9A185}" sibTransId="{07B6532A-5858-4F2C-8379-6850F7DAD54D}"/>
-    <dgm:cxn modelId="{86405F3D-4E08-495C-AE8B-EED921684738}" srcId="{043BE711-4BB0-4B43-B7F9-23368F748180}" destId="{CF54C324-C5F3-4FAE-829F-EC2721AB112F}" srcOrd="2" destOrd="0" parTransId="{66A606B8-1E05-40B5-AD62-7AE15CDFD595}" sibTransId="{7B63FEE9-753B-4382-AF1E-D95F43C37210}"/>
-    <dgm:cxn modelId="{B7DC755E-1E49-48DB-9291-C72EDA5998E5}" type="presOf" srcId="{17D32743-9ED1-48EB-93F1-9272D2A22CB4}" destId="{94FB8C21-F713-4E15-A81F-912CFD0BF3B2}" srcOrd="0" destOrd="0" presId="urn:microsoft.com/office/officeart/2005/8/layout/vList2"/>
-    <dgm:cxn modelId="{40A6046E-B78E-43CC-A6A8-A1A408708F06}" type="presOf" srcId="{80DC2A4D-82AC-450A-9C97-876FA2F79CAE}" destId="{D492F64C-CB86-4AD2-9344-854CDFEF84FD}" srcOrd="0" destOrd="0" presId="urn:microsoft.com/office/officeart/2005/8/layout/vList2"/>
-    <dgm:cxn modelId="{8D0AF170-1F73-414B-B780-F84BE7C918D0}" type="presOf" srcId="{CF54C324-C5F3-4FAE-829F-EC2721AB112F}" destId="{8E9B063F-CE87-4287-8FE4-893E9FE9A045}" srcOrd="0" destOrd="0" presId="urn:microsoft.com/office/officeart/2005/8/layout/vList2"/>
-    <dgm:cxn modelId="{28733054-0EA8-46D9-80E7-E96199C3AD4D}" srcId="{043BE711-4BB0-4B43-B7F9-23368F748180}" destId="{D53C2AC5-91A6-4039-A69C-3C4106EA8E8D}" srcOrd="0" destOrd="0" parTransId="{1690804E-7E7A-4AC7-9C1F-D81DF18853C7}" sibTransId="{CA827AC6-54D5-4125-8130-EA26630FF219}"/>
-    <dgm:cxn modelId="{3FF2F854-4792-4F84-B402-C85F0F380D1D}" type="presOf" srcId="{04157F00-A46B-4BC5-ABA0-499F7EF7EB85}" destId="{0FB52F8E-4289-4BB3-A3B8-0F4436489C86}" srcOrd="0" destOrd="0" presId="urn:microsoft.com/office/officeart/2005/8/layout/vList2"/>
-    <dgm:cxn modelId="{46AF317F-BEEF-4AFE-BD5A-105675D9211E}" srcId="{D53C2AC5-91A6-4039-A69C-3C4106EA8E8D}" destId="{80DC2A4D-82AC-450A-9C97-876FA2F79CAE}" srcOrd="0" destOrd="0" parTransId="{86D63361-7BA5-4408-BC89-E1CF86CB5673}" sibTransId="{1E554EBC-0457-47F8-AEBE-6FD9B6BA3EF4}"/>
-    <dgm:cxn modelId="{160C3AB1-3B33-40A5-A3E8-1B19BC3BE9CF}" srcId="{04157F00-A46B-4BC5-ABA0-499F7EF7EB85}" destId="{17D32743-9ED1-48EB-93F1-9272D2A22CB4}" srcOrd="0" destOrd="0" parTransId="{931DAD04-096B-4567-A8F1-B8EDA27A1BFA}" sibTransId="{B54244BB-B7BA-47C1-A2B0-42AAB8B1040D}"/>
-    <dgm:cxn modelId="{25E506C2-8D1F-484A-8C63-C823F6F4F9BD}" type="presOf" srcId="{AFD94FF0-B9C7-4F41-94E5-5C5CFE4996A7}" destId="{26FA67A0-8C37-412C-BBA5-837E8B8CF6C4}" srcOrd="0" destOrd="1" presId="urn:microsoft.com/office/officeart/2005/8/layout/vList2"/>
-    <dgm:cxn modelId="{DC32B8C7-10C2-4479-BE1F-FE481CC068EC}" srcId="{CF54C324-C5F3-4FAE-829F-EC2721AB112F}" destId="{04EA567F-0530-435F-B55A-ECDB79F3E7BD}" srcOrd="0" destOrd="0" parTransId="{2FFC40D2-108F-4D02-A334-480EC2D1734C}" sibTransId="{0B05BCCF-4F63-420F-964B-8892EFCA8B44}"/>
-    <dgm:cxn modelId="{DE249DDC-D22E-493F-AAF9-6FA9114D27B8}" type="presOf" srcId="{D53C2AC5-91A6-4039-A69C-3C4106EA8E8D}" destId="{74357B0A-EA17-467C-A519-5DDCEA83369A}" srcOrd="0" destOrd="0" presId="urn:microsoft.com/office/officeart/2005/8/layout/vList2"/>
-    <dgm:cxn modelId="{F67987FE-6BE8-4F44-9A90-2D0C82CE273B}" srcId="{04EA567F-0530-435F-B55A-ECDB79F3E7BD}" destId="{AFD94FF0-B9C7-4F41-94E5-5C5CFE4996A7}" srcOrd="0" destOrd="0" parTransId="{53E57195-B3E9-427A-A444-FD72EE85EC07}" sibTransId="{C5F3A0B5-A6D2-4B58-A003-52351A34DA40}"/>
-    <dgm:cxn modelId="{D0333296-405C-4266-A367-803C304EE9F3}" type="presParOf" srcId="{8531F7B8-5AAB-475A-AD47-5B9C5A294CAD}" destId="{74357B0A-EA17-467C-A519-5DDCEA83369A}" srcOrd="0" destOrd="0" presId="urn:microsoft.com/office/officeart/2005/8/layout/vList2"/>
-    <dgm:cxn modelId="{CFBD1670-7AE3-4F2C-92BB-E2B69FBB4D2A}" type="presParOf" srcId="{8531F7B8-5AAB-475A-AD47-5B9C5A294CAD}" destId="{D492F64C-CB86-4AD2-9344-854CDFEF84FD}" srcOrd="1" destOrd="0" presId="urn:microsoft.com/office/officeart/2005/8/layout/vList2"/>
-    <dgm:cxn modelId="{4BC87AA3-BF70-4D63-988C-A4AFA873D3C2}" type="presParOf" srcId="{8531F7B8-5AAB-475A-AD47-5B9C5A294CAD}" destId="{0FB52F8E-4289-4BB3-A3B8-0F4436489C86}" srcOrd="2" destOrd="0" presId="urn:microsoft.com/office/officeart/2005/8/layout/vList2"/>
-    <dgm:cxn modelId="{45D8E01F-7E29-4DFD-B648-5CCCAF5CC118}" type="presParOf" srcId="{8531F7B8-5AAB-475A-AD47-5B9C5A294CAD}" destId="{94FB8C21-F713-4E15-A81F-912CFD0BF3B2}" srcOrd="3" destOrd="0" presId="urn:microsoft.com/office/officeart/2005/8/layout/vList2"/>
-    <dgm:cxn modelId="{C3195B23-C94B-4E54-AFFA-3ECFBBEF4A9C}" type="presParOf" srcId="{8531F7B8-5AAB-475A-AD47-5B9C5A294CAD}" destId="{8E9B063F-CE87-4287-8FE4-893E9FE9A045}" srcOrd="4" destOrd="0" presId="urn:microsoft.com/office/officeart/2005/8/layout/vList2"/>
-    <dgm:cxn modelId="{3870F53E-9F2D-4098-8D22-9CC0C15D6116}" type="presParOf" srcId="{8531F7B8-5AAB-475A-AD47-5B9C5A294CAD}" destId="{26FA67A0-8C37-412C-BBA5-837E8B8CF6C4}" srcOrd="5" destOrd="0" presId="urn:microsoft.com/office/officeart/2005/8/layout/vList2"/>
-  </dgm:cxnLst>
-  <dgm:bg/>
-  <dgm:whole/>
-  <dgm:extLst>
-    <a:ext uri="http://schemas.microsoft.com/office/drawing/2008/diagram">
-      <dsp:dataModelExt xmlns:dsp="http://schemas.microsoft.com/office/drawing/2008/diagram" relId="rId6" minVer="http://schemas.openxmlformats.org/drawingml/2006/diagram"/>
-    </a:ext>
-  </dgm:extLst>
-</dgm:dataModel>
-</file>
-
-<file path=ppt/diagrams/data2.xml><?xml version="1.0" encoding="utf-8"?>
-<dgm:dataModel xmlns:dgm="http://schemas.openxmlformats.org/drawingml/2006/diagram" xmlns:a="http://schemas.openxmlformats.org/drawingml/2006/main">
-  <dgm:ptLst>
     <dgm:pt modelId="{C8FCB7A2-37D8-419E-A93B-DCA723A6F8AD}" type="doc">
       <dgm:prSet loTypeId="urn:microsoft.com/office/officeart/2005/8/layout/hList1" loCatId="list" qsTypeId="urn:microsoft.com/office/officeart/2005/8/quickstyle/simple1" qsCatId="simple" csTypeId="urn:microsoft.com/office/officeart/2005/8/colors/accent1_2" csCatId="accent1" phldr="1"/>
       <dgm:spPr/>
@@ -2548,7 +2122,969 @@
 </dgm:dataModel>
 </file>
 
+<file path=ppt/diagrams/data2.xml><?xml version="1.0" encoding="utf-8"?>
+<dgm:dataModel xmlns:dgm="http://schemas.openxmlformats.org/drawingml/2006/diagram" xmlns:a="http://schemas.openxmlformats.org/drawingml/2006/main">
+  <dgm:ptLst>
+    <dgm:pt modelId="{043BE711-4BB0-4B43-B7F9-23368F748180}" type="doc">
+      <dgm:prSet loTypeId="urn:microsoft.com/office/officeart/2005/8/layout/vList2" loCatId="list" qsTypeId="urn:microsoft.com/office/officeart/2005/8/quickstyle/simple1" qsCatId="simple" csTypeId="urn:microsoft.com/office/officeart/2005/8/colors/accent1_2" csCatId="accent1" phldr="1"/>
+      <dgm:spPr/>
+      <dgm:t>
+        <a:bodyPr/>
+        <a:lstStyle/>
+        <a:p>
+          <a:pPr latinLnBrk="1"/>
+          <a:endParaRPr lang="ko-KR" altLang="en-US"/>
+        </a:p>
+      </dgm:t>
+    </dgm:pt>
+    <dgm:pt modelId="{D53C2AC5-91A6-4039-A69C-3C4106EA8E8D}">
+      <dgm:prSet phldrT="[텍스트]"/>
+      <dgm:spPr/>
+      <dgm:t>
+        <a:bodyPr/>
+        <a:lstStyle/>
+        <a:p>
+          <a:pPr latinLnBrk="1"/>
+          <a:r>
+            <a:rPr lang="en-US" altLang="ko-KR" dirty="0">
+              <a:latin typeface="나눔명조"/>
+              <a:ea typeface="바탕" panose="02030600000101010101" pitchFamily="18" charset="-127"/>
+            </a:rPr>
+            <a:t>DB</a:t>
+          </a:r>
+          <a:r>
+            <a:rPr lang="ko-KR" altLang="en-US" dirty="0">
+              <a:latin typeface="나눔명조"/>
+              <a:ea typeface="바탕" panose="02030600000101010101" pitchFamily="18" charset="-127"/>
+            </a:rPr>
+            <a:t>에 </a:t>
+          </a:r>
+          <a:r>
+            <a:rPr lang="ko-KR" altLang="en-US" dirty="0" err="1">
+              <a:latin typeface="나눔명조"/>
+              <a:ea typeface="바탕" panose="02030600000101010101" pitchFamily="18" charset="-127"/>
+            </a:rPr>
+            <a:t>저장시</a:t>
+          </a:r>
+          <a:r>
+            <a:rPr lang="ko-KR" altLang="en-US" dirty="0">
+              <a:latin typeface="나눔명조"/>
+              <a:ea typeface="바탕" panose="02030600000101010101" pitchFamily="18" charset="-127"/>
+            </a:rPr>
+            <a:t> </a:t>
+          </a:r>
+          <a:r>
+            <a:rPr lang="en-US" altLang="ko-KR" dirty="0">
+              <a:latin typeface="나눔명조"/>
+              <a:ea typeface="바탕" panose="02030600000101010101" pitchFamily="18" charset="-127"/>
+            </a:rPr>
+            <a:t>2</a:t>
+          </a:r>
+          <a:r>
+            <a:rPr lang="ko-KR" altLang="en-US" dirty="0">
+              <a:latin typeface="나눔명조"/>
+              <a:ea typeface="바탕" panose="02030600000101010101" pitchFamily="18" charset="-127"/>
+            </a:rPr>
+            <a:t>차원 배열의 매장 구조가 사라지는 문제</a:t>
+          </a:r>
+          <a:r>
+            <a:rPr lang="en-US" altLang="ko-KR" dirty="0">
+              <a:latin typeface="나눔명조"/>
+              <a:ea typeface="바탕" panose="02030600000101010101" pitchFamily="18" charset="-127"/>
+            </a:rPr>
+            <a:t>	</a:t>
+          </a:r>
+          <a:endParaRPr lang="ko-KR" altLang="en-US" dirty="0">
+            <a:latin typeface="나눔명조"/>
+            <a:ea typeface="바탕" panose="02030600000101010101" pitchFamily="18" charset="-127"/>
+          </a:endParaRPr>
+        </a:p>
+      </dgm:t>
+    </dgm:pt>
+    <dgm:pt modelId="{1690804E-7E7A-4AC7-9C1F-D81DF18853C7}" type="parTrans" cxnId="{28733054-0EA8-46D9-80E7-E96199C3AD4D}">
+      <dgm:prSet/>
+      <dgm:spPr/>
+      <dgm:t>
+        <a:bodyPr/>
+        <a:lstStyle/>
+        <a:p>
+          <a:pPr latinLnBrk="1"/>
+          <a:endParaRPr lang="ko-KR" altLang="en-US"/>
+        </a:p>
+      </dgm:t>
+    </dgm:pt>
+    <dgm:pt modelId="{CA827AC6-54D5-4125-8130-EA26630FF219}" type="sibTrans" cxnId="{28733054-0EA8-46D9-80E7-E96199C3AD4D}">
+      <dgm:prSet/>
+      <dgm:spPr/>
+      <dgm:t>
+        <a:bodyPr/>
+        <a:lstStyle/>
+        <a:p>
+          <a:pPr latinLnBrk="1"/>
+          <a:endParaRPr lang="ko-KR" altLang="en-US"/>
+        </a:p>
+      </dgm:t>
+    </dgm:pt>
+    <dgm:pt modelId="{80DC2A4D-82AC-450A-9C97-876FA2F79CAE}">
+      <dgm:prSet phldrT="[텍스트]"/>
+      <dgm:spPr/>
+      <dgm:t>
+        <a:bodyPr/>
+        <a:lstStyle/>
+        <a:p>
+          <a:pPr latinLnBrk="1"/>
+          <a:r>
+            <a:rPr lang="ko-KR" altLang="en-US" dirty="0"/>
+            <a:t>원인 </a:t>
+          </a:r>
+          <a:r>
+            <a:rPr lang="ko-KR" altLang="en-US" dirty="0" err="1"/>
+            <a:t>파악중</a:t>
+          </a:r>
+          <a:endParaRPr lang="ko-KR" altLang="en-US" dirty="0"/>
+        </a:p>
+      </dgm:t>
+    </dgm:pt>
+    <dgm:pt modelId="{86D63361-7BA5-4408-BC89-E1CF86CB5673}" type="parTrans" cxnId="{46AF317F-BEEF-4AFE-BD5A-105675D9211E}">
+      <dgm:prSet/>
+      <dgm:spPr/>
+      <dgm:t>
+        <a:bodyPr/>
+        <a:lstStyle/>
+        <a:p>
+          <a:pPr latinLnBrk="1"/>
+          <a:endParaRPr lang="ko-KR" altLang="en-US"/>
+        </a:p>
+      </dgm:t>
+    </dgm:pt>
+    <dgm:pt modelId="{1E554EBC-0457-47F8-AEBE-6FD9B6BA3EF4}" type="sibTrans" cxnId="{46AF317F-BEEF-4AFE-BD5A-105675D9211E}">
+      <dgm:prSet/>
+      <dgm:spPr/>
+      <dgm:t>
+        <a:bodyPr/>
+        <a:lstStyle/>
+        <a:p>
+          <a:pPr latinLnBrk="1"/>
+          <a:endParaRPr lang="ko-KR" altLang="en-US"/>
+        </a:p>
+      </dgm:t>
+    </dgm:pt>
+    <dgm:pt modelId="{CF54C324-C5F3-4FAE-829F-EC2721AB112F}">
+      <dgm:prSet phldrT="[텍스트]"/>
+      <dgm:spPr/>
+      <dgm:t>
+        <a:bodyPr/>
+        <a:lstStyle/>
+        <a:p>
+          <a:pPr latinLnBrk="1"/>
+          <a:r>
+            <a:rPr lang="ko-KR" altLang="en-US" dirty="0"/>
+            <a:t>진열대 범위를 드래그로 </a:t>
+          </a:r>
+          <a:r>
+            <a:rPr lang="ko-KR" altLang="en-US" dirty="0" err="1"/>
+            <a:t>지정시</a:t>
+          </a:r>
+          <a:r>
+            <a:rPr lang="ko-KR" altLang="en-US" dirty="0"/>
+            <a:t> </a:t>
+          </a:r>
+          <a:r>
+            <a:rPr lang="en-US" altLang="ko-KR" dirty="0"/>
+            <a:t>UI</a:t>
+          </a:r>
+          <a:r>
+            <a:rPr lang="ko-KR" altLang="en-US" dirty="0"/>
+            <a:t>에 업데이트되지 않는 문제</a:t>
+          </a:r>
+        </a:p>
+      </dgm:t>
+    </dgm:pt>
+    <dgm:pt modelId="{66A606B8-1E05-40B5-AD62-7AE15CDFD595}" type="parTrans" cxnId="{86405F3D-4E08-495C-AE8B-EED921684738}">
+      <dgm:prSet/>
+      <dgm:spPr/>
+      <dgm:t>
+        <a:bodyPr/>
+        <a:lstStyle/>
+        <a:p>
+          <a:pPr latinLnBrk="1"/>
+          <a:endParaRPr lang="ko-KR" altLang="en-US"/>
+        </a:p>
+      </dgm:t>
+    </dgm:pt>
+    <dgm:pt modelId="{7B63FEE9-753B-4382-AF1E-D95F43C37210}" type="sibTrans" cxnId="{86405F3D-4E08-495C-AE8B-EED921684738}">
+      <dgm:prSet/>
+      <dgm:spPr/>
+      <dgm:t>
+        <a:bodyPr/>
+        <a:lstStyle/>
+        <a:p>
+          <a:pPr latinLnBrk="1"/>
+          <a:endParaRPr lang="ko-KR" altLang="en-US"/>
+        </a:p>
+      </dgm:t>
+    </dgm:pt>
+    <dgm:pt modelId="{04EA567F-0530-435F-B55A-ECDB79F3E7BD}">
+      <dgm:prSet phldrT="[텍스트]"/>
+      <dgm:spPr/>
+      <dgm:t>
+        <a:bodyPr/>
+        <a:lstStyle/>
+        <a:p>
+          <a:pPr latinLnBrk="1"/>
+          <a:r>
+            <a:rPr lang="ko-KR" altLang="en-US" dirty="0"/>
+            <a:t>외부 </a:t>
+          </a:r>
+          <a:r>
+            <a:rPr lang="ko-KR" altLang="en-US" dirty="0" err="1"/>
+            <a:t>데이터그리드</a:t>
+          </a:r>
+          <a:r>
+            <a:rPr lang="ko-KR" altLang="en-US" dirty="0"/>
+            <a:t> 컨트롤 자체 문제</a:t>
+          </a:r>
+        </a:p>
+      </dgm:t>
+    </dgm:pt>
+    <dgm:pt modelId="{2FFC40D2-108F-4D02-A334-480EC2D1734C}" type="parTrans" cxnId="{DC32B8C7-10C2-4479-BE1F-FE481CC068EC}">
+      <dgm:prSet/>
+      <dgm:spPr/>
+      <dgm:t>
+        <a:bodyPr/>
+        <a:lstStyle/>
+        <a:p>
+          <a:pPr latinLnBrk="1"/>
+          <a:endParaRPr lang="ko-KR" altLang="en-US"/>
+        </a:p>
+      </dgm:t>
+    </dgm:pt>
+    <dgm:pt modelId="{0B05BCCF-4F63-420F-964B-8892EFCA8B44}" type="sibTrans" cxnId="{DC32B8C7-10C2-4479-BE1F-FE481CC068EC}">
+      <dgm:prSet/>
+      <dgm:spPr/>
+      <dgm:t>
+        <a:bodyPr/>
+        <a:lstStyle/>
+        <a:p>
+          <a:pPr latinLnBrk="1"/>
+          <a:endParaRPr lang="ko-KR" altLang="en-US"/>
+        </a:p>
+      </dgm:t>
+    </dgm:pt>
+    <dgm:pt modelId="{AFD94FF0-B9C7-4F41-94E5-5C5CFE4996A7}">
+      <dgm:prSet phldrT="[텍스트]"/>
+      <dgm:spPr/>
+      <dgm:t>
+        <a:bodyPr/>
+        <a:lstStyle/>
+        <a:p>
+          <a:pPr latinLnBrk="1"/>
+          <a:r>
+            <a:rPr lang="ko-KR" altLang="en-US" dirty="0"/>
+            <a:t>업데이트 발생시 변경된 전체 행의 정보를 갱신하여 우회</a:t>
+          </a:r>
+        </a:p>
+      </dgm:t>
+    </dgm:pt>
+    <dgm:pt modelId="{53E57195-B3E9-427A-A444-FD72EE85EC07}" type="parTrans" cxnId="{F67987FE-6BE8-4F44-9A90-2D0C82CE273B}">
+      <dgm:prSet/>
+      <dgm:spPr/>
+    </dgm:pt>
+    <dgm:pt modelId="{C5F3A0B5-A6D2-4B58-A003-52351A34DA40}" type="sibTrans" cxnId="{F67987FE-6BE8-4F44-9A90-2D0C82CE273B}">
+      <dgm:prSet/>
+      <dgm:spPr/>
+    </dgm:pt>
+    <dgm:pt modelId="{04157F00-A46B-4BC5-ABA0-499F7EF7EB85}">
+      <dgm:prSet phldrT="[텍스트]"/>
+      <dgm:spPr/>
+      <dgm:t>
+        <a:bodyPr/>
+        <a:lstStyle/>
+        <a:p>
+          <a:pPr latinLnBrk="1"/>
+          <a:r>
+            <a:rPr lang="ko-KR" altLang="en-US" dirty="0"/>
+            <a:t>기존 </a:t>
+          </a:r>
+          <a:r>
+            <a:rPr lang="ko-KR" altLang="en-US" dirty="0" err="1"/>
+            <a:t>데이터그리드</a:t>
+          </a:r>
+          <a:r>
+            <a:rPr lang="ko-KR" altLang="en-US" dirty="0"/>
+            <a:t> 컨트롤 제거</a:t>
+          </a:r>
+        </a:p>
+      </dgm:t>
+    </dgm:pt>
+    <dgm:pt modelId="{7C831F14-44B5-4039-9B52-EFB7C4E9A185}" type="parTrans" cxnId="{0FE5152B-2845-4CD1-A22A-BCD795BB187B}">
+      <dgm:prSet/>
+      <dgm:spPr/>
+    </dgm:pt>
+    <dgm:pt modelId="{07B6532A-5858-4F2C-8379-6850F7DAD54D}" type="sibTrans" cxnId="{0FE5152B-2845-4CD1-A22A-BCD795BB187B}">
+      <dgm:prSet/>
+      <dgm:spPr/>
+    </dgm:pt>
+    <dgm:pt modelId="{17D32743-9ED1-48EB-93F1-9272D2A22CB4}">
+      <dgm:prSet phldrT="[텍스트]"/>
+      <dgm:spPr/>
+      <dgm:t>
+        <a:bodyPr/>
+        <a:lstStyle/>
+        <a:p>
+          <a:pPr latinLnBrk="1"/>
+          <a:r>
+            <a:rPr lang="ko-KR" altLang="en-US" dirty="0"/>
+            <a:t>현재 사용중인 </a:t>
+          </a:r>
+          <a:r>
+            <a:rPr lang="en-US" altLang="ko-KR" dirty="0"/>
+            <a:t>react </a:t>
+          </a:r>
+          <a:r>
+            <a:rPr lang="ko-KR" altLang="en-US" dirty="0"/>
+            <a:t>버전과 호환에 한계성이 존재</a:t>
+          </a:r>
+        </a:p>
+      </dgm:t>
+    </dgm:pt>
+    <dgm:pt modelId="{931DAD04-096B-4567-A8F1-B8EDA27A1BFA}" type="parTrans" cxnId="{160C3AB1-3B33-40A5-A3E8-1B19BC3BE9CF}">
+      <dgm:prSet/>
+      <dgm:spPr/>
+    </dgm:pt>
+    <dgm:pt modelId="{B54244BB-B7BA-47C1-A2B0-42AAB8B1040D}" type="sibTrans" cxnId="{160C3AB1-3B33-40A5-A3E8-1B19BC3BE9CF}">
+      <dgm:prSet/>
+      <dgm:spPr/>
+    </dgm:pt>
+    <dgm:pt modelId="{8531F7B8-5AAB-475A-AD47-5B9C5A294CAD}" type="pres">
+      <dgm:prSet presAssocID="{043BE711-4BB0-4B43-B7F9-23368F748180}" presName="linear" presStyleCnt="0">
+        <dgm:presLayoutVars>
+          <dgm:animLvl val="lvl"/>
+          <dgm:resizeHandles val="exact"/>
+        </dgm:presLayoutVars>
+      </dgm:prSet>
+      <dgm:spPr/>
+    </dgm:pt>
+    <dgm:pt modelId="{74357B0A-EA17-467C-A519-5DDCEA83369A}" type="pres">
+      <dgm:prSet presAssocID="{D53C2AC5-91A6-4039-A69C-3C4106EA8E8D}" presName="parentText" presStyleLbl="node1" presStyleIdx="0" presStyleCnt="3">
+        <dgm:presLayoutVars>
+          <dgm:chMax val="0"/>
+          <dgm:bulletEnabled val="1"/>
+        </dgm:presLayoutVars>
+      </dgm:prSet>
+      <dgm:spPr/>
+    </dgm:pt>
+    <dgm:pt modelId="{D492F64C-CB86-4AD2-9344-854CDFEF84FD}" type="pres">
+      <dgm:prSet presAssocID="{D53C2AC5-91A6-4039-A69C-3C4106EA8E8D}" presName="childText" presStyleLbl="revTx" presStyleIdx="0" presStyleCnt="3">
+        <dgm:presLayoutVars>
+          <dgm:bulletEnabled val="1"/>
+        </dgm:presLayoutVars>
+      </dgm:prSet>
+      <dgm:spPr/>
+    </dgm:pt>
+    <dgm:pt modelId="{0FB52F8E-4289-4BB3-A3B8-0F4436489C86}" type="pres">
+      <dgm:prSet presAssocID="{04157F00-A46B-4BC5-ABA0-499F7EF7EB85}" presName="parentText" presStyleLbl="node1" presStyleIdx="1" presStyleCnt="3">
+        <dgm:presLayoutVars>
+          <dgm:chMax val="0"/>
+          <dgm:bulletEnabled val="1"/>
+        </dgm:presLayoutVars>
+      </dgm:prSet>
+      <dgm:spPr/>
+    </dgm:pt>
+    <dgm:pt modelId="{94FB8C21-F713-4E15-A81F-912CFD0BF3B2}" type="pres">
+      <dgm:prSet presAssocID="{04157F00-A46B-4BC5-ABA0-499F7EF7EB85}" presName="childText" presStyleLbl="revTx" presStyleIdx="1" presStyleCnt="3">
+        <dgm:presLayoutVars>
+          <dgm:bulletEnabled val="1"/>
+        </dgm:presLayoutVars>
+      </dgm:prSet>
+      <dgm:spPr/>
+    </dgm:pt>
+    <dgm:pt modelId="{8E9B063F-CE87-4287-8FE4-893E9FE9A045}" type="pres">
+      <dgm:prSet presAssocID="{CF54C324-C5F3-4FAE-829F-EC2721AB112F}" presName="parentText" presStyleLbl="node1" presStyleIdx="2" presStyleCnt="3">
+        <dgm:presLayoutVars>
+          <dgm:chMax val="0"/>
+          <dgm:bulletEnabled val="1"/>
+        </dgm:presLayoutVars>
+      </dgm:prSet>
+      <dgm:spPr/>
+    </dgm:pt>
+    <dgm:pt modelId="{26FA67A0-8C37-412C-BBA5-837E8B8CF6C4}" type="pres">
+      <dgm:prSet presAssocID="{CF54C324-C5F3-4FAE-829F-EC2721AB112F}" presName="childText" presStyleLbl="revTx" presStyleIdx="2" presStyleCnt="3">
+        <dgm:presLayoutVars>
+          <dgm:bulletEnabled val="1"/>
+        </dgm:presLayoutVars>
+      </dgm:prSet>
+      <dgm:spPr/>
+    </dgm:pt>
+  </dgm:ptLst>
+  <dgm:cxnLst>
+    <dgm:cxn modelId="{DAFB5307-98F3-4483-89A2-D9A6C3E8624A}" type="presOf" srcId="{043BE711-4BB0-4B43-B7F9-23368F748180}" destId="{8531F7B8-5AAB-475A-AD47-5B9C5A294CAD}" srcOrd="0" destOrd="0" presId="urn:microsoft.com/office/officeart/2005/8/layout/vList2"/>
+    <dgm:cxn modelId="{BFCEA00F-8529-4491-A539-644C3D49B5F3}" type="presOf" srcId="{04EA567F-0530-435F-B55A-ECDB79F3E7BD}" destId="{26FA67A0-8C37-412C-BBA5-837E8B8CF6C4}" srcOrd="0" destOrd="0" presId="urn:microsoft.com/office/officeart/2005/8/layout/vList2"/>
+    <dgm:cxn modelId="{0FE5152B-2845-4CD1-A22A-BCD795BB187B}" srcId="{043BE711-4BB0-4B43-B7F9-23368F748180}" destId="{04157F00-A46B-4BC5-ABA0-499F7EF7EB85}" srcOrd="1" destOrd="0" parTransId="{7C831F14-44B5-4039-9B52-EFB7C4E9A185}" sibTransId="{07B6532A-5858-4F2C-8379-6850F7DAD54D}"/>
+    <dgm:cxn modelId="{86405F3D-4E08-495C-AE8B-EED921684738}" srcId="{043BE711-4BB0-4B43-B7F9-23368F748180}" destId="{CF54C324-C5F3-4FAE-829F-EC2721AB112F}" srcOrd="2" destOrd="0" parTransId="{66A606B8-1E05-40B5-AD62-7AE15CDFD595}" sibTransId="{7B63FEE9-753B-4382-AF1E-D95F43C37210}"/>
+    <dgm:cxn modelId="{B7DC755E-1E49-48DB-9291-C72EDA5998E5}" type="presOf" srcId="{17D32743-9ED1-48EB-93F1-9272D2A22CB4}" destId="{94FB8C21-F713-4E15-A81F-912CFD0BF3B2}" srcOrd="0" destOrd="0" presId="urn:microsoft.com/office/officeart/2005/8/layout/vList2"/>
+    <dgm:cxn modelId="{40A6046E-B78E-43CC-A6A8-A1A408708F06}" type="presOf" srcId="{80DC2A4D-82AC-450A-9C97-876FA2F79CAE}" destId="{D492F64C-CB86-4AD2-9344-854CDFEF84FD}" srcOrd="0" destOrd="0" presId="urn:microsoft.com/office/officeart/2005/8/layout/vList2"/>
+    <dgm:cxn modelId="{8D0AF170-1F73-414B-B780-F84BE7C918D0}" type="presOf" srcId="{CF54C324-C5F3-4FAE-829F-EC2721AB112F}" destId="{8E9B063F-CE87-4287-8FE4-893E9FE9A045}" srcOrd="0" destOrd="0" presId="urn:microsoft.com/office/officeart/2005/8/layout/vList2"/>
+    <dgm:cxn modelId="{28733054-0EA8-46D9-80E7-E96199C3AD4D}" srcId="{043BE711-4BB0-4B43-B7F9-23368F748180}" destId="{D53C2AC5-91A6-4039-A69C-3C4106EA8E8D}" srcOrd="0" destOrd="0" parTransId="{1690804E-7E7A-4AC7-9C1F-D81DF18853C7}" sibTransId="{CA827AC6-54D5-4125-8130-EA26630FF219}"/>
+    <dgm:cxn modelId="{3FF2F854-4792-4F84-B402-C85F0F380D1D}" type="presOf" srcId="{04157F00-A46B-4BC5-ABA0-499F7EF7EB85}" destId="{0FB52F8E-4289-4BB3-A3B8-0F4436489C86}" srcOrd="0" destOrd="0" presId="urn:microsoft.com/office/officeart/2005/8/layout/vList2"/>
+    <dgm:cxn modelId="{46AF317F-BEEF-4AFE-BD5A-105675D9211E}" srcId="{D53C2AC5-91A6-4039-A69C-3C4106EA8E8D}" destId="{80DC2A4D-82AC-450A-9C97-876FA2F79CAE}" srcOrd="0" destOrd="0" parTransId="{86D63361-7BA5-4408-BC89-E1CF86CB5673}" sibTransId="{1E554EBC-0457-47F8-AEBE-6FD9B6BA3EF4}"/>
+    <dgm:cxn modelId="{160C3AB1-3B33-40A5-A3E8-1B19BC3BE9CF}" srcId="{04157F00-A46B-4BC5-ABA0-499F7EF7EB85}" destId="{17D32743-9ED1-48EB-93F1-9272D2A22CB4}" srcOrd="0" destOrd="0" parTransId="{931DAD04-096B-4567-A8F1-B8EDA27A1BFA}" sibTransId="{B54244BB-B7BA-47C1-A2B0-42AAB8B1040D}"/>
+    <dgm:cxn modelId="{25E506C2-8D1F-484A-8C63-C823F6F4F9BD}" type="presOf" srcId="{AFD94FF0-B9C7-4F41-94E5-5C5CFE4996A7}" destId="{26FA67A0-8C37-412C-BBA5-837E8B8CF6C4}" srcOrd="0" destOrd="1" presId="urn:microsoft.com/office/officeart/2005/8/layout/vList2"/>
+    <dgm:cxn modelId="{DC32B8C7-10C2-4479-BE1F-FE481CC068EC}" srcId="{CF54C324-C5F3-4FAE-829F-EC2721AB112F}" destId="{04EA567F-0530-435F-B55A-ECDB79F3E7BD}" srcOrd="0" destOrd="0" parTransId="{2FFC40D2-108F-4D02-A334-480EC2D1734C}" sibTransId="{0B05BCCF-4F63-420F-964B-8892EFCA8B44}"/>
+    <dgm:cxn modelId="{DE249DDC-D22E-493F-AAF9-6FA9114D27B8}" type="presOf" srcId="{D53C2AC5-91A6-4039-A69C-3C4106EA8E8D}" destId="{74357B0A-EA17-467C-A519-5DDCEA83369A}" srcOrd="0" destOrd="0" presId="urn:microsoft.com/office/officeart/2005/8/layout/vList2"/>
+    <dgm:cxn modelId="{F67987FE-6BE8-4F44-9A90-2D0C82CE273B}" srcId="{04EA567F-0530-435F-B55A-ECDB79F3E7BD}" destId="{AFD94FF0-B9C7-4F41-94E5-5C5CFE4996A7}" srcOrd="0" destOrd="0" parTransId="{53E57195-B3E9-427A-A444-FD72EE85EC07}" sibTransId="{C5F3A0B5-A6D2-4B58-A003-52351A34DA40}"/>
+    <dgm:cxn modelId="{D0333296-405C-4266-A367-803C304EE9F3}" type="presParOf" srcId="{8531F7B8-5AAB-475A-AD47-5B9C5A294CAD}" destId="{74357B0A-EA17-467C-A519-5DDCEA83369A}" srcOrd="0" destOrd="0" presId="urn:microsoft.com/office/officeart/2005/8/layout/vList2"/>
+    <dgm:cxn modelId="{CFBD1670-7AE3-4F2C-92BB-E2B69FBB4D2A}" type="presParOf" srcId="{8531F7B8-5AAB-475A-AD47-5B9C5A294CAD}" destId="{D492F64C-CB86-4AD2-9344-854CDFEF84FD}" srcOrd="1" destOrd="0" presId="urn:microsoft.com/office/officeart/2005/8/layout/vList2"/>
+    <dgm:cxn modelId="{4BC87AA3-BF70-4D63-988C-A4AFA873D3C2}" type="presParOf" srcId="{8531F7B8-5AAB-475A-AD47-5B9C5A294CAD}" destId="{0FB52F8E-4289-4BB3-A3B8-0F4436489C86}" srcOrd="2" destOrd="0" presId="urn:microsoft.com/office/officeart/2005/8/layout/vList2"/>
+    <dgm:cxn modelId="{45D8E01F-7E29-4DFD-B648-5CCCAF5CC118}" type="presParOf" srcId="{8531F7B8-5AAB-475A-AD47-5B9C5A294CAD}" destId="{94FB8C21-F713-4E15-A81F-912CFD0BF3B2}" srcOrd="3" destOrd="0" presId="urn:microsoft.com/office/officeart/2005/8/layout/vList2"/>
+    <dgm:cxn modelId="{C3195B23-C94B-4E54-AFFA-3ECFBBEF4A9C}" type="presParOf" srcId="{8531F7B8-5AAB-475A-AD47-5B9C5A294CAD}" destId="{8E9B063F-CE87-4287-8FE4-893E9FE9A045}" srcOrd="4" destOrd="0" presId="urn:microsoft.com/office/officeart/2005/8/layout/vList2"/>
+    <dgm:cxn modelId="{3870F53E-9F2D-4098-8D22-9CC0C15D6116}" type="presParOf" srcId="{8531F7B8-5AAB-475A-AD47-5B9C5A294CAD}" destId="{26FA67A0-8C37-412C-BBA5-837E8B8CF6C4}" srcOrd="5" destOrd="0" presId="urn:microsoft.com/office/officeart/2005/8/layout/vList2"/>
+  </dgm:cxnLst>
+  <dgm:bg/>
+  <dgm:whole/>
+  <dgm:extLst>
+    <a:ext uri="http://schemas.microsoft.com/office/drawing/2008/diagram">
+      <dsp:dataModelExt xmlns:dsp="http://schemas.microsoft.com/office/drawing/2008/diagram" relId="rId6" minVer="http://schemas.openxmlformats.org/drawingml/2006/diagram"/>
+    </a:ext>
+  </dgm:extLst>
+</dgm:dataModel>
+</file>
+
 <file path=ppt/diagrams/drawing1.xml><?xml version="1.0" encoding="utf-8"?>
+<dsp:drawing xmlns:dgm="http://schemas.openxmlformats.org/drawingml/2006/diagram" xmlns:dsp="http://schemas.microsoft.com/office/drawing/2008/diagram" xmlns:a="http://schemas.openxmlformats.org/drawingml/2006/main">
+  <dsp:spTree>
+    <dsp:nvGrpSpPr>
+      <dsp:cNvPr id="0" name=""/>
+      <dsp:cNvGrpSpPr/>
+    </dsp:nvGrpSpPr>
+    <dsp:grpSpPr/>
+    <dsp:sp modelId="{A6AC5751-9E66-42CB-A513-2F5DF3EDB069}">
+      <dsp:nvSpPr>
+        <dsp:cNvPr id="0" name=""/>
+        <dsp:cNvSpPr/>
+      </dsp:nvSpPr>
+      <dsp:spPr>
+        <a:xfrm>
+          <a:off x="1910" y="912169"/>
+          <a:ext cx="1863186" cy="633600"/>
+        </a:xfrm>
+        <a:prstGeom prst="rect">
+          <a:avLst/>
+        </a:prstGeom>
+        <a:solidFill>
+          <a:schemeClr val="accent1">
+            <a:hueOff val="0"/>
+            <a:satOff val="0"/>
+            <a:lumOff val="0"/>
+            <a:alphaOff val="0"/>
+          </a:schemeClr>
+        </a:solidFill>
+        <a:ln w="25400" cap="flat" cmpd="sng" algn="ctr">
+          <a:solidFill>
+            <a:schemeClr val="accent1">
+              <a:hueOff val="0"/>
+              <a:satOff val="0"/>
+              <a:lumOff val="0"/>
+              <a:alphaOff val="0"/>
+            </a:schemeClr>
+          </a:solidFill>
+          <a:prstDash val="solid"/>
+        </a:ln>
+        <a:effectLst/>
+      </dsp:spPr>
+      <dsp:style>
+        <a:lnRef idx="2">
+          <a:scrgbClr r="0" g="0" b="0"/>
+        </a:lnRef>
+        <a:fillRef idx="1">
+          <a:scrgbClr r="0" g="0" b="0"/>
+        </a:fillRef>
+        <a:effectRef idx="0">
+          <a:scrgbClr r="0" g="0" b="0"/>
+        </a:effectRef>
+        <a:fontRef idx="minor">
+          <a:schemeClr val="lt1"/>
+        </a:fontRef>
+      </dsp:style>
+      <dsp:txBody>
+        <a:bodyPr spcFirstLastPara="0" vert="horz" wrap="square" lIns="156464" tIns="89408" rIns="156464" bIns="89408" numCol="1" spcCol="1270" anchor="ctr" anchorCtr="0">
+          <a:noAutofit/>
+        </a:bodyPr>
+        <a:lstStyle/>
+        <a:p>
+          <a:pPr marL="0" lvl="0" indent="0" algn="ctr" defTabSz="977900" latinLnBrk="1">
+            <a:lnSpc>
+              <a:spcPct val="90000"/>
+            </a:lnSpc>
+            <a:spcBef>
+              <a:spcPct val="0"/>
+            </a:spcBef>
+            <a:spcAft>
+              <a:spcPct val="35000"/>
+            </a:spcAft>
+            <a:buNone/>
+          </a:pPr>
+          <a:r>
+            <a:rPr lang="ko-KR" altLang="en-US" sz="2200" kern="1200" dirty="0"/>
+            <a:t>서쪽 가판대</a:t>
+          </a:r>
+        </a:p>
+      </dsp:txBody>
+      <dsp:txXfrm>
+        <a:off x="1910" y="912169"/>
+        <a:ext cx="1863186" cy="633600"/>
+      </dsp:txXfrm>
+    </dsp:sp>
+    <dsp:sp modelId="{C3212B3F-68FD-4A03-ABF7-C9E7A5ACD236}">
+      <dsp:nvSpPr>
+        <dsp:cNvPr id="0" name=""/>
+        <dsp:cNvSpPr/>
+      </dsp:nvSpPr>
+      <dsp:spPr>
+        <a:xfrm>
+          <a:off x="1910" y="1545769"/>
+          <a:ext cx="1863186" cy="1268189"/>
+        </a:xfrm>
+        <a:prstGeom prst="rect">
+          <a:avLst/>
+        </a:prstGeom>
+        <a:solidFill>
+          <a:schemeClr val="accent1">
+            <a:alpha val="90000"/>
+            <a:tint val="40000"/>
+            <a:hueOff val="0"/>
+            <a:satOff val="0"/>
+            <a:lumOff val="0"/>
+            <a:alphaOff val="0"/>
+          </a:schemeClr>
+        </a:solidFill>
+        <a:ln w="25400" cap="flat" cmpd="sng" algn="ctr">
+          <a:solidFill>
+            <a:schemeClr val="accent1">
+              <a:alpha val="90000"/>
+              <a:tint val="40000"/>
+              <a:hueOff val="0"/>
+              <a:satOff val="0"/>
+              <a:lumOff val="0"/>
+              <a:alphaOff val="0"/>
+            </a:schemeClr>
+          </a:solidFill>
+          <a:prstDash val="solid"/>
+        </a:ln>
+        <a:effectLst/>
+      </dsp:spPr>
+      <dsp:style>
+        <a:lnRef idx="2">
+          <a:scrgbClr r="0" g="0" b="0"/>
+        </a:lnRef>
+        <a:fillRef idx="1">
+          <a:scrgbClr r="0" g="0" b="0"/>
+        </a:fillRef>
+        <a:effectRef idx="0">
+          <a:scrgbClr r="0" g="0" b="0"/>
+        </a:effectRef>
+        <a:fontRef idx="minor"/>
+      </dsp:style>
+      <dsp:txBody>
+        <a:bodyPr spcFirstLastPara="0" vert="horz" wrap="square" lIns="117348" tIns="117348" rIns="156464" bIns="176022" numCol="1" spcCol="1270" anchor="t" anchorCtr="0">
+          <a:noAutofit/>
+        </a:bodyPr>
+        <a:lstStyle/>
+        <a:p>
+          <a:pPr marL="228600" lvl="1" indent="-228600" algn="l" defTabSz="977900" latinLnBrk="1">
+            <a:lnSpc>
+              <a:spcPct val="90000"/>
+            </a:lnSpc>
+            <a:spcBef>
+              <a:spcPct val="0"/>
+            </a:spcBef>
+            <a:spcAft>
+              <a:spcPct val="15000"/>
+            </a:spcAft>
+            <a:buChar char="•"/>
+          </a:pPr>
+          <a:r>
+            <a:rPr lang="ko-KR" altLang="en-US" sz="2200" kern="1200" dirty="0"/>
+            <a:t>과자</a:t>
+          </a:r>
+        </a:p>
+        <a:p>
+          <a:pPr marL="228600" lvl="1" indent="-228600" algn="l" defTabSz="977900" latinLnBrk="1">
+            <a:lnSpc>
+              <a:spcPct val="90000"/>
+            </a:lnSpc>
+            <a:spcBef>
+              <a:spcPct val="0"/>
+            </a:spcBef>
+            <a:spcAft>
+              <a:spcPct val="15000"/>
+            </a:spcAft>
+            <a:buChar char="•"/>
+          </a:pPr>
+          <a:r>
+            <a:rPr lang="ko-KR" altLang="en-US" sz="2200" kern="1200" dirty="0"/>
+            <a:t>안주</a:t>
+          </a:r>
+        </a:p>
+      </dsp:txBody>
+      <dsp:txXfrm>
+        <a:off x="1910" y="1545769"/>
+        <a:ext cx="1863186" cy="1268189"/>
+      </dsp:txXfrm>
+    </dsp:sp>
+    <dsp:sp modelId="{EB22A81E-7307-41AE-A0BE-7AD17AB704D4}">
+      <dsp:nvSpPr>
+        <dsp:cNvPr id="0" name=""/>
+        <dsp:cNvSpPr/>
+      </dsp:nvSpPr>
+      <dsp:spPr>
+        <a:xfrm>
+          <a:off x="2125943" y="912169"/>
+          <a:ext cx="1863186" cy="633600"/>
+        </a:xfrm>
+        <a:prstGeom prst="rect">
+          <a:avLst/>
+        </a:prstGeom>
+        <a:solidFill>
+          <a:schemeClr val="accent1">
+            <a:hueOff val="0"/>
+            <a:satOff val="0"/>
+            <a:lumOff val="0"/>
+            <a:alphaOff val="0"/>
+          </a:schemeClr>
+        </a:solidFill>
+        <a:ln w="25400" cap="flat" cmpd="sng" algn="ctr">
+          <a:solidFill>
+            <a:schemeClr val="accent1">
+              <a:hueOff val="0"/>
+              <a:satOff val="0"/>
+              <a:lumOff val="0"/>
+              <a:alphaOff val="0"/>
+            </a:schemeClr>
+          </a:solidFill>
+          <a:prstDash val="solid"/>
+        </a:ln>
+        <a:effectLst/>
+      </dsp:spPr>
+      <dsp:style>
+        <a:lnRef idx="2">
+          <a:scrgbClr r="0" g="0" b="0"/>
+        </a:lnRef>
+        <a:fillRef idx="1">
+          <a:scrgbClr r="0" g="0" b="0"/>
+        </a:fillRef>
+        <a:effectRef idx="0">
+          <a:scrgbClr r="0" g="0" b="0"/>
+        </a:effectRef>
+        <a:fontRef idx="minor">
+          <a:schemeClr val="lt1"/>
+        </a:fontRef>
+      </dsp:style>
+      <dsp:txBody>
+        <a:bodyPr spcFirstLastPara="0" vert="horz" wrap="square" lIns="156464" tIns="89408" rIns="156464" bIns="89408" numCol="1" spcCol="1270" anchor="ctr" anchorCtr="0">
+          <a:noAutofit/>
+        </a:bodyPr>
+        <a:lstStyle/>
+        <a:p>
+          <a:pPr marL="0" lvl="0" indent="0" algn="ctr" defTabSz="977900" latinLnBrk="1">
+            <a:lnSpc>
+              <a:spcPct val="90000"/>
+            </a:lnSpc>
+            <a:spcBef>
+              <a:spcPct val="0"/>
+            </a:spcBef>
+            <a:spcAft>
+              <a:spcPct val="35000"/>
+            </a:spcAft>
+            <a:buNone/>
+          </a:pPr>
+          <a:r>
+            <a:rPr lang="ko-KR" altLang="en-US" sz="2200" kern="1200" dirty="0"/>
+            <a:t>동쪽 가판대</a:t>
+          </a:r>
+        </a:p>
+      </dsp:txBody>
+      <dsp:txXfrm>
+        <a:off x="2125943" y="912169"/>
+        <a:ext cx="1863186" cy="633600"/>
+      </dsp:txXfrm>
+    </dsp:sp>
+    <dsp:sp modelId="{73BACE02-2606-47DA-97AE-BE07B2F73B70}">
+      <dsp:nvSpPr>
+        <dsp:cNvPr id="0" name=""/>
+        <dsp:cNvSpPr/>
+      </dsp:nvSpPr>
+      <dsp:spPr>
+        <a:xfrm>
+          <a:off x="2125943" y="1545769"/>
+          <a:ext cx="1863186" cy="1268189"/>
+        </a:xfrm>
+        <a:prstGeom prst="rect">
+          <a:avLst/>
+        </a:prstGeom>
+        <a:solidFill>
+          <a:schemeClr val="accent1">
+            <a:alpha val="90000"/>
+            <a:tint val="40000"/>
+            <a:hueOff val="0"/>
+            <a:satOff val="0"/>
+            <a:lumOff val="0"/>
+            <a:alphaOff val="0"/>
+          </a:schemeClr>
+        </a:solidFill>
+        <a:ln w="25400" cap="flat" cmpd="sng" algn="ctr">
+          <a:solidFill>
+            <a:schemeClr val="accent1">
+              <a:alpha val="90000"/>
+              <a:tint val="40000"/>
+              <a:hueOff val="0"/>
+              <a:satOff val="0"/>
+              <a:lumOff val="0"/>
+              <a:alphaOff val="0"/>
+            </a:schemeClr>
+          </a:solidFill>
+          <a:prstDash val="solid"/>
+        </a:ln>
+        <a:effectLst/>
+      </dsp:spPr>
+      <dsp:style>
+        <a:lnRef idx="2">
+          <a:scrgbClr r="0" g="0" b="0"/>
+        </a:lnRef>
+        <a:fillRef idx="1">
+          <a:scrgbClr r="0" g="0" b="0"/>
+        </a:fillRef>
+        <a:effectRef idx="0">
+          <a:scrgbClr r="0" g="0" b="0"/>
+        </a:effectRef>
+        <a:fontRef idx="minor"/>
+      </dsp:style>
+      <dsp:txBody>
+        <a:bodyPr spcFirstLastPara="0" vert="horz" wrap="square" lIns="117348" tIns="117348" rIns="156464" bIns="176022" numCol="1" spcCol="1270" anchor="t" anchorCtr="0">
+          <a:noAutofit/>
+        </a:bodyPr>
+        <a:lstStyle/>
+        <a:p>
+          <a:pPr marL="228600" lvl="1" indent="-228600" algn="l" defTabSz="977900" latinLnBrk="1">
+            <a:lnSpc>
+              <a:spcPct val="90000"/>
+            </a:lnSpc>
+            <a:spcBef>
+              <a:spcPct val="0"/>
+            </a:spcBef>
+            <a:spcAft>
+              <a:spcPct val="15000"/>
+            </a:spcAft>
+            <a:buChar char="•"/>
+          </a:pPr>
+          <a:r>
+            <a:rPr lang="ko-KR" altLang="en-US" sz="2200" kern="1200" dirty="0"/>
+            <a:t>주류</a:t>
+          </a:r>
+        </a:p>
+        <a:p>
+          <a:pPr marL="228600" lvl="1" indent="-228600" algn="l" defTabSz="977900" latinLnBrk="1">
+            <a:lnSpc>
+              <a:spcPct val="90000"/>
+            </a:lnSpc>
+            <a:spcBef>
+              <a:spcPct val="0"/>
+            </a:spcBef>
+            <a:spcAft>
+              <a:spcPct val="15000"/>
+            </a:spcAft>
+            <a:buChar char="•"/>
+          </a:pPr>
+          <a:r>
+            <a:rPr lang="ko-KR" altLang="en-US" sz="2200" kern="1200" dirty="0"/>
+            <a:t>냉동식품</a:t>
+          </a:r>
+        </a:p>
+      </dsp:txBody>
+      <dsp:txXfrm>
+        <a:off x="2125943" y="1545769"/>
+        <a:ext cx="1863186" cy="1268189"/>
+      </dsp:txXfrm>
+    </dsp:sp>
+    <dsp:sp modelId="{3A2365CD-AC35-4111-8C98-A0396C9051FB}">
+      <dsp:nvSpPr>
+        <dsp:cNvPr id="0" name=""/>
+        <dsp:cNvSpPr/>
+      </dsp:nvSpPr>
+      <dsp:spPr>
+        <a:xfrm>
+          <a:off x="4249976" y="912169"/>
+          <a:ext cx="1863186" cy="633600"/>
+        </a:xfrm>
+        <a:prstGeom prst="rect">
+          <a:avLst/>
+        </a:prstGeom>
+        <a:solidFill>
+          <a:schemeClr val="accent1">
+            <a:hueOff val="0"/>
+            <a:satOff val="0"/>
+            <a:lumOff val="0"/>
+            <a:alphaOff val="0"/>
+          </a:schemeClr>
+        </a:solidFill>
+        <a:ln w="25400" cap="flat" cmpd="sng" algn="ctr">
+          <a:solidFill>
+            <a:schemeClr val="accent1">
+              <a:hueOff val="0"/>
+              <a:satOff val="0"/>
+              <a:lumOff val="0"/>
+              <a:alphaOff val="0"/>
+            </a:schemeClr>
+          </a:solidFill>
+          <a:prstDash val="solid"/>
+        </a:ln>
+        <a:effectLst/>
+      </dsp:spPr>
+      <dsp:style>
+        <a:lnRef idx="2">
+          <a:scrgbClr r="0" g="0" b="0"/>
+        </a:lnRef>
+        <a:fillRef idx="1">
+          <a:scrgbClr r="0" g="0" b="0"/>
+        </a:fillRef>
+        <a:effectRef idx="0">
+          <a:scrgbClr r="0" g="0" b="0"/>
+        </a:effectRef>
+        <a:fontRef idx="minor">
+          <a:schemeClr val="lt1"/>
+        </a:fontRef>
+      </dsp:style>
+      <dsp:txBody>
+        <a:bodyPr spcFirstLastPara="0" vert="horz" wrap="square" lIns="156464" tIns="89408" rIns="156464" bIns="89408" numCol="1" spcCol="1270" anchor="ctr" anchorCtr="0">
+          <a:noAutofit/>
+        </a:bodyPr>
+        <a:lstStyle/>
+        <a:p>
+          <a:pPr marL="0" lvl="0" indent="0" algn="ctr" defTabSz="977900" latinLnBrk="1">
+            <a:lnSpc>
+              <a:spcPct val="90000"/>
+            </a:lnSpc>
+            <a:spcBef>
+              <a:spcPct val="0"/>
+            </a:spcBef>
+            <a:spcAft>
+              <a:spcPct val="35000"/>
+            </a:spcAft>
+            <a:buNone/>
+          </a:pPr>
+          <a:r>
+            <a:rPr lang="ko-KR" altLang="en-US" sz="2200" kern="1200" dirty="0"/>
+            <a:t>북쪽 가판대</a:t>
+          </a:r>
+        </a:p>
+      </dsp:txBody>
+      <dsp:txXfrm>
+        <a:off x="4249976" y="912169"/>
+        <a:ext cx="1863186" cy="633600"/>
+      </dsp:txXfrm>
+    </dsp:sp>
+    <dsp:sp modelId="{04AB1A56-14D6-4A3B-8995-FA328FF0A363}">
+      <dsp:nvSpPr>
+        <dsp:cNvPr id="0" name=""/>
+        <dsp:cNvSpPr/>
+      </dsp:nvSpPr>
+      <dsp:spPr>
+        <a:xfrm>
+          <a:off x="4249976" y="1545769"/>
+          <a:ext cx="1863186" cy="1268189"/>
+        </a:xfrm>
+        <a:prstGeom prst="rect">
+          <a:avLst/>
+        </a:prstGeom>
+        <a:solidFill>
+          <a:schemeClr val="accent1">
+            <a:alpha val="90000"/>
+            <a:tint val="40000"/>
+            <a:hueOff val="0"/>
+            <a:satOff val="0"/>
+            <a:lumOff val="0"/>
+            <a:alphaOff val="0"/>
+          </a:schemeClr>
+        </a:solidFill>
+        <a:ln w="25400" cap="flat" cmpd="sng" algn="ctr">
+          <a:solidFill>
+            <a:schemeClr val="accent1">
+              <a:alpha val="90000"/>
+              <a:tint val="40000"/>
+              <a:hueOff val="0"/>
+              <a:satOff val="0"/>
+              <a:lumOff val="0"/>
+              <a:alphaOff val="0"/>
+            </a:schemeClr>
+          </a:solidFill>
+          <a:prstDash val="solid"/>
+        </a:ln>
+        <a:effectLst/>
+      </dsp:spPr>
+      <dsp:style>
+        <a:lnRef idx="2">
+          <a:scrgbClr r="0" g="0" b="0"/>
+        </a:lnRef>
+        <a:fillRef idx="1">
+          <a:scrgbClr r="0" g="0" b="0"/>
+        </a:fillRef>
+        <a:effectRef idx="0">
+          <a:scrgbClr r="0" g="0" b="0"/>
+        </a:effectRef>
+        <a:fontRef idx="minor"/>
+      </dsp:style>
+      <dsp:txBody>
+        <a:bodyPr spcFirstLastPara="0" vert="horz" wrap="square" lIns="117348" tIns="117348" rIns="156464" bIns="176022" numCol="1" spcCol="1270" anchor="t" anchorCtr="0">
+          <a:noAutofit/>
+        </a:bodyPr>
+        <a:lstStyle/>
+        <a:p>
+          <a:pPr marL="228600" lvl="1" indent="-228600" algn="l" defTabSz="977900" latinLnBrk="1">
+            <a:lnSpc>
+              <a:spcPct val="90000"/>
+            </a:lnSpc>
+            <a:spcBef>
+              <a:spcPct val="0"/>
+            </a:spcBef>
+            <a:spcAft>
+              <a:spcPct val="15000"/>
+            </a:spcAft>
+            <a:buChar char="•"/>
+          </a:pPr>
+          <a:r>
+            <a:rPr lang="ko-KR" altLang="en-US" sz="2200" kern="1200" dirty="0"/>
+            <a:t>즉석식품</a:t>
+          </a:r>
+        </a:p>
+        <a:p>
+          <a:pPr marL="228600" lvl="1" indent="-228600" algn="l" defTabSz="977900" latinLnBrk="1">
+            <a:lnSpc>
+              <a:spcPct val="90000"/>
+            </a:lnSpc>
+            <a:spcBef>
+              <a:spcPct val="0"/>
+            </a:spcBef>
+            <a:spcAft>
+              <a:spcPct val="15000"/>
+            </a:spcAft>
+            <a:buChar char="•"/>
+          </a:pPr>
+          <a:r>
+            <a:rPr lang="ko-KR" altLang="en-US" sz="2200" kern="1200" dirty="0"/>
+            <a:t>신선식품</a:t>
+          </a:r>
+        </a:p>
+      </dsp:txBody>
+      <dsp:txXfrm>
+        <a:off x="4249976" y="1545769"/>
+        <a:ext cx="1863186" cy="1268189"/>
+      </dsp:txXfrm>
+    </dsp:sp>
+  </dsp:spTree>
+</dsp:drawing>
+</file>
+
+<file path=ppt/diagrams/drawing2.xml><?xml version="1.0" encoding="utf-8"?>
 <dsp:drawing xmlns:dgm="http://schemas.openxmlformats.org/drawingml/2006/diagram" xmlns:dsp="http://schemas.microsoft.com/office/drawing/2008/diagram" xmlns:a="http://schemas.openxmlformats.org/drawingml/2006/main">
   <dsp:spTree>
     <dsp:nvGrpSpPr>
@@ -3083,708 +3619,7 @@
 </dsp:drawing>
 </file>
 
-<file path=ppt/diagrams/drawing2.xml><?xml version="1.0" encoding="utf-8"?>
-<dsp:drawing xmlns:dgm="http://schemas.openxmlformats.org/drawingml/2006/diagram" xmlns:dsp="http://schemas.microsoft.com/office/drawing/2008/diagram" xmlns:a="http://schemas.openxmlformats.org/drawingml/2006/main">
-  <dsp:spTree>
-    <dsp:nvGrpSpPr>
-      <dsp:cNvPr id="0" name=""/>
-      <dsp:cNvGrpSpPr/>
-    </dsp:nvGrpSpPr>
-    <dsp:grpSpPr/>
-    <dsp:sp modelId="{A6AC5751-9E66-42CB-A513-2F5DF3EDB069}">
-      <dsp:nvSpPr>
-        <dsp:cNvPr id="0" name=""/>
-        <dsp:cNvSpPr/>
-      </dsp:nvSpPr>
-      <dsp:spPr>
-        <a:xfrm>
-          <a:off x="1910" y="1063144"/>
-          <a:ext cx="1863186" cy="633600"/>
-        </a:xfrm>
-        <a:prstGeom prst="rect">
-          <a:avLst/>
-        </a:prstGeom>
-        <a:solidFill>
-          <a:schemeClr val="accent1">
-            <a:hueOff val="0"/>
-            <a:satOff val="0"/>
-            <a:lumOff val="0"/>
-            <a:alphaOff val="0"/>
-          </a:schemeClr>
-        </a:solidFill>
-        <a:ln w="25400" cap="flat" cmpd="sng" algn="ctr">
-          <a:solidFill>
-            <a:schemeClr val="accent1">
-              <a:hueOff val="0"/>
-              <a:satOff val="0"/>
-              <a:lumOff val="0"/>
-              <a:alphaOff val="0"/>
-            </a:schemeClr>
-          </a:solidFill>
-          <a:prstDash val="solid"/>
-        </a:ln>
-        <a:effectLst/>
-      </dsp:spPr>
-      <dsp:style>
-        <a:lnRef idx="2">
-          <a:scrgbClr r="0" g="0" b="0"/>
-        </a:lnRef>
-        <a:fillRef idx="1">
-          <a:scrgbClr r="0" g="0" b="0"/>
-        </a:fillRef>
-        <a:effectRef idx="0">
-          <a:scrgbClr r="0" g="0" b="0"/>
-        </a:effectRef>
-        <a:fontRef idx="minor">
-          <a:schemeClr val="lt1"/>
-        </a:fontRef>
-      </dsp:style>
-      <dsp:txBody>
-        <a:bodyPr spcFirstLastPara="0" vert="horz" wrap="square" lIns="156464" tIns="89408" rIns="156464" bIns="89408" numCol="1" spcCol="1270" anchor="ctr" anchorCtr="0">
-          <a:noAutofit/>
-        </a:bodyPr>
-        <a:lstStyle/>
-        <a:p>
-          <a:pPr marL="0" lvl="0" indent="0" algn="ctr" defTabSz="977900" latinLnBrk="1">
-            <a:lnSpc>
-              <a:spcPct val="90000"/>
-            </a:lnSpc>
-            <a:spcBef>
-              <a:spcPct val="0"/>
-            </a:spcBef>
-            <a:spcAft>
-              <a:spcPct val="35000"/>
-            </a:spcAft>
-            <a:buNone/>
-          </a:pPr>
-          <a:r>
-            <a:rPr lang="ko-KR" altLang="en-US" sz="2200" kern="1200" dirty="0"/>
-            <a:t>서쪽 가판대</a:t>
-          </a:r>
-        </a:p>
-      </dsp:txBody>
-      <dsp:txXfrm>
-        <a:off x="1910" y="1063144"/>
-        <a:ext cx="1863186" cy="633600"/>
-      </dsp:txXfrm>
-    </dsp:sp>
-    <dsp:sp modelId="{C3212B3F-68FD-4A03-ABF7-C9E7A5ACD236}">
-      <dsp:nvSpPr>
-        <dsp:cNvPr id="0" name=""/>
-        <dsp:cNvSpPr/>
-      </dsp:nvSpPr>
-      <dsp:spPr>
-        <a:xfrm>
-          <a:off x="1910" y="1696744"/>
-          <a:ext cx="1863186" cy="966240"/>
-        </a:xfrm>
-        <a:prstGeom prst="rect">
-          <a:avLst/>
-        </a:prstGeom>
-        <a:solidFill>
-          <a:schemeClr val="accent1">
-            <a:alpha val="90000"/>
-            <a:tint val="40000"/>
-            <a:hueOff val="0"/>
-            <a:satOff val="0"/>
-            <a:lumOff val="0"/>
-            <a:alphaOff val="0"/>
-          </a:schemeClr>
-        </a:solidFill>
-        <a:ln w="25400" cap="flat" cmpd="sng" algn="ctr">
-          <a:solidFill>
-            <a:schemeClr val="accent1">
-              <a:alpha val="90000"/>
-              <a:tint val="40000"/>
-              <a:hueOff val="0"/>
-              <a:satOff val="0"/>
-              <a:lumOff val="0"/>
-              <a:alphaOff val="0"/>
-            </a:schemeClr>
-          </a:solidFill>
-          <a:prstDash val="solid"/>
-        </a:ln>
-        <a:effectLst/>
-      </dsp:spPr>
-      <dsp:style>
-        <a:lnRef idx="2">
-          <a:scrgbClr r="0" g="0" b="0"/>
-        </a:lnRef>
-        <a:fillRef idx="1">
-          <a:scrgbClr r="0" g="0" b="0"/>
-        </a:fillRef>
-        <a:effectRef idx="0">
-          <a:scrgbClr r="0" g="0" b="0"/>
-        </a:effectRef>
-        <a:fontRef idx="minor"/>
-      </dsp:style>
-      <dsp:txBody>
-        <a:bodyPr spcFirstLastPara="0" vert="horz" wrap="square" lIns="117348" tIns="117348" rIns="156464" bIns="176022" numCol="1" spcCol="1270" anchor="t" anchorCtr="0">
-          <a:noAutofit/>
-        </a:bodyPr>
-        <a:lstStyle/>
-        <a:p>
-          <a:pPr marL="228600" lvl="1" indent="-228600" algn="l" defTabSz="977900" latinLnBrk="1">
-            <a:lnSpc>
-              <a:spcPct val="90000"/>
-            </a:lnSpc>
-            <a:spcBef>
-              <a:spcPct val="0"/>
-            </a:spcBef>
-            <a:spcAft>
-              <a:spcPct val="15000"/>
-            </a:spcAft>
-            <a:buChar char="•"/>
-          </a:pPr>
-          <a:r>
-            <a:rPr lang="ko-KR" altLang="en-US" sz="2200" kern="1200" dirty="0"/>
-            <a:t>과자</a:t>
-          </a:r>
-        </a:p>
-        <a:p>
-          <a:pPr marL="228600" lvl="1" indent="-228600" algn="l" defTabSz="977900" latinLnBrk="1">
-            <a:lnSpc>
-              <a:spcPct val="90000"/>
-            </a:lnSpc>
-            <a:spcBef>
-              <a:spcPct val="0"/>
-            </a:spcBef>
-            <a:spcAft>
-              <a:spcPct val="15000"/>
-            </a:spcAft>
-            <a:buChar char="•"/>
-          </a:pPr>
-          <a:r>
-            <a:rPr lang="ko-KR" altLang="en-US" sz="2200" kern="1200" dirty="0"/>
-            <a:t>안주</a:t>
-          </a:r>
-        </a:p>
-      </dsp:txBody>
-      <dsp:txXfrm>
-        <a:off x="1910" y="1696744"/>
-        <a:ext cx="1863186" cy="966240"/>
-      </dsp:txXfrm>
-    </dsp:sp>
-    <dsp:sp modelId="{EB22A81E-7307-41AE-A0BE-7AD17AB704D4}">
-      <dsp:nvSpPr>
-        <dsp:cNvPr id="0" name=""/>
-        <dsp:cNvSpPr/>
-      </dsp:nvSpPr>
-      <dsp:spPr>
-        <a:xfrm>
-          <a:off x="2125943" y="1063144"/>
-          <a:ext cx="1863186" cy="633600"/>
-        </a:xfrm>
-        <a:prstGeom prst="rect">
-          <a:avLst/>
-        </a:prstGeom>
-        <a:solidFill>
-          <a:schemeClr val="accent1">
-            <a:hueOff val="0"/>
-            <a:satOff val="0"/>
-            <a:lumOff val="0"/>
-            <a:alphaOff val="0"/>
-          </a:schemeClr>
-        </a:solidFill>
-        <a:ln w="25400" cap="flat" cmpd="sng" algn="ctr">
-          <a:solidFill>
-            <a:schemeClr val="accent1">
-              <a:hueOff val="0"/>
-              <a:satOff val="0"/>
-              <a:lumOff val="0"/>
-              <a:alphaOff val="0"/>
-            </a:schemeClr>
-          </a:solidFill>
-          <a:prstDash val="solid"/>
-        </a:ln>
-        <a:effectLst/>
-      </dsp:spPr>
-      <dsp:style>
-        <a:lnRef idx="2">
-          <a:scrgbClr r="0" g="0" b="0"/>
-        </a:lnRef>
-        <a:fillRef idx="1">
-          <a:scrgbClr r="0" g="0" b="0"/>
-        </a:fillRef>
-        <a:effectRef idx="0">
-          <a:scrgbClr r="0" g="0" b="0"/>
-        </a:effectRef>
-        <a:fontRef idx="minor">
-          <a:schemeClr val="lt1"/>
-        </a:fontRef>
-      </dsp:style>
-      <dsp:txBody>
-        <a:bodyPr spcFirstLastPara="0" vert="horz" wrap="square" lIns="156464" tIns="89408" rIns="156464" bIns="89408" numCol="1" spcCol="1270" anchor="ctr" anchorCtr="0">
-          <a:noAutofit/>
-        </a:bodyPr>
-        <a:lstStyle/>
-        <a:p>
-          <a:pPr marL="0" lvl="0" indent="0" algn="ctr" defTabSz="977900" latinLnBrk="1">
-            <a:lnSpc>
-              <a:spcPct val="90000"/>
-            </a:lnSpc>
-            <a:spcBef>
-              <a:spcPct val="0"/>
-            </a:spcBef>
-            <a:spcAft>
-              <a:spcPct val="35000"/>
-            </a:spcAft>
-            <a:buNone/>
-          </a:pPr>
-          <a:r>
-            <a:rPr lang="ko-KR" altLang="en-US" sz="2200" kern="1200" dirty="0"/>
-            <a:t>동쪽 가판대</a:t>
-          </a:r>
-        </a:p>
-      </dsp:txBody>
-      <dsp:txXfrm>
-        <a:off x="2125943" y="1063144"/>
-        <a:ext cx="1863186" cy="633600"/>
-      </dsp:txXfrm>
-    </dsp:sp>
-    <dsp:sp modelId="{73BACE02-2606-47DA-97AE-BE07B2F73B70}">
-      <dsp:nvSpPr>
-        <dsp:cNvPr id="0" name=""/>
-        <dsp:cNvSpPr/>
-      </dsp:nvSpPr>
-      <dsp:spPr>
-        <a:xfrm>
-          <a:off x="2125943" y="1696744"/>
-          <a:ext cx="1863186" cy="966240"/>
-        </a:xfrm>
-        <a:prstGeom prst="rect">
-          <a:avLst/>
-        </a:prstGeom>
-        <a:solidFill>
-          <a:schemeClr val="accent1">
-            <a:alpha val="90000"/>
-            <a:tint val="40000"/>
-            <a:hueOff val="0"/>
-            <a:satOff val="0"/>
-            <a:lumOff val="0"/>
-            <a:alphaOff val="0"/>
-          </a:schemeClr>
-        </a:solidFill>
-        <a:ln w="25400" cap="flat" cmpd="sng" algn="ctr">
-          <a:solidFill>
-            <a:schemeClr val="accent1">
-              <a:alpha val="90000"/>
-              <a:tint val="40000"/>
-              <a:hueOff val="0"/>
-              <a:satOff val="0"/>
-              <a:lumOff val="0"/>
-              <a:alphaOff val="0"/>
-            </a:schemeClr>
-          </a:solidFill>
-          <a:prstDash val="solid"/>
-        </a:ln>
-        <a:effectLst/>
-      </dsp:spPr>
-      <dsp:style>
-        <a:lnRef idx="2">
-          <a:scrgbClr r="0" g="0" b="0"/>
-        </a:lnRef>
-        <a:fillRef idx="1">
-          <a:scrgbClr r="0" g="0" b="0"/>
-        </a:fillRef>
-        <a:effectRef idx="0">
-          <a:scrgbClr r="0" g="0" b="0"/>
-        </a:effectRef>
-        <a:fontRef idx="minor"/>
-      </dsp:style>
-      <dsp:txBody>
-        <a:bodyPr spcFirstLastPara="0" vert="horz" wrap="square" lIns="117348" tIns="117348" rIns="156464" bIns="176022" numCol="1" spcCol="1270" anchor="t" anchorCtr="0">
-          <a:noAutofit/>
-        </a:bodyPr>
-        <a:lstStyle/>
-        <a:p>
-          <a:pPr marL="228600" lvl="1" indent="-228600" algn="l" defTabSz="977900" latinLnBrk="1">
-            <a:lnSpc>
-              <a:spcPct val="90000"/>
-            </a:lnSpc>
-            <a:spcBef>
-              <a:spcPct val="0"/>
-            </a:spcBef>
-            <a:spcAft>
-              <a:spcPct val="15000"/>
-            </a:spcAft>
-            <a:buChar char="•"/>
-          </a:pPr>
-          <a:r>
-            <a:rPr lang="ko-KR" altLang="en-US" sz="2200" kern="1200" dirty="0"/>
-            <a:t>주류</a:t>
-          </a:r>
-        </a:p>
-        <a:p>
-          <a:pPr marL="228600" lvl="1" indent="-228600" algn="l" defTabSz="977900" latinLnBrk="1">
-            <a:lnSpc>
-              <a:spcPct val="90000"/>
-            </a:lnSpc>
-            <a:spcBef>
-              <a:spcPct val="0"/>
-            </a:spcBef>
-            <a:spcAft>
-              <a:spcPct val="15000"/>
-            </a:spcAft>
-            <a:buChar char="•"/>
-          </a:pPr>
-          <a:r>
-            <a:rPr lang="ko-KR" altLang="en-US" sz="2200" kern="1200" dirty="0"/>
-            <a:t>냉동식품</a:t>
-          </a:r>
-        </a:p>
-      </dsp:txBody>
-      <dsp:txXfrm>
-        <a:off x="2125943" y="1696744"/>
-        <a:ext cx="1863186" cy="966240"/>
-      </dsp:txXfrm>
-    </dsp:sp>
-    <dsp:sp modelId="{3A2365CD-AC35-4111-8C98-A0396C9051FB}">
-      <dsp:nvSpPr>
-        <dsp:cNvPr id="0" name=""/>
-        <dsp:cNvSpPr/>
-      </dsp:nvSpPr>
-      <dsp:spPr>
-        <a:xfrm>
-          <a:off x="4249976" y="1063144"/>
-          <a:ext cx="1863186" cy="633600"/>
-        </a:xfrm>
-        <a:prstGeom prst="rect">
-          <a:avLst/>
-        </a:prstGeom>
-        <a:solidFill>
-          <a:schemeClr val="accent1">
-            <a:hueOff val="0"/>
-            <a:satOff val="0"/>
-            <a:lumOff val="0"/>
-            <a:alphaOff val="0"/>
-          </a:schemeClr>
-        </a:solidFill>
-        <a:ln w="25400" cap="flat" cmpd="sng" algn="ctr">
-          <a:solidFill>
-            <a:schemeClr val="accent1">
-              <a:hueOff val="0"/>
-              <a:satOff val="0"/>
-              <a:lumOff val="0"/>
-              <a:alphaOff val="0"/>
-            </a:schemeClr>
-          </a:solidFill>
-          <a:prstDash val="solid"/>
-        </a:ln>
-        <a:effectLst/>
-      </dsp:spPr>
-      <dsp:style>
-        <a:lnRef idx="2">
-          <a:scrgbClr r="0" g="0" b="0"/>
-        </a:lnRef>
-        <a:fillRef idx="1">
-          <a:scrgbClr r="0" g="0" b="0"/>
-        </a:fillRef>
-        <a:effectRef idx="0">
-          <a:scrgbClr r="0" g="0" b="0"/>
-        </a:effectRef>
-        <a:fontRef idx="minor">
-          <a:schemeClr val="lt1"/>
-        </a:fontRef>
-      </dsp:style>
-      <dsp:txBody>
-        <a:bodyPr spcFirstLastPara="0" vert="horz" wrap="square" lIns="156464" tIns="89408" rIns="156464" bIns="89408" numCol="1" spcCol="1270" anchor="ctr" anchorCtr="0">
-          <a:noAutofit/>
-        </a:bodyPr>
-        <a:lstStyle/>
-        <a:p>
-          <a:pPr marL="0" lvl="0" indent="0" algn="ctr" defTabSz="977900" latinLnBrk="1">
-            <a:lnSpc>
-              <a:spcPct val="90000"/>
-            </a:lnSpc>
-            <a:spcBef>
-              <a:spcPct val="0"/>
-            </a:spcBef>
-            <a:spcAft>
-              <a:spcPct val="35000"/>
-            </a:spcAft>
-            <a:buNone/>
-          </a:pPr>
-          <a:r>
-            <a:rPr lang="ko-KR" altLang="en-US" sz="2200" kern="1200" dirty="0"/>
-            <a:t>북쪽 가판대</a:t>
-          </a:r>
-        </a:p>
-      </dsp:txBody>
-      <dsp:txXfrm>
-        <a:off x="4249976" y="1063144"/>
-        <a:ext cx="1863186" cy="633600"/>
-      </dsp:txXfrm>
-    </dsp:sp>
-    <dsp:sp modelId="{04AB1A56-14D6-4A3B-8995-FA328FF0A363}">
-      <dsp:nvSpPr>
-        <dsp:cNvPr id="0" name=""/>
-        <dsp:cNvSpPr/>
-      </dsp:nvSpPr>
-      <dsp:spPr>
-        <a:xfrm>
-          <a:off x="4249976" y="1696744"/>
-          <a:ext cx="1863186" cy="966240"/>
-        </a:xfrm>
-        <a:prstGeom prst="rect">
-          <a:avLst/>
-        </a:prstGeom>
-        <a:solidFill>
-          <a:schemeClr val="accent1">
-            <a:alpha val="90000"/>
-            <a:tint val="40000"/>
-            <a:hueOff val="0"/>
-            <a:satOff val="0"/>
-            <a:lumOff val="0"/>
-            <a:alphaOff val="0"/>
-          </a:schemeClr>
-        </a:solidFill>
-        <a:ln w="25400" cap="flat" cmpd="sng" algn="ctr">
-          <a:solidFill>
-            <a:schemeClr val="accent1">
-              <a:alpha val="90000"/>
-              <a:tint val="40000"/>
-              <a:hueOff val="0"/>
-              <a:satOff val="0"/>
-              <a:lumOff val="0"/>
-              <a:alphaOff val="0"/>
-            </a:schemeClr>
-          </a:solidFill>
-          <a:prstDash val="solid"/>
-        </a:ln>
-        <a:effectLst/>
-      </dsp:spPr>
-      <dsp:style>
-        <a:lnRef idx="2">
-          <a:scrgbClr r="0" g="0" b="0"/>
-        </a:lnRef>
-        <a:fillRef idx="1">
-          <a:scrgbClr r="0" g="0" b="0"/>
-        </a:fillRef>
-        <a:effectRef idx="0">
-          <a:scrgbClr r="0" g="0" b="0"/>
-        </a:effectRef>
-        <a:fontRef idx="minor"/>
-      </dsp:style>
-      <dsp:txBody>
-        <a:bodyPr spcFirstLastPara="0" vert="horz" wrap="square" lIns="117348" tIns="117348" rIns="156464" bIns="176022" numCol="1" spcCol="1270" anchor="t" anchorCtr="0">
-          <a:noAutofit/>
-        </a:bodyPr>
-        <a:lstStyle/>
-        <a:p>
-          <a:pPr marL="228600" lvl="1" indent="-228600" algn="l" defTabSz="977900" latinLnBrk="1">
-            <a:lnSpc>
-              <a:spcPct val="90000"/>
-            </a:lnSpc>
-            <a:spcBef>
-              <a:spcPct val="0"/>
-            </a:spcBef>
-            <a:spcAft>
-              <a:spcPct val="15000"/>
-            </a:spcAft>
-            <a:buChar char="•"/>
-          </a:pPr>
-          <a:r>
-            <a:rPr lang="ko-KR" altLang="en-US" sz="2200" kern="1200" dirty="0"/>
-            <a:t>즉석식품</a:t>
-          </a:r>
-        </a:p>
-        <a:p>
-          <a:pPr marL="228600" lvl="1" indent="-228600" algn="l" defTabSz="977900" latinLnBrk="1">
-            <a:lnSpc>
-              <a:spcPct val="90000"/>
-            </a:lnSpc>
-            <a:spcBef>
-              <a:spcPct val="0"/>
-            </a:spcBef>
-            <a:spcAft>
-              <a:spcPct val="15000"/>
-            </a:spcAft>
-            <a:buChar char="•"/>
-          </a:pPr>
-          <a:r>
-            <a:rPr lang="ko-KR" altLang="en-US" sz="2200" kern="1200" dirty="0"/>
-            <a:t>신선식품</a:t>
-          </a:r>
-        </a:p>
-      </dsp:txBody>
-      <dsp:txXfrm>
-        <a:off x="4249976" y="1696744"/>
-        <a:ext cx="1863186" cy="966240"/>
-      </dsp:txXfrm>
-    </dsp:sp>
-  </dsp:spTree>
-</dsp:drawing>
-</file>
-
 <file path=ppt/diagrams/layout1.xml><?xml version="1.0" encoding="utf-8"?>
-<dgm:layoutDef xmlns:dgm="http://schemas.openxmlformats.org/drawingml/2006/diagram" xmlns:a="http://schemas.openxmlformats.org/drawingml/2006/main" uniqueId="urn:microsoft.com/office/officeart/2005/8/layout/vList2">
-  <dgm:title val=""/>
-  <dgm:desc val=""/>
-  <dgm:catLst>
-    <dgm:cat type="list" pri="3000"/>
-    <dgm:cat type="convert" pri="1000"/>
-  </dgm:catLst>
-  <dgm:sampData>
-    <dgm:dataModel>
-      <dgm:ptLst>
-        <dgm:pt modelId="0" type="doc"/>
-        <dgm:pt modelId="1">
-          <dgm:prSet phldr="1"/>
-        </dgm:pt>
-        <dgm:pt modelId="11">
-          <dgm:prSet phldr="1"/>
-        </dgm:pt>
-        <dgm:pt modelId="2">
-          <dgm:prSet phldr="1"/>
-        </dgm:pt>
-        <dgm:pt modelId="21">
-          <dgm:prSet phldr="1"/>
-        </dgm:pt>
-      </dgm:ptLst>
-      <dgm:cxnLst>
-        <dgm:cxn modelId="4" srcId="0" destId="1" srcOrd="0" destOrd="0"/>
-        <dgm:cxn modelId="5" srcId="0" destId="2" srcOrd="1" destOrd="0"/>
-        <dgm:cxn modelId="12" srcId="1" destId="11" srcOrd="0" destOrd="0"/>
-        <dgm:cxn modelId="23" srcId="2" destId="21" srcOrd="0" destOrd="0"/>
-      </dgm:cxnLst>
-      <dgm:bg/>
-      <dgm:whole/>
-    </dgm:dataModel>
-  </dgm:sampData>
-  <dgm:styleData>
-    <dgm:dataModel>
-      <dgm:ptLst>
-        <dgm:pt modelId="0" type="doc"/>
-        <dgm:pt modelId="1"/>
-        <dgm:pt modelId="2"/>
-      </dgm:ptLst>
-      <dgm:cxnLst>
-        <dgm:cxn modelId="3" srcId="0" destId="1" srcOrd="0" destOrd="0"/>
-        <dgm:cxn modelId="4" srcId="0" destId="2" srcOrd="1" destOrd="0"/>
-      </dgm:cxnLst>
-      <dgm:bg/>
-      <dgm:whole/>
-    </dgm:dataModel>
-  </dgm:styleData>
-  <dgm:clrData>
-    <dgm:dataModel>
-      <dgm:ptLst>
-        <dgm:pt modelId="0" type="doc"/>
-        <dgm:pt modelId="1"/>
-        <dgm:pt modelId="2"/>
-        <dgm:pt modelId="3"/>
-        <dgm:pt modelId="4"/>
-      </dgm:ptLst>
-      <dgm:cxnLst>
-        <dgm:cxn modelId="5" srcId="0" destId="1" srcOrd="0" destOrd="0"/>
-        <dgm:cxn modelId="6" srcId="0" destId="2" srcOrd="1" destOrd="0"/>
-        <dgm:cxn modelId="7" srcId="0" destId="3" srcOrd="2" destOrd="0"/>
-        <dgm:cxn modelId="8" srcId="0" destId="4" srcOrd="3" destOrd="0"/>
-      </dgm:cxnLst>
-      <dgm:bg/>
-      <dgm:whole/>
-    </dgm:dataModel>
-  </dgm:clrData>
-  <dgm:layoutNode name="linear">
-    <dgm:varLst>
-      <dgm:animLvl val="lvl"/>
-      <dgm:resizeHandles val="exact"/>
-    </dgm:varLst>
-    <dgm:alg type="lin">
-      <dgm:param type="linDir" val="fromT"/>
-      <dgm:param type="vertAlign" val="mid"/>
-    </dgm:alg>
-    <dgm:shape xmlns:r="http://schemas.openxmlformats.org/officeDocument/2006/relationships" r:blip="">
-      <dgm:adjLst/>
-    </dgm:shape>
-    <dgm:presOf/>
-    <dgm:constrLst>
-      <dgm:constr type="w" for="ch" forName="parentText" refType="w"/>
-      <dgm:constr type="h" for="ch" forName="parentText" refType="primFontSz" refFor="ch" refForName="parentText" fact="0.52"/>
-      <dgm:constr type="w" for="ch" forName="childText" refType="w"/>
-      <dgm:constr type="h" for="ch" forName="childText" refType="primFontSz" refFor="ch" refForName="parentText" fact="0.46"/>
-      <dgm:constr type="h" for="ch" forName="parentText" op="equ"/>
-      <dgm:constr type="primFontSz" for="ch" forName="parentText" op="equ" val="65"/>
-      <dgm:constr type="primFontSz" for="ch" forName="childText" refType="primFontSz" refFor="ch" refForName="parentText" op="equ"/>
-      <dgm:constr type="h" for="ch" forName="spacer" refType="primFontSz" refFor="ch" refForName="parentText" fact="0.08"/>
-    </dgm:constrLst>
-    <dgm:ruleLst>
-      <dgm:rule type="primFontSz" for="ch" forName="parentText" val="5" fact="NaN" max="NaN"/>
-    </dgm:ruleLst>
-    <dgm:forEach name="Name0" axis="ch" ptType="node">
-      <dgm:layoutNode name="parentText" styleLbl="node1">
-        <dgm:varLst>
-          <dgm:chMax val="0"/>
-          <dgm:bulletEnabled val="1"/>
-        </dgm:varLst>
-        <dgm:alg type="tx">
-          <dgm:param type="parTxLTRAlign" val="l"/>
-          <dgm:param type="parTxRTLAlign" val="r"/>
-        </dgm:alg>
-        <dgm:shape xmlns:r="http://schemas.openxmlformats.org/officeDocument/2006/relationships" type="roundRect" r:blip="">
-          <dgm:adjLst/>
-        </dgm:shape>
-        <dgm:presOf axis="self"/>
-        <dgm:constrLst>
-          <dgm:constr type="tMarg" refType="primFontSz" fact="0.3"/>
-          <dgm:constr type="bMarg" refType="primFontSz" fact="0.3"/>
-          <dgm:constr type="lMarg" refType="primFontSz" fact="0.3"/>
-          <dgm:constr type="rMarg" refType="primFontSz" fact="0.3"/>
-        </dgm:constrLst>
-        <dgm:ruleLst>
-          <dgm:rule type="h" val="INF" fact="NaN" max="NaN"/>
-        </dgm:ruleLst>
-      </dgm:layoutNode>
-      <dgm:choose name="Name1">
-        <dgm:if name="Name2" axis="ch" ptType="node" func="cnt" op="gte" val="1">
-          <dgm:layoutNode name="childText" styleLbl="revTx">
-            <dgm:varLst>
-              <dgm:bulletEnabled val="1"/>
-            </dgm:varLst>
-            <dgm:alg type="tx">
-              <dgm:param type="stBulletLvl" val="1"/>
-              <dgm:param type="lnSpAfChP" val="20"/>
-            </dgm:alg>
-            <dgm:shape xmlns:r="http://schemas.openxmlformats.org/officeDocument/2006/relationships" type="rect" r:blip="">
-              <dgm:adjLst/>
-            </dgm:shape>
-            <dgm:presOf axis="des" ptType="node"/>
-            <dgm:constrLst>
-              <dgm:constr type="tMarg" refType="primFontSz" fact="0.1"/>
-              <dgm:constr type="bMarg" refType="primFontSz" fact="0.1"/>
-              <dgm:constr type="lMarg" refType="w" fact="0.09"/>
-            </dgm:constrLst>
-            <dgm:ruleLst>
-              <dgm:rule type="h" val="INF" fact="NaN" max="NaN"/>
-            </dgm:ruleLst>
-          </dgm:layoutNode>
-        </dgm:if>
-        <dgm:else name="Name3">
-          <dgm:choose name="Name4">
-            <dgm:if name="Name5" axis="par ch" ptType="doc node" func="cnt" op="gte" val="2">
-              <dgm:forEach name="Name6" axis="followSib" ptType="sibTrans" cnt="1">
-                <dgm:layoutNode name="spacer">
-                  <dgm:alg type="sp"/>
-                  <dgm:shape xmlns:r="http://schemas.openxmlformats.org/officeDocument/2006/relationships" r:blip="">
-                    <dgm:adjLst/>
-                  </dgm:shape>
-                  <dgm:presOf/>
-                  <dgm:constrLst/>
-                  <dgm:ruleLst/>
-                </dgm:layoutNode>
-              </dgm:forEach>
-            </dgm:if>
-            <dgm:else name="Name7"/>
-          </dgm:choose>
-        </dgm:else>
-      </dgm:choose>
-    </dgm:forEach>
-  </dgm:layoutNode>
-</dgm:layoutDef>
-</file>
-
-<file path=ppt/diagrams/layout2.xml><?xml version="1.0" encoding="utf-8"?>
 <dgm:layoutDef xmlns:dgm="http://schemas.openxmlformats.org/drawingml/2006/diagram" xmlns:a="http://schemas.openxmlformats.org/drawingml/2006/main" uniqueId="urn:microsoft.com/office/officeart/2005/8/layout/hList1">
   <dgm:title val=""/>
   <dgm:desc val=""/>
@@ -3996,6 +3831,173 @@
           <dgm:ruleLst/>
         </dgm:layoutNode>
       </dgm:forEach>
+    </dgm:forEach>
+  </dgm:layoutNode>
+</dgm:layoutDef>
+</file>
+
+<file path=ppt/diagrams/layout2.xml><?xml version="1.0" encoding="utf-8"?>
+<dgm:layoutDef xmlns:dgm="http://schemas.openxmlformats.org/drawingml/2006/diagram" xmlns:a="http://schemas.openxmlformats.org/drawingml/2006/main" uniqueId="urn:microsoft.com/office/officeart/2005/8/layout/vList2">
+  <dgm:title val=""/>
+  <dgm:desc val=""/>
+  <dgm:catLst>
+    <dgm:cat type="list" pri="3000"/>
+    <dgm:cat type="convert" pri="1000"/>
+  </dgm:catLst>
+  <dgm:sampData>
+    <dgm:dataModel>
+      <dgm:ptLst>
+        <dgm:pt modelId="0" type="doc"/>
+        <dgm:pt modelId="1">
+          <dgm:prSet phldr="1"/>
+        </dgm:pt>
+        <dgm:pt modelId="11">
+          <dgm:prSet phldr="1"/>
+        </dgm:pt>
+        <dgm:pt modelId="2">
+          <dgm:prSet phldr="1"/>
+        </dgm:pt>
+        <dgm:pt modelId="21">
+          <dgm:prSet phldr="1"/>
+        </dgm:pt>
+      </dgm:ptLst>
+      <dgm:cxnLst>
+        <dgm:cxn modelId="4" srcId="0" destId="1" srcOrd="0" destOrd="0"/>
+        <dgm:cxn modelId="5" srcId="0" destId="2" srcOrd="1" destOrd="0"/>
+        <dgm:cxn modelId="12" srcId="1" destId="11" srcOrd="0" destOrd="0"/>
+        <dgm:cxn modelId="23" srcId="2" destId="21" srcOrd="0" destOrd="0"/>
+      </dgm:cxnLst>
+      <dgm:bg/>
+      <dgm:whole/>
+    </dgm:dataModel>
+  </dgm:sampData>
+  <dgm:styleData>
+    <dgm:dataModel>
+      <dgm:ptLst>
+        <dgm:pt modelId="0" type="doc"/>
+        <dgm:pt modelId="1"/>
+        <dgm:pt modelId="2"/>
+      </dgm:ptLst>
+      <dgm:cxnLst>
+        <dgm:cxn modelId="3" srcId="0" destId="1" srcOrd="0" destOrd="0"/>
+        <dgm:cxn modelId="4" srcId="0" destId="2" srcOrd="1" destOrd="0"/>
+      </dgm:cxnLst>
+      <dgm:bg/>
+      <dgm:whole/>
+    </dgm:dataModel>
+  </dgm:styleData>
+  <dgm:clrData>
+    <dgm:dataModel>
+      <dgm:ptLst>
+        <dgm:pt modelId="0" type="doc"/>
+        <dgm:pt modelId="1"/>
+        <dgm:pt modelId="2"/>
+        <dgm:pt modelId="3"/>
+        <dgm:pt modelId="4"/>
+      </dgm:ptLst>
+      <dgm:cxnLst>
+        <dgm:cxn modelId="5" srcId="0" destId="1" srcOrd="0" destOrd="0"/>
+        <dgm:cxn modelId="6" srcId="0" destId="2" srcOrd="1" destOrd="0"/>
+        <dgm:cxn modelId="7" srcId="0" destId="3" srcOrd="2" destOrd="0"/>
+        <dgm:cxn modelId="8" srcId="0" destId="4" srcOrd="3" destOrd="0"/>
+      </dgm:cxnLst>
+      <dgm:bg/>
+      <dgm:whole/>
+    </dgm:dataModel>
+  </dgm:clrData>
+  <dgm:layoutNode name="linear">
+    <dgm:varLst>
+      <dgm:animLvl val="lvl"/>
+      <dgm:resizeHandles val="exact"/>
+    </dgm:varLst>
+    <dgm:alg type="lin">
+      <dgm:param type="linDir" val="fromT"/>
+      <dgm:param type="vertAlign" val="mid"/>
+    </dgm:alg>
+    <dgm:shape xmlns:r="http://schemas.openxmlformats.org/officeDocument/2006/relationships" r:blip="">
+      <dgm:adjLst/>
+    </dgm:shape>
+    <dgm:presOf/>
+    <dgm:constrLst>
+      <dgm:constr type="w" for="ch" forName="parentText" refType="w"/>
+      <dgm:constr type="h" for="ch" forName="parentText" refType="primFontSz" refFor="ch" refForName="parentText" fact="0.52"/>
+      <dgm:constr type="w" for="ch" forName="childText" refType="w"/>
+      <dgm:constr type="h" for="ch" forName="childText" refType="primFontSz" refFor="ch" refForName="parentText" fact="0.46"/>
+      <dgm:constr type="h" for="ch" forName="parentText" op="equ"/>
+      <dgm:constr type="primFontSz" for="ch" forName="parentText" op="equ" val="65"/>
+      <dgm:constr type="primFontSz" for="ch" forName="childText" refType="primFontSz" refFor="ch" refForName="parentText" op="equ"/>
+      <dgm:constr type="h" for="ch" forName="spacer" refType="primFontSz" refFor="ch" refForName="parentText" fact="0.08"/>
+    </dgm:constrLst>
+    <dgm:ruleLst>
+      <dgm:rule type="primFontSz" for="ch" forName="parentText" val="5" fact="NaN" max="NaN"/>
+    </dgm:ruleLst>
+    <dgm:forEach name="Name0" axis="ch" ptType="node">
+      <dgm:layoutNode name="parentText" styleLbl="node1">
+        <dgm:varLst>
+          <dgm:chMax val="0"/>
+          <dgm:bulletEnabled val="1"/>
+        </dgm:varLst>
+        <dgm:alg type="tx">
+          <dgm:param type="parTxLTRAlign" val="l"/>
+          <dgm:param type="parTxRTLAlign" val="r"/>
+        </dgm:alg>
+        <dgm:shape xmlns:r="http://schemas.openxmlformats.org/officeDocument/2006/relationships" type="roundRect" r:blip="">
+          <dgm:adjLst/>
+        </dgm:shape>
+        <dgm:presOf axis="self"/>
+        <dgm:constrLst>
+          <dgm:constr type="tMarg" refType="primFontSz" fact="0.3"/>
+          <dgm:constr type="bMarg" refType="primFontSz" fact="0.3"/>
+          <dgm:constr type="lMarg" refType="primFontSz" fact="0.3"/>
+          <dgm:constr type="rMarg" refType="primFontSz" fact="0.3"/>
+        </dgm:constrLst>
+        <dgm:ruleLst>
+          <dgm:rule type="h" val="INF" fact="NaN" max="NaN"/>
+        </dgm:ruleLst>
+      </dgm:layoutNode>
+      <dgm:choose name="Name1">
+        <dgm:if name="Name2" axis="ch" ptType="node" func="cnt" op="gte" val="1">
+          <dgm:layoutNode name="childText" styleLbl="revTx">
+            <dgm:varLst>
+              <dgm:bulletEnabled val="1"/>
+            </dgm:varLst>
+            <dgm:alg type="tx">
+              <dgm:param type="stBulletLvl" val="1"/>
+              <dgm:param type="lnSpAfChP" val="20"/>
+            </dgm:alg>
+            <dgm:shape xmlns:r="http://schemas.openxmlformats.org/officeDocument/2006/relationships" type="rect" r:blip="">
+              <dgm:adjLst/>
+            </dgm:shape>
+            <dgm:presOf axis="des" ptType="node"/>
+            <dgm:constrLst>
+              <dgm:constr type="tMarg" refType="primFontSz" fact="0.1"/>
+              <dgm:constr type="bMarg" refType="primFontSz" fact="0.1"/>
+              <dgm:constr type="lMarg" refType="w" fact="0.09"/>
+            </dgm:constrLst>
+            <dgm:ruleLst>
+              <dgm:rule type="h" val="INF" fact="NaN" max="NaN"/>
+            </dgm:ruleLst>
+          </dgm:layoutNode>
+        </dgm:if>
+        <dgm:else name="Name3">
+          <dgm:choose name="Name4">
+            <dgm:if name="Name5" axis="par ch" ptType="doc node" func="cnt" op="gte" val="2">
+              <dgm:forEach name="Name6" axis="followSib" ptType="sibTrans" cnt="1">
+                <dgm:layoutNode name="spacer">
+                  <dgm:alg type="sp"/>
+                  <dgm:shape xmlns:r="http://schemas.openxmlformats.org/officeDocument/2006/relationships" r:blip="">
+                    <dgm:adjLst/>
+                  </dgm:shape>
+                  <dgm:presOf/>
+                  <dgm:constrLst/>
+                  <dgm:ruleLst/>
+                </dgm:layoutNode>
+              </dgm:forEach>
+            </dgm:if>
+            <dgm:else name="Name7"/>
+          </dgm:choose>
+        </dgm:else>
+      </dgm:choose>
     </dgm:forEach>
   </dgm:layoutNode>
 </dgm:layoutDef>
@@ -12796,6 +12798,839 @@
       </p:grpSpPr>
       <p:sp>
         <p:nvSpPr>
+          <p:cNvPr id="291" name="CustomShape 1"/>
+          <p:cNvSpPr/>
+          <p:nvPr/>
+        </p:nvSpPr>
+        <p:spPr>
+          <a:xfrm>
+            <a:off x="470880" y="432360"/>
+            <a:ext cx="2404800" cy="2515680"/>
+          </a:xfrm>
+          <a:prstGeom prst="rect">
+            <a:avLst/>
+          </a:prstGeom>
+          <a:noFill/>
+          <a:ln>
+            <a:noFill/>
+          </a:ln>
+        </p:spPr>
+        <p:style>
+          <a:lnRef idx="0">
+            <a:scrgbClr r="0" g="0" b="0"/>
+          </a:lnRef>
+          <a:fillRef idx="0">
+            <a:scrgbClr r="0" g="0" b="0"/>
+          </a:fillRef>
+          <a:effectRef idx="0">
+            <a:scrgbClr r="0" g="0" b="0"/>
+          </a:effectRef>
+          <a:fontRef idx="minor"/>
+        </p:style>
+        <p:txBody>
+          <a:bodyPr lIns="0" tIns="0" rIns="0" bIns="0"/>
+          <a:lstStyle/>
+          <a:p>
+            <a:pPr algn="r">
+              <a:lnSpc>
+                <a:spcPct val="100000"/>
+              </a:lnSpc>
+            </a:pPr>
+            <a:endParaRPr lang="en-US" sz="1800" b="0" strike="noStrike" spc="-1">
+              <a:latin typeface="Times New Roman"/>
+            </a:endParaRPr>
+          </a:p>
+          <a:p>
+            <a:pPr algn="r">
+              <a:lnSpc>
+                <a:spcPct val="100000"/>
+              </a:lnSpc>
+            </a:pPr>
+            <a:r>
+              <a:rPr lang="en-US" sz="4000" b="0" strike="noStrike" spc="-1">
+                <a:solidFill>
+                  <a:srgbClr val="00AAAE"/>
+                </a:solidFill>
+                <a:latin typeface="나눔명조"/>
+                <a:ea typeface="나눔명조"/>
+              </a:rPr>
+              <a:t>개발 일정</a:t>
+            </a:r>
+            <a:endParaRPr lang="en-US" sz="4000" b="0" strike="noStrike" spc="-1">
+              <a:latin typeface="Times New Roman"/>
+            </a:endParaRPr>
+          </a:p>
+        </p:txBody>
+      </p:sp>
+      <p:sp>
+        <p:nvSpPr>
+          <p:cNvPr id="292" name="CustomShape 2"/>
+          <p:cNvSpPr/>
+          <p:nvPr/>
+        </p:nvSpPr>
+        <p:spPr>
+          <a:xfrm>
+            <a:off x="118080" y="3710520"/>
+            <a:ext cx="1615680" cy="2407680"/>
+          </a:xfrm>
+          <a:prstGeom prst="rect">
+            <a:avLst/>
+          </a:prstGeom>
+          <a:noFill/>
+          <a:ln>
+            <a:noFill/>
+          </a:ln>
+        </p:spPr>
+        <p:style>
+          <a:lnRef idx="0">
+            <a:scrgbClr r="0" g="0" b="0"/>
+          </a:lnRef>
+          <a:fillRef idx="0">
+            <a:scrgbClr r="0" g="0" b="0"/>
+          </a:fillRef>
+          <a:effectRef idx="0">
+            <a:scrgbClr r="0" g="0" b="0"/>
+          </a:effectRef>
+          <a:fontRef idx="minor"/>
+        </p:style>
+        <p:txBody>
+          <a:bodyPr lIns="0" tIns="0" rIns="0" bIns="0"/>
+          <a:lstStyle/>
+          <a:p>
+            <a:pPr>
+              <a:lnSpc>
+                <a:spcPts val="18499"/>
+              </a:lnSpc>
+            </a:pPr>
+            <a:endParaRPr lang="en-US" sz="18500" b="0" strike="noStrike" spc="-1" dirty="0">
+              <a:latin typeface="Times New Roman"/>
+            </a:endParaRPr>
+          </a:p>
+        </p:txBody>
+      </p:sp>
+      <p:sp>
+        <p:nvSpPr>
+          <p:cNvPr id="293" name="CustomShape 3"/>
+          <p:cNvSpPr/>
+          <p:nvPr/>
+        </p:nvSpPr>
+        <p:spPr>
+          <a:xfrm rot="16200000">
+            <a:off x="9093240" y="4948560"/>
+            <a:ext cx="2623680" cy="715680"/>
+          </a:xfrm>
+          <a:prstGeom prst="rect">
+            <a:avLst/>
+          </a:prstGeom>
+          <a:noFill/>
+          <a:ln>
+            <a:noFill/>
+          </a:ln>
+        </p:spPr>
+        <p:style>
+          <a:lnRef idx="0">
+            <a:scrgbClr r="0" g="0" b="0"/>
+          </a:lnRef>
+          <a:fillRef idx="0">
+            <a:scrgbClr r="0" g="0" b="0"/>
+          </a:fillRef>
+          <a:effectRef idx="0">
+            <a:scrgbClr r="0" g="0" b="0"/>
+          </a:effectRef>
+          <a:fontRef idx="minor"/>
+        </p:style>
+        <p:txBody>
+          <a:bodyPr lIns="0" tIns="0" rIns="0" bIns="0"/>
+          <a:lstStyle/>
+          <a:p>
+            <a:pPr>
+              <a:lnSpc>
+                <a:spcPts val="3849"/>
+              </a:lnSpc>
+            </a:pPr>
+            <a:endParaRPr lang="en-US" sz="3850" b="0" strike="noStrike" spc="-1" dirty="0">
+              <a:latin typeface="Times New Roman"/>
+            </a:endParaRPr>
+          </a:p>
+        </p:txBody>
+      </p:sp>
+      <p:sp>
+        <p:nvSpPr>
+          <p:cNvPr id="294" name="CustomShape 4"/>
+          <p:cNvSpPr/>
+          <p:nvPr/>
+        </p:nvSpPr>
+        <p:spPr>
+          <a:xfrm>
+            <a:off x="4320000" y="864000"/>
+            <a:ext cx="5935680" cy="2263680"/>
+          </a:xfrm>
+          <a:prstGeom prst="rect">
+            <a:avLst/>
+          </a:prstGeom>
+          <a:noFill/>
+          <a:ln>
+            <a:noFill/>
+          </a:ln>
+        </p:spPr>
+        <p:style>
+          <a:lnRef idx="0">
+            <a:scrgbClr r="0" g="0" b="0"/>
+          </a:lnRef>
+          <a:fillRef idx="0">
+            <a:scrgbClr r="0" g="0" b="0"/>
+          </a:fillRef>
+          <a:effectRef idx="0">
+            <a:scrgbClr r="0" g="0" b="0"/>
+          </a:effectRef>
+          <a:fontRef idx="minor"/>
+        </p:style>
+      </p:sp>
+      <p:sp>
+        <p:nvSpPr>
+          <p:cNvPr id="298" name="CustomShape 8"/>
+          <p:cNvSpPr/>
+          <p:nvPr/>
+        </p:nvSpPr>
+        <p:spPr>
+          <a:xfrm>
+            <a:off x="6873840" y="1235181"/>
+            <a:ext cx="270000" cy="265680"/>
+          </a:xfrm>
+          <a:prstGeom prst="downArrow">
+            <a:avLst>
+              <a:gd name="adj1" fmla="val 50000"/>
+              <a:gd name="adj2" fmla="val 50000"/>
+            </a:avLst>
+          </a:prstGeom>
+          <a:solidFill>
+            <a:schemeClr val="accent2"/>
+          </a:solidFill>
+          <a:ln>
+            <a:noFill/>
+          </a:ln>
+        </p:spPr>
+        <p:style>
+          <a:lnRef idx="2">
+            <a:schemeClr val="accent1">
+              <a:shade val="50000"/>
+            </a:schemeClr>
+          </a:lnRef>
+          <a:fillRef idx="1">
+            <a:schemeClr val="accent1"/>
+          </a:fillRef>
+          <a:effectRef idx="0">
+            <a:schemeClr val="accent1"/>
+          </a:effectRef>
+          <a:fontRef idx="minor"/>
+        </p:style>
+      </p:sp>
+      <p:sp>
+        <p:nvSpPr>
+          <p:cNvPr id="299" name="CustomShape 9"/>
+          <p:cNvSpPr/>
+          <p:nvPr/>
+        </p:nvSpPr>
+        <p:spPr>
+          <a:xfrm>
+            <a:off x="7665840" y="184320"/>
+            <a:ext cx="2738880" cy="360720"/>
+          </a:xfrm>
+          <a:prstGeom prst="rect">
+            <a:avLst/>
+          </a:prstGeom>
+          <a:noFill/>
+          <a:ln>
+            <a:noFill/>
+          </a:ln>
+        </p:spPr>
+        <p:style>
+          <a:lnRef idx="0">
+            <a:scrgbClr r="0" g="0" b="0"/>
+          </a:lnRef>
+          <a:fillRef idx="0">
+            <a:scrgbClr r="0" g="0" b="0"/>
+          </a:fillRef>
+          <a:effectRef idx="0">
+            <a:scrgbClr r="0" g="0" b="0"/>
+          </a:effectRef>
+          <a:fontRef idx="minor"/>
+        </p:style>
+        <p:txBody>
+          <a:bodyPr lIns="90000" tIns="45000" rIns="90000" bIns="45000" anchor="ctr"/>
+          <a:lstStyle/>
+          <a:p>
+            <a:pPr algn="r">
+              <a:lnSpc>
+                <a:spcPct val="100000"/>
+              </a:lnSpc>
+            </a:pPr>
+            <a:fld id="{1B3B86FF-E4DC-44C6-8412-B41B5B7219B5}" type="slidenum">
+              <a:rPr lang="en-US" sz="3600" b="0" strike="noStrike" spc="-1">
+                <a:solidFill>
+                  <a:srgbClr val="B2B2B2"/>
+                </a:solidFill>
+                <a:latin typeface="맑은 고딕"/>
+                <a:ea typeface="DejaVu Sans"/>
+              </a:rPr>
+              <a:t>10</a:t>
+            </a:fld>
+            <a:endParaRPr lang="en-US" sz="3600" b="0" strike="noStrike" spc="-1">
+              <a:latin typeface="Times New Roman"/>
+            </a:endParaRPr>
+          </a:p>
+        </p:txBody>
+      </p:sp>
+      <p:pic>
+        <p:nvPicPr>
+          <p:cNvPr id="7" name="그림 6"/>
+          <p:cNvPicPr>
+            <a:picLocks noChangeAspect="1"/>
+          </p:cNvPicPr>
+          <p:nvPr/>
+        </p:nvPicPr>
+        <p:blipFill>
+          <a:blip r:embed="rId2"/>
+          <a:stretch>
+            <a:fillRect/>
+          </a:stretch>
+        </p:blipFill>
+        <p:spPr>
+          <a:xfrm>
+            <a:off x="321840" y="1527501"/>
+            <a:ext cx="9933840" cy="5422532"/>
+          </a:xfrm>
+          <a:prstGeom prst="rect">
+            <a:avLst/>
+          </a:prstGeom>
+        </p:spPr>
+      </p:pic>
+      <p:sp>
+        <p:nvSpPr>
+          <p:cNvPr id="9" name="CustomShape 3"/>
+          <p:cNvSpPr/>
+          <p:nvPr/>
+        </p:nvSpPr>
+        <p:spPr>
+          <a:xfrm>
+            <a:off x="4320000" y="432360"/>
+            <a:ext cx="5755680" cy="463680"/>
+          </a:xfrm>
+          <a:prstGeom prst="rect">
+            <a:avLst/>
+          </a:prstGeom>
+          <a:noFill/>
+          <a:ln>
+            <a:noFill/>
+          </a:ln>
+        </p:spPr>
+        <p:style>
+          <a:lnRef idx="0">
+            <a:scrgbClr r="0" g="0" b="0"/>
+          </a:lnRef>
+          <a:fillRef idx="0">
+            <a:scrgbClr r="0" g="0" b="0"/>
+          </a:fillRef>
+          <a:effectRef idx="0">
+            <a:scrgbClr r="0" g="0" b="0"/>
+          </a:effectRef>
+          <a:fontRef idx="minor"/>
+        </p:style>
+        <p:txBody>
+          <a:bodyPr lIns="0" tIns="0" rIns="0" bIns="0"/>
+          <a:lstStyle/>
+          <a:p>
+            <a:pPr>
+              <a:lnSpc>
+                <a:spcPts val="2401"/>
+              </a:lnSpc>
+            </a:pPr>
+            <a:endParaRPr lang="en-US" sz="2100" spc="-1" dirty="0">
+              <a:solidFill>
+                <a:srgbClr val="00AAAE"/>
+              </a:solidFill>
+              <a:latin typeface="나눔명조"/>
+              <a:ea typeface="나눔명조"/>
+            </a:endParaRPr>
+          </a:p>
+          <a:p>
+            <a:pPr>
+              <a:lnSpc>
+                <a:spcPts val="2401"/>
+              </a:lnSpc>
+            </a:pPr>
+            <a:endParaRPr lang="en-US" sz="2100" b="0" strike="noStrike" spc="-1" dirty="0">
+              <a:solidFill>
+                <a:srgbClr val="00AAAE"/>
+              </a:solidFill>
+              <a:latin typeface="나눔명조"/>
+              <a:ea typeface="나눔명조"/>
+            </a:endParaRPr>
+          </a:p>
+          <a:p>
+            <a:pPr>
+              <a:lnSpc>
+                <a:spcPts val="2401"/>
+              </a:lnSpc>
+            </a:pPr>
+            <a:r>
+              <a:rPr lang="ko-KR" altLang="en-US" sz="2100" b="0" strike="noStrike" spc="-1" dirty="0">
+                <a:solidFill>
+                  <a:srgbClr val="00AAAE"/>
+                </a:solidFill>
+                <a:latin typeface="나눔명조"/>
+                <a:ea typeface="나눔명조"/>
+              </a:rPr>
+              <a:t>세부 일정</a:t>
+            </a:r>
+            <a:endParaRPr lang="en-US" sz="2100" b="0" strike="noStrike" spc="-1" dirty="0">
+              <a:latin typeface="Times New Roman"/>
+            </a:endParaRPr>
+          </a:p>
+        </p:txBody>
+      </p:sp>
+    </p:spTree>
+    <p:extLst>
+      <p:ext uri="{BB962C8B-B14F-4D97-AF65-F5344CB8AC3E}">
+        <p14:creationId xmlns:p14="http://schemas.microsoft.com/office/powerpoint/2010/main" val="1115029113"/>
+      </p:ext>
+    </p:extLst>
+  </p:cSld>
+  <p:clrMapOvr>
+    <a:masterClrMapping/>
+  </p:clrMapOvr>
+  <p:timing>
+    <p:tnLst>
+      <p:par>
+        <p:cTn id="1" dur="indefinite" restart="never" nodeType="tmRoot">
+          <p:childTnLst>
+            <p:seq>
+              <p:cTn id="2" dur="indefinite" nodeType="mainSeq"/>
+              <p:prevCondLst>
+                <p:cond evt="onPrev" delay="0">
+                  <p:tgtEl>
+                    <p:sldTgt/>
+                  </p:tgtEl>
+                </p:cond>
+              </p:prevCondLst>
+              <p:nextCondLst>
+                <p:cond evt="onNext" delay="0">
+                  <p:tgtEl>
+                    <p:sldTgt/>
+                  </p:tgtEl>
+                </p:cond>
+              </p:nextCondLst>
+            </p:seq>
+          </p:childTnLst>
+        </p:cTn>
+      </p:par>
+    </p:tnLst>
+  </p:timing>
+</p:sld>
+</file>
+
+<file path=ppt/slides/slide11.xml><?xml version="1.0" encoding="utf-8"?>
+<p:sld xmlns:a="http://schemas.openxmlformats.org/drawingml/2006/main" xmlns:r="http://schemas.openxmlformats.org/officeDocument/2006/relationships" xmlns:p="http://schemas.openxmlformats.org/presentationml/2006/main">
+  <p:cSld>
+    <p:spTree>
+      <p:nvGrpSpPr>
+        <p:cNvPr id="1" name=""/>
+        <p:cNvGrpSpPr/>
+        <p:nvPr/>
+      </p:nvGrpSpPr>
+      <p:grpSpPr>
+        <a:xfrm>
+          <a:off x="0" y="0"/>
+          <a:ext cx="0" cy="0"/>
+          <a:chOff x="0" y="0"/>
+          <a:chExt cx="0" cy="0"/>
+        </a:xfrm>
+      </p:grpSpPr>
+      <p:sp>
+        <p:nvSpPr>
+          <p:cNvPr id="4" name="CustomShape 1"/>
+          <p:cNvSpPr/>
+          <p:nvPr/>
+        </p:nvSpPr>
+        <p:spPr>
+          <a:xfrm>
+            <a:off x="124039" y="952622"/>
+            <a:ext cx="2745286" cy="2515680"/>
+          </a:xfrm>
+          <a:prstGeom prst="rect">
+            <a:avLst/>
+          </a:prstGeom>
+          <a:noFill/>
+          <a:ln>
+            <a:noFill/>
+          </a:ln>
+        </p:spPr>
+        <p:style>
+          <a:lnRef idx="0">
+            <a:scrgbClr r="0" g="0" b="0"/>
+          </a:lnRef>
+          <a:fillRef idx="0">
+            <a:scrgbClr r="0" g="0" b="0"/>
+          </a:fillRef>
+          <a:effectRef idx="0">
+            <a:scrgbClr r="0" g="0" b="0"/>
+          </a:effectRef>
+          <a:fontRef idx="minor"/>
+        </p:style>
+        <p:txBody>
+          <a:bodyPr lIns="0" tIns="0" rIns="0" bIns="0"/>
+          <a:lstStyle/>
+          <a:p>
+            <a:pPr algn="r">
+              <a:lnSpc>
+                <a:spcPct val="100000"/>
+              </a:lnSpc>
+            </a:pPr>
+            <a:endParaRPr lang="en-US" sz="1800" b="0" strike="noStrike" spc="-1" dirty="0">
+              <a:latin typeface="Times New Roman"/>
+            </a:endParaRPr>
+          </a:p>
+          <a:p>
+            <a:pPr>
+              <a:lnSpc>
+                <a:spcPts val="2401"/>
+              </a:lnSpc>
+            </a:pPr>
+            <a:r>
+              <a:rPr lang="ko-KR" altLang="en-US" sz="4000" spc="-1" dirty="0">
+                <a:solidFill>
+                  <a:srgbClr val="00AAAE"/>
+                </a:solidFill>
+                <a:latin typeface="나눔명조"/>
+              </a:rPr>
+              <a:t>테이블 구조</a:t>
+            </a:r>
+            <a:endParaRPr lang="en-US" altLang="ko-KR" sz="4000" spc="-1" dirty="0">
+              <a:latin typeface="Times New Roman"/>
+            </a:endParaRPr>
+          </a:p>
+        </p:txBody>
+      </p:sp>
+      <p:pic>
+        <p:nvPicPr>
+          <p:cNvPr id="5" name="그림 4"/>
+          <p:cNvPicPr>
+            <a:picLocks noChangeAspect="1"/>
+          </p:cNvPicPr>
+          <p:nvPr/>
+        </p:nvPicPr>
+        <p:blipFill>
+          <a:blip r:embed="rId2">
+            <a:extLst>
+              <a:ext uri="{28A0092B-C50C-407E-A947-70E740481C1C}">
+                <a14:useLocalDpi xmlns:a14="http://schemas.microsoft.com/office/drawing/2010/main" val="0"/>
+              </a:ext>
+            </a:extLst>
+          </a:blip>
+          <a:stretch>
+            <a:fillRect/>
+          </a:stretch>
+        </p:blipFill>
+        <p:spPr>
+          <a:xfrm>
+            <a:off x="4187446" y="336107"/>
+            <a:ext cx="5729784" cy="6873215"/>
+          </a:xfrm>
+          <a:prstGeom prst="rect">
+            <a:avLst/>
+          </a:prstGeom>
+        </p:spPr>
+      </p:pic>
+    </p:spTree>
+    <p:extLst>
+      <p:ext uri="{BB962C8B-B14F-4D97-AF65-F5344CB8AC3E}">
+        <p14:creationId xmlns:p14="http://schemas.microsoft.com/office/powerpoint/2010/main" val="2361830224"/>
+      </p:ext>
+    </p:extLst>
+  </p:cSld>
+  <p:clrMapOvr>
+    <a:masterClrMapping/>
+  </p:clrMapOvr>
+</p:sld>
+</file>
+
+<file path=ppt/slides/slide12.xml><?xml version="1.0" encoding="utf-8"?>
+<p:sld xmlns:a="http://schemas.openxmlformats.org/drawingml/2006/main" xmlns:r="http://schemas.openxmlformats.org/officeDocument/2006/relationships" xmlns:p="http://schemas.openxmlformats.org/presentationml/2006/main">
+  <p:cSld>
+    <p:spTree>
+      <p:nvGrpSpPr>
+        <p:cNvPr id="1" name=""/>
+        <p:cNvGrpSpPr/>
+        <p:nvPr/>
+      </p:nvGrpSpPr>
+      <p:grpSpPr>
+        <a:xfrm>
+          <a:off x="0" y="0"/>
+          <a:ext cx="0" cy="0"/>
+          <a:chOff x="0" y="0"/>
+          <a:chExt cx="0" cy="0"/>
+        </a:xfrm>
+      </p:grpSpPr>
+      <p:sp>
+        <p:nvSpPr>
+          <p:cNvPr id="4" name="CustomShape 1"/>
+          <p:cNvSpPr/>
+          <p:nvPr/>
+        </p:nvSpPr>
+        <p:spPr>
+          <a:xfrm>
+            <a:off x="470880" y="432360"/>
+            <a:ext cx="2404800" cy="2515680"/>
+          </a:xfrm>
+          <a:prstGeom prst="rect">
+            <a:avLst/>
+          </a:prstGeom>
+          <a:noFill/>
+          <a:ln>
+            <a:noFill/>
+          </a:ln>
+        </p:spPr>
+        <p:style>
+          <a:lnRef idx="0">
+            <a:scrgbClr r="0" g="0" b="0"/>
+          </a:lnRef>
+          <a:fillRef idx="0">
+            <a:scrgbClr r="0" g="0" b="0"/>
+          </a:fillRef>
+          <a:effectRef idx="0">
+            <a:scrgbClr r="0" g="0" b="0"/>
+          </a:effectRef>
+          <a:fontRef idx="minor"/>
+        </p:style>
+        <p:txBody>
+          <a:bodyPr lIns="0" tIns="0" rIns="0" bIns="0"/>
+          <a:lstStyle/>
+          <a:p>
+            <a:pPr algn="r">
+              <a:lnSpc>
+                <a:spcPct val="100000"/>
+              </a:lnSpc>
+            </a:pPr>
+            <a:endParaRPr lang="en-US" sz="1800" b="0" strike="noStrike" spc="-1" dirty="0">
+              <a:latin typeface="Times New Roman"/>
+            </a:endParaRPr>
+          </a:p>
+          <a:p>
+            <a:pPr algn="r">
+              <a:lnSpc>
+                <a:spcPct val="100000"/>
+              </a:lnSpc>
+            </a:pPr>
+            <a:r>
+              <a:rPr lang="ko-KR" altLang="en-US" sz="4000" spc="-1" dirty="0">
+                <a:solidFill>
+                  <a:srgbClr val="00AAAE"/>
+                </a:solidFill>
+                <a:latin typeface="나눔명조"/>
+                <a:ea typeface="나눔명조"/>
+              </a:rPr>
+              <a:t>매장 구조 입력</a:t>
+            </a:r>
+            <a:endParaRPr lang="en-US" sz="4000" b="0" strike="noStrike" spc="-1" dirty="0">
+              <a:latin typeface="Times New Roman"/>
+            </a:endParaRPr>
+          </a:p>
+        </p:txBody>
+      </p:sp>
+      <p:pic>
+        <p:nvPicPr>
+          <p:cNvPr id="2" name="그림 1">
+            <a:extLst>
+              <a:ext uri="{FF2B5EF4-FFF2-40B4-BE49-F238E27FC236}">
+                <a16:creationId xmlns:a16="http://schemas.microsoft.com/office/drawing/2014/main" id="{5DAF4728-3EC0-4D3C-8786-40E149F3B1C2}"/>
+              </a:ext>
+            </a:extLst>
+          </p:cNvPr>
+          <p:cNvPicPr>
+            <a:picLocks noChangeAspect="1"/>
+          </p:cNvPicPr>
+          <p:nvPr/>
+        </p:nvPicPr>
+        <p:blipFill>
+          <a:blip r:embed="rId2"/>
+          <a:stretch>
+            <a:fillRect/>
+          </a:stretch>
+        </p:blipFill>
+        <p:spPr>
+          <a:xfrm>
+            <a:off x="2813241" y="1891862"/>
+            <a:ext cx="7409571" cy="4635062"/>
+          </a:xfrm>
+          <a:prstGeom prst="rect">
+            <a:avLst/>
+          </a:prstGeom>
+        </p:spPr>
+      </p:pic>
+    </p:spTree>
+    <p:extLst>
+      <p:ext uri="{BB962C8B-B14F-4D97-AF65-F5344CB8AC3E}">
+        <p14:creationId xmlns:p14="http://schemas.microsoft.com/office/powerpoint/2010/main" val="2528179142"/>
+      </p:ext>
+    </p:extLst>
+  </p:cSld>
+  <p:clrMapOvr>
+    <a:masterClrMapping/>
+  </p:clrMapOvr>
+</p:sld>
+</file>
+
+<file path=ppt/slides/slide13.xml><?xml version="1.0" encoding="utf-8"?>
+<p:sld xmlns:a="http://schemas.openxmlformats.org/drawingml/2006/main" xmlns:r="http://schemas.openxmlformats.org/officeDocument/2006/relationships" xmlns:p="http://schemas.openxmlformats.org/presentationml/2006/main">
+  <p:cSld>
+    <p:spTree>
+      <p:nvGrpSpPr>
+        <p:cNvPr id="1" name=""/>
+        <p:cNvGrpSpPr/>
+        <p:nvPr/>
+      </p:nvGrpSpPr>
+      <p:grpSpPr>
+        <a:xfrm>
+          <a:off x="0" y="0"/>
+          <a:ext cx="0" cy="0"/>
+          <a:chOff x="0" y="0"/>
+          <a:chExt cx="0" cy="0"/>
+        </a:xfrm>
+      </p:grpSpPr>
+      <p:sp>
+        <p:nvSpPr>
+          <p:cNvPr id="4" name="CustomShape 1"/>
+          <p:cNvSpPr/>
+          <p:nvPr/>
+        </p:nvSpPr>
+        <p:spPr>
+          <a:xfrm>
+            <a:off x="470880" y="432360"/>
+            <a:ext cx="2404800" cy="2515680"/>
+          </a:xfrm>
+          <a:prstGeom prst="rect">
+            <a:avLst/>
+          </a:prstGeom>
+          <a:noFill/>
+          <a:ln>
+            <a:noFill/>
+          </a:ln>
+        </p:spPr>
+        <p:style>
+          <a:lnRef idx="0">
+            <a:scrgbClr r="0" g="0" b="0"/>
+          </a:lnRef>
+          <a:fillRef idx="0">
+            <a:scrgbClr r="0" g="0" b="0"/>
+          </a:fillRef>
+          <a:effectRef idx="0">
+            <a:scrgbClr r="0" g="0" b="0"/>
+          </a:effectRef>
+          <a:fontRef idx="minor"/>
+        </p:style>
+        <p:txBody>
+          <a:bodyPr lIns="0" tIns="0" rIns="0" bIns="0"/>
+          <a:lstStyle/>
+          <a:p>
+            <a:pPr algn="r">
+              <a:lnSpc>
+                <a:spcPct val="100000"/>
+              </a:lnSpc>
+            </a:pPr>
+            <a:endParaRPr lang="en-US" sz="1800" b="0" strike="noStrike" spc="-1" dirty="0">
+              <a:latin typeface="Times New Roman"/>
+            </a:endParaRPr>
+          </a:p>
+          <a:p>
+            <a:pPr algn="r">
+              <a:lnSpc>
+                <a:spcPct val="100000"/>
+              </a:lnSpc>
+            </a:pPr>
+            <a:r>
+              <a:rPr lang="ko-KR" altLang="en-US" sz="4000" spc="-1" dirty="0">
+                <a:solidFill>
+                  <a:srgbClr val="00AAAE"/>
+                </a:solidFill>
+                <a:latin typeface="나눔명조"/>
+                <a:ea typeface="나눔명조"/>
+              </a:rPr>
+              <a:t>매장 구조 입력</a:t>
+            </a:r>
+            <a:endParaRPr lang="en-US" sz="4000" b="0" strike="noStrike" spc="-1" dirty="0">
+              <a:latin typeface="Times New Roman"/>
+            </a:endParaRPr>
+          </a:p>
+        </p:txBody>
+      </p:sp>
+      <p:pic>
+        <p:nvPicPr>
+          <p:cNvPr id="5" name="그림 4" descr="스크린샷, 거리, 하얀색, 주차이(가) 표시된 사진&#10;&#10;자동 생성된 설명">
+            <a:extLst>
+              <a:ext uri="{FF2B5EF4-FFF2-40B4-BE49-F238E27FC236}">
+                <a16:creationId xmlns:a16="http://schemas.microsoft.com/office/drawing/2014/main" id="{3EFE4F51-5B44-445B-9447-78BCCE8111D7}"/>
+              </a:ext>
+            </a:extLst>
+          </p:cNvPr>
+          <p:cNvPicPr>
+            <a:picLocks noChangeAspect="1"/>
+          </p:cNvPicPr>
+          <p:nvPr/>
+        </p:nvPicPr>
+        <p:blipFill>
+          <a:blip r:embed="rId2">
+            <a:extLst>
+              <a:ext uri="{28A0092B-C50C-407E-A947-70E740481C1C}">
+                <a14:useLocalDpi xmlns:a14="http://schemas.microsoft.com/office/drawing/2010/main" val="0"/>
+              </a:ext>
+            </a:extLst>
+          </a:blip>
+          <a:stretch>
+            <a:fillRect/>
+          </a:stretch>
+        </p:blipFill>
+        <p:spPr>
+          <a:xfrm>
+            <a:off x="3745515" y="2453536"/>
+            <a:ext cx="5314950" cy="4010025"/>
+          </a:xfrm>
+          <a:prstGeom prst="rect">
+            <a:avLst/>
+          </a:prstGeom>
+        </p:spPr>
+      </p:pic>
+    </p:spTree>
+    <p:extLst>
+      <p:ext uri="{BB962C8B-B14F-4D97-AF65-F5344CB8AC3E}">
+        <p14:creationId xmlns:p14="http://schemas.microsoft.com/office/powerpoint/2010/main" val="1312362820"/>
+      </p:ext>
+    </p:extLst>
+  </p:cSld>
+  <p:clrMapOvr>
+    <a:masterClrMapping/>
+  </p:clrMapOvr>
+</p:sld>
+</file>
+
+<file path=ppt/slides/slide14.xml><?xml version="1.0" encoding="utf-8"?>
+<p:sld xmlns:a="http://schemas.openxmlformats.org/drawingml/2006/main" xmlns:r="http://schemas.openxmlformats.org/officeDocument/2006/relationships" xmlns:p="http://schemas.openxmlformats.org/presentationml/2006/main">
+  <p:cSld>
+    <p:spTree>
+      <p:nvGrpSpPr>
+        <p:cNvPr id="1" name=""/>
+        <p:cNvGrpSpPr/>
+        <p:nvPr/>
+      </p:nvGrpSpPr>
+      <p:grpSpPr>
+        <a:xfrm>
+          <a:off x="0" y="0"/>
+          <a:ext cx="0" cy="0"/>
+          <a:chOff x="0" y="0"/>
+          <a:chExt cx="0" cy="0"/>
+        </a:xfrm>
+      </p:grpSpPr>
+      <p:sp>
+        <p:nvSpPr>
           <p:cNvPr id="4" name="CustomShape 1"/>
           <p:cNvSpPr/>
           <p:nvPr/>
@@ -12909,7 +13744,7 @@
 </p:sld>
 </file>
 
-<file path=ppt/slides/slide11.xml><?xml version="1.0" encoding="utf-8"?>
+<file path=ppt/slides/slide15.xml><?xml version="1.0" encoding="utf-8"?>
 <p:sld xmlns:a="http://schemas.openxmlformats.org/drawingml/2006/main" xmlns:r="http://schemas.openxmlformats.org/officeDocument/2006/relationships" xmlns:p="http://schemas.openxmlformats.org/presentationml/2006/main">
   <p:cSld>
     <p:spTree>
@@ -13033,7 +13868,7 @@
 </p:sld>
 </file>
 
-<file path=ppt/slides/slide12.xml><?xml version="1.0" encoding="utf-8"?>
+<file path=ppt/slides/slide16.xml><?xml version="1.0" encoding="utf-8"?>
 <p:sld xmlns:a="http://schemas.openxmlformats.org/drawingml/2006/main" xmlns:r="http://schemas.openxmlformats.org/officeDocument/2006/relationships" xmlns:p="http://schemas.openxmlformats.org/presentationml/2006/main">
   <p:cSld>
     <p:spTree>
@@ -13158,2058 +13993,6 @@
 </p:sld>
 </file>
 
-<file path=ppt/slides/slide13.xml><?xml version="1.0" encoding="utf-8"?>
-<p:sld xmlns:a="http://schemas.openxmlformats.org/drawingml/2006/main" xmlns:r="http://schemas.openxmlformats.org/officeDocument/2006/relationships" xmlns:p="http://schemas.openxmlformats.org/presentationml/2006/main">
-  <p:cSld>
-    <p:spTree>
-      <p:nvGrpSpPr>
-        <p:cNvPr id="1" name=""/>
-        <p:cNvGrpSpPr/>
-        <p:nvPr/>
-      </p:nvGrpSpPr>
-      <p:grpSpPr>
-        <a:xfrm>
-          <a:off x="0" y="0"/>
-          <a:ext cx="0" cy="0"/>
-          <a:chOff x="0" y="0"/>
-          <a:chExt cx="0" cy="0"/>
-        </a:xfrm>
-      </p:grpSpPr>
-      <p:sp>
-        <p:nvSpPr>
-          <p:cNvPr id="259" name="CustomShape 2"/>
-          <p:cNvSpPr/>
-          <p:nvPr/>
-        </p:nvSpPr>
-        <p:spPr>
-          <a:xfrm>
-            <a:off x="118080" y="3710520"/>
-            <a:ext cx="1615680" cy="2407680"/>
-          </a:xfrm>
-          <a:prstGeom prst="rect">
-            <a:avLst/>
-          </a:prstGeom>
-          <a:noFill/>
-          <a:ln>
-            <a:noFill/>
-          </a:ln>
-        </p:spPr>
-        <p:style>
-          <a:lnRef idx="0">
-            <a:scrgbClr r="0" g="0" b="0"/>
-          </a:lnRef>
-          <a:fillRef idx="0">
-            <a:scrgbClr r="0" g="0" b="0"/>
-          </a:fillRef>
-          <a:effectRef idx="0">
-            <a:scrgbClr r="0" g="0" b="0"/>
-          </a:effectRef>
-          <a:fontRef idx="minor"/>
-        </p:style>
-        <p:txBody>
-          <a:bodyPr lIns="0" tIns="0" rIns="0" bIns="0"/>
-          <a:lstStyle/>
-          <a:p>
-            <a:pPr>
-              <a:lnSpc>
-                <a:spcPts val="18499"/>
-              </a:lnSpc>
-            </a:pPr>
-            <a:r>
-              <a:rPr lang="en-US" sz="18500" b="0" strike="noStrike" spc="-117">
-                <a:solidFill>
-                  <a:srgbClr val="E1E2E3"/>
-                </a:solidFill>
-                <a:latin typeface="나눔명조"/>
-                <a:ea typeface="나눔명조"/>
-              </a:rPr>
-              <a:t>2</a:t>
-            </a:r>
-            <a:endParaRPr lang="en-US" sz="18500" b="0" strike="noStrike" spc="-1">
-              <a:latin typeface="Times New Roman"/>
-            </a:endParaRPr>
-          </a:p>
-        </p:txBody>
-      </p:sp>
-      <p:sp>
-        <p:nvSpPr>
-          <p:cNvPr id="260" name="CustomShape 3"/>
-          <p:cNvSpPr/>
-          <p:nvPr/>
-        </p:nvSpPr>
-        <p:spPr>
-          <a:xfrm rot="16200000">
-            <a:off x="9093240" y="4948560"/>
-            <a:ext cx="2623680" cy="715680"/>
-          </a:xfrm>
-          <a:prstGeom prst="rect">
-            <a:avLst/>
-          </a:prstGeom>
-          <a:noFill/>
-          <a:ln>
-            <a:noFill/>
-          </a:ln>
-        </p:spPr>
-        <p:style>
-          <a:lnRef idx="0">
-            <a:scrgbClr r="0" g="0" b="0"/>
-          </a:lnRef>
-          <a:fillRef idx="0">
-            <a:scrgbClr r="0" g="0" b="0"/>
-          </a:fillRef>
-          <a:effectRef idx="0">
-            <a:scrgbClr r="0" g="0" b="0"/>
-          </a:effectRef>
-          <a:fontRef idx="minor"/>
-        </p:style>
-        <p:txBody>
-          <a:bodyPr lIns="0" tIns="0" rIns="0" bIns="0"/>
-          <a:lstStyle/>
-          <a:p>
-            <a:pPr>
-              <a:lnSpc>
-                <a:spcPts val="3849"/>
-              </a:lnSpc>
-            </a:pPr>
-            <a:r>
-              <a:rPr lang="en-US" sz="3850" b="0" strike="noStrike" spc="-117">
-                <a:solidFill>
-                  <a:srgbClr val="D1D3D4"/>
-                </a:solidFill>
-                <a:latin typeface="나눔명조"/>
-                <a:ea typeface="나눔명조"/>
-              </a:rPr>
-              <a:t>confidential</a:t>
-            </a:r>
-            <a:endParaRPr lang="en-US" sz="3850" b="0" strike="noStrike" spc="-1">
-              <a:latin typeface="Times New Roman"/>
-            </a:endParaRPr>
-          </a:p>
-        </p:txBody>
-      </p:sp>
-      <p:sp>
-        <p:nvSpPr>
-          <p:cNvPr id="261" name="CustomShape 4"/>
-          <p:cNvSpPr/>
-          <p:nvPr/>
-        </p:nvSpPr>
-        <p:spPr>
-          <a:xfrm>
-            <a:off x="4320000" y="864000"/>
-            <a:ext cx="5935680" cy="2263680"/>
-          </a:xfrm>
-          <a:prstGeom prst="rect">
-            <a:avLst/>
-          </a:prstGeom>
-          <a:noFill/>
-          <a:ln>
-            <a:noFill/>
-          </a:ln>
-        </p:spPr>
-        <p:style>
-          <a:lnRef idx="0">
-            <a:scrgbClr r="0" g="0" b="0"/>
-          </a:lnRef>
-          <a:fillRef idx="0">
-            <a:scrgbClr r="0" g="0" b="0"/>
-          </a:fillRef>
-          <a:effectRef idx="0">
-            <a:scrgbClr r="0" g="0" b="0"/>
-          </a:effectRef>
-          <a:fontRef idx="minor"/>
-        </p:style>
-      </p:sp>
-      <p:sp>
-        <p:nvSpPr>
-          <p:cNvPr id="262" name="CustomShape 5"/>
-          <p:cNvSpPr/>
-          <p:nvPr/>
-        </p:nvSpPr>
-        <p:spPr>
-          <a:xfrm>
-            <a:off x="7665840" y="184320"/>
-            <a:ext cx="2738880" cy="360720"/>
-          </a:xfrm>
-          <a:prstGeom prst="rect">
-            <a:avLst/>
-          </a:prstGeom>
-          <a:noFill/>
-          <a:ln>
-            <a:noFill/>
-          </a:ln>
-        </p:spPr>
-        <p:style>
-          <a:lnRef idx="0">
-            <a:scrgbClr r="0" g="0" b="0"/>
-          </a:lnRef>
-          <a:fillRef idx="0">
-            <a:scrgbClr r="0" g="0" b="0"/>
-          </a:fillRef>
-          <a:effectRef idx="0">
-            <a:scrgbClr r="0" g="0" b="0"/>
-          </a:effectRef>
-          <a:fontRef idx="minor"/>
-        </p:style>
-        <p:txBody>
-          <a:bodyPr lIns="90000" tIns="45000" rIns="90000" bIns="45000" anchor="ctr"/>
-          <a:lstStyle/>
-          <a:p>
-            <a:pPr algn="r">
-              <a:lnSpc>
-                <a:spcPct val="100000"/>
-              </a:lnSpc>
-            </a:pPr>
-            <a:fld id="{4BE3E488-F79C-47A6-9A13-15ED77F759EE}" type="slidenum">
-              <a:rPr lang="en-US" sz="3600" b="0" strike="noStrike" spc="-1">
-                <a:solidFill>
-                  <a:srgbClr val="B2B2B2"/>
-                </a:solidFill>
-                <a:latin typeface="맑은 고딕"/>
-                <a:ea typeface="DejaVu Sans"/>
-              </a:rPr>
-              <a:t>13</a:t>
-            </a:fld>
-            <a:endParaRPr lang="en-US" sz="3600" b="0" strike="noStrike" spc="-1">
-              <a:latin typeface="Times New Roman"/>
-            </a:endParaRPr>
-          </a:p>
-        </p:txBody>
-      </p:sp>
-      <p:sp>
-        <p:nvSpPr>
-          <p:cNvPr id="7" name="CustomShape 1"/>
-          <p:cNvSpPr/>
-          <p:nvPr/>
-        </p:nvSpPr>
-        <p:spPr>
-          <a:xfrm>
-            <a:off x="470880" y="432360"/>
-            <a:ext cx="2404800" cy="2515680"/>
-          </a:xfrm>
-          <a:prstGeom prst="rect">
-            <a:avLst/>
-          </a:prstGeom>
-          <a:noFill/>
-          <a:ln>
-            <a:noFill/>
-          </a:ln>
-        </p:spPr>
-        <p:style>
-          <a:lnRef idx="0">
-            <a:scrgbClr r="0" g="0" b="0"/>
-          </a:lnRef>
-          <a:fillRef idx="0">
-            <a:scrgbClr r="0" g="0" b="0"/>
-          </a:fillRef>
-          <a:effectRef idx="0">
-            <a:scrgbClr r="0" g="0" b="0"/>
-          </a:effectRef>
-          <a:fontRef idx="minor"/>
-        </p:style>
-        <p:txBody>
-          <a:bodyPr lIns="0" tIns="0" rIns="0" bIns="0"/>
-          <a:lstStyle/>
-          <a:p>
-            <a:pPr algn="r">
-              <a:lnSpc>
-                <a:spcPct val="100000"/>
-              </a:lnSpc>
-            </a:pPr>
-            <a:endParaRPr lang="en-US" sz="1800" b="0" strike="noStrike" spc="-1" dirty="0">
-              <a:latin typeface="Times New Roman"/>
-            </a:endParaRPr>
-          </a:p>
-          <a:p>
-            <a:pPr algn="r">
-              <a:lnSpc>
-                <a:spcPct val="100000"/>
-              </a:lnSpc>
-            </a:pPr>
-            <a:r>
-              <a:rPr lang="ko-KR" altLang="en-US" sz="4000" spc="-1" dirty="0">
-                <a:solidFill>
-                  <a:srgbClr val="00AAAE"/>
-                </a:solidFill>
-                <a:latin typeface="나눔명조"/>
-                <a:ea typeface="나눔명조"/>
-              </a:rPr>
-              <a:t>피드백</a:t>
-            </a:r>
-            <a:endParaRPr lang="en-US" sz="4000" b="0" strike="noStrike" spc="-1" dirty="0">
-              <a:latin typeface="Times New Roman"/>
-            </a:endParaRPr>
-          </a:p>
-        </p:txBody>
-      </p:sp>
-      <p:sp>
-        <p:nvSpPr>
-          <p:cNvPr id="8" name="CustomShape 3"/>
-          <p:cNvSpPr/>
-          <p:nvPr/>
-        </p:nvSpPr>
-        <p:spPr>
-          <a:xfrm>
-            <a:off x="4320000" y="863280"/>
-            <a:ext cx="5830200" cy="6466320"/>
-          </a:xfrm>
-          <a:prstGeom prst="rect">
-            <a:avLst/>
-          </a:prstGeom>
-          <a:noFill/>
-          <a:ln>
-            <a:noFill/>
-          </a:ln>
-        </p:spPr>
-        <p:style>
-          <a:lnRef idx="0">
-            <a:scrgbClr r="0" g="0" b="0"/>
-          </a:lnRef>
-          <a:fillRef idx="0">
-            <a:scrgbClr r="0" g="0" b="0"/>
-          </a:fillRef>
-          <a:effectRef idx="0">
-            <a:scrgbClr r="0" g="0" b="0"/>
-          </a:effectRef>
-          <a:fontRef idx="minor"/>
-        </p:style>
-        <p:txBody>
-          <a:bodyPr lIns="0" tIns="0" rIns="0" bIns="0"/>
-          <a:lstStyle/>
-          <a:p>
-            <a:pPr marL="342900" indent="-342900">
-              <a:lnSpc>
-                <a:spcPct val="150000"/>
-              </a:lnSpc>
-              <a:buAutoNum type="arabicPeriod"/>
-            </a:pPr>
-            <a:r>
-              <a:rPr lang="ko-KR" altLang="en-US" b="1" spc="-1" dirty="0" err="1">
-                <a:solidFill>
-                  <a:srgbClr val="745EA8"/>
-                </a:solidFill>
-                <a:latin typeface="나눔고딕" panose="020D0604000000000000" pitchFamily="50" charset="-127"/>
-                <a:ea typeface="나눔고딕" panose="020D0604000000000000" pitchFamily="50" charset="-127"/>
-              </a:rPr>
-              <a:t>주타겟층</a:t>
-            </a:r>
-            <a:r>
-              <a:rPr lang="en-US" altLang="ko-KR" b="1" spc="-1" dirty="0">
-                <a:solidFill>
-                  <a:srgbClr val="745EA8"/>
-                </a:solidFill>
-                <a:latin typeface="나눔고딕" panose="020D0604000000000000" pitchFamily="50" charset="-127"/>
-                <a:ea typeface="나눔고딕" panose="020D0604000000000000" pitchFamily="50" charset="-127"/>
-              </a:rPr>
-              <a:t>?</a:t>
-            </a:r>
-          </a:p>
-          <a:p>
-            <a:pPr marL="742950" lvl="1" indent="-285750">
-              <a:lnSpc>
-                <a:spcPct val="150000"/>
-              </a:lnSpc>
-              <a:buFontTx/>
-              <a:buChar char="-"/>
-            </a:pPr>
-            <a:r>
-              <a:rPr lang="ko-KR" altLang="en-US" spc="-1" dirty="0">
-                <a:latin typeface="나눔고딕" panose="020D0604000000000000" pitchFamily="50" charset="-127"/>
-                <a:ea typeface="나눔고딕" panose="020D0604000000000000" pitchFamily="50" charset="-127"/>
-              </a:rPr>
-              <a:t>규모가 큰 가게 위주로</a:t>
-            </a:r>
-            <a:endParaRPr lang="en-US" altLang="ko-KR" spc="-1" dirty="0">
-              <a:latin typeface="나눔고딕" panose="020D0604000000000000" pitchFamily="50" charset="-127"/>
-              <a:ea typeface="나눔고딕" panose="020D0604000000000000" pitchFamily="50" charset="-127"/>
-            </a:endParaRPr>
-          </a:p>
-          <a:p>
-            <a:pPr marL="742950" lvl="1" indent="-285750">
-              <a:lnSpc>
-                <a:spcPct val="150000"/>
-              </a:lnSpc>
-              <a:buFontTx/>
-              <a:buChar char="-"/>
-            </a:pPr>
-            <a:endParaRPr lang="en-US" altLang="ko-KR" spc="-1" dirty="0">
-              <a:latin typeface="나눔고딕" panose="020D0604000000000000" pitchFamily="50" charset="-127"/>
-              <a:ea typeface="나눔고딕" panose="020D0604000000000000" pitchFamily="50" charset="-127"/>
-            </a:endParaRPr>
-          </a:p>
-          <a:p>
-            <a:pPr marL="342900" indent="-342900">
-              <a:lnSpc>
-                <a:spcPct val="150000"/>
-              </a:lnSpc>
-              <a:buAutoNum type="arabicPeriod"/>
-            </a:pPr>
-            <a:r>
-              <a:rPr lang="ko-KR" altLang="en-US" b="1" spc="-1" dirty="0">
-                <a:solidFill>
-                  <a:srgbClr val="745EA8"/>
-                </a:solidFill>
-                <a:latin typeface="나눔고딕" panose="020D0604000000000000" pitchFamily="50" charset="-127"/>
-                <a:ea typeface="나눔고딕" panose="020D0604000000000000" pitchFamily="50" charset="-127"/>
-              </a:rPr>
-              <a:t>대시보드 설계</a:t>
-            </a:r>
-            <a:endParaRPr lang="en-US" altLang="ko-KR" b="1" spc="-1" dirty="0">
-              <a:solidFill>
-                <a:srgbClr val="745EA8"/>
-              </a:solidFill>
-              <a:latin typeface="나눔고딕" panose="020D0604000000000000" pitchFamily="50" charset="-127"/>
-              <a:ea typeface="나눔고딕" panose="020D0604000000000000" pitchFamily="50" charset="-127"/>
-            </a:endParaRPr>
-          </a:p>
-          <a:p>
-            <a:pPr marL="742950" lvl="1" indent="-285750">
-              <a:lnSpc>
-                <a:spcPct val="150000"/>
-              </a:lnSpc>
-              <a:buFontTx/>
-              <a:buChar char="-"/>
-            </a:pPr>
-            <a:r>
-              <a:rPr lang="ko-KR" altLang="en-US" spc="-1" dirty="0">
-                <a:latin typeface="나눔고딕" panose="020D0604000000000000" pitchFamily="50" charset="-127"/>
-                <a:ea typeface="나눔고딕" panose="020D0604000000000000" pitchFamily="50" charset="-127"/>
-              </a:rPr>
-              <a:t>모든 기능을 보여주기보단 사용 빈도가 높은 </a:t>
-            </a:r>
-            <a:br>
-              <a:rPr lang="en-US" altLang="ko-KR" spc="-1" dirty="0">
-                <a:latin typeface="나눔고딕" panose="020D0604000000000000" pitchFamily="50" charset="-127"/>
-                <a:ea typeface="나눔고딕" panose="020D0604000000000000" pitchFamily="50" charset="-127"/>
-              </a:rPr>
-            </a:br>
-            <a:r>
-              <a:rPr lang="ko-KR" altLang="en-US" spc="-1" dirty="0">
-                <a:latin typeface="나눔고딕" panose="020D0604000000000000" pitchFamily="50" charset="-127"/>
-                <a:ea typeface="나눔고딕" panose="020D0604000000000000" pitchFamily="50" charset="-127"/>
-              </a:rPr>
-              <a:t>기능 </a:t>
-            </a:r>
-            <a:r>
-              <a:rPr lang="en-US" altLang="ko-KR" spc="-1" dirty="0">
-                <a:latin typeface="나눔고딕" panose="020D0604000000000000" pitchFamily="50" charset="-127"/>
-                <a:ea typeface="나눔고딕" panose="020D0604000000000000" pitchFamily="50" charset="-127"/>
-              </a:rPr>
-              <a:t>2-3</a:t>
-            </a:r>
-            <a:r>
-              <a:rPr lang="ko-KR" altLang="en-US" spc="-1" dirty="0">
-                <a:latin typeface="나눔고딕" panose="020D0604000000000000" pitchFamily="50" charset="-127"/>
-                <a:ea typeface="나눔고딕" panose="020D0604000000000000" pitchFamily="50" charset="-127"/>
-              </a:rPr>
-              <a:t>가지 위주로</a:t>
-            </a:r>
-            <a:endParaRPr lang="en-US" altLang="ko-KR" spc="-1" dirty="0">
-              <a:latin typeface="나눔고딕" panose="020D0604000000000000" pitchFamily="50" charset="-127"/>
-              <a:ea typeface="나눔고딕" panose="020D0604000000000000" pitchFamily="50" charset="-127"/>
-            </a:endParaRPr>
-          </a:p>
-          <a:p>
-            <a:pPr marL="742950" lvl="1" indent="-285750">
-              <a:lnSpc>
-                <a:spcPct val="150000"/>
-              </a:lnSpc>
-              <a:buFontTx/>
-              <a:buChar char="-"/>
-            </a:pPr>
-            <a:r>
-              <a:rPr lang="ko-KR" altLang="en-US" spc="-1" dirty="0">
-                <a:latin typeface="나눔고딕" panose="020D0604000000000000" pitchFamily="50" charset="-127"/>
-                <a:ea typeface="나눔고딕" panose="020D0604000000000000" pitchFamily="50" charset="-127"/>
-              </a:rPr>
-              <a:t>쿼리 최적화의 중요성</a:t>
-            </a:r>
-            <a:endParaRPr lang="en-US" altLang="ko-KR" spc="-1" dirty="0">
-              <a:latin typeface="나눔고딕" panose="020D0604000000000000" pitchFamily="50" charset="-127"/>
-              <a:ea typeface="나눔고딕" panose="020D0604000000000000" pitchFamily="50" charset="-127"/>
-            </a:endParaRPr>
-          </a:p>
-          <a:p>
-            <a:pPr lvl="1">
-              <a:lnSpc>
-                <a:spcPct val="150000"/>
-              </a:lnSpc>
-            </a:pPr>
-            <a:r>
-              <a:rPr lang="en-US" altLang="ko-KR" spc="-1" dirty="0">
-                <a:latin typeface="나눔고딕" panose="020D0604000000000000" pitchFamily="50" charset="-127"/>
-                <a:ea typeface="나눔고딕" panose="020D0604000000000000" pitchFamily="50" charset="-127"/>
-              </a:rPr>
-              <a:t>	Ex. Select </a:t>
-            </a:r>
-            <a:r>
-              <a:rPr lang="ko-KR" altLang="en-US" spc="-1" dirty="0">
-                <a:latin typeface="나눔고딕" panose="020D0604000000000000" pitchFamily="50" charset="-127"/>
-                <a:ea typeface="나눔고딕" panose="020D0604000000000000" pitchFamily="50" charset="-127"/>
-              </a:rPr>
-              <a:t>문을 짤 때</a:t>
-            </a:r>
-            <a:r>
-              <a:rPr lang="en-US" altLang="ko-KR" spc="-1" dirty="0">
-                <a:latin typeface="나눔고딕" panose="020D0604000000000000" pitchFamily="50" charset="-127"/>
-                <a:ea typeface="나눔고딕" panose="020D0604000000000000" pitchFamily="50" charset="-127"/>
-              </a:rPr>
-              <a:t>, </a:t>
-            </a:r>
-            <a:r>
-              <a:rPr lang="ko-KR" altLang="en-US" spc="-1" dirty="0">
-                <a:latin typeface="나눔고딕" panose="020D0604000000000000" pitchFamily="50" charset="-127"/>
-                <a:ea typeface="나눔고딕" panose="020D0604000000000000" pitchFamily="50" charset="-127"/>
-              </a:rPr>
-              <a:t>필요한 컬럼만 불러온다</a:t>
-            </a:r>
-            <a:r>
-              <a:rPr lang="en-US" altLang="ko-KR" spc="-1" dirty="0">
-                <a:latin typeface="나눔고딕" panose="020D0604000000000000" pitchFamily="50" charset="-127"/>
-                <a:ea typeface="나눔고딕" panose="020D0604000000000000" pitchFamily="50" charset="-127"/>
-              </a:rPr>
-              <a:t>.</a:t>
-            </a:r>
-          </a:p>
-        </p:txBody>
-      </p:sp>
-    </p:spTree>
-    <p:extLst>
-      <p:ext uri="{BB962C8B-B14F-4D97-AF65-F5344CB8AC3E}">
-        <p14:creationId xmlns:p14="http://schemas.microsoft.com/office/powerpoint/2010/main" val="2655871837"/>
-      </p:ext>
-    </p:extLst>
-  </p:cSld>
-  <p:clrMapOvr>
-    <a:masterClrMapping/>
-  </p:clrMapOvr>
-  <p:timing>
-    <p:tnLst>
-      <p:par>
-        <p:cTn id="1" dur="indefinite" restart="never" nodeType="tmRoot">
-          <p:childTnLst>
-            <p:seq>
-              <p:cTn id="2" dur="indefinite" nodeType="mainSeq"/>
-              <p:prevCondLst>
-                <p:cond evt="onPrev" delay="0">
-                  <p:tgtEl>
-                    <p:sldTgt/>
-                  </p:tgtEl>
-                </p:cond>
-              </p:prevCondLst>
-              <p:nextCondLst>
-                <p:cond evt="onNext" delay="0">
-                  <p:tgtEl>
-                    <p:sldTgt/>
-                  </p:tgtEl>
-                </p:cond>
-              </p:nextCondLst>
-            </p:seq>
-          </p:childTnLst>
-        </p:cTn>
-      </p:par>
-    </p:tnLst>
-  </p:timing>
-</p:sld>
-</file>
-
-<file path=ppt/slides/slide14.xml><?xml version="1.0" encoding="utf-8"?>
-<p:sld xmlns:a="http://schemas.openxmlformats.org/drawingml/2006/main" xmlns:r="http://schemas.openxmlformats.org/officeDocument/2006/relationships" xmlns:p="http://schemas.openxmlformats.org/presentationml/2006/main">
-  <p:cSld>
-    <p:spTree>
-      <p:nvGrpSpPr>
-        <p:cNvPr id="1" name=""/>
-        <p:cNvGrpSpPr/>
-        <p:nvPr/>
-      </p:nvGrpSpPr>
-      <p:grpSpPr>
-        <a:xfrm>
-          <a:off x="0" y="0"/>
-          <a:ext cx="0" cy="0"/>
-          <a:chOff x="0" y="0"/>
-          <a:chExt cx="0" cy="0"/>
-        </a:xfrm>
-      </p:grpSpPr>
-      <p:sp>
-        <p:nvSpPr>
-          <p:cNvPr id="259" name="CustomShape 2"/>
-          <p:cNvSpPr/>
-          <p:nvPr/>
-        </p:nvSpPr>
-        <p:spPr>
-          <a:xfrm>
-            <a:off x="118080" y="3710520"/>
-            <a:ext cx="1615680" cy="2407680"/>
-          </a:xfrm>
-          <a:prstGeom prst="rect">
-            <a:avLst/>
-          </a:prstGeom>
-          <a:noFill/>
-          <a:ln>
-            <a:noFill/>
-          </a:ln>
-        </p:spPr>
-        <p:style>
-          <a:lnRef idx="0">
-            <a:scrgbClr r="0" g="0" b="0"/>
-          </a:lnRef>
-          <a:fillRef idx="0">
-            <a:scrgbClr r="0" g="0" b="0"/>
-          </a:fillRef>
-          <a:effectRef idx="0">
-            <a:scrgbClr r="0" g="0" b="0"/>
-          </a:effectRef>
-          <a:fontRef idx="minor"/>
-        </p:style>
-        <p:txBody>
-          <a:bodyPr lIns="0" tIns="0" rIns="0" bIns="0"/>
-          <a:lstStyle/>
-          <a:p>
-            <a:pPr>
-              <a:lnSpc>
-                <a:spcPts val="18499"/>
-              </a:lnSpc>
-            </a:pPr>
-            <a:r>
-              <a:rPr lang="en-US" sz="18500" b="0" strike="noStrike" spc="-117">
-                <a:solidFill>
-                  <a:srgbClr val="E1E2E3"/>
-                </a:solidFill>
-                <a:latin typeface="나눔명조"/>
-                <a:ea typeface="나눔명조"/>
-              </a:rPr>
-              <a:t>2</a:t>
-            </a:r>
-            <a:endParaRPr lang="en-US" sz="18500" b="0" strike="noStrike" spc="-1">
-              <a:latin typeface="Times New Roman"/>
-            </a:endParaRPr>
-          </a:p>
-        </p:txBody>
-      </p:sp>
-      <p:sp>
-        <p:nvSpPr>
-          <p:cNvPr id="260" name="CustomShape 3"/>
-          <p:cNvSpPr/>
-          <p:nvPr/>
-        </p:nvSpPr>
-        <p:spPr>
-          <a:xfrm rot="16200000">
-            <a:off x="9093240" y="4948560"/>
-            <a:ext cx="2623680" cy="715680"/>
-          </a:xfrm>
-          <a:prstGeom prst="rect">
-            <a:avLst/>
-          </a:prstGeom>
-          <a:noFill/>
-          <a:ln>
-            <a:noFill/>
-          </a:ln>
-        </p:spPr>
-        <p:style>
-          <a:lnRef idx="0">
-            <a:scrgbClr r="0" g="0" b="0"/>
-          </a:lnRef>
-          <a:fillRef idx="0">
-            <a:scrgbClr r="0" g="0" b="0"/>
-          </a:fillRef>
-          <a:effectRef idx="0">
-            <a:scrgbClr r="0" g="0" b="0"/>
-          </a:effectRef>
-          <a:fontRef idx="minor"/>
-        </p:style>
-        <p:txBody>
-          <a:bodyPr lIns="0" tIns="0" rIns="0" bIns="0"/>
-          <a:lstStyle/>
-          <a:p>
-            <a:pPr>
-              <a:lnSpc>
-                <a:spcPts val="3849"/>
-              </a:lnSpc>
-            </a:pPr>
-            <a:r>
-              <a:rPr lang="en-US" sz="3850" b="0" strike="noStrike" spc="-117">
-                <a:solidFill>
-                  <a:srgbClr val="D1D3D4"/>
-                </a:solidFill>
-                <a:latin typeface="나눔명조"/>
-                <a:ea typeface="나눔명조"/>
-              </a:rPr>
-              <a:t>confidential</a:t>
-            </a:r>
-            <a:endParaRPr lang="en-US" sz="3850" b="0" strike="noStrike" spc="-1">
-              <a:latin typeface="Times New Roman"/>
-            </a:endParaRPr>
-          </a:p>
-        </p:txBody>
-      </p:sp>
-      <p:sp>
-        <p:nvSpPr>
-          <p:cNvPr id="261" name="CustomShape 4"/>
-          <p:cNvSpPr/>
-          <p:nvPr/>
-        </p:nvSpPr>
-        <p:spPr>
-          <a:xfrm>
-            <a:off x="4320000" y="864000"/>
-            <a:ext cx="5935680" cy="2263680"/>
-          </a:xfrm>
-          <a:prstGeom prst="rect">
-            <a:avLst/>
-          </a:prstGeom>
-          <a:noFill/>
-          <a:ln>
-            <a:noFill/>
-          </a:ln>
-        </p:spPr>
-        <p:style>
-          <a:lnRef idx="0">
-            <a:scrgbClr r="0" g="0" b="0"/>
-          </a:lnRef>
-          <a:fillRef idx="0">
-            <a:scrgbClr r="0" g="0" b="0"/>
-          </a:fillRef>
-          <a:effectRef idx="0">
-            <a:scrgbClr r="0" g="0" b="0"/>
-          </a:effectRef>
-          <a:fontRef idx="minor"/>
-        </p:style>
-      </p:sp>
-      <p:sp>
-        <p:nvSpPr>
-          <p:cNvPr id="262" name="CustomShape 5"/>
-          <p:cNvSpPr/>
-          <p:nvPr/>
-        </p:nvSpPr>
-        <p:spPr>
-          <a:xfrm>
-            <a:off x="7665840" y="184320"/>
-            <a:ext cx="2738880" cy="360720"/>
-          </a:xfrm>
-          <a:prstGeom prst="rect">
-            <a:avLst/>
-          </a:prstGeom>
-          <a:noFill/>
-          <a:ln>
-            <a:noFill/>
-          </a:ln>
-        </p:spPr>
-        <p:style>
-          <a:lnRef idx="0">
-            <a:scrgbClr r="0" g="0" b="0"/>
-          </a:lnRef>
-          <a:fillRef idx="0">
-            <a:scrgbClr r="0" g="0" b="0"/>
-          </a:fillRef>
-          <a:effectRef idx="0">
-            <a:scrgbClr r="0" g="0" b="0"/>
-          </a:effectRef>
-          <a:fontRef idx="minor"/>
-        </p:style>
-        <p:txBody>
-          <a:bodyPr lIns="90000" tIns="45000" rIns="90000" bIns="45000" anchor="ctr"/>
-          <a:lstStyle/>
-          <a:p>
-            <a:pPr algn="r">
-              <a:lnSpc>
-                <a:spcPct val="100000"/>
-              </a:lnSpc>
-            </a:pPr>
-            <a:fld id="{4BE3E488-F79C-47A6-9A13-15ED77F759EE}" type="slidenum">
-              <a:rPr lang="en-US" sz="3600" b="0" strike="noStrike" spc="-1">
-                <a:solidFill>
-                  <a:srgbClr val="B2B2B2"/>
-                </a:solidFill>
-                <a:latin typeface="맑은 고딕"/>
-                <a:ea typeface="DejaVu Sans"/>
-              </a:rPr>
-              <a:t>14</a:t>
-            </a:fld>
-            <a:endParaRPr lang="en-US" sz="3600" b="0" strike="noStrike" spc="-1">
-              <a:latin typeface="Times New Roman"/>
-            </a:endParaRPr>
-          </a:p>
-        </p:txBody>
-      </p:sp>
-      <p:sp>
-        <p:nvSpPr>
-          <p:cNvPr id="7" name="CustomShape 1"/>
-          <p:cNvSpPr/>
-          <p:nvPr/>
-        </p:nvSpPr>
-        <p:spPr>
-          <a:xfrm>
-            <a:off x="470880" y="432360"/>
-            <a:ext cx="2404800" cy="2515680"/>
-          </a:xfrm>
-          <a:prstGeom prst="rect">
-            <a:avLst/>
-          </a:prstGeom>
-          <a:noFill/>
-          <a:ln>
-            <a:noFill/>
-          </a:ln>
-        </p:spPr>
-        <p:style>
-          <a:lnRef idx="0">
-            <a:scrgbClr r="0" g="0" b="0"/>
-          </a:lnRef>
-          <a:fillRef idx="0">
-            <a:scrgbClr r="0" g="0" b="0"/>
-          </a:fillRef>
-          <a:effectRef idx="0">
-            <a:scrgbClr r="0" g="0" b="0"/>
-          </a:effectRef>
-          <a:fontRef idx="minor"/>
-        </p:style>
-        <p:txBody>
-          <a:bodyPr lIns="0" tIns="0" rIns="0" bIns="0"/>
-          <a:lstStyle/>
-          <a:p>
-            <a:pPr algn="r">
-              <a:lnSpc>
-                <a:spcPct val="100000"/>
-              </a:lnSpc>
-            </a:pPr>
-            <a:endParaRPr lang="en-US" sz="1800" b="0" strike="noStrike" spc="-1" dirty="0">
-              <a:latin typeface="Times New Roman"/>
-            </a:endParaRPr>
-          </a:p>
-          <a:p>
-            <a:pPr algn="r">
-              <a:lnSpc>
-                <a:spcPct val="100000"/>
-              </a:lnSpc>
-            </a:pPr>
-            <a:r>
-              <a:rPr lang="ko-KR" altLang="en-US" sz="4000" spc="-1" dirty="0">
-                <a:solidFill>
-                  <a:srgbClr val="00AAAE"/>
-                </a:solidFill>
-                <a:latin typeface="나눔명조"/>
-                <a:ea typeface="나눔명조"/>
-              </a:rPr>
-              <a:t>피드백</a:t>
-            </a:r>
-            <a:endParaRPr lang="en-US" sz="4000" b="0" strike="noStrike" spc="-1" dirty="0">
-              <a:latin typeface="Times New Roman"/>
-            </a:endParaRPr>
-          </a:p>
-        </p:txBody>
-      </p:sp>
-      <p:graphicFrame>
-        <p:nvGraphicFramePr>
-          <p:cNvPr id="2" name="다이어그램 1"/>
-          <p:cNvGraphicFramePr/>
-          <p:nvPr>
-            <p:extLst>
-              <p:ext uri="{D42A27DB-BD31-4B8C-83A1-F6EECF244321}">
-                <p14:modId xmlns:p14="http://schemas.microsoft.com/office/powerpoint/2010/main" val="3575947768"/>
-              </p:ext>
-            </p:extLst>
-          </p:nvPr>
-        </p:nvGraphicFramePr>
-        <p:xfrm>
-          <a:off x="4035126" y="3921711"/>
-          <a:ext cx="6115074" cy="3726129"/>
-        </p:xfrm>
-        <a:graphic>
-          <a:graphicData uri="http://schemas.openxmlformats.org/drawingml/2006/diagram">
-            <dgm:relIds xmlns:dgm="http://schemas.openxmlformats.org/drawingml/2006/diagram" xmlns:r="http://schemas.openxmlformats.org/officeDocument/2006/relationships" r:dm="rId2" r:lo="rId3" r:qs="rId4" r:cs="rId5"/>
-          </a:graphicData>
-        </a:graphic>
-      </p:graphicFrame>
-      <p:sp>
-        <p:nvSpPr>
-          <p:cNvPr id="8" name="CustomShape 3"/>
-          <p:cNvSpPr/>
-          <p:nvPr/>
-        </p:nvSpPr>
-        <p:spPr>
-          <a:xfrm>
-            <a:off x="4320000" y="863280"/>
-            <a:ext cx="5830200" cy="6466320"/>
-          </a:xfrm>
-          <a:prstGeom prst="rect">
-            <a:avLst/>
-          </a:prstGeom>
-          <a:noFill/>
-          <a:ln>
-            <a:noFill/>
-          </a:ln>
-        </p:spPr>
-        <p:style>
-          <a:lnRef idx="0">
-            <a:scrgbClr r="0" g="0" b="0"/>
-          </a:lnRef>
-          <a:fillRef idx="0">
-            <a:scrgbClr r="0" g="0" b="0"/>
-          </a:fillRef>
-          <a:effectRef idx="0">
-            <a:scrgbClr r="0" g="0" b="0"/>
-          </a:effectRef>
-          <a:fontRef idx="minor"/>
-        </p:style>
-        <p:txBody>
-          <a:bodyPr lIns="0" tIns="0" rIns="0" bIns="0"/>
-          <a:lstStyle/>
-          <a:p>
-            <a:pPr marL="342900" indent="-342900">
-              <a:lnSpc>
-                <a:spcPct val="150000"/>
-              </a:lnSpc>
-              <a:buAutoNum type="arabicPeriod"/>
-            </a:pPr>
-            <a:r>
-              <a:rPr lang="en-US" altLang="ko-KR" b="1" spc="-1" dirty="0">
-                <a:solidFill>
-                  <a:srgbClr val="745EA8"/>
-                </a:solidFill>
-                <a:latin typeface="나눔고딕" panose="020D0604000000000000" pitchFamily="50" charset="-127"/>
-                <a:ea typeface="나눔고딕" panose="020D0604000000000000" pitchFamily="50" charset="-127"/>
-              </a:rPr>
-              <a:t>QR </a:t>
-            </a:r>
-            <a:r>
-              <a:rPr lang="ko-KR" altLang="en-US" b="1" spc="-1" dirty="0">
-                <a:solidFill>
-                  <a:srgbClr val="745EA8"/>
-                </a:solidFill>
-                <a:latin typeface="나눔고딕" panose="020D0604000000000000" pitchFamily="50" charset="-127"/>
-                <a:ea typeface="나눔고딕" panose="020D0604000000000000" pitchFamily="50" charset="-127"/>
-              </a:rPr>
-              <a:t>코드</a:t>
-            </a:r>
-            <a:endParaRPr lang="en-US" altLang="ko-KR" b="1" spc="-1" dirty="0">
-              <a:solidFill>
-                <a:srgbClr val="745EA8"/>
-              </a:solidFill>
-              <a:latin typeface="나눔고딕" panose="020D0604000000000000" pitchFamily="50" charset="-127"/>
-              <a:ea typeface="나눔고딕" panose="020D0604000000000000" pitchFamily="50" charset="-127"/>
-            </a:endParaRPr>
-          </a:p>
-          <a:p>
-            <a:pPr marL="742950" lvl="1" indent="-285750">
-              <a:lnSpc>
-                <a:spcPct val="150000"/>
-              </a:lnSpc>
-              <a:buFontTx/>
-              <a:buChar char="-"/>
-            </a:pPr>
-            <a:r>
-              <a:rPr lang="ko-KR" altLang="en-US" spc="-1" dirty="0">
-                <a:latin typeface="나눔고딕" panose="020D0604000000000000" pitchFamily="50" charset="-127"/>
-                <a:ea typeface="나눔고딕" panose="020D0604000000000000" pitchFamily="50" charset="-127"/>
-              </a:rPr>
-              <a:t>일정의 여유가 있을 경우</a:t>
-            </a:r>
-            <a:r>
-              <a:rPr lang="en-US" altLang="ko-KR" spc="-1" dirty="0">
-                <a:latin typeface="나눔고딕" panose="020D0604000000000000" pitchFamily="50" charset="-127"/>
-                <a:ea typeface="나눔고딕" panose="020D0604000000000000" pitchFamily="50" charset="-127"/>
-              </a:rPr>
-              <a:t> </a:t>
-            </a:r>
-            <a:r>
-              <a:rPr lang="ko-KR" altLang="en-US" spc="-1" dirty="0">
-                <a:latin typeface="나눔고딕" panose="020D0604000000000000" pitchFamily="50" charset="-127"/>
-                <a:ea typeface="나눔고딕" panose="020D0604000000000000" pitchFamily="50" charset="-127"/>
-              </a:rPr>
-              <a:t>개발할 예정</a:t>
-            </a:r>
-            <a:endParaRPr lang="en-US" altLang="ko-KR" spc="-1" dirty="0">
-              <a:latin typeface="나눔고딕" panose="020D0604000000000000" pitchFamily="50" charset="-127"/>
-              <a:ea typeface="나눔고딕" panose="020D0604000000000000" pitchFamily="50" charset="-127"/>
-            </a:endParaRPr>
-          </a:p>
-          <a:p>
-            <a:pPr marL="742950" lvl="1" indent="-285750">
-              <a:lnSpc>
-                <a:spcPct val="150000"/>
-              </a:lnSpc>
-              <a:buFontTx/>
-              <a:buChar char="-"/>
-            </a:pPr>
-            <a:endParaRPr lang="en-US" altLang="ko-KR" spc="-1" dirty="0">
-              <a:latin typeface="나눔고딕" panose="020D0604000000000000" pitchFamily="50" charset="-127"/>
-              <a:ea typeface="나눔고딕" panose="020D0604000000000000" pitchFamily="50" charset="-127"/>
-            </a:endParaRPr>
-          </a:p>
-          <a:p>
-            <a:pPr marL="342900" indent="-342900">
-              <a:lnSpc>
-                <a:spcPct val="150000"/>
-              </a:lnSpc>
-              <a:buAutoNum type="arabicPeriod"/>
-            </a:pPr>
-            <a:r>
-              <a:rPr lang="ko-KR" altLang="en-US" b="1" spc="-1" dirty="0">
-                <a:solidFill>
-                  <a:srgbClr val="745EA8"/>
-                </a:solidFill>
-                <a:latin typeface="나눔고딕" panose="020D0604000000000000" pitchFamily="50" charset="-127"/>
-                <a:ea typeface="나눔고딕" panose="020D0604000000000000" pitchFamily="50" charset="-127"/>
-              </a:rPr>
-              <a:t>가판대의 단 처리</a:t>
-            </a:r>
-            <a:endParaRPr lang="en-US" altLang="ko-KR" b="1" spc="-1" dirty="0">
-              <a:solidFill>
-                <a:srgbClr val="745EA8"/>
-              </a:solidFill>
-              <a:latin typeface="나눔고딕" panose="020D0604000000000000" pitchFamily="50" charset="-127"/>
-              <a:ea typeface="나눔고딕" panose="020D0604000000000000" pitchFamily="50" charset="-127"/>
-            </a:endParaRPr>
-          </a:p>
-          <a:p>
-            <a:pPr marL="742950" lvl="1" indent="-285750">
-              <a:lnSpc>
-                <a:spcPct val="150000"/>
-              </a:lnSpc>
-              <a:buFontTx/>
-              <a:buChar char="-"/>
-            </a:pPr>
-            <a:r>
-              <a:rPr lang="ko-KR" altLang="en-US" spc="-1" dirty="0">
-                <a:latin typeface="나눔고딕" panose="020D0604000000000000" pitchFamily="50" charset="-127"/>
-                <a:ea typeface="나눔고딕" panose="020D0604000000000000" pitchFamily="50" charset="-127"/>
-              </a:rPr>
-              <a:t>사용자에게 가판대의 이름</a:t>
-            </a:r>
-            <a:r>
-              <a:rPr lang="en-US" altLang="ko-KR" spc="-1" dirty="0">
-                <a:latin typeface="나눔고딕" panose="020D0604000000000000" pitchFamily="50" charset="-127"/>
-                <a:ea typeface="나눔고딕" panose="020D0604000000000000" pitchFamily="50" charset="-127"/>
-              </a:rPr>
-              <a:t> </a:t>
-            </a:r>
-            <a:r>
-              <a:rPr lang="ko-KR" altLang="en-US" spc="-1" dirty="0">
-                <a:latin typeface="나눔고딕" panose="020D0604000000000000" pitchFamily="50" charset="-127"/>
-                <a:ea typeface="나눔고딕" panose="020D0604000000000000" pitchFamily="50" charset="-127"/>
-              </a:rPr>
-              <a:t>입력</a:t>
-            </a:r>
-            <a:endParaRPr lang="en-US" altLang="ko-KR" spc="-1" dirty="0">
-              <a:latin typeface="나눔고딕" panose="020D0604000000000000" pitchFamily="50" charset="-127"/>
-              <a:ea typeface="나눔고딕" panose="020D0604000000000000" pitchFamily="50" charset="-127"/>
-            </a:endParaRPr>
-          </a:p>
-          <a:p>
-            <a:pPr marL="742950" lvl="1" indent="-285750">
-              <a:lnSpc>
-                <a:spcPct val="150000"/>
-              </a:lnSpc>
-              <a:buFontTx/>
-              <a:buChar char="-"/>
-            </a:pPr>
-            <a:r>
-              <a:rPr lang="ko-KR" altLang="en-US" spc="-1" dirty="0">
-                <a:latin typeface="나눔고딕" panose="020D0604000000000000" pitchFamily="50" charset="-127"/>
-                <a:ea typeface="나눔고딕" panose="020D0604000000000000" pitchFamily="50" charset="-127"/>
-              </a:rPr>
-              <a:t>해당 가판대에 진열된 물품 입력</a:t>
-            </a:r>
-            <a:endParaRPr lang="en-US" altLang="ko-KR" spc="-1" dirty="0">
-              <a:latin typeface="나눔고딕" panose="020D0604000000000000" pitchFamily="50" charset="-127"/>
-              <a:ea typeface="나눔고딕" panose="020D0604000000000000" pitchFamily="50" charset="-127"/>
-            </a:endParaRPr>
-          </a:p>
-          <a:p>
-            <a:pPr marL="742950" lvl="1" indent="-285750">
-              <a:lnSpc>
-                <a:spcPct val="150000"/>
-              </a:lnSpc>
-              <a:buFontTx/>
-              <a:buChar char="-"/>
-            </a:pPr>
-            <a:r>
-              <a:rPr lang="ko-KR" altLang="en-US" spc="-1" dirty="0">
-                <a:latin typeface="나눔고딕" panose="020D0604000000000000" pitchFamily="50" charset="-127"/>
-                <a:ea typeface="나눔고딕" panose="020D0604000000000000" pitchFamily="50" charset="-127"/>
-              </a:rPr>
-              <a:t>각 가판대는 상품의 </a:t>
-            </a:r>
-            <a:r>
-              <a:rPr lang="ko-KR" altLang="en-US" spc="-1" dirty="0" err="1">
-                <a:latin typeface="나눔고딕" panose="020D0604000000000000" pitchFamily="50" charset="-127"/>
-                <a:ea typeface="나눔고딕" panose="020D0604000000000000" pitchFamily="50" charset="-127"/>
-              </a:rPr>
-              <a:t>대분류를</a:t>
-            </a:r>
-            <a:r>
-              <a:rPr lang="ko-KR" altLang="en-US" spc="-1" dirty="0">
-                <a:latin typeface="나눔고딕" panose="020D0604000000000000" pitchFamily="50" charset="-127"/>
-                <a:ea typeface="나눔고딕" panose="020D0604000000000000" pitchFamily="50" charset="-127"/>
-              </a:rPr>
-              <a:t> 저장하기 때문에</a:t>
-            </a:r>
-            <a:r>
-              <a:rPr lang="en-US" altLang="ko-KR" spc="-1" dirty="0">
-                <a:latin typeface="나눔고딕" panose="020D0604000000000000" pitchFamily="50" charset="-127"/>
-                <a:ea typeface="나눔고딕" panose="020D0604000000000000" pitchFamily="50" charset="-127"/>
-              </a:rPr>
-              <a:t>, </a:t>
-            </a:r>
-            <a:br>
-              <a:rPr lang="en-US" altLang="ko-KR" spc="-1" dirty="0">
-                <a:latin typeface="나눔고딕" panose="020D0604000000000000" pitchFamily="50" charset="-127"/>
-                <a:ea typeface="나눔고딕" panose="020D0604000000000000" pitchFamily="50" charset="-127"/>
-              </a:rPr>
-            </a:br>
-            <a:r>
-              <a:rPr lang="ko-KR" altLang="en-US" spc="-1" dirty="0">
-                <a:latin typeface="나눔고딕" panose="020D0604000000000000" pitchFamily="50" charset="-127"/>
-                <a:ea typeface="나눔고딕" panose="020D0604000000000000" pitchFamily="50" charset="-127"/>
-              </a:rPr>
-              <a:t>제품의 상세 위치를 저장하지는 않음</a:t>
-            </a:r>
-            <a:r>
-              <a:rPr lang="en-US" altLang="ko-KR" spc="-1" dirty="0">
-                <a:latin typeface="나눔고딕" panose="020D0604000000000000" pitchFamily="50" charset="-127"/>
-                <a:ea typeface="나눔고딕" panose="020D0604000000000000" pitchFamily="50" charset="-127"/>
-              </a:rPr>
-              <a:t>.</a:t>
-            </a:r>
-          </a:p>
-        </p:txBody>
-      </p:sp>
-    </p:spTree>
-    <p:extLst>
-      <p:ext uri="{BB962C8B-B14F-4D97-AF65-F5344CB8AC3E}">
-        <p14:creationId xmlns:p14="http://schemas.microsoft.com/office/powerpoint/2010/main" val="1101011423"/>
-      </p:ext>
-    </p:extLst>
-  </p:cSld>
-  <p:clrMapOvr>
-    <a:masterClrMapping/>
-  </p:clrMapOvr>
-  <p:timing>
-    <p:tnLst>
-      <p:par>
-        <p:cTn id="1" dur="indefinite" restart="never" nodeType="tmRoot">
-          <p:childTnLst>
-            <p:seq>
-              <p:cTn id="2" dur="indefinite" nodeType="mainSeq"/>
-              <p:prevCondLst>
-                <p:cond evt="onPrev" delay="0">
-                  <p:tgtEl>
-                    <p:sldTgt/>
-                  </p:tgtEl>
-                </p:cond>
-              </p:prevCondLst>
-              <p:nextCondLst>
-                <p:cond evt="onNext" delay="0">
-                  <p:tgtEl>
-                    <p:sldTgt/>
-                  </p:tgtEl>
-                </p:cond>
-              </p:nextCondLst>
-            </p:seq>
-          </p:childTnLst>
-        </p:cTn>
-      </p:par>
-    </p:tnLst>
-  </p:timing>
-</p:sld>
-</file>
-
-<file path=ppt/slides/slide15.xml><?xml version="1.0" encoding="utf-8"?>
-<p:sld xmlns:a="http://schemas.openxmlformats.org/drawingml/2006/main" xmlns:r="http://schemas.openxmlformats.org/officeDocument/2006/relationships" xmlns:p="http://schemas.openxmlformats.org/presentationml/2006/main">
-  <p:cSld>
-    <p:spTree>
-      <p:nvGrpSpPr>
-        <p:cNvPr id="1" name=""/>
-        <p:cNvGrpSpPr/>
-        <p:nvPr/>
-      </p:nvGrpSpPr>
-      <p:grpSpPr>
-        <a:xfrm>
-          <a:off x="0" y="0"/>
-          <a:ext cx="0" cy="0"/>
-          <a:chOff x="0" y="0"/>
-          <a:chExt cx="0" cy="0"/>
-        </a:xfrm>
-      </p:grpSpPr>
-      <p:sp>
-        <p:nvSpPr>
-          <p:cNvPr id="291" name="CustomShape 1"/>
-          <p:cNvSpPr/>
-          <p:nvPr/>
-        </p:nvSpPr>
-        <p:spPr>
-          <a:xfrm>
-            <a:off x="470880" y="432360"/>
-            <a:ext cx="2404800" cy="2515680"/>
-          </a:xfrm>
-          <a:prstGeom prst="rect">
-            <a:avLst/>
-          </a:prstGeom>
-          <a:noFill/>
-          <a:ln>
-            <a:noFill/>
-          </a:ln>
-        </p:spPr>
-        <p:style>
-          <a:lnRef idx="0">
-            <a:scrgbClr r="0" g="0" b="0"/>
-          </a:lnRef>
-          <a:fillRef idx="0">
-            <a:scrgbClr r="0" g="0" b="0"/>
-          </a:fillRef>
-          <a:effectRef idx="0">
-            <a:scrgbClr r="0" g="0" b="0"/>
-          </a:effectRef>
-          <a:fontRef idx="minor"/>
-        </p:style>
-        <p:txBody>
-          <a:bodyPr lIns="0" tIns="0" rIns="0" bIns="0"/>
-          <a:lstStyle/>
-          <a:p>
-            <a:pPr algn="r">
-              <a:lnSpc>
-                <a:spcPct val="100000"/>
-              </a:lnSpc>
-            </a:pPr>
-            <a:endParaRPr lang="en-US" sz="1800" b="0" strike="noStrike" spc="-1">
-              <a:latin typeface="Times New Roman"/>
-            </a:endParaRPr>
-          </a:p>
-          <a:p>
-            <a:pPr algn="r">
-              <a:lnSpc>
-                <a:spcPct val="100000"/>
-              </a:lnSpc>
-            </a:pPr>
-            <a:r>
-              <a:rPr lang="en-US" sz="4000" b="0" strike="noStrike" spc="-1">
-                <a:solidFill>
-                  <a:srgbClr val="00AAAE"/>
-                </a:solidFill>
-                <a:latin typeface="나눔명조"/>
-                <a:ea typeface="나눔명조"/>
-              </a:rPr>
-              <a:t>개발 일정</a:t>
-            </a:r>
-            <a:endParaRPr lang="en-US" sz="4000" b="0" strike="noStrike" spc="-1">
-              <a:latin typeface="Times New Roman"/>
-            </a:endParaRPr>
-          </a:p>
-        </p:txBody>
-      </p:sp>
-      <p:sp>
-        <p:nvSpPr>
-          <p:cNvPr id="292" name="CustomShape 2"/>
-          <p:cNvSpPr/>
-          <p:nvPr/>
-        </p:nvSpPr>
-        <p:spPr>
-          <a:xfrm>
-            <a:off x="118080" y="3710520"/>
-            <a:ext cx="1615680" cy="2407680"/>
-          </a:xfrm>
-          <a:prstGeom prst="rect">
-            <a:avLst/>
-          </a:prstGeom>
-          <a:noFill/>
-          <a:ln>
-            <a:noFill/>
-          </a:ln>
-        </p:spPr>
-        <p:style>
-          <a:lnRef idx="0">
-            <a:scrgbClr r="0" g="0" b="0"/>
-          </a:lnRef>
-          <a:fillRef idx="0">
-            <a:scrgbClr r="0" g="0" b="0"/>
-          </a:fillRef>
-          <a:effectRef idx="0">
-            <a:scrgbClr r="0" g="0" b="0"/>
-          </a:effectRef>
-          <a:fontRef idx="minor"/>
-        </p:style>
-        <p:txBody>
-          <a:bodyPr lIns="0" tIns="0" rIns="0" bIns="0"/>
-          <a:lstStyle/>
-          <a:p>
-            <a:pPr>
-              <a:lnSpc>
-                <a:spcPts val="18499"/>
-              </a:lnSpc>
-            </a:pPr>
-            <a:endParaRPr lang="en-US" sz="18500" b="0" strike="noStrike" spc="-1" dirty="0">
-              <a:latin typeface="Times New Roman"/>
-            </a:endParaRPr>
-          </a:p>
-        </p:txBody>
-      </p:sp>
-      <p:sp>
-        <p:nvSpPr>
-          <p:cNvPr id="293" name="CustomShape 3"/>
-          <p:cNvSpPr/>
-          <p:nvPr/>
-        </p:nvSpPr>
-        <p:spPr>
-          <a:xfrm rot="16200000">
-            <a:off x="9093240" y="4948560"/>
-            <a:ext cx="2623680" cy="715680"/>
-          </a:xfrm>
-          <a:prstGeom prst="rect">
-            <a:avLst/>
-          </a:prstGeom>
-          <a:noFill/>
-          <a:ln>
-            <a:noFill/>
-          </a:ln>
-        </p:spPr>
-        <p:style>
-          <a:lnRef idx="0">
-            <a:scrgbClr r="0" g="0" b="0"/>
-          </a:lnRef>
-          <a:fillRef idx="0">
-            <a:scrgbClr r="0" g="0" b="0"/>
-          </a:fillRef>
-          <a:effectRef idx="0">
-            <a:scrgbClr r="0" g="0" b="0"/>
-          </a:effectRef>
-          <a:fontRef idx="minor"/>
-        </p:style>
-        <p:txBody>
-          <a:bodyPr lIns="0" tIns="0" rIns="0" bIns="0"/>
-          <a:lstStyle/>
-          <a:p>
-            <a:pPr>
-              <a:lnSpc>
-                <a:spcPts val="3849"/>
-              </a:lnSpc>
-            </a:pPr>
-            <a:endParaRPr lang="en-US" sz="3850" b="0" strike="noStrike" spc="-1" dirty="0">
-              <a:latin typeface="Times New Roman"/>
-            </a:endParaRPr>
-          </a:p>
-        </p:txBody>
-      </p:sp>
-      <p:sp>
-        <p:nvSpPr>
-          <p:cNvPr id="294" name="CustomShape 4"/>
-          <p:cNvSpPr/>
-          <p:nvPr/>
-        </p:nvSpPr>
-        <p:spPr>
-          <a:xfrm>
-            <a:off x="4320000" y="864000"/>
-            <a:ext cx="5935680" cy="2263680"/>
-          </a:xfrm>
-          <a:prstGeom prst="rect">
-            <a:avLst/>
-          </a:prstGeom>
-          <a:noFill/>
-          <a:ln>
-            <a:noFill/>
-          </a:ln>
-        </p:spPr>
-        <p:style>
-          <a:lnRef idx="0">
-            <a:scrgbClr r="0" g="0" b="0"/>
-          </a:lnRef>
-          <a:fillRef idx="0">
-            <a:scrgbClr r="0" g="0" b="0"/>
-          </a:fillRef>
-          <a:effectRef idx="0">
-            <a:scrgbClr r="0" g="0" b="0"/>
-          </a:effectRef>
-          <a:fontRef idx="minor"/>
-        </p:style>
-      </p:sp>
-      <p:sp>
-        <p:nvSpPr>
-          <p:cNvPr id="298" name="CustomShape 8"/>
-          <p:cNvSpPr/>
-          <p:nvPr/>
-        </p:nvSpPr>
-        <p:spPr>
-          <a:xfrm>
-            <a:off x="7368613" y="1557360"/>
-            <a:ext cx="270000" cy="265680"/>
-          </a:xfrm>
-          <a:prstGeom prst="downArrow">
-            <a:avLst>
-              <a:gd name="adj1" fmla="val 50000"/>
-              <a:gd name="adj2" fmla="val 50000"/>
-            </a:avLst>
-          </a:prstGeom>
-          <a:solidFill>
-            <a:schemeClr val="accent2"/>
-          </a:solidFill>
-          <a:ln>
-            <a:noFill/>
-          </a:ln>
-        </p:spPr>
-        <p:style>
-          <a:lnRef idx="2">
-            <a:schemeClr val="accent1">
-              <a:shade val="50000"/>
-            </a:schemeClr>
-          </a:lnRef>
-          <a:fillRef idx="1">
-            <a:schemeClr val="accent1"/>
-          </a:fillRef>
-          <a:effectRef idx="0">
-            <a:schemeClr val="accent1"/>
-          </a:effectRef>
-          <a:fontRef idx="minor"/>
-        </p:style>
-      </p:sp>
-      <p:sp>
-        <p:nvSpPr>
-          <p:cNvPr id="299" name="CustomShape 9"/>
-          <p:cNvSpPr/>
-          <p:nvPr/>
-        </p:nvSpPr>
-        <p:spPr>
-          <a:xfrm>
-            <a:off x="7665840" y="184320"/>
-            <a:ext cx="2738880" cy="360720"/>
-          </a:xfrm>
-          <a:prstGeom prst="rect">
-            <a:avLst/>
-          </a:prstGeom>
-          <a:noFill/>
-          <a:ln>
-            <a:noFill/>
-          </a:ln>
-        </p:spPr>
-        <p:style>
-          <a:lnRef idx="0">
-            <a:scrgbClr r="0" g="0" b="0"/>
-          </a:lnRef>
-          <a:fillRef idx="0">
-            <a:scrgbClr r="0" g="0" b="0"/>
-          </a:fillRef>
-          <a:effectRef idx="0">
-            <a:scrgbClr r="0" g="0" b="0"/>
-          </a:effectRef>
-          <a:fontRef idx="minor"/>
-        </p:style>
-        <p:txBody>
-          <a:bodyPr lIns="90000" tIns="45000" rIns="90000" bIns="45000" anchor="ctr"/>
-          <a:lstStyle/>
-          <a:p>
-            <a:pPr algn="r">
-              <a:lnSpc>
-                <a:spcPct val="100000"/>
-              </a:lnSpc>
-            </a:pPr>
-            <a:fld id="{1B3B86FF-E4DC-44C6-8412-B41B5B7219B5}" type="slidenum">
-              <a:rPr lang="en-US" sz="3600" b="0" strike="noStrike" spc="-1">
-                <a:solidFill>
-                  <a:srgbClr val="B2B2B2"/>
-                </a:solidFill>
-                <a:latin typeface="맑은 고딕"/>
-                <a:ea typeface="DejaVu Sans"/>
-              </a:rPr>
-              <a:t>15</a:t>
-            </a:fld>
-            <a:endParaRPr lang="en-US" sz="3600" b="0" strike="noStrike" spc="-1">
-              <a:latin typeface="Times New Roman"/>
-            </a:endParaRPr>
-          </a:p>
-        </p:txBody>
-      </p:sp>
-      <p:pic>
-        <p:nvPicPr>
-          <p:cNvPr id="3" name="그림 2"/>
-          <p:cNvPicPr>
-            <a:picLocks noChangeAspect="1"/>
-          </p:cNvPicPr>
-          <p:nvPr/>
-        </p:nvPicPr>
-        <p:blipFill>
-          <a:blip r:embed="rId2"/>
-          <a:stretch>
-            <a:fillRect/>
-          </a:stretch>
-        </p:blipFill>
-        <p:spPr>
-          <a:xfrm>
-            <a:off x="0" y="1872042"/>
-            <a:ext cx="10693400" cy="4784470"/>
-          </a:xfrm>
-          <a:prstGeom prst="rect">
-            <a:avLst/>
-          </a:prstGeom>
-        </p:spPr>
-      </p:pic>
-      <p:sp>
-        <p:nvSpPr>
-          <p:cNvPr id="11" name="CustomShape 3"/>
-          <p:cNvSpPr/>
-          <p:nvPr/>
-        </p:nvSpPr>
-        <p:spPr>
-          <a:xfrm>
-            <a:off x="4320000" y="432360"/>
-            <a:ext cx="5755680" cy="463680"/>
-          </a:xfrm>
-          <a:prstGeom prst="rect">
-            <a:avLst/>
-          </a:prstGeom>
-          <a:noFill/>
-          <a:ln>
-            <a:noFill/>
-          </a:ln>
-        </p:spPr>
-        <p:style>
-          <a:lnRef idx="0">
-            <a:scrgbClr r="0" g="0" b="0"/>
-          </a:lnRef>
-          <a:fillRef idx="0">
-            <a:scrgbClr r="0" g="0" b="0"/>
-          </a:fillRef>
-          <a:effectRef idx="0">
-            <a:scrgbClr r="0" g="0" b="0"/>
-          </a:effectRef>
-          <a:fontRef idx="minor"/>
-        </p:style>
-        <p:txBody>
-          <a:bodyPr lIns="0" tIns="0" rIns="0" bIns="0"/>
-          <a:lstStyle/>
-          <a:p>
-            <a:pPr>
-              <a:lnSpc>
-                <a:spcPts val="2401"/>
-              </a:lnSpc>
-            </a:pPr>
-            <a:endParaRPr lang="en-US" sz="2100" spc="-1" dirty="0">
-              <a:solidFill>
-                <a:srgbClr val="00AAAE"/>
-              </a:solidFill>
-              <a:latin typeface="나눔명조"/>
-              <a:ea typeface="나눔명조"/>
-            </a:endParaRPr>
-          </a:p>
-          <a:p>
-            <a:pPr>
-              <a:lnSpc>
-                <a:spcPts val="2401"/>
-              </a:lnSpc>
-            </a:pPr>
-            <a:endParaRPr lang="en-US" sz="2100" b="0" strike="noStrike" spc="-1" dirty="0">
-              <a:solidFill>
-                <a:srgbClr val="00AAAE"/>
-              </a:solidFill>
-              <a:latin typeface="나눔명조"/>
-              <a:ea typeface="나눔명조"/>
-            </a:endParaRPr>
-          </a:p>
-          <a:p>
-            <a:pPr>
-              <a:lnSpc>
-                <a:spcPts val="2401"/>
-              </a:lnSpc>
-            </a:pPr>
-            <a:r>
-              <a:rPr lang="ko-KR" altLang="en-US" sz="2100" spc="-1" dirty="0">
-                <a:solidFill>
-                  <a:srgbClr val="00AAAE"/>
-                </a:solidFill>
-                <a:latin typeface="나눔명조"/>
-              </a:rPr>
-              <a:t>전체 일정</a:t>
-            </a:r>
-            <a:endParaRPr lang="en-US" sz="2100" b="0" strike="noStrike" spc="-1" dirty="0">
-              <a:latin typeface="Times New Roman"/>
-            </a:endParaRPr>
-          </a:p>
-        </p:txBody>
-      </p:sp>
-    </p:spTree>
-    <p:extLst>
-      <p:ext uri="{BB962C8B-B14F-4D97-AF65-F5344CB8AC3E}">
-        <p14:creationId xmlns:p14="http://schemas.microsoft.com/office/powerpoint/2010/main" val="990917115"/>
-      </p:ext>
-    </p:extLst>
-  </p:cSld>
-  <p:clrMapOvr>
-    <a:masterClrMapping/>
-  </p:clrMapOvr>
-  <p:timing>
-    <p:tnLst>
-      <p:par>
-        <p:cTn id="1" dur="indefinite" restart="never" nodeType="tmRoot">
-          <p:childTnLst>
-            <p:seq>
-              <p:cTn id="2" dur="indefinite" nodeType="mainSeq"/>
-              <p:prevCondLst>
-                <p:cond evt="onPrev" delay="0">
-                  <p:tgtEl>
-                    <p:sldTgt/>
-                  </p:tgtEl>
-                </p:cond>
-              </p:prevCondLst>
-              <p:nextCondLst>
-                <p:cond evt="onNext" delay="0">
-                  <p:tgtEl>
-                    <p:sldTgt/>
-                  </p:tgtEl>
-                </p:cond>
-              </p:nextCondLst>
-            </p:seq>
-          </p:childTnLst>
-        </p:cTn>
-      </p:par>
-    </p:tnLst>
-  </p:timing>
-</p:sld>
-</file>
-
-<file path=ppt/slides/slide16.xml><?xml version="1.0" encoding="utf-8"?>
-<p:sld xmlns:a="http://schemas.openxmlformats.org/drawingml/2006/main" xmlns:r="http://schemas.openxmlformats.org/officeDocument/2006/relationships" xmlns:p="http://schemas.openxmlformats.org/presentationml/2006/main">
-  <p:cSld>
-    <p:spTree>
-      <p:nvGrpSpPr>
-        <p:cNvPr id="1" name=""/>
-        <p:cNvGrpSpPr/>
-        <p:nvPr/>
-      </p:nvGrpSpPr>
-      <p:grpSpPr>
-        <a:xfrm>
-          <a:off x="0" y="0"/>
-          <a:ext cx="0" cy="0"/>
-          <a:chOff x="0" y="0"/>
-          <a:chExt cx="0" cy="0"/>
-        </a:xfrm>
-      </p:grpSpPr>
-      <p:sp>
-        <p:nvSpPr>
-          <p:cNvPr id="291" name="CustomShape 1"/>
-          <p:cNvSpPr/>
-          <p:nvPr/>
-        </p:nvSpPr>
-        <p:spPr>
-          <a:xfrm>
-            <a:off x="470880" y="432360"/>
-            <a:ext cx="2404800" cy="2515680"/>
-          </a:xfrm>
-          <a:prstGeom prst="rect">
-            <a:avLst/>
-          </a:prstGeom>
-          <a:noFill/>
-          <a:ln>
-            <a:noFill/>
-          </a:ln>
-        </p:spPr>
-        <p:style>
-          <a:lnRef idx="0">
-            <a:scrgbClr r="0" g="0" b="0"/>
-          </a:lnRef>
-          <a:fillRef idx="0">
-            <a:scrgbClr r="0" g="0" b="0"/>
-          </a:fillRef>
-          <a:effectRef idx="0">
-            <a:scrgbClr r="0" g="0" b="0"/>
-          </a:effectRef>
-          <a:fontRef idx="minor"/>
-        </p:style>
-        <p:txBody>
-          <a:bodyPr lIns="0" tIns="0" rIns="0" bIns="0"/>
-          <a:lstStyle/>
-          <a:p>
-            <a:pPr algn="r">
-              <a:lnSpc>
-                <a:spcPct val="100000"/>
-              </a:lnSpc>
-            </a:pPr>
-            <a:endParaRPr lang="en-US" sz="1800" b="0" strike="noStrike" spc="-1">
-              <a:latin typeface="Times New Roman"/>
-            </a:endParaRPr>
-          </a:p>
-          <a:p>
-            <a:pPr algn="r">
-              <a:lnSpc>
-                <a:spcPct val="100000"/>
-              </a:lnSpc>
-            </a:pPr>
-            <a:r>
-              <a:rPr lang="en-US" sz="4000" b="0" strike="noStrike" spc="-1">
-                <a:solidFill>
-                  <a:srgbClr val="00AAAE"/>
-                </a:solidFill>
-                <a:latin typeface="나눔명조"/>
-                <a:ea typeface="나눔명조"/>
-              </a:rPr>
-              <a:t>개발 일정</a:t>
-            </a:r>
-            <a:endParaRPr lang="en-US" sz="4000" b="0" strike="noStrike" spc="-1">
-              <a:latin typeface="Times New Roman"/>
-            </a:endParaRPr>
-          </a:p>
-        </p:txBody>
-      </p:sp>
-      <p:sp>
-        <p:nvSpPr>
-          <p:cNvPr id="292" name="CustomShape 2"/>
-          <p:cNvSpPr/>
-          <p:nvPr/>
-        </p:nvSpPr>
-        <p:spPr>
-          <a:xfrm>
-            <a:off x="118080" y="3710520"/>
-            <a:ext cx="1615680" cy="2407680"/>
-          </a:xfrm>
-          <a:prstGeom prst="rect">
-            <a:avLst/>
-          </a:prstGeom>
-          <a:noFill/>
-          <a:ln>
-            <a:noFill/>
-          </a:ln>
-        </p:spPr>
-        <p:style>
-          <a:lnRef idx="0">
-            <a:scrgbClr r="0" g="0" b="0"/>
-          </a:lnRef>
-          <a:fillRef idx="0">
-            <a:scrgbClr r="0" g="0" b="0"/>
-          </a:fillRef>
-          <a:effectRef idx="0">
-            <a:scrgbClr r="0" g="0" b="0"/>
-          </a:effectRef>
-          <a:fontRef idx="minor"/>
-        </p:style>
-        <p:txBody>
-          <a:bodyPr lIns="0" tIns="0" rIns="0" bIns="0"/>
-          <a:lstStyle/>
-          <a:p>
-            <a:pPr>
-              <a:lnSpc>
-                <a:spcPts val="18499"/>
-              </a:lnSpc>
-            </a:pPr>
-            <a:endParaRPr lang="en-US" sz="18500" b="0" strike="noStrike" spc="-1" dirty="0">
-              <a:latin typeface="Times New Roman"/>
-            </a:endParaRPr>
-          </a:p>
-        </p:txBody>
-      </p:sp>
-      <p:sp>
-        <p:nvSpPr>
-          <p:cNvPr id="293" name="CustomShape 3"/>
-          <p:cNvSpPr/>
-          <p:nvPr/>
-        </p:nvSpPr>
-        <p:spPr>
-          <a:xfrm rot="16200000">
-            <a:off x="9093240" y="4948560"/>
-            <a:ext cx="2623680" cy="715680"/>
-          </a:xfrm>
-          <a:prstGeom prst="rect">
-            <a:avLst/>
-          </a:prstGeom>
-          <a:noFill/>
-          <a:ln>
-            <a:noFill/>
-          </a:ln>
-        </p:spPr>
-        <p:style>
-          <a:lnRef idx="0">
-            <a:scrgbClr r="0" g="0" b="0"/>
-          </a:lnRef>
-          <a:fillRef idx="0">
-            <a:scrgbClr r="0" g="0" b="0"/>
-          </a:fillRef>
-          <a:effectRef idx="0">
-            <a:scrgbClr r="0" g="0" b="0"/>
-          </a:effectRef>
-          <a:fontRef idx="minor"/>
-        </p:style>
-        <p:txBody>
-          <a:bodyPr lIns="0" tIns="0" rIns="0" bIns="0"/>
-          <a:lstStyle/>
-          <a:p>
-            <a:pPr>
-              <a:lnSpc>
-                <a:spcPts val="3849"/>
-              </a:lnSpc>
-            </a:pPr>
-            <a:endParaRPr lang="en-US" sz="3850" b="0" strike="noStrike" spc="-1" dirty="0">
-              <a:latin typeface="Times New Roman"/>
-            </a:endParaRPr>
-          </a:p>
-        </p:txBody>
-      </p:sp>
-      <p:sp>
-        <p:nvSpPr>
-          <p:cNvPr id="294" name="CustomShape 4"/>
-          <p:cNvSpPr/>
-          <p:nvPr/>
-        </p:nvSpPr>
-        <p:spPr>
-          <a:xfrm>
-            <a:off x="4320000" y="864000"/>
-            <a:ext cx="5935680" cy="2263680"/>
-          </a:xfrm>
-          <a:prstGeom prst="rect">
-            <a:avLst/>
-          </a:prstGeom>
-          <a:noFill/>
-          <a:ln>
-            <a:noFill/>
-          </a:ln>
-        </p:spPr>
-        <p:style>
-          <a:lnRef idx="0">
-            <a:scrgbClr r="0" g="0" b="0"/>
-          </a:lnRef>
-          <a:fillRef idx="0">
-            <a:scrgbClr r="0" g="0" b="0"/>
-          </a:fillRef>
-          <a:effectRef idx="0">
-            <a:scrgbClr r="0" g="0" b="0"/>
-          </a:effectRef>
-          <a:fontRef idx="minor"/>
-        </p:style>
-      </p:sp>
-      <p:sp>
-        <p:nvSpPr>
-          <p:cNvPr id="298" name="CustomShape 8"/>
-          <p:cNvSpPr/>
-          <p:nvPr/>
-        </p:nvSpPr>
-        <p:spPr>
-          <a:xfrm>
-            <a:off x="6873840" y="1235181"/>
-            <a:ext cx="270000" cy="265680"/>
-          </a:xfrm>
-          <a:prstGeom prst="downArrow">
-            <a:avLst>
-              <a:gd name="adj1" fmla="val 50000"/>
-              <a:gd name="adj2" fmla="val 50000"/>
-            </a:avLst>
-          </a:prstGeom>
-          <a:solidFill>
-            <a:schemeClr val="accent2"/>
-          </a:solidFill>
-          <a:ln>
-            <a:noFill/>
-          </a:ln>
-        </p:spPr>
-        <p:style>
-          <a:lnRef idx="2">
-            <a:schemeClr val="accent1">
-              <a:shade val="50000"/>
-            </a:schemeClr>
-          </a:lnRef>
-          <a:fillRef idx="1">
-            <a:schemeClr val="accent1"/>
-          </a:fillRef>
-          <a:effectRef idx="0">
-            <a:schemeClr val="accent1"/>
-          </a:effectRef>
-          <a:fontRef idx="minor"/>
-        </p:style>
-      </p:sp>
-      <p:sp>
-        <p:nvSpPr>
-          <p:cNvPr id="299" name="CustomShape 9"/>
-          <p:cNvSpPr/>
-          <p:nvPr/>
-        </p:nvSpPr>
-        <p:spPr>
-          <a:xfrm>
-            <a:off x="7665840" y="184320"/>
-            <a:ext cx="2738880" cy="360720"/>
-          </a:xfrm>
-          <a:prstGeom prst="rect">
-            <a:avLst/>
-          </a:prstGeom>
-          <a:noFill/>
-          <a:ln>
-            <a:noFill/>
-          </a:ln>
-        </p:spPr>
-        <p:style>
-          <a:lnRef idx="0">
-            <a:scrgbClr r="0" g="0" b="0"/>
-          </a:lnRef>
-          <a:fillRef idx="0">
-            <a:scrgbClr r="0" g="0" b="0"/>
-          </a:fillRef>
-          <a:effectRef idx="0">
-            <a:scrgbClr r="0" g="0" b="0"/>
-          </a:effectRef>
-          <a:fontRef idx="minor"/>
-        </p:style>
-        <p:txBody>
-          <a:bodyPr lIns="90000" tIns="45000" rIns="90000" bIns="45000" anchor="ctr"/>
-          <a:lstStyle/>
-          <a:p>
-            <a:pPr algn="r">
-              <a:lnSpc>
-                <a:spcPct val="100000"/>
-              </a:lnSpc>
-            </a:pPr>
-            <a:fld id="{1B3B86FF-E4DC-44C6-8412-B41B5B7219B5}" type="slidenum">
-              <a:rPr lang="en-US" sz="3600" b="0" strike="noStrike" spc="-1">
-                <a:solidFill>
-                  <a:srgbClr val="B2B2B2"/>
-                </a:solidFill>
-                <a:latin typeface="맑은 고딕"/>
-                <a:ea typeface="DejaVu Sans"/>
-              </a:rPr>
-              <a:t>16</a:t>
-            </a:fld>
-            <a:endParaRPr lang="en-US" sz="3600" b="0" strike="noStrike" spc="-1">
-              <a:latin typeface="Times New Roman"/>
-            </a:endParaRPr>
-          </a:p>
-        </p:txBody>
-      </p:sp>
-      <p:pic>
-        <p:nvPicPr>
-          <p:cNvPr id="7" name="그림 6"/>
-          <p:cNvPicPr>
-            <a:picLocks noChangeAspect="1"/>
-          </p:cNvPicPr>
-          <p:nvPr/>
-        </p:nvPicPr>
-        <p:blipFill>
-          <a:blip r:embed="rId2"/>
-          <a:stretch>
-            <a:fillRect/>
-          </a:stretch>
-        </p:blipFill>
-        <p:spPr>
-          <a:xfrm>
-            <a:off x="321840" y="1527501"/>
-            <a:ext cx="9933840" cy="5422532"/>
-          </a:xfrm>
-          <a:prstGeom prst="rect">
-            <a:avLst/>
-          </a:prstGeom>
-        </p:spPr>
-      </p:pic>
-      <p:sp>
-        <p:nvSpPr>
-          <p:cNvPr id="9" name="CustomShape 3"/>
-          <p:cNvSpPr/>
-          <p:nvPr/>
-        </p:nvSpPr>
-        <p:spPr>
-          <a:xfrm>
-            <a:off x="4320000" y="432360"/>
-            <a:ext cx="5755680" cy="463680"/>
-          </a:xfrm>
-          <a:prstGeom prst="rect">
-            <a:avLst/>
-          </a:prstGeom>
-          <a:noFill/>
-          <a:ln>
-            <a:noFill/>
-          </a:ln>
-        </p:spPr>
-        <p:style>
-          <a:lnRef idx="0">
-            <a:scrgbClr r="0" g="0" b="0"/>
-          </a:lnRef>
-          <a:fillRef idx="0">
-            <a:scrgbClr r="0" g="0" b="0"/>
-          </a:fillRef>
-          <a:effectRef idx="0">
-            <a:scrgbClr r="0" g="0" b="0"/>
-          </a:effectRef>
-          <a:fontRef idx="minor"/>
-        </p:style>
-        <p:txBody>
-          <a:bodyPr lIns="0" tIns="0" rIns="0" bIns="0"/>
-          <a:lstStyle/>
-          <a:p>
-            <a:pPr>
-              <a:lnSpc>
-                <a:spcPts val="2401"/>
-              </a:lnSpc>
-            </a:pPr>
-            <a:endParaRPr lang="en-US" sz="2100" spc="-1" dirty="0">
-              <a:solidFill>
-                <a:srgbClr val="00AAAE"/>
-              </a:solidFill>
-              <a:latin typeface="나눔명조"/>
-              <a:ea typeface="나눔명조"/>
-            </a:endParaRPr>
-          </a:p>
-          <a:p>
-            <a:pPr>
-              <a:lnSpc>
-                <a:spcPts val="2401"/>
-              </a:lnSpc>
-            </a:pPr>
-            <a:endParaRPr lang="en-US" sz="2100" b="0" strike="noStrike" spc="-1" dirty="0">
-              <a:solidFill>
-                <a:srgbClr val="00AAAE"/>
-              </a:solidFill>
-              <a:latin typeface="나눔명조"/>
-              <a:ea typeface="나눔명조"/>
-            </a:endParaRPr>
-          </a:p>
-          <a:p>
-            <a:pPr>
-              <a:lnSpc>
-                <a:spcPts val="2401"/>
-              </a:lnSpc>
-            </a:pPr>
-            <a:r>
-              <a:rPr lang="ko-KR" altLang="en-US" sz="2100" b="0" strike="noStrike" spc="-1" dirty="0">
-                <a:solidFill>
-                  <a:srgbClr val="00AAAE"/>
-                </a:solidFill>
-                <a:latin typeface="나눔명조"/>
-                <a:ea typeface="나눔명조"/>
-              </a:rPr>
-              <a:t>세부 일정</a:t>
-            </a:r>
-            <a:endParaRPr lang="en-US" sz="2100" b="0" strike="noStrike" spc="-1" dirty="0">
-              <a:latin typeface="Times New Roman"/>
-            </a:endParaRPr>
-          </a:p>
-        </p:txBody>
-      </p:sp>
-    </p:spTree>
-    <p:extLst>
-      <p:ext uri="{BB962C8B-B14F-4D97-AF65-F5344CB8AC3E}">
-        <p14:creationId xmlns:p14="http://schemas.microsoft.com/office/powerpoint/2010/main" val="1115029113"/>
-      </p:ext>
-    </p:extLst>
-  </p:cSld>
-  <p:clrMapOvr>
-    <a:masterClrMapping/>
-  </p:clrMapOvr>
-  <p:timing>
-    <p:tnLst>
-      <p:par>
-        <p:cTn id="1" dur="indefinite" restart="never" nodeType="tmRoot">
-          <p:childTnLst>
-            <p:seq>
-              <p:cTn id="2" dur="indefinite" nodeType="mainSeq"/>
-              <p:prevCondLst>
-                <p:cond evt="onPrev" delay="0">
-                  <p:tgtEl>
-                    <p:sldTgt/>
-                  </p:tgtEl>
-                </p:cond>
-              </p:prevCondLst>
-              <p:nextCondLst>
-                <p:cond evt="onNext" delay="0">
-                  <p:tgtEl>
-                    <p:sldTgt/>
-                  </p:tgtEl>
-                </p:cond>
-              </p:nextCondLst>
-            </p:seq>
-          </p:childTnLst>
-        </p:cTn>
-      </p:par>
-    </p:tnLst>
-  </p:timing>
-</p:sld>
-</file>
-
 <file path=ppt/slides/slide17.xml><?xml version="1.0" encoding="utf-8"?>
 <p:sld xmlns:a="http://schemas.openxmlformats.org/drawingml/2006/main" xmlns:r="http://schemas.openxmlformats.org/officeDocument/2006/relationships" xmlns:p="http://schemas.openxmlformats.org/presentationml/2006/main">
   <p:cSld>
@@ -15229,14 +14012,14 @@
       </p:grpSpPr>
       <p:sp>
         <p:nvSpPr>
-          <p:cNvPr id="303" name="CustomShape 1"/>
+          <p:cNvPr id="4" name="CustomShape 1"/>
           <p:cNvSpPr/>
           <p:nvPr/>
         </p:nvSpPr>
         <p:spPr>
           <a:xfrm>
-            <a:off x="123840" y="3714480"/>
-            <a:ext cx="4482000" cy="2407680"/>
+            <a:off x="116137" y="731905"/>
+            <a:ext cx="2682223" cy="2515680"/>
           </a:xfrm>
           <a:prstGeom prst="rect">
             <a:avLst/>
@@ -15262,121 +14045,9 @@
           <a:bodyPr lIns="0" tIns="0" rIns="0" bIns="0"/>
           <a:lstStyle/>
           <a:p>
-            <a:pPr>
-              <a:lnSpc>
-                <a:spcPts val="18499"/>
-              </a:lnSpc>
-            </a:pPr>
-            <a:r>
-              <a:rPr lang="en-US" sz="18500" b="0" strike="noStrike" spc="-117">
-                <a:solidFill>
-                  <a:srgbClr val="E1E2E3"/>
-                </a:solidFill>
-                <a:latin typeface="나눔명조"/>
-                <a:ea typeface="나눔명조"/>
-              </a:rPr>
-              <a:t>4</a:t>
-            </a:r>
-            <a:endParaRPr lang="en-US" sz="18500" b="0" strike="noStrike" spc="-1">
-              <a:latin typeface="Times New Roman"/>
-            </a:endParaRPr>
-          </a:p>
-        </p:txBody>
-      </p:sp>
-      <p:sp>
-        <p:nvSpPr>
-          <p:cNvPr id="304" name="CustomShape 2"/>
-          <p:cNvSpPr/>
-          <p:nvPr/>
-        </p:nvSpPr>
-        <p:spPr>
-          <a:xfrm rot="16200000">
-            <a:off x="9093600" y="4947120"/>
-            <a:ext cx="2623680" cy="715680"/>
-          </a:xfrm>
-          <a:prstGeom prst="rect">
-            <a:avLst/>
-          </a:prstGeom>
-          <a:noFill/>
-          <a:ln>
-            <a:noFill/>
-          </a:ln>
-        </p:spPr>
-        <p:style>
-          <a:lnRef idx="0">
-            <a:scrgbClr r="0" g="0" b="0"/>
-          </a:lnRef>
-          <a:fillRef idx="0">
-            <a:scrgbClr r="0" g="0" b="0"/>
-          </a:fillRef>
-          <a:effectRef idx="0">
-            <a:scrgbClr r="0" g="0" b="0"/>
-          </a:effectRef>
-          <a:fontRef idx="minor"/>
-        </p:style>
-        <p:txBody>
-          <a:bodyPr lIns="0" tIns="0" rIns="0" bIns="0"/>
-          <a:lstStyle/>
-          <a:p>
-            <a:pPr>
-              <a:lnSpc>
-                <a:spcPts val="3849"/>
-              </a:lnSpc>
-            </a:pPr>
-            <a:r>
-              <a:rPr lang="en-US" sz="3850" b="0" strike="noStrike" spc="-117">
-                <a:solidFill>
-                  <a:srgbClr val="D1D3D4"/>
-                </a:solidFill>
-                <a:latin typeface="나눔명조"/>
-                <a:ea typeface="나눔명조"/>
-              </a:rPr>
-              <a:t>confidential</a:t>
-            </a:r>
-            <a:endParaRPr lang="en-US" sz="3850" b="0" strike="noStrike" spc="-1">
-              <a:latin typeface="Times New Roman"/>
-            </a:endParaRPr>
-          </a:p>
-        </p:txBody>
-      </p:sp>
-      <p:sp>
-        <p:nvSpPr>
-          <p:cNvPr id="305" name="CustomShape 3"/>
-          <p:cNvSpPr/>
-          <p:nvPr/>
-        </p:nvSpPr>
-        <p:spPr>
-          <a:xfrm>
-            <a:off x="699120" y="432360"/>
-            <a:ext cx="2176560" cy="2515680"/>
-          </a:xfrm>
-          <a:prstGeom prst="rect">
-            <a:avLst/>
-          </a:prstGeom>
-          <a:noFill/>
-          <a:ln>
-            <a:noFill/>
-          </a:ln>
-        </p:spPr>
-        <p:style>
-          <a:lnRef idx="0">
-            <a:scrgbClr r="0" g="0" b="0"/>
-          </a:lnRef>
-          <a:fillRef idx="0">
-            <a:scrgbClr r="0" g="0" b="0"/>
-          </a:fillRef>
-          <a:effectRef idx="0">
-            <a:scrgbClr r="0" g="0" b="0"/>
-          </a:effectRef>
-          <a:fontRef idx="minor"/>
-        </p:style>
-        <p:txBody>
-          <a:bodyPr lIns="0" tIns="0" rIns="0" bIns="0"/>
-          <a:lstStyle/>
-          <a:p>
             <a:pPr algn="r">
               <a:lnSpc>
-                <a:spcPts val="4601"/>
+                <a:spcPct val="100000"/>
               </a:lnSpc>
             </a:pPr>
             <a:endParaRPr lang="en-US" sz="1800" b="0" strike="noStrike" spc="-1" dirty="0">
@@ -15386,18 +14057,18 @@
           <a:p>
             <a:pPr algn="r">
               <a:lnSpc>
-                <a:spcPts val="4601"/>
+                <a:spcPct val="100000"/>
               </a:lnSpc>
             </a:pPr>
             <a:r>
-              <a:rPr lang="en-US" sz="4000" b="0" strike="noStrike" spc="-1" dirty="0">
+              <a:rPr lang="ko-KR" altLang="en-US" sz="4000" spc="-1" dirty="0">
                 <a:solidFill>
                   <a:srgbClr val="00AAAE"/>
                 </a:solidFill>
                 <a:latin typeface="나눔명조"/>
                 <a:ea typeface="나눔명조"/>
               </a:rPr>
-              <a:t>DEMO</a:t>
+              <a:t>매장 위치</a:t>
             </a:r>
             <a:endParaRPr lang="en-US" sz="4000" b="0" strike="noStrike" spc="-1" dirty="0">
               <a:latin typeface="Times New Roman"/>
@@ -15405,94 +14076,110 @@
           </a:p>
         </p:txBody>
       </p:sp>
-      <p:sp>
-        <p:nvSpPr>
-          <p:cNvPr id="306" name="CustomShape 4"/>
-          <p:cNvSpPr/>
+      <p:pic>
+        <p:nvPicPr>
+          <p:cNvPr id="5" name="Picture 4" descr="C:\Users\user\Pictures\capstone_mid\102801.png">
+            <a:extLst>
+              <a:ext uri="{FF2B5EF4-FFF2-40B4-BE49-F238E27FC236}">
+                <a16:creationId xmlns:a16="http://schemas.microsoft.com/office/drawing/2014/main" id="{727A003E-D134-4A23-9278-F927FCDF8E89}"/>
+              </a:ext>
+            </a:extLst>
+          </p:cNvPr>
+          <p:cNvPicPr>
+            <a:picLocks noChangeAspect="1" noChangeArrowheads="1"/>
+          </p:cNvPicPr>
           <p:nvPr/>
-        </p:nvSpPr>
-        <p:spPr>
+        </p:nvPicPr>
+        <p:blipFill>
+          <a:blip r:embed="rId2">
+            <a:extLst>
+              <a:ext uri="{28A0092B-C50C-407E-A947-70E740481C1C}">
+                <a14:useLocalDpi xmlns:a14="http://schemas.microsoft.com/office/drawing/2010/main" val="0"/>
+              </a:ext>
+            </a:extLst>
+          </a:blip>
+          <a:srcRect/>
+          <a:stretch>
+            <a:fillRect/>
+          </a:stretch>
+        </p:blipFill>
+        <p:spPr bwMode="auto">
           <a:xfrm>
-            <a:off x="7665840" y="184320"/>
-            <a:ext cx="2738880" cy="360720"/>
+            <a:off x="1702305" y="1569026"/>
+            <a:ext cx="2878800" cy="5697347"/>
           </a:xfrm>
           <a:prstGeom prst="rect">
             <a:avLst/>
           </a:prstGeom>
           <a:noFill/>
-          <a:ln>
-            <a:noFill/>
-          </a:ln>
-        </p:spPr>
-        <p:style>
-          <a:lnRef idx="0">
-            <a:scrgbClr r="0" g="0" b="0"/>
-          </a:lnRef>
-          <a:fillRef idx="0">
-            <a:scrgbClr r="0" g="0" b="0"/>
-          </a:fillRef>
-          <a:effectRef idx="0">
-            <a:scrgbClr r="0" g="0" b="0"/>
-          </a:effectRef>
-          <a:fontRef idx="minor"/>
-        </p:style>
-        <p:txBody>
-          <a:bodyPr lIns="90000" tIns="45000" rIns="90000" bIns="45000" anchor="ctr"/>
-          <a:lstStyle/>
-          <a:p>
-            <a:pPr algn="r">
-              <a:lnSpc>
-                <a:spcPct val="100000"/>
-              </a:lnSpc>
-            </a:pPr>
-            <a:fld id="{B4C5496A-E8CF-44D6-83D5-350FF8F3AFFE}" type="slidenum">
-              <a:rPr lang="en-US" sz="3600" b="0" strike="noStrike" spc="-1">
+          <a:extLst>
+            <a:ext uri="{909E8E84-426E-40DD-AFC4-6F175D3DCCD1}">
+              <a14:hiddenFill xmlns:a14="http://schemas.microsoft.com/office/drawing/2010/main">
                 <a:solidFill>
-                  <a:srgbClr val="B2B2B2"/>
+                  <a:srgbClr val="FFFFFF"/>
                 </a:solidFill>
-                <a:latin typeface="맑은 고딕"/>
-                <a:ea typeface="DejaVu Sans"/>
-              </a:rPr>
-              <a:t>17</a:t>
-            </a:fld>
-            <a:endParaRPr lang="en-US" sz="3600" b="0" strike="noStrike" spc="-1">
-              <a:latin typeface="Times New Roman"/>
-            </a:endParaRPr>
-          </a:p>
-        </p:txBody>
-      </p:sp>
+              </a14:hiddenFill>
+            </a:ext>
+          </a:extLst>
+        </p:spPr>
+      </p:pic>
+      <p:pic>
+        <p:nvPicPr>
+          <p:cNvPr id="6" name="Picture 5" descr="C:\Users\user\Pictures\capstone_mid\102802.png">
+            <a:extLst>
+              <a:ext uri="{FF2B5EF4-FFF2-40B4-BE49-F238E27FC236}">
+                <a16:creationId xmlns:a16="http://schemas.microsoft.com/office/drawing/2014/main" id="{F0DE6A55-1E5B-4F15-839A-D57E6902C44B}"/>
+              </a:ext>
+            </a:extLst>
+          </p:cNvPr>
+          <p:cNvPicPr>
+            <a:picLocks noChangeAspect="1" noChangeArrowheads="1"/>
+          </p:cNvPicPr>
+          <p:nvPr/>
+        </p:nvPicPr>
+        <p:blipFill>
+          <a:blip r:embed="rId3">
+            <a:extLst>
+              <a:ext uri="{28A0092B-C50C-407E-A947-70E740481C1C}">
+                <a14:useLocalDpi xmlns:a14="http://schemas.microsoft.com/office/drawing/2010/main" val="0"/>
+              </a:ext>
+            </a:extLst>
+          </a:blip>
+          <a:srcRect/>
+          <a:stretch>
+            <a:fillRect/>
+          </a:stretch>
+        </p:blipFill>
+        <p:spPr bwMode="auto">
+          <a:xfrm>
+            <a:off x="6310968" y="1569026"/>
+            <a:ext cx="2925183" cy="5802747"/>
+          </a:xfrm>
+          <a:prstGeom prst="rect">
+            <a:avLst/>
+          </a:prstGeom>
+          <a:noFill/>
+          <a:extLst>
+            <a:ext uri="{909E8E84-426E-40DD-AFC4-6F175D3DCCD1}">
+              <a14:hiddenFill xmlns:a14="http://schemas.microsoft.com/office/drawing/2010/main">
+                <a:solidFill>
+                  <a:srgbClr val="FFFFFF"/>
+                </a:solidFill>
+              </a14:hiddenFill>
+            </a:ext>
+          </a:extLst>
+        </p:spPr>
+      </p:pic>
     </p:spTree>
+    <p:extLst>
+      <p:ext uri="{BB962C8B-B14F-4D97-AF65-F5344CB8AC3E}">
+        <p14:creationId xmlns:p14="http://schemas.microsoft.com/office/powerpoint/2010/main" val="4122189611"/>
+      </p:ext>
+    </p:extLst>
   </p:cSld>
   <p:clrMapOvr>
     <a:masterClrMapping/>
   </p:clrMapOvr>
-  <p:timing>
-    <p:tnLst>
-      <p:par>
-        <p:cTn id="1" dur="indefinite" restart="never" nodeType="tmRoot">
-          <p:childTnLst>
-            <p:seq>
-              <p:cTn id="2" dur="indefinite" nodeType="mainSeq"/>
-              <p:prevCondLst>
-                <p:cond evt="onPrev" delay="0">
-                  <p:tgtEl>
-                    <p:sldTgt/>
-                  </p:tgtEl>
-                </p:cond>
-              </p:prevCondLst>
-              <p:nextCondLst>
-                <p:cond evt="onNext" delay="0">
-                  <p:tgtEl>
-                    <p:sldTgt/>
-                  </p:tgtEl>
-                </p:cond>
-              </p:nextCondLst>
-            </p:seq>
-          </p:childTnLst>
-        </p:cTn>
-      </p:par>
-    </p:tnLst>
-  </p:timing>
 </p:sld>
 </file>
 
@@ -15515,14 +14202,14 @@
       </p:grpSpPr>
       <p:sp>
         <p:nvSpPr>
-          <p:cNvPr id="307" name="CustomShape 1"/>
+          <p:cNvPr id="4" name="CustomShape 1"/>
           <p:cNvSpPr/>
           <p:nvPr/>
         </p:nvSpPr>
         <p:spPr>
           <a:xfrm>
-            <a:off x="3222360" y="3625560"/>
-            <a:ext cx="4244400" cy="305640"/>
+            <a:off x="132636" y="711123"/>
+            <a:ext cx="2682223" cy="2515680"/>
           </a:xfrm>
           <a:prstGeom prst="rect">
             <a:avLst/>
@@ -15548,37 +14235,134 @@
           <a:bodyPr lIns="0" tIns="0" rIns="0" bIns="0"/>
           <a:lstStyle/>
           <a:p>
-            <a:pPr algn="ctr">
+            <a:pPr algn="r">
               <a:lnSpc>
-                <a:spcPts val="2401"/>
+                <a:spcPct val="100000"/>
+              </a:lnSpc>
+            </a:pPr>
+            <a:endParaRPr lang="en-US" sz="1800" b="0" strike="noStrike" spc="-1" dirty="0">
+              <a:latin typeface="Times New Roman"/>
+            </a:endParaRPr>
+          </a:p>
+          <a:p>
+            <a:pPr algn="r">
+              <a:lnSpc>
+                <a:spcPct val="100000"/>
               </a:lnSpc>
             </a:pPr>
             <a:r>
-              <a:rPr lang="en-US" sz="2100" b="0" strike="noStrike" spc="-1" dirty="0">
+              <a:rPr lang="ko-KR" altLang="en-US" sz="4000" spc="-1" dirty="0">
                 <a:solidFill>
                   <a:srgbClr val="00AAAE"/>
                 </a:solidFill>
                 <a:latin typeface="나눔명조"/>
                 <a:ea typeface="나눔명조"/>
               </a:rPr>
-              <a:t>Q &amp; A</a:t>
+              <a:t>매장 </a:t>
             </a:r>
-            <a:endParaRPr lang="en-US" sz="2100" b="0" strike="noStrike" spc="-1" dirty="0">
+            <a:r>
+              <a:rPr lang="en-US" altLang="ko-KR" sz="4000" spc="-1" dirty="0">
+                <a:solidFill>
+                  <a:srgbClr val="00AAAE"/>
+                </a:solidFill>
+                <a:latin typeface="나눔명조"/>
+                <a:ea typeface="나눔명조"/>
+              </a:rPr>
+              <a:t>Map</a:t>
+            </a:r>
+            <a:endParaRPr lang="en-US" sz="4000" b="0" strike="noStrike" spc="-1" dirty="0">
               <a:latin typeface="Times New Roman"/>
             </a:endParaRPr>
           </a:p>
         </p:txBody>
       </p:sp>
-      <p:sp>
-        <p:nvSpPr>
-          <p:cNvPr id="308" name="CustomShape 2"/>
+      <p:pic>
+        <p:nvPicPr>
+          <p:cNvPr id="7" name="Picture 2" descr="C:\Users\user\Pictures\capstone_mid\102803.png">
+            <a:extLst>
+              <a:ext uri="{FF2B5EF4-FFF2-40B4-BE49-F238E27FC236}">
+                <a16:creationId xmlns:a16="http://schemas.microsoft.com/office/drawing/2014/main" id="{5B1A5D0E-F5B0-4E2B-8DC3-A0A51FFA25F0}"/>
+              </a:ext>
+            </a:extLst>
+          </p:cNvPr>
+          <p:cNvPicPr>
+            <a:picLocks noChangeAspect="1" noChangeArrowheads="1"/>
+          </p:cNvPicPr>
+          <p:nvPr/>
+        </p:nvPicPr>
+        <p:blipFill>
+          <a:blip r:embed="rId2">
+            <a:extLst>
+              <a:ext uri="{28A0092B-C50C-407E-A947-70E740481C1C}">
+                <a14:useLocalDpi xmlns:a14="http://schemas.microsoft.com/office/drawing/2010/main" val="0"/>
+              </a:ext>
+            </a:extLst>
+          </a:blip>
+          <a:srcRect/>
+          <a:stretch>
+            <a:fillRect/>
+          </a:stretch>
+        </p:blipFill>
+        <p:spPr bwMode="auto">
+          <a:xfrm>
+            <a:off x="3729989" y="519546"/>
+            <a:ext cx="3473219" cy="6858000"/>
+          </a:xfrm>
+          <a:prstGeom prst="rect">
+            <a:avLst/>
+          </a:prstGeom>
+          <a:noFill/>
+          <a:extLst>
+            <a:ext uri="{909E8E84-426E-40DD-AFC4-6F175D3DCCD1}">
+              <a14:hiddenFill xmlns:a14="http://schemas.microsoft.com/office/drawing/2010/main">
+                <a:solidFill>
+                  <a:srgbClr val="FFFFFF"/>
+                </a:solidFill>
+              </a14:hiddenFill>
+            </a:ext>
+          </a:extLst>
+        </p:spPr>
+      </p:pic>
+    </p:spTree>
+    <p:extLst>
+      <p:ext uri="{BB962C8B-B14F-4D97-AF65-F5344CB8AC3E}">
+        <p14:creationId xmlns:p14="http://schemas.microsoft.com/office/powerpoint/2010/main" val="2921311809"/>
+      </p:ext>
+    </p:extLst>
+  </p:cSld>
+  <p:clrMapOvr>
+    <a:masterClrMapping/>
+  </p:clrMapOvr>
+</p:sld>
+</file>
+
+<file path=ppt/slides/slide19.xml><?xml version="1.0" encoding="utf-8"?>
+<p:sld xmlns:a="http://schemas.openxmlformats.org/drawingml/2006/main" xmlns:r="http://schemas.openxmlformats.org/officeDocument/2006/relationships" xmlns:p="http://schemas.openxmlformats.org/presentationml/2006/main">
+  <p:cSld>
+    <p:spTree>
+      <p:nvGrpSpPr>
+        <p:cNvPr id="1" name=""/>
+        <p:cNvGrpSpPr/>
+        <p:nvPr/>
+      </p:nvGrpSpPr>
+      <p:grpSpPr>
+        <a:xfrm>
+          <a:off x="0" y="0"/>
+          <a:ext cx="0" cy="0"/>
+          <a:chOff x="0" y="0"/>
+          <a:chExt cx="0" cy="0"/>
+        </a:xfrm>
+      </p:grpSpPr>
+      <p:sp>
+        <p:nvSpPr>
+          <p:cNvPr id="4" name="CustomShape 1"/>
           <p:cNvSpPr/>
           <p:nvPr/>
         </p:nvSpPr>
         <p:spPr>
-          <a:xfrm rot="16200000">
-            <a:off x="9093600" y="4947120"/>
-            <a:ext cx="2623680" cy="715680"/>
+          <a:xfrm>
+            <a:off x="246936" y="731905"/>
+            <a:ext cx="2682223" cy="2515680"/>
           </a:xfrm>
           <a:prstGeom prst="rect">
             <a:avLst/>
@@ -15604,170 +14388,6 @@
           <a:bodyPr lIns="0" tIns="0" rIns="0" bIns="0"/>
           <a:lstStyle/>
           <a:p>
-            <a:pPr>
-              <a:lnSpc>
-                <a:spcPts val="3849"/>
-              </a:lnSpc>
-            </a:pPr>
-            <a:r>
-              <a:rPr lang="en-US" sz="3850" b="0" strike="noStrike" spc="-117">
-                <a:solidFill>
-                  <a:srgbClr val="D1D3D4"/>
-                </a:solidFill>
-                <a:latin typeface="나눔명조"/>
-                <a:ea typeface="나눔명조"/>
-              </a:rPr>
-              <a:t>confidential</a:t>
-            </a:r>
-            <a:endParaRPr lang="en-US" sz="3850" b="0" strike="noStrike" spc="-1">
-              <a:latin typeface="Times New Roman"/>
-            </a:endParaRPr>
-          </a:p>
-        </p:txBody>
-      </p:sp>
-      <p:sp>
-        <p:nvSpPr>
-          <p:cNvPr id="309" name="CustomShape 3"/>
-          <p:cNvSpPr/>
-          <p:nvPr/>
-        </p:nvSpPr>
-        <p:spPr>
-          <a:xfrm>
-            <a:off x="7665840" y="184320"/>
-            <a:ext cx="2738880" cy="360720"/>
-          </a:xfrm>
-          <a:prstGeom prst="rect">
-            <a:avLst/>
-          </a:prstGeom>
-          <a:noFill/>
-          <a:ln>
-            <a:noFill/>
-          </a:ln>
-        </p:spPr>
-        <p:style>
-          <a:lnRef idx="0">
-            <a:scrgbClr r="0" g="0" b="0"/>
-          </a:lnRef>
-          <a:fillRef idx="0">
-            <a:scrgbClr r="0" g="0" b="0"/>
-          </a:fillRef>
-          <a:effectRef idx="0">
-            <a:scrgbClr r="0" g="0" b="0"/>
-          </a:effectRef>
-          <a:fontRef idx="minor"/>
-        </p:style>
-        <p:txBody>
-          <a:bodyPr lIns="90000" tIns="45000" rIns="90000" bIns="45000" anchor="ctr"/>
-          <a:lstStyle/>
-          <a:p>
-            <a:pPr algn="r">
-              <a:lnSpc>
-                <a:spcPct val="100000"/>
-              </a:lnSpc>
-            </a:pPr>
-            <a:fld id="{BEDC0114-8F35-4223-89BF-C151FC7B352D}" type="slidenum">
-              <a:rPr lang="en-US" sz="3600" b="0" strike="noStrike" spc="-1">
-                <a:solidFill>
-                  <a:srgbClr val="B2B2B2"/>
-                </a:solidFill>
-                <a:latin typeface="맑은 고딕"/>
-                <a:ea typeface="DejaVu Sans"/>
-              </a:rPr>
-              <a:t>18</a:t>
-            </a:fld>
-            <a:endParaRPr lang="en-US" sz="3600" b="0" strike="noStrike" spc="-1">
-              <a:latin typeface="Times New Roman"/>
-            </a:endParaRPr>
-          </a:p>
-        </p:txBody>
-      </p:sp>
-    </p:spTree>
-  </p:cSld>
-  <p:clrMapOvr>
-    <a:masterClrMapping/>
-  </p:clrMapOvr>
-  <p:timing>
-    <p:tnLst>
-      <p:par>
-        <p:cTn id="1" dur="indefinite" restart="never" nodeType="tmRoot">
-          <p:childTnLst>
-            <p:seq>
-              <p:cTn id="2" dur="indefinite" nodeType="mainSeq"/>
-              <p:prevCondLst>
-                <p:cond evt="onPrev" delay="0">
-                  <p:tgtEl>
-                    <p:sldTgt/>
-                  </p:tgtEl>
-                </p:cond>
-              </p:prevCondLst>
-              <p:nextCondLst>
-                <p:cond evt="onNext" delay="0">
-                  <p:tgtEl>
-                    <p:sldTgt/>
-                  </p:tgtEl>
-                </p:cond>
-              </p:nextCondLst>
-            </p:seq>
-          </p:childTnLst>
-        </p:cTn>
-      </p:par>
-    </p:tnLst>
-  </p:timing>
-</p:sld>
-</file>
-
-<file path=ppt/slides/slide19.xml><?xml version="1.0" encoding="utf-8"?>
-<p:sld xmlns:a="http://schemas.openxmlformats.org/drawingml/2006/main" xmlns:r="http://schemas.openxmlformats.org/officeDocument/2006/relationships" xmlns:p="http://schemas.openxmlformats.org/presentationml/2006/main" show="0">
-  <p:cSld>
-    <p:spTree>
-      <p:nvGrpSpPr>
-        <p:cNvPr id="1" name=""/>
-        <p:cNvGrpSpPr/>
-        <p:nvPr/>
-      </p:nvGrpSpPr>
-      <p:grpSpPr>
-        <a:xfrm>
-          <a:off x="0" y="0"/>
-          <a:ext cx="0" cy="0"/>
-          <a:chOff x="0" y="0"/>
-          <a:chExt cx="0" cy="0"/>
-        </a:xfrm>
-      </p:grpSpPr>
-      <p:sp>
-        <p:nvSpPr>
-          <p:cNvPr id="180" name="CustomShape 1"/>
-          <p:cNvSpPr/>
-          <p:nvPr/>
-        </p:nvSpPr>
-        <p:spPr>
-          <a:xfrm>
-            <a:off x="470880" y="432360"/>
-            <a:ext cx="2404800" cy="2515680"/>
-          </a:xfrm>
-          <a:prstGeom prst="rect">
-            <a:avLst/>
-          </a:prstGeom>
-          <a:noFill/>
-          <a:ln>
-            <a:noFill/>
-          </a:ln>
-        </p:spPr>
-        <p:style>
-          <a:lnRef idx="0">
-            <a:scrgbClr r="0" g="0" b="0"/>
-          </a:lnRef>
-          <a:fillRef idx="0">
-            <a:scrgbClr r="0" g="0" b="0"/>
-          </a:fillRef>
-          <a:effectRef idx="0">
-            <a:scrgbClr r="0" g="0" b="0"/>
-          </a:effectRef>
-          <a:fontRef idx="minor"/>
-        </p:style>
-        <p:txBody>
-          <a:bodyPr lIns="0" tIns="0" rIns="0" bIns="0"/>
-          <a:lstStyle/>
-          <a:p>
             <a:pPr algn="r">
               <a:lnSpc>
                 <a:spcPct val="100000"/>
@@ -15791,427 +14411,141 @@
                 <a:latin typeface="나눔명조"/>
                 <a:ea typeface="나눔명조"/>
               </a:rPr>
-              <a:t>프로젝트</a:t>
+              <a:t>매장 내</a:t>
             </a:r>
-            <a:endParaRPr lang="en-US" sz="4000" b="0" strike="noStrike" spc="-1" dirty="0">
-              <a:latin typeface="Times New Roman"/>
-            </a:endParaRPr>
-          </a:p>
-        </p:txBody>
-      </p:sp>
-      <p:sp>
-        <p:nvSpPr>
-          <p:cNvPr id="181" name="CustomShape 2"/>
-          <p:cNvSpPr/>
-          <p:nvPr/>
-        </p:nvSpPr>
-        <p:spPr>
-          <a:xfrm>
-            <a:off x="4320000" y="432360"/>
-            <a:ext cx="5755680" cy="463680"/>
-          </a:xfrm>
-          <a:prstGeom prst="rect">
-            <a:avLst/>
-          </a:prstGeom>
-          <a:noFill/>
-          <a:ln>
-            <a:noFill/>
-          </a:ln>
-        </p:spPr>
-        <p:style>
-          <a:lnRef idx="0">
-            <a:scrgbClr r="0" g="0" b="0"/>
-          </a:lnRef>
-          <a:fillRef idx="0">
-            <a:scrgbClr r="0" g="0" b="0"/>
-          </a:fillRef>
-          <a:effectRef idx="0">
-            <a:scrgbClr r="0" g="0" b="0"/>
-          </a:effectRef>
-          <a:fontRef idx="minor"/>
-        </p:style>
-        <p:txBody>
-          <a:bodyPr lIns="0" tIns="0" rIns="0" bIns="0"/>
-          <a:lstStyle/>
-          <a:p>
-            <a:pPr>
-              <a:lnSpc>
-                <a:spcPts val="2401"/>
-              </a:lnSpc>
-            </a:pPr>
-            <a:endParaRPr lang="en-US" sz="1800" b="0" strike="noStrike" spc="-1" dirty="0">
-              <a:latin typeface="Times New Roman"/>
-            </a:endParaRPr>
-          </a:p>
-          <a:p>
-            <a:pPr>
-              <a:lnSpc>
-                <a:spcPts val="2401"/>
-              </a:lnSpc>
-            </a:pPr>
-            <a:endParaRPr lang="en-US" sz="1800" b="0" strike="noStrike" spc="-1" dirty="0">
-              <a:latin typeface="Times New Roman"/>
-            </a:endParaRPr>
-          </a:p>
-          <a:p>
-            <a:pPr>
-              <a:lnSpc>
-                <a:spcPts val="2401"/>
-              </a:lnSpc>
-            </a:pPr>
-            <a:endParaRPr lang="en-US" sz="1800" b="0" strike="noStrike" spc="-1" dirty="0">
-              <a:latin typeface="Times New Roman"/>
-            </a:endParaRPr>
-          </a:p>
-          <a:p>
-            <a:pPr>
-              <a:lnSpc>
-                <a:spcPts val="2401"/>
-              </a:lnSpc>
-            </a:pPr>
-            <a:r>
-              <a:rPr lang="en-US" sz="2100" b="0" strike="noStrike" spc="-1" dirty="0">
-                <a:solidFill>
-                  <a:srgbClr val="00AAAE"/>
-                </a:solidFill>
-                <a:latin typeface="나눔명조"/>
-                <a:ea typeface="나눔명조"/>
-              </a:rPr>
-              <a:t>1</a:t>
-            </a:r>
-            <a:endParaRPr lang="en-US" sz="2100" b="0" strike="noStrike" spc="-1" dirty="0">
-              <a:latin typeface="Times New Roman"/>
-            </a:endParaRPr>
-          </a:p>
-        </p:txBody>
-      </p:sp>
-      <p:sp>
-        <p:nvSpPr>
-          <p:cNvPr id="182" name="CustomShape 3"/>
-          <p:cNvSpPr/>
-          <p:nvPr/>
-        </p:nvSpPr>
-        <p:spPr>
-          <a:xfrm>
-            <a:off x="4320000" y="863280"/>
-            <a:ext cx="5830200" cy="6466320"/>
-          </a:xfrm>
-          <a:prstGeom prst="rect">
-            <a:avLst/>
-          </a:prstGeom>
-          <a:noFill/>
-          <a:ln>
-            <a:noFill/>
-          </a:ln>
-        </p:spPr>
-        <p:style>
-          <a:lnRef idx="0">
-            <a:scrgbClr r="0" g="0" b="0"/>
-          </a:lnRef>
-          <a:fillRef idx="0">
-            <a:scrgbClr r="0" g="0" b="0"/>
-          </a:fillRef>
-          <a:effectRef idx="0">
-            <a:scrgbClr r="0" g="0" b="0"/>
-          </a:effectRef>
-          <a:fontRef idx="minor"/>
-        </p:style>
-        <p:txBody>
-          <a:bodyPr lIns="0" tIns="0" rIns="0" bIns="0"/>
-          <a:lstStyle/>
-          <a:p>
-            <a:pPr algn="just">
-              <a:lnSpc>
-                <a:spcPct val="150000"/>
-              </a:lnSpc>
-            </a:pPr>
-            <a:endParaRPr lang="en-US" sz="1800" b="0" strike="noStrike" spc="-1" dirty="0">
-              <a:latin typeface="Times New Roman"/>
-            </a:endParaRPr>
-          </a:p>
-          <a:p>
-            <a:pPr algn="just">
-              <a:lnSpc>
-                <a:spcPct val="150000"/>
-              </a:lnSpc>
-            </a:pPr>
-            <a:endParaRPr lang="en-US" sz="1800" b="0" strike="noStrike" spc="-1" dirty="0">
-              <a:latin typeface="Times New Roman"/>
-            </a:endParaRPr>
-          </a:p>
-          <a:p>
-            <a:pPr algn="just">
-              <a:lnSpc>
-                <a:spcPct val="150000"/>
-              </a:lnSpc>
-            </a:pPr>
-            <a:endParaRPr lang="en-US" sz="1800" b="0" strike="noStrike" spc="-1" dirty="0">
-              <a:latin typeface="Times New Roman"/>
-            </a:endParaRPr>
-          </a:p>
-          <a:p>
-            <a:pPr algn="just">
-              <a:lnSpc>
-                <a:spcPct val="150000"/>
-              </a:lnSpc>
-            </a:pPr>
-            <a:endParaRPr lang="en-US" sz="1800" b="0" strike="noStrike" spc="-1" dirty="0">
-              <a:latin typeface="Times New Roman"/>
-            </a:endParaRPr>
-          </a:p>
-          <a:p>
-            <a:pPr marL="171360" indent="-167040" algn="just">
-              <a:lnSpc>
-                <a:spcPct val="150000"/>
-              </a:lnSpc>
-              <a:buClr>
-                <a:srgbClr val="745EA8"/>
-              </a:buClr>
-              <a:buFont typeface="Arial"/>
-              <a:buChar char="•"/>
-            </a:pPr>
-            <a:r>
-              <a:rPr lang="en-US" sz="1800" b="0" strike="noStrike" spc="-1" dirty="0">
-                <a:solidFill>
-                  <a:srgbClr val="745EA8"/>
-                </a:solidFill>
-                <a:latin typeface="나눔고딕"/>
-                <a:ea typeface="나눔고딕"/>
-              </a:rPr>
-              <a:t>2</a:t>
-            </a:r>
-            <a:endParaRPr lang="en-US" sz="1800" b="0" strike="noStrike" spc="-1" dirty="0">
-              <a:latin typeface="Times New Roman"/>
-            </a:endParaRPr>
-          </a:p>
-          <a:p>
-            <a:pPr marL="432000" lvl="1" indent="-212760" algn="just">
-              <a:lnSpc>
-                <a:spcPct val="150000"/>
-              </a:lnSpc>
-              <a:buClr>
-                <a:srgbClr val="000000"/>
-              </a:buClr>
-              <a:buSzPct val="45000"/>
-              <a:buFont typeface="Wingdings" charset="2"/>
-              <a:buChar char=""/>
-            </a:pPr>
-            <a:r>
-              <a:rPr lang="en-US" sz="1800" b="0" strike="noStrike" spc="-1" dirty="0">
-                <a:solidFill>
-                  <a:srgbClr val="000000"/>
-                </a:solidFill>
-                <a:latin typeface="맑은 고딕"/>
-                <a:ea typeface="나눔고딕"/>
-              </a:rPr>
-              <a:t>3.</a:t>
-            </a:r>
-            <a:endParaRPr lang="en-US" sz="1800" b="0" strike="noStrike" spc="-1" dirty="0">
-              <a:latin typeface="Times New Roman"/>
-            </a:endParaRPr>
-          </a:p>
-        </p:txBody>
-      </p:sp>
-      <p:sp>
-        <p:nvSpPr>
-          <p:cNvPr id="183" name="CustomShape 4"/>
-          <p:cNvSpPr/>
-          <p:nvPr/>
-        </p:nvSpPr>
-        <p:spPr>
-          <a:xfrm>
-            <a:off x="118080" y="3710520"/>
-            <a:ext cx="1615680" cy="2407680"/>
-          </a:xfrm>
-          <a:prstGeom prst="rect">
-            <a:avLst/>
-          </a:prstGeom>
-          <a:noFill/>
-          <a:ln>
-            <a:noFill/>
-          </a:ln>
-        </p:spPr>
-        <p:style>
-          <a:lnRef idx="0">
-            <a:scrgbClr r="0" g="0" b="0"/>
-          </a:lnRef>
-          <a:fillRef idx="0">
-            <a:scrgbClr r="0" g="0" b="0"/>
-          </a:fillRef>
-          <a:effectRef idx="0">
-            <a:scrgbClr r="0" g="0" b="0"/>
-          </a:effectRef>
-          <a:fontRef idx="minor"/>
-        </p:style>
-        <p:txBody>
-          <a:bodyPr lIns="0" tIns="0" rIns="0" bIns="0"/>
-          <a:lstStyle/>
-          <a:p>
-            <a:pPr>
-              <a:lnSpc>
-                <a:spcPts val="18499"/>
-              </a:lnSpc>
-            </a:pPr>
-            <a:r>
-              <a:rPr lang="en-US" sz="18500" b="0" strike="noStrike" spc="-117">
-                <a:solidFill>
-                  <a:srgbClr val="E1E2E3"/>
-                </a:solidFill>
-                <a:latin typeface="나눔명조"/>
-                <a:ea typeface="나눔명조"/>
-              </a:rPr>
-              <a:t>1</a:t>
-            </a:r>
-            <a:endParaRPr lang="en-US" sz="18500" b="0" strike="noStrike" spc="-1">
-              <a:latin typeface="Times New Roman"/>
-            </a:endParaRPr>
-          </a:p>
-        </p:txBody>
-      </p:sp>
-      <p:sp>
-        <p:nvSpPr>
-          <p:cNvPr id="184" name="CustomShape 5"/>
-          <p:cNvSpPr/>
-          <p:nvPr/>
-        </p:nvSpPr>
-        <p:spPr>
-          <a:xfrm rot="16200000">
-            <a:off x="9093240" y="4948560"/>
-            <a:ext cx="2623680" cy="715680"/>
-          </a:xfrm>
-          <a:prstGeom prst="rect">
-            <a:avLst/>
-          </a:prstGeom>
-          <a:noFill/>
-          <a:ln>
-            <a:noFill/>
-          </a:ln>
-        </p:spPr>
-        <p:style>
-          <a:lnRef idx="0">
-            <a:scrgbClr r="0" g="0" b="0"/>
-          </a:lnRef>
-          <a:fillRef idx="0">
-            <a:scrgbClr r="0" g="0" b="0"/>
-          </a:fillRef>
-          <a:effectRef idx="0">
-            <a:scrgbClr r="0" g="0" b="0"/>
-          </a:effectRef>
-          <a:fontRef idx="minor"/>
-        </p:style>
-        <p:txBody>
-          <a:bodyPr lIns="0" tIns="0" rIns="0" bIns="0"/>
-          <a:lstStyle/>
-          <a:p>
-            <a:pPr>
-              <a:lnSpc>
-                <a:spcPts val="3849"/>
-              </a:lnSpc>
-            </a:pPr>
-            <a:r>
-              <a:rPr lang="en-US" sz="3850" b="0" strike="noStrike" spc="-117">
-                <a:solidFill>
-                  <a:srgbClr val="D1D3D4"/>
-                </a:solidFill>
-                <a:latin typeface="나눔명조"/>
-                <a:ea typeface="나눔명조"/>
-              </a:rPr>
-              <a:t>confidential</a:t>
-            </a:r>
-            <a:endParaRPr lang="en-US" sz="3850" b="0" strike="noStrike" spc="-1">
-              <a:latin typeface="Times New Roman"/>
-            </a:endParaRPr>
-          </a:p>
-        </p:txBody>
-      </p:sp>
-      <p:sp>
-        <p:nvSpPr>
-          <p:cNvPr id="185" name="CustomShape 6"/>
-          <p:cNvSpPr/>
-          <p:nvPr/>
-        </p:nvSpPr>
-        <p:spPr>
-          <a:xfrm>
-            <a:off x="7665840" y="184320"/>
-            <a:ext cx="2738880" cy="360720"/>
-          </a:xfrm>
-          <a:prstGeom prst="rect">
-            <a:avLst/>
-          </a:prstGeom>
-          <a:noFill/>
-          <a:ln>
-            <a:noFill/>
-          </a:ln>
-        </p:spPr>
-        <p:style>
-          <a:lnRef idx="0">
-            <a:scrgbClr r="0" g="0" b="0"/>
-          </a:lnRef>
-          <a:fillRef idx="0">
-            <a:scrgbClr r="0" g="0" b="0"/>
-          </a:fillRef>
-          <a:effectRef idx="0">
-            <a:scrgbClr r="0" g="0" b="0"/>
-          </a:effectRef>
-          <a:fontRef idx="minor"/>
-        </p:style>
-        <p:txBody>
-          <a:bodyPr lIns="90000" tIns="45000" rIns="90000" bIns="45000" anchor="ctr"/>
-          <a:lstStyle/>
+            <a:endParaRPr lang="en-US" altLang="ko-KR" sz="4000" spc="-1" dirty="0">
+              <a:solidFill>
+                <a:srgbClr val="00AAAE"/>
+              </a:solidFill>
+              <a:latin typeface="나눔명조"/>
+              <a:ea typeface="나눔명조"/>
+            </a:endParaRPr>
+          </a:p>
           <a:p>
             <a:pPr algn="r">
               <a:lnSpc>
                 <a:spcPct val="100000"/>
               </a:lnSpc>
             </a:pPr>
-            <a:fld id="{B7B0DEE4-020F-4BDE-8D48-D9DC0918F8F2}" type="slidenum">
-              <a:rPr lang="en-US" sz="3600" b="0" strike="noStrike" spc="-1">
+            <a:r>
+              <a:rPr lang="ko-KR" altLang="en-US" sz="4000" b="0" strike="noStrike" spc="-1" dirty="0">
                 <a:solidFill>
-                  <a:srgbClr val="B2B2B2"/>
+                  <a:srgbClr val="00AAAE"/>
                 </a:solidFill>
-                <a:latin typeface="맑은 고딕"/>
-                <a:ea typeface="DejaVu Sans"/>
+                <a:latin typeface="나눔명조"/>
               </a:rPr>
-              <a:t>19</a:t>
-            </a:fld>
-            <a:endParaRPr lang="en-US" sz="3600" b="0" strike="noStrike" spc="-1">
+              <a:t>카테고리</a:t>
+            </a:r>
+            <a:endParaRPr lang="en-US" sz="4000" b="0" strike="noStrike" spc="-1" dirty="0">
               <a:latin typeface="Times New Roman"/>
             </a:endParaRPr>
           </a:p>
         </p:txBody>
       </p:sp>
+      <p:pic>
+        <p:nvPicPr>
+          <p:cNvPr id="5" name="Picture 4" descr="C:\Users\user\Pictures\capstone_mid\102804.png">
+            <a:extLst>
+              <a:ext uri="{FF2B5EF4-FFF2-40B4-BE49-F238E27FC236}">
+                <a16:creationId xmlns:a16="http://schemas.microsoft.com/office/drawing/2014/main" id="{9195BAC1-5135-4CE6-9802-2DEE720CD159}"/>
+              </a:ext>
+            </a:extLst>
+          </p:cNvPr>
+          <p:cNvPicPr>
+            <a:picLocks noChangeAspect="1" noChangeArrowheads="1"/>
+          </p:cNvPicPr>
+          <p:nvPr/>
+        </p:nvPicPr>
+        <p:blipFill>
+          <a:blip r:embed="rId2">
+            <a:extLst>
+              <a:ext uri="{28A0092B-C50C-407E-A947-70E740481C1C}">
+                <a14:useLocalDpi xmlns:a14="http://schemas.microsoft.com/office/drawing/2010/main" val="0"/>
+              </a:ext>
+            </a:extLst>
+          </a:blip>
+          <a:srcRect/>
+          <a:stretch>
+            <a:fillRect/>
+          </a:stretch>
+        </p:blipFill>
+        <p:spPr bwMode="auto">
+          <a:xfrm>
+            <a:off x="2158286" y="2244436"/>
+            <a:ext cx="2589493" cy="5185064"/>
+          </a:xfrm>
+          <a:prstGeom prst="rect">
+            <a:avLst/>
+          </a:prstGeom>
+          <a:noFill/>
+          <a:extLst>
+            <a:ext uri="{909E8E84-426E-40DD-AFC4-6F175D3DCCD1}">
+              <a14:hiddenFill xmlns:a14="http://schemas.microsoft.com/office/drawing/2010/main">
+                <a:solidFill>
+                  <a:srgbClr val="FFFFFF"/>
+                </a:solidFill>
+              </a14:hiddenFill>
+            </a:ext>
+          </a:extLst>
+        </p:spPr>
+      </p:pic>
+      <p:pic>
+        <p:nvPicPr>
+          <p:cNvPr id="6" name="Picture 5" descr="C:\Users\user\Pictures\capstone_mid\102805.png">
+            <a:extLst>
+              <a:ext uri="{FF2B5EF4-FFF2-40B4-BE49-F238E27FC236}">
+                <a16:creationId xmlns:a16="http://schemas.microsoft.com/office/drawing/2014/main" id="{82030784-90FB-44F0-8740-A26932F96147}"/>
+              </a:ext>
+            </a:extLst>
+          </p:cNvPr>
+          <p:cNvPicPr>
+            <a:picLocks noChangeAspect="1" noChangeArrowheads="1"/>
+          </p:cNvPicPr>
+          <p:nvPr/>
+        </p:nvPicPr>
+        <p:blipFill>
+          <a:blip r:embed="rId3">
+            <a:extLst>
+              <a:ext uri="{28A0092B-C50C-407E-A947-70E740481C1C}">
+                <a14:useLocalDpi xmlns:a14="http://schemas.microsoft.com/office/drawing/2010/main" val="0"/>
+              </a:ext>
+            </a:extLst>
+          </a:blip>
+          <a:srcRect/>
+          <a:stretch>
+            <a:fillRect/>
+          </a:stretch>
+        </p:blipFill>
+        <p:spPr bwMode="auto">
+          <a:xfrm>
+            <a:off x="6175901" y="2244436"/>
+            <a:ext cx="2632997" cy="5278354"/>
+          </a:xfrm>
+          <a:prstGeom prst="rect">
+            <a:avLst/>
+          </a:prstGeom>
+          <a:noFill/>
+          <a:extLst>
+            <a:ext uri="{909E8E84-426E-40DD-AFC4-6F175D3DCCD1}">
+              <a14:hiddenFill xmlns:a14="http://schemas.microsoft.com/office/drawing/2010/main">
+                <a:solidFill>
+                  <a:srgbClr val="FFFFFF"/>
+                </a:solidFill>
+              </a14:hiddenFill>
+            </a:ext>
+          </a:extLst>
+        </p:spPr>
+      </p:pic>
     </p:spTree>
+    <p:extLst>
+      <p:ext uri="{BB962C8B-B14F-4D97-AF65-F5344CB8AC3E}">
+        <p14:creationId xmlns:p14="http://schemas.microsoft.com/office/powerpoint/2010/main" val="373789580"/>
+      </p:ext>
+    </p:extLst>
   </p:cSld>
   <p:clrMapOvr>
     <a:masterClrMapping/>
   </p:clrMapOvr>
-  <p:timing>
-    <p:tnLst>
-      <p:par>
-        <p:cTn id="1" dur="indefinite" restart="never" nodeType="tmRoot">
-          <p:childTnLst>
-            <p:seq>
-              <p:cTn id="2" dur="indefinite" nodeType="mainSeq"/>
-              <p:prevCondLst>
-                <p:cond evt="onPrev" delay="0">
-                  <p:tgtEl>
-                    <p:sldTgt/>
-                  </p:tgtEl>
-                </p:cond>
-              </p:prevCondLst>
-              <p:nextCondLst>
-                <p:cond evt="onNext" delay="0">
-                  <p:tgtEl>
-                    <p:sldTgt/>
-                  </p:tgtEl>
-                </p:cond>
-              </p:nextCondLst>
-            </p:seq>
-          </p:childTnLst>
-        </p:cTn>
-      </p:par>
-    </p:tnLst>
-  </p:timing>
 </p:sld>
 </file>
 
@@ -16394,7 +14728,27 @@
                 <a:latin typeface="나눔명조"/>
                 <a:ea typeface="나눔명조"/>
               </a:rPr>
-              <a:t>개발일정</a:t>
+              <a:t>개발</a:t>
+            </a:r>
+            <a:r>
+              <a:rPr lang="en-US" sz="3600" b="0" strike="noStrike" spc="-1" dirty="0">
+                <a:solidFill>
+                  <a:srgbClr val="00AAAE"/>
+                </a:solidFill>
+                <a:latin typeface="나눔명조"/>
+                <a:ea typeface="나눔명조"/>
+              </a:rPr>
+              <a:t> </a:t>
+            </a:r>
+            <a:r>
+              <a:rPr lang="en-US" sz="3600" b="0" strike="noStrike" spc="-1" dirty="0" err="1">
+                <a:solidFill>
+                  <a:srgbClr val="00AAAE"/>
+                </a:solidFill>
+                <a:latin typeface="나눔명조"/>
+                <a:ea typeface="나눔명조"/>
+              </a:rPr>
+              <a:t>일정</a:t>
             </a:r>
             <a:endParaRPr lang="en-US" sz="3600" b="0" strike="noStrike" spc="-1" dirty="0">
               <a:latin typeface="Times New Roman"/>
@@ -16706,7 +15060,7 @@
 </file>
 
 <file path=ppt/slides/slide20.xml><?xml version="1.0" encoding="utf-8"?>
-<p:sld xmlns:a="http://schemas.openxmlformats.org/drawingml/2006/main" xmlns:r="http://schemas.openxmlformats.org/officeDocument/2006/relationships" xmlns:p="http://schemas.openxmlformats.org/presentationml/2006/main" show="0">
+<p:sld xmlns:a="http://schemas.openxmlformats.org/drawingml/2006/main" xmlns:r="http://schemas.openxmlformats.org/officeDocument/2006/relationships" xmlns:p="http://schemas.openxmlformats.org/presentationml/2006/main">
   <p:cSld>
     <p:spTree>
       <p:nvGrpSpPr>
@@ -16724,14 +15078,14 @@
       </p:grpSpPr>
       <p:sp>
         <p:nvSpPr>
-          <p:cNvPr id="258" name="CustomShape 1"/>
+          <p:cNvPr id="4" name="CustomShape 1"/>
           <p:cNvSpPr/>
           <p:nvPr/>
         </p:nvSpPr>
         <p:spPr>
           <a:xfrm>
-            <a:off x="470880" y="432360"/>
-            <a:ext cx="2404800" cy="2515680"/>
+            <a:off x="194982" y="731905"/>
+            <a:ext cx="2682223" cy="2515680"/>
           </a:xfrm>
           <a:prstGeom prst="rect">
             <a:avLst/>
@@ -16762,14 +15116,25 @@
                 <a:spcPct val="100000"/>
               </a:lnSpc>
             </a:pPr>
+            <a:endParaRPr lang="en-US" sz="1800" b="0" strike="noStrike" spc="-1" dirty="0">
+              <a:latin typeface="Times New Roman"/>
+            </a:endParaRPr>
+          </a:p>
+          <a:p>
+            <a:pPr algn="r">
+              <a:lnSpc>
+                <a:spcPct val="100000"/>
+              </a:lnSpc>
+            </a:pPr>
             <a:r>
-              <a:rPr lang="ko-KR" altLang="en-US" spc="-1" dirty="0">
+              <a:rPr lang="ko-KR" altLang="en-US" sz="4000" spc="-1" dirty="0">
                 <a:solidFill>
                   <a:srgbClr val="00AAAE"/>
                 </a:solidFill>
                 <a:latin typeface="나눔명조"/>
+                <a:ea typeface="나눔명조"/>
               </a:rPr>
-              <a:t>피드백</a:t>
+              <a:t>트러블슈팅</a:t>
             </a:r>
             <a:endParaRPr lang="en-US" sz="4000" b="0" strike="noStrike" spc="-1" dirty="0">
               <a:latin typeface="Times New Roman"/>
@@ -16779,14 +15144,411 @@
       </p:sp>
       <p:sp>
         <p:nvSpPr>
-          <p:cNvPr id="259" name="CustomShape 2"/>
+          <p:cNvPr id="6" name="TextBox 5">
+            <a:extLst>
+              <a:ext uri="{FF2B5EF4-FFF2-40B4-BE49-F238E27FC236}">
+                <a16:creationId xmlns:a16="http://schemas.microsoft.com/office/drawing/2014/main" id="{0332037E-B697-4D9C-82F4-B972354563F5}"/>
+              </a:ext>
+            </a:extLst>
+          </p:cNvPr>
+          <p:cNvSpPr txBox="1"/>
+          <p:nvPr/>
+        </p:nvSpPr>
+        <p:spPr>
+          <a:xfrm>
+            <a:off x="4117233" y="1620413"/>
+            <a:ext cx="8311979" cy="369332"/>
+          </a:xfrm>
+          <a:prstGeom prst="rect">
+            <a:avLst/>
+          </a:prstGeom>
+          <a:noFill/>
+        </p:spPr>
+        <p:txBody>
+          <a:bodyPr wrap="square" rtlCol="0">
+            <a:spAutoFit/>
+          </a:bodyPr>
+          <a:lstStyle/>
+          <a:p>
+            <a:r>
+              <a:rPr lang="ko-KR" altLang="en-US" dirty="0"/>
+              <a:t>안드로이드 </a:t>
+            </a:r>
+            <a:r>
+              <a:rPr lang="en-US" altLang="ko-KR" dirty="0"/>
+              <a:t>9.0 </a:t>
+            </a:r>
+            <a:r>
+              <a:rPr lang="ko-KR" altLang="en-US" dirty="0"/>
+              <a:t>파이 이후 </a:t>
+            </a:r>
+            <a:r>
+              <a:rPr lang="en-US" altLang="ko-KR" dirty="0"/>
+              <a:t>https </a:t>
+            </a:r>
+            <a:r>
+              <a:rPr lang="ko-KR" altLang="en-US" dirty="0"/>
+              <a:t>사용 강제 </a:t>
+            </a:r>
+            <a:r>
+              <a:rPr lang="en-US" altLang="ko-KR" dirty="0"/>
+              <a:t>(http </a:t>
+            </a:r>
+            <a:r>
+              <a:rPr lang="ko-KR" altLang="en-US" dirty="0"/>
+              <a:t>사용 불가</a:t>
+            </a:r>
+            <a:r>
+              <a:rPr lang="en-US" altLang="ko-KR" dirty="0"/>
+              <a:t>)</a:t>
+            </a:r>
+            <a:r>
+              <a:rPr lang="ko-KR" altLang="en-US" dirty="0"/>
+              <a:t> </a:t>
+            </a:r>
+          </a:p>
+        </p:txBody>
+      </p:sp>
+      <p:grpSp>
+        <p:nvGrpSpPr>
+          <p:cNvPr id="7" name="그룹 6">
+            <a:extLst>
+              <a:ext uri="{FF2B5EF4-FFF2-40B4-BE49-F238E27FC236}">
+                <a16:creationId xmlns:a16="http://schemas.microsoft.com/office/drawing/2014/main" id="{C789AEC5-1BA4-473E-BE96-2BDD034004C0}"/>
+              </a:ext>
+            </a:extLst>
+          </p:cNvPr>
+          <p:cNvGrpSpPr/>
+          <p:nvPr/>
+        </p:nvGrpSpPr>
+        <p:grpSpPr>
+          <a:xfrm>
+            <a:off x="0" y="2409333"/>
+            <a:ext cx="10693400" cy="838252"/>
+            <a:chOff x="0" y="1811704"/>
+            <a:chExt cx="12192000" cy="838252"/>
+          </a:xfrm>
+        </p:grpSpPr>
+        <p:pic>
+          <p:nvPicPr>
+            <p:cNvPr id="8" name="그림 7">
+              <a:extLst>
+                <a:ext uri="{FF2B5EF4-FFF2-40B4-BE49-F238E27FC236}">
+                  <a16:creationId xmlns:a16="http://schemas.microsoft.com/office/drawing/2014/main" id="{7A1F30C0-C685-40E6-84B3-C0BDCAD6C14B}"/>
+                </a:ext>
+              </a:extLst>
+            </p:cNvPr>
+            <p:cNvPicPr>
+              <a:picLocks noChangeAspect="1"/>
+            </p:cNvPicPr>
+            <p:nvPr/>
+          </p:nvPicPr>
+          <p:blipFill>
+            <a:blip r:embed="rId2"/>
+            <a:stretch>
+              <a:fillRect/>
+            </a:stretch>
+          </p:blipFill>
+          <p:spPr>
+            <a:xfrm>
+              <a:off x="0" y="1811704"/>
+              <a:ext cx="12192000" cy="821837"/>
+            </a:xfrm>
+            <a:prstGeom prst="rect">
+              <a:avLst/>
+            </a:prstGeom>
+          </p:spPr>
+        </p:pic>
+        <p:sp>
+          <p:nvSpPr>
+            <p:cNvPr id="9" name="직사각형 8">
+              <a:extLst>
+                <a:ext uri="{FF2B5EF4-FFF2-40B4-BE49-F238E27FC236}">
+                  <a16:creationId xmlns:a16="http://schemas.microsoft.com/office/drawing/2014/main" id="{3A7DEEE5-DB19-40DD-9FFC-C9932322079D}"/>
+                </a:ext>
+              </a:extLst>
+            </p:cNvPr>
+            <p:cNvSpPr/>
+            <p:nvPr/>
+          </p:nvSpPr>
+          <p:spPr>
+            <a:xfrm>
+              <a:off x="6525087" y="2604237"/>
+              <a:ext cx="5666913" cy="45719"/>
+            </a:xfrm>
+            <a:prstGeom prst="rect">
+              <a:avLst/>
+            </a:prstGeom>
+            <a:solidFill>
+              <a:srgbClr val="FF0000"/>
+            </a:solidFill>
+            <a:ln>
+              <a:solidFill>
+                <a:srgbClr val="FF0000"/>
+              </a:solidFill>
+            </a:ln>
+          </p:spPr>
+          <p:style>
+            <a:lnRef idx="2">
+              <a:schemeClr val="accent1">
+                <a:shade val="50000"/>
+              </a:schemeClr>
+            </a:lnRef>
+            <a:fillRef idx="1">
+              <a:schemeClr val="accent1"/>
+            </a:fillRef>
+            <a:effectRef idx="0">
+              <a:schemeClr val="accent1"/>
+            </a:effectRef>
+            <a:fontRef idx="minor">
+              <a:schemeClr val="lt1"/>
+            </a:fontRef>
+          </p:style>
+          <p:txBody>
+            <a:bodyPr rtlCol="0" anchor="ctr"/>
+            <a:lstStyle/>
+            <a:p>
+              <a:pPr algn="ctr"/>
+              <a:endParaRPr lang="ko-KR" altLang="en-US"/>
+            </a:p>
+          </p:txBody>
+        </p:sp>
+      </p:grpSp>
+      <p:pic>
+        <p:nvPicPr>
+          <p:cNvPr id="10" name="Picture 3">
+            <a:extLst>
+              <a:ext uri="{FF2B5EF4-FFF2-40B4-BE49-F238E27FC236}">
+                <a16:creationId xmlns:a16="http://schemas.microsoft.com/office/drawing/2014/main" id="{8160AD21-FF55-4F10-BC9A-87DCB7584F3B}"/>
+              </a:ext>
+            </a:extLst>
+          </p:cNvPr>
+          <p:cNvPicPr>
+            <a:picLocks noChangeAspect="1" noChangeArrowheads="1"/>
+          </p:cNvPicPr>
+          <p:nvPr/>
+        </p:nvPicPr>
+        <p:blipFill>
+          <a:blip r:embed="rId3">
+            <a:extLst>
+              <a:ext uri="{28A0092B-C50C-407E-A947-70E740481C1C}">
+                <a14:useLocalDpi xmlns:a14="http://schemas.microsoft.com/office/drawing/2010/main" val="0"/>
+              </a:ext>
+            </a:extLst>
+          </a:blip>
+          <a:srcRect/>
+          <a:stretch>
+            <a:fillRect/>
+          </a:stretch>
+        </p:blipFill>
+        <p:spPr bwMode="auto">
+          <a:xfrm>
+            <a:off x="7160003" y="1989745"/>
+            <a:ext cx="2981325" cy="200025"/>
+          </a:xfrm>
+          <a:prstGeom prst="rect">
+            <a:avLst/>
+          </a:prstGeom>
+          <a:noFill/>
+          <a:ln>
+            <a:noFill/>
+          </a:ln>
+          <a:extLst>
+            <a:ext uri="{909E8E84-426E-40DD-AFC4-6F175D3DCCD1}">
+              <a14:hiddenFill xmlns:a14="http://schemas.microsoft.com/office/drawing/2010/main">
+                <a:solidFill>
+                  <a:schemeClr val="accent1"/>
+                </a:solidFill>
+              </a14:hiddenFill>
+            </a:ext>
+            <a:ext uri="{91240B29-F687-4F45-9708-019B960494DF}">
+              <a14:hiddenLine xmlns:a14="http://schemas.microsoft.com/office/drawing/2010/main" w="9525">
+                <a:solidFill>
+                  <a:schemeClr val="tx1"/>
+                </a:solidFill>
+                <a:miter lim="800000"/>
+                <a:headEnd/>
+                <a:tailEnd/>
+              </a14:hiddenLine>
+            </a:ext>
+          </a:extLst>
+        </p:spPr>
+      </p:pic>
+      <p:sp>
+        <p:nvSpPr>
+          <p:cNvPr id="11" name="TextBox 10">
+            <a:extLst>
+              <a:ext uri="{FF2B5EF4-FFF2-40B4-BE49-F238E27FC236}">
+                <a16:creationId xmlns:a16="http://schemas.microsoft.com/office/drawing/2014/main" id="{A2BF1CC1-BDC4-4D43-BDF4-F2B48BADC875}"/>
+              </a:ext>
+            </a:extLst>
+          </p:cNvPr>
+          <p:cNvSpPr txBox="1"/>
+          <p:nvPr/>
+        </p:nvSpPr>
+        <p:spPr>
+          <a:xfrm>
+            <a:off x="2877205" y="3990512"/>
+            <a:ext cx="8666205" cy="646331"/>
+          </a:xfrm>
+          <a:prstGeom prst="rect">
+            <a:avLst/>
+          </a:prstGeom>
+          <a:noFill/>
+        </p:spPr>
+        <p:txBody>
+          <a:bodyPr wrap="square" rtlCol="0">
+            <a:spAutoFit/>
+          </a:bodyPr>
+          <a:lstStyle/>
+          <a:p>
+            <a:r>
+              <a:rPr lang="ko-KR" altLang="en-US" dirty="0"/>
+              <a:t>해결 방법 </a:t>
+            </a:r>
+            <a:r>
+              <a:rPr lang="en-US" altLang="ko-KR" dirty="0"/>
+              <a:t>- Android </a:t>
+            </a:r>
+            <a:r>
+              <a:rPr lang="en-US" altLang="ko-KR" dirty="0" err="1"/>
+              <a:t>Manfest</a:t>
+            </a:r>
+            <a:r>
+              <a:rPr lang="ko-KR" altLang="en-US" dirty="0"/>
+              <a:t>에서 </a:t>
+            </a:r>
+            <a:r>
+              <a:rPr lang="en-US" altLang="ko-KR" b="1" dirty="0" err="1"/>
+              <a:t>usesCleartextTraffic</a:t>
+            </a:r>
+            <a:r>
+              <a:rPr lang="ko-KR" altLang="en-US" dirty="0"/>
+              <a:t>를</a:t>
+            </a:r>
+            <a:r>
+              <a:rPr lang="ko-KR" altLang="en-US" b="1" dirty="0"/>
+              <a:t> </a:t>
+            </a:r>
+            <a:r>
+              <a:rPr lang="en-US" altLang="ko-KR" b="1" dirty="0"/>
+              <a:t>true</a:t>
+            </a:r>
+            <a:r>
+              <a:rPr lang="ko-KR" altLang="en-US" dirty="0"/>
+              <a:t>로 설정</a:t>
+            </a:r>
+            <a:br>
+              <a:rPr lang="ko-KR" altLang="en-US" dirty="0"/>
+            </a:br>
+            <a:r>
+              <a:rPr lang="en-US" altLang="ko-KR" dirty="0"/>
+              <a:t> </a:t>
+            </a:r>
+            <a:endParaRPr lang="ko-KR" altLang="en-US" dirty="0"/>
+          </a:p>
+        </p:txBody>
+      </p:sp>
+      <p:pic>
+        <p:nvPicPr>
+          <p:cNvPr id="12" name="Picture 2">
+            <a:extLst>
+              <a:ext uri="{FF2B5EF4-FFF2-40B4-BE49-F238E27FC236}">
+                <a16:creationId xmlns:a16="http://schemas.microsoft.com/office/drawing/2014/main" id="{B9845BA0-C6DA-44BB-984B-9A1A5A348315}"/>
+              </a:ext>
+            </a:extLst>
+          </p:cNvPr>
+          <p:cNvPicPr>
+            <a:picLocks noChangeAspect="1" noChangeArrowheads="1"/>
+          </p:cNvPicPr>
+          <p:nvPr/>
+        </p:nvPicPr>
+        <p:blipFill>
+          <a:blip r:embed="rId4">
+            <a:extLst>
+              <a:ext uri="{28A0092B-C50C-407E-A947-70E740481C1C}">
+                <a14:useLocalDpi xmlns:a14="http://schemas.microsoft.com/office/drawing/2010/main" val="0"/>
+              </a:ext>
+            </a:extLst>
+          </a:blip>
+          <a:srcRect/>
+          <a:stretch>
+            <a:fillRect/>
+          </a:stretch>
+        </p:blipFill>
+        <p:spPr bwMode="auto">
+          <a:xfrm>
+            <a:off x="6579879" y="4598583"/>
+            <a:ext cx="2505075" cy="200025"/>
+          </a:xfrm>
+          <a:prstGeom prst="rect">
+            <a:avLst/>
+          </a:prstGeom>
+          <a:noFill/>
+          <a:ln>
+            <a:noFill/>
+          </a:ln>
+          <a:extLst>
+            <a:ext uri="{909E8E84-426E-40DD-AFC4-6F175D3DCCD1}">
+              <a14:hiddenFill xmlns:a14="http://schemas.microsoft.com/office/drawing/2010/main">
+                <a:solidFill>
+                  <a:schemeClr val="accent1"/>
+                </a:solidFill>
+              </a14:hiddenFill>
+            </a:ext>
+            <a:ext uri="{91240B29-F687-4F45-9708-019B960494DF}">
+              <a14:hiddenLine xmlns:a14="http://schemas.microsoft.com/office/drawing/2010/main" w="9525">
+                <a:solidFill>
+                  <a:schemeClr val="tx1"/>
+                </a:solidFill>
+                <a:miter lim="800000"/>
+                <a:headEnd/>
+                <a:tailEnd/>
+              </a14:hiddenLine>
+            </a:ext>
+          </a:extLst>
+        </p:spPr>
+      </p:pic>
+    </p:spTree>
+    <p:extLst>
+      <p:ext uri="{BB962C8B-B14F-4D97-AF65-F5344CB8AC3E}">
+        <p14:creationId xmlns:p14="http://schemas.microsoft.com/office/powerpoint/2010/main" val="3259202569"/>
+      </p:ext>
+    </p:extLst>
+  </p:cSld>
+  <p:clrMapOvr>
+    <a:masterClrMapping/>
+  </p:clrMapOvr>
+</p:sld>
+</file>
+
+<file path=ppt/slides/slide21.xml><?xml version="1.0" encoding="utf-8"?>
+<p:sld xmlns:a="http://schemas.openxmlformats.org/drawingml/2006/main" xmlns:r="http://schemas.openxmlformats.org/officeDocument/2006/relationships" xmlns:p="http://schemas.openxmlformats.org/presentationml/2006/main">
+  <p:cSld>
+    <p:spTree>
+      <p:nvGrpSpPr>
+        <p:cNvPr id="1" name=""/>
+        <p:cNvGrpSpPr/>
+        <p:nvPr/>
+      </p:nvGrpSpPr>
+      <p:grpSpPr>
+        <a:xfrm>
+          <a:off x="0" y="0"/>
+          <a:ext cx="0" cy="0"/>
+          <a:chOff x="0" y="0"/>
+          <a:chExt cx="0" cy="0"/>
+        </a:xfrm>
+      </p:grpSpPr>
+      <p:sp>
+        <p:nvSpPr>
+          <p:cNvPr id="303" name="CustomShape 1"/>
           <p:cNvSpPr/>
           <p:nvPr/>
         </p:nvSpPr>
         <p:spPr>
           <a:xfrm>
-            <a:off x="118080" y="3710520"/>
-            <a:ext cx="1615680" cy="2407680"/>
+            <a:off x="123840" y="3714480"/>
+            <a:ext cx="4482000" cy="2407680"/>
           </a:xfrm>
           <a:prstGeom prst="rect">
             <a:avLst/>
@@ -16825,7 +15587,7 @@
                 <a:latin typeface="나눔명조"/>
                 <a:ea typeface="나눔명조"/>
               </a:rPr>
-              <a:t>2</a:t>
+              <a:t>4</a:t>
             </a:r>
             <a:endParaRPr lang="en-US" sz="18500" b="0" strike="noStrike" spc="-1">
               <a:latin typeface="Times New Roman"/>
@@ -16835,13 +15597,13 @@
       </p:sp>
       <p:sp>
         <p:nvSpPr>
-          <p:cNvPr id="260" name="CustomShape 3"/>
+          <p:cNvPr id="304" name="CustomShape 2"/>
           <p:cNvSpPr/>
           <p:nvPr/>
         </p:nvSpPr>
         <p:spPr>
           <a:xfrm rot="16200000">
-            <a:off x="9093240" y="4948560"/>
+            <a:off x="9093600" y="4947120"/>
             <a:ext cx="2623680" cy="715680"/>
           </a:xfrm>
           <a:prstGeom prst="rect">
@@ -16891,14 +15653,14 @@
       </p:sp>
       <p:sp>
         <p:nvSpPr>
-          <p:cNvPr id="261" name="CustomShape 4"/>
+          <p:cNvPr id="305" name="CustomShape 3"/>
           <p:cNvSpPr/>
           <p:nvPr/>
         </p:nvSpPr>
         <p:spPr>
           <a:xfrm>
-            <a:off x="4320000" y="864000"/>
-            <a:ext cx="5935680" cy="2263680"/>
+            <a:off x="699120" y="432360"/>
+            <a:ext cx="2176560" cy="2515680"/>
           </a:xfrm>
           <a:prstGeom prst="rect">
             <a:avLst/>
@@ -16920,10 +15682,44 @@
           </a:effectRef>
           <a:fontRef idx="minor"/>
         </p:style>
-      </p:sp>
-      <p:sp>
-        <p:nvSpPr>
-          <p:cNvPr id="262" name="CustomShape 5"/>
+        <p:txBody>
+          <a:bodyPr lIns="0" tIns="0" rIns="0" bIns="0"/>
+          <a:lstStyle/>
+          <a:p>
+            <a:pPr algn="r">
+              <a:lnSpc>
+                <a:spcPts val="4601"/>
+              </a:lnSpc>
+            </a:pPr>
+            <a:endParaRPr lang="en-US" sz="1800" b="0" strike="noStrike" spc="-1" dirty="0">
+              <a:latin typeface="Times New Roman"/>
+            </a:endParaRPr>
+          </a:p>
+          <a:p>
+            <a:pPr algn="r">
+              <a:lnSpc>
+                <a:spcPts val="4601"/>
+              </a:lnSpc>
+            </a:pPr>
+            <a:r>
+              <a:rPr lang="en-US" sz="4000" b="0" strike="noStrike" spc="-1" dirty="0">
+                <a:solidFill>
+                  <a:srgbClr val="00AAAE"/>
+                </a:solidFill>
+                <a:latin typeface="나눔명조"/>
+                <a:ea typeface="나눔명조"/>
+              </a:rPr>
+              <a:t>DEMO</a:t>
+            </a:r>
+            <a:endParaRPr lang="en-US" sz="4000" b="0" strike="noStrike" spc="-1" dirty="0">
+              <a:latin typeface="Times New Roman"/>
+            </a:endParaRPr>
+          </a:p>
+        </p:txBody>
+      </p:sp>
+      <p:sp>
+        <p:nvSpPr>
+          <p:cNvPr id="306" name="CustomShape 4"/>
           <p:cNvSpPr/>
           <p:nvPr/>
         </p:nvSpPr>
@@ -16961,7 +15757,7 @@
                 <a:spcPct val="100000"/>
               </a:lnSpc>
             </a:pPr>
-            <a:fld id="{4BE3E488-F79C-47A6-9A13-15ED77F759EE}" type="slidenum">
+            <a:fld id="{B4C5496A-E8CF-44D6-83D5-350FF8F3AFFE}" type="slidenum">
               <a:rPr lang="en-US" sz="3600" b="0" strike="noStrike" spc="-1">
                 <a:solidFill>
                   <a:srgbClr val="B2B2B2"/>
@@ -16969,7 +15765,227 @@
                 <a:latin typeface="맑은 고딕"/>
                 <a:ea typeface="DejaVu Sans"/>
               </a:rPr>
-              <a:t>20</a:t>
+              <a:t>21</a:t>
+            </a:fld>
+            <a:endParaRPr lang="en-US" sz="3600" b="0" strike="noStrike" spc="-1">
+              <a:latin typeface="Times New Roman"/>
+            </a:endParaRPr>
+          </a:p>
+        </p:txBody>
+      </p:sp>
+    </p:spTree>
+  </p:cSld>
+  <p:clrMapOvr>
+    <a:masterClrMapping/>
+  </p:clrMapOvr>
+  <p:timing>
+    <p:tnLst>
+      <p:par>
+        <p:cTn id="1" dur="indefinite" restart="never" nodeType="tmRoot">
+          <p:childTnLst>
+            <p:seq>
+              <p:cTn id="2" dur="indefinite" nodeType="mainSeq"/>
+              <p:prevCondLst>
+                <p:cond evt="onPrev" delay="0">
+                  <p:tgtEl>
+                    <p:sldTgt/>
+                  </p:tgtEl>
+                </p:cond>
+              </p:prevCondLst>
+              <p:nextCondLst>
+                <p:cond evt="onNext" delay="0">
+                  <p:tgtEl>
+                    <p:sldTgt/>
+                  </p:tgtEl>
+                </p:cond>
+              </p:nextCondLst>
+            </p:seq>
+          </p:childTnLst>
+        </p:cTn>
+      </p:par>
+    </p:tnLst>
+  </p:timing>
+</p:sld>
+</file>
+
+<file path=ppt/slides/slide22.xml><?xml version="1.0" encoding="utf-8"?>
+<p:sld xmlns:a="http://schemas.openxmlformats.org/drawingml/2006/main" xmlns:r="http://schemas.openxmlformats.org/officeDocument/2006/relationships" xmlns:p="http://schemas.openxmlformats.org/presentationml/2006/main">
+  <p:cSld>
+    <p:spTree>
+      <p:nvGrpSpPr>
+        <p:cNvPr id="1" name=""/>
+        <p:cNvGrpSpPr/>
+        <p:nvPr/>
+      </p:nvGrpSpPr>
+      <p:grpSpPr>
+        <a:xfrm>
+          <a:off x="0" y="0"/>
+          <a:ext cx="0" cy="0"/>
+          <a:chOff x="0" y="0"/>
+          <a:chExt cx="0" cy="0"/>
+        </a:xfrm>
+      </p:grpSpPr>
+      <p:sp>
+        <p:nvSpPr>
+          <p:cNvPr id="307" name="CustomShape 1"/>
+          <p:cNvSpPr/>
+          <p:nvPr/>
+        </p:nvSpPr>
+        <p:spPr>
+          <a:xfrm>
+            <a:off x="3222360" y="3625560"/>
+            <a:ext cx="4244400" cy="305640"/>
+          </a:xfrm>
+          <a:prstGeom prst="rect">
+            <a:avLst/>
+          </a:prstGeom>
+          <a:noFill/>
+          <a:ln>
+            <a:noFill/>
+          </a:ln>
+        </p:spPr>
+        <p:style>
+          <a:lnRef idx="0">
+            <a:scrgbClr r="0" g="0" b="0"/>
+          </a:lnRef>
+          <a:fillRef idx="0">
+            <a:scrgbClr r="0" g="0" b="0"/>
+          </a:fillRef>
+          <a:effectRef idx="0">
+            <a:scrgbClr r="0" g="0" b="0"/>
+          </a:effectRef>
+          <a:fontRef idx="minor"/>
+        </p:style>
+        <p:txBody>
+          <a:bodyPr lIns="0" tIns="0" rIns="0" bIns="0"/>
+          <a:lstStyle/>
+          <a:p>
+            <a:pPr algn="ctr">
+              <a:lnSpc>
+                <a:spcPts val="2401"/>
+              </a:lnSpc>
+            </a:pPr>
+            <a:r>
+              <a:rPr lang="en-US" sz="2100" b="0" strike="noStrike" spc="-1" dirty="0">
+                <a:solidFill>
+                  <a:srgbClr val="00AAAE"/>
+                </a:solidFill>
+                <a:latin typeface="나눔명조"/>
+                <a:ea typeface="나눔명조"/>
+              </a:rPr>
+              <a:t>Q &amp; A</a:t>
+            </a:r>
+            <a:endParaRPr lang="en-US" sz="2100" b="0" strike="noStrike" spc="-1" dirty="0">
+              <a:latin typeface="Times New Roman"/>
+            </a:endParaRPr>
+          </a:p>
+        </p:txBody>
+      </p:sp>
+      <p:sp>
+        <p:nvSpPr>
+          <p:cNvPr id="308" name="CustomShape 2"/>
+          <p:cNvSpPr/>
+          <p:nvPr/>
+        </p:nvSpPr>
+        <p:spPr>
+          <a:xfrm rot="16200000">
+            <a:off x="9093600" y="4947120"/>
+            <a:ext cx="2623680" cy="715680"/>
+          </a:xfrm>
+          <a:prstGeom prst="rect">
+            <a:avLst/>
+          </a:prstGeom>
+          <a:noFill/>
+          <a:ln>
+            <a:noFill/>
+          </a:ln>
+        </p:spPr>
+        <p:style>
+          <a:lnRef idx="0">
+            <a:scrgbClr r="0" g="0" b="0"/>
+          </a:lnRef>
+          <a:fillRef idx="0">
+            <a:scrgbClr r="0" g="0" b="0"/>
+          </a:fillRef>
+          <a:effectRef idx="0">
+            <a:scrgbClr r="0" g="0" b="0"/>
+          </a:effectRef>
+          <a:fontRef idx="minor"/>
+        </p:style>
+        <p:txBody>
+          <a:bodyPr lIns="0" tIns="0" rIns="0" bIns="0"/>
+          <a:lstStyle/>
+          <a:p>
+            <a:pPr>
+              <a:lnSpc>
+                <a:spcPts val="3849"/>
+              </a:lnSpc>
+            </a:pPr>
+            <a:r>
+              <a:rPr lang="en-US" sz="3850" b="0" strike="noStrike" spc="-117">
+                <a:solidFill>
+                  <a:srgbClr val="D1D3D4"/>
+                </a:solidFill>
+                <a:latin typeface="나눔명조"/>
+                <a:ea typeface="나눔명조"/>
+              </a:rPr>
+              <a:t>confidential</a:t>
+            </a:r>
+            <a:endParaRPr lang="en-US" sz="3850" b="0" strike="noStrike" spc="-1">
+              <a:latin typeface="Times New Roman"/>
+            </a:endParaRPr>
+          </a:p>
+        </p:txBody>
+      </p:sp>
+      <p:sp>
+        <p:nvSpPr>
+          <p:cNvPr id="309" name="CustomShape 3"/>
+          <p:cNvSpPr/>
+          <p:nvPr/>
+        </p:nvSpPr>
+        <p:spPr>
+          <a:xfrm>
+            <a:off x="7665840" y="184320"/>
+            <a:ext cx="2738880" cy="360720"/>
+          </a:xfrm>
+          <a:prstGeom prst="rect">
+            <a:avLst/>
+          </a:prstGeom>
+          <a:noFill/>
+          <a:ln>
+            <a:noFill/>
+          </a:ln>
+        </p:spPr>
+        <p:style>
+          <a:lnRef idx="0">
+            <a:scrgbClr r="0" g="0" b="0"/>
+          </a:lnRef>
+          <a:fillRef idx="0">
+            <a:scrgbClr r="0" g="0" b="0"/>
+          </a:fillRef>
+          <a:effectRef idx="0">
+            <a:scrgbClr r="0" g="0" b="0"/>
+          </a:effectRef>
+          <a:fontRef idx="minor"/>
+        </p:style>
+        <p:txBody>
+          <a:bodyPr lIns="90000" tIns="45000" rIns="90000" bIns="45000" anchor="ctr"/>
+          <a:lstStyle/>
+          <a:p>
+            <a:pPr algn="r">
+              <a:lnSpc>
+                <a:spcPct val="100000"/>
+              </a:lnSpc>
+            </a:pPr>
+            <a:fld id="{BEDC0114-8F35-4223-89BF-C151FC7B352D}" type="slidenum">
+              <a:rPr lang="en-US" sz="3600" b="0" strike="noStrike" spc="-1">
+                <a:solidFill>
+                  <a:srgbClr val="B2B2B2"/>
+                </a:solidFill>
+                <a:latin typeface="맑은 고딕"/>
+                <a:ea typeface="DejaVu Sans"/>
+              </a:rPr>
+              <a:t>22</a:t>
             </a:fld>
             <a:endParaRPr lang="en-US" sz="3600" b="0" strike="noStrike" spc="-1">
               <a:latin typeface="Times New Roman"/>
@@ -21126,14 +20142,14 @@
       </p:grpSpPr>
       <p:sp>
         <p:nvSpPr>
-          <p:cNvPr id="4" name="CustomShape 1"/>
+          <p:cNvPr id="259" name="CustomShape 2"/>
           <p:cNvSpPr/>
           <p:nvPr/>
         </p:nvSpPr>
         <p:spPr>
           <a:xfrm>
-            <a:off x="124039" y="952622"/>
-            <a:ext cx="2745286" cy="2515680"/>
+            <a:off x="118080" y="3710520"/>
+            <a:ext cx="1615680" cy="2407680"/>
           </a:xfrm>
           <a:prstGeom prst="rect">
             <a:avLst/>
@@ -21159,6 +20175,206 @@
           <a:bodyPr lIns="0" tIns="0" rIns="0" bIns="0"/>
           <a:lstStyle/>
           <a:p>
+            <a:pPr>
+              <a:lnSpc>
+                <a:spcPts val="18499"/>
+              </a:lnSpc>
+            </a:pPr>
+            <a:r>
+              <a:rPr lang="en-US" sz="18500" b="0" strike="noStrike" spc="-117">
+                <a:solidFill>
+                  <a:srgbClr val="E1E2E3"/>
+                </a:solidFill>
+                <a:latin typeface="나눔명조"/>
+                <a:ea typeface="나눔명조"/>
+              </a:rPr>
+              <a:t>2</a:t>
+            </a:r>
+            <a:endParaRPr lang="en-US" sz="18500" b="0" strike="noStrike" spc="-1">
+              <a:latin typeface="Times New Roman"/>
+            </a:endParaRPr>
+          </a:p>
+        </p:txBody>
+      </p:sp>
+      <p:sp>
+        <p:nvSpPr>
+          <p:cNvPr id="260" name="CustomShape 3"/>
+          <p:cNvSpPr/>
+          <p:nvPr/>
+        </p:nvSpPr>
+        <p:spPr>
+          <a:xfrm rot="16200000">
+            <a:off x="9093240" y="4948560"/>
+            <a:ext cx="2623680" cy="715680"/>
+          </a:xfrm>
+          <a:prstGeom prst="rect">
+            <a:avLst/>
+          </a:prstGeom>
+          <a:noFill/>
+          <a:ln>
+            <a:noFill/>
+          </a:ln>
+        </p:spPr>
+        <p:style>
+          <a:lnRef idx="0">
+            <a:scrgbClr r="0" g="0" b="0"/>
+          </a:lnRef>
+          <a:fillRef idx="0">
+            <a:scrgbClr r="0" g="0" b="0"/>
+          </a:fillRef>
+          <a:effectRef idx="0">
+            <a:scrgbClr r="0" g="0" b="0"/>
+          </a:effectRef>
+          <a:fontRef idx="minor"/>
+        </p:style>
+        <p:txBody>
+          <a:bodyPr lIns="0" tIns="0" rIns="0" bIns="0"/>
+          <a:lstStyle/>
+          <a:p>
+            <a:pPr>
+              <a:lnSpc>
+                <a:spcPts val="3849"/>
+              </a:lnSpc>
+            </a:pPr>
+            <a:r>
+              <a:rPr lang="en-US" sz="3850" b="0" strike="noStrike" spc="-117">
+                <a:solidFill>
+                  <a:srgbClr val="D1D3D4"/>
+                </a:solidFill>
+                <a:latin typeface="나눔명조"/>
+                <a:ea typeface="나눔명조"/>
+              </a:rPr>
+              <a:t>confidential</a:t>
+            </a:r>
+            <a:endParaRPr lang="en-US" sz="3850" b="0" strike="noStrike" spc="-1">
+              <a:latin typeface="Times New Roman"/>
+            </a:endParaRPr>
+          </a:p>
+        </p:txBody>
+      </p:sp>
+      <p:sp>
+        <p:nvSpPr>
+          <p:cNvPr id="261" name="CustomShape 4"/>
+          <p:cNvSpPr/>
+          <p:nvPr/>
+        </p:nvSpPr>
+        <p:spPr>
+          <a:xfrm>
+            <a:off x="4320000" y="864000"/>
+            <a:ext cx="5935680" cy="2263680"/>
+          </a:xfrm>
+          <a:prstGeom prst="rect">
+            <a:avLst/>
+          </a:prstGeom>
+          <a:noFill/>
+          <a:ln>
+            <a:noFill/>
+          </a:ln>
+        </p:spPr>
+        <p:style>
+          <a:lnRef idx="0">
+            <a:scrgbClr r="0" g="0" b="0"/>
+          </a:lnRef>
+          <a:fillRef idx="0">
+            <a:scrgbClr r="0" g="0" b="0"/>
+          </a:fillRef>
+          <a:effectRef idx="0">
+            <a:scrgbClr r="0" g="0" b="0"/>
+          </a:effectRef>
+          <a:fontRef idx="minor"/>
+        </p:style>
+      </p:sp>
+      <p:sp>
+        <p:nvSpPr>
+          <p:cNvPr id="262" name="CustomShape 5"/>
+          <p:cNvSpPr/>
+          <p:nvPr/>
+        </p:nvSpPr>
+        <p:spPr>
+          <a:xfrm>
+            <a:off x="7665840" y="184320"/>
+            <a:ext cx="2738880" cy="360720"/>
+          </a:xfrm>
+          <a:prstGeom prst="rect">
+            <a:avLst/>
+          </a:prstGeom>
+          <a:noFill/>
+          <a:ln>
+            <a:noFill/>
+          </a:ln>
+        </p:spPr>
+        <p:style>
+          <a:lnRef idx="0">
+            <a:scrgbClr r="0" g="0" b="0"/>
+          </a:lnRef>
+          <a:fillRef idx="0">
+            <a:scrgbClr r="0" g="0" b="0"/>
+          </a:fillRef>
+          <a:effectRef idx="0">
+            <a:scrgbClr r="0" g="0" b="0"/>
+          </a:effectRef>
+          <a:fontRef idx="minor"/>
+        </p:style>
+        <p:txBody>
+          <a:bodyPr lIns="90000" tIns="45000" rIns="90000" bIns="45000" anchor="ctr"/>
+          <a:lstStyle/>
+          <a:p>
+            <a:pPr algn="r">
+              <a:lnSpc>
+                <a:spcPct val="100000"/>
+              </a:lnSpc>
+            </a:pPr>
+            <a:fld id="{4BE3E488-F79C-47A6-9A13-15ED77F759EE}" type="slidenum">
+              <a:rPr lang="en-US" sz="3600" b="0" strike="noStrike" spc="-1">
+                <a:solidFill>
+                  <a:srgbClr val="B2B2B2"/>
+                </a:solidFill>
+                <a:latin typeface="맑은 고딕"/>
+                <a:ea typeface="DejaVu Sans"/>
+              </a:rPr>
+              <a:t>7</a:t>
+            </a:fld>
+            <a:endParaRPr lang="en-US" sz="3600" b="0" strike="noStrike" spc="-1">
+              <a:latin typeface="Times New Roman"/>
+            </a:endParaRPr>
+          </a:p>
+        </p:txBody>
+      </p:sp>
+      <p:sp>
+        <p:nvSpPr>
+          <p:cNvPr id="7" name="CustomShape 1"/>
+          <p:cNvSpPr/>
+          <p:nvPr/>
+        </p:nvSpPr>
+        <p:spPr>
+          <a:xfrm>
+            <a:off x="470880" y="432360"/>
+            <a:ext cx="2404800" cy="2515680"/>
+          </a:xfrm>
+          <a:prstGeom prst="rect">
+            <a:avLst/>
+          </a:prstGeom>
+          <a:noFill/>
+          <a:ln>
+            <a:noFill/>
+          </a:ln>
+        </p:spPr>
+        <p:style>
+          <a:lnRef idx="0">
+            <a:scrgbClr r="0" g="0" b="0"/>
+          </a:lnRef>
+          <a:fillRef idx="0">
+            <a:scrgbClr r="0" g="0" b="0"/>
+          </a:fillRef>
+          <a:effectRef idx="0">
+            <a:scrgbClr r="0" g="0" b="0"/>
+          </a:effectRef>
+          <a:fontRef idx="minor"/>
+        </p:style>
+        <p:txBody>
+          <a:bodyPr lIns="0" tIns="0" rIns="0" bIns="0"/>
+          <a:lstStyle/>
+          <a:p>
             <a:pPr algn="r">
               <a:lnSpc>
                 <a:spcPct val="100000"/>
@@ -21169,9 +20385,9 @@
             </a:endParaRPr>
           </a:p>
           <a:p>
-            <a:pPr>
+            <a:pPr algn="r">
               <a:lnSpc>
-                <a:spcPts val="2401"/>
+                <a:spcPct val="100000"/>
               </a:lnSpc>
             </a:pPr>
             <a:r>
@@ -21180,55 +20396,284 @@
                   <a:srgbClr val="00AAAE"/>
                 </a:solidFill>
                 <a:latin typeface="나눔명조"/>
+                <a:ea typeface="나눔명조"/>
               </a:rPr>
-              <a:t>테이블 구조</a:t>
+              <a:t>피드백</a:t>
             </a:r>
-            <a:endParaRPr lang="en-US" altLang="ko-KR" sz="4000" spc="-1" dirty="0">
+            <a:endParaRPr lang="en-US" sz="4000" b="0" strike="noStrike" spc="-1" dirty="0">
               <a:latin typeface="Times New Roman"/>
             </a:endParaRPr>
           </a:p>
         </p:txBody>
       </p:sp>
-      <p:pic>
-        <p:nvPicPr>
-          <p:cNvPr id="5" name="그림 4"/>
-          <p:cNvPicPr>
-            <a:picLocks noChangeAspect="1"/>
-          </p:cNvPicPr>
+      <p:sp>
+        <p:nvSpPr>
+          <p:cNvPr id="8" name="CustomShape 3"/>
+          <p:cNvSpPr/>
           <p:nvPr/>
-        </p:nvPicPr>
-        <p:blipFill>
-          <a:blip r:embed="rId2">
-            <a:extLst>
-              <a:ext uri="{28A0092B-C50C-407E-A947-70E740481C1C}">
-                <a14:useLocalDpi xmlns:a14="http://schemas.microsoft.com/office/drawing/2010/main" val="0"/>
-              </a:ext>
-            </a:extLst>
-          </a:blip>
-          <a:stretch>
-            <a:fillRect/>
-          </a:stretch>
-        </p:blipFill>
+        </p:nvSpPr>
         <p:spPr>
           <a:xfrm>
-            <a:off x="4187446" y="336107"/>
-            <a:ext cx="5729784" cy="6873215"/>
+            <a:off x="4320000" y="863280"/>
+            <a:ext cx="5830200" cy="6466320"/>
           </a:xfrm>
           <a:prstGeom prst="rect">
             <a:avLst/>
           </a:prstGeom>
-        </p:spPr>
-      </p:pic>
+          <a:noFill/>
+          <a:ln>
+            <a:noFill/>
+          </a:ln>
+        </p:spPr>
+        <p:style>
+          <a:lnRef idx="0">
+            <a:scrgbClr r="0" g="0" b="0"/>
+          </a:lnRef>
+          <a:fillRef idx="0">
+            <a:scrgbClr r="0" g="0" b="0"/>
+          </a:fillRef>
+          <a:effectRef idx="0">
+            <a:scrgbClr r="0" g="0" b="0"/>
+          </a:effectRef>
+          <a:fontRef idx="minor"/>
+        </p:style>
+        <p:txBody>
+          <a:bodyPr lIns="0" tIns="0" rIns="0" bIns="0"/>
+          <a:lstStyle/>
+          <a:p>
+            <a:pPr marL="342900" indent="-342900">
+              <a:lnSpc>
+                <a:spcPct val="150000"/>
+              </a:lnSpc>
+              <a:buAutoNum type="arabicPeriod"/>
+            </a:pPr>
+            <a:r>
+              <a:rPr lang="ko-KR" altLang="en-US" b="1" spc="-1" dirty="0" err="1">
+                <a:solidFill>
+                  <a:srgbClr val="745EA8"/>
+                </a:solidFill>
+                <a:latin typeface="나눔고딕" panose="020D0604000000000000" pitchFamily="50" charset="-127"/>
+                <a:ea typeface="나눔고딕" panose="020D0604000000000000" pitchFamily="50" charset="-127"/>
+              </a:rPr>
+              <a:t>주타겟층</a:t>
+            </a:r>
+            <a:r>
+              <a:rPr lang="en-US" altLang="ko-KR" b="1" spc="-1" dirty="0">
+                <a:solidFill>
+                  <a:srgbClr val="745EA8"/>
+                </a:solidFill>
+                <a:latin typeface="나눔고딕" panose="020D0604000000000000" pitchFamily="50" charset="-127"/>
+                <a:ea typeface="나눔고딕" panose="020D0604000000000000" pitchFamily="50" charset="-127"/>
+              </a:rPr>
+              <a:t>?</a:t>
+            </a:r>
+          </a:p>
+          <a:p>
+            <a:pPr marL="742950" lvl="1" indent="-285750">
+              <a:lnSpc>
+                <a:spcPct val="150000"/>
+              </a:lnSpc>
+              <a:buFontTx/>
+              <a:buChar char="-"/>
+            </a:pPr>
+            <a:r>
+              <a:rPr lang="ko-KR" altLang="en-US" spc="-1" dirty="0">
+                <a:latin typeface="나눔고딕" panose="020D0604000000000000" pitchFamily="50" charset="-127"/>
+                <a:ea typeface="나눔고딕" panose="020D0604000000000000" pitchFamily="50" charset="-127"/>
+              </a:rPr>
+              <a:t>규모가 큰 가게 위주로</a:t>
+            </a:r>
+            <a:endParaRPr lang="en-US" altLang="ko-KR" spc="-1" dirty="0">
+              <a:latin typeface="나눔고딕" panose="020D0604000000000000" pitchFamily="50" charset="-127"/>
+              <a:ea typeface="나눔고딕" panose="020D0604000000000000" pitchFamily="50" charset="-127"/>
+            </a:endParaRPr>
+          </a:p>
+          <a:p>
+            <a:pPr marL="742950" lvl="1" indent="-285750">
+              <a:lnSpc>
+                <a:spcPct val="150000"/>
+              </a:lnSpc>
+              <a:buFontTx/>
+              <a:buChar char="-"/>
+            </a:pPr>
+            <a:endParaRPr lang="en-US" altLang="ko-KR" spc="-1" dirty="0">
+              <a:latin typeface="나눔고딕" panose="020D0604000000000000" pitchFamily="50" charset="-127"/>
+              <a:ea typeface="나눔고딕" panose="020D0604000000000000" pitchFamily="50" charset="-127"/>
+            </a:endParaRPr>
+          </a:p>
+          <a:p>
+            <a:pPr marL="342900" indent="-342900">
+              <a:lnSpc>
+                <a:spcPct val="150000"/>
+              </a:lnSpc>
+              <a:buAutoNum type="arabicPeriod"/>
+            </a:pPr>
+            <a:r>
+              <a:rPr lang="ko-KR" altLang="en-US" b="1" spc="-1" dirty="0">
+                <a:solidFill>
+                  <a:srgbClr val="745EA8"/>
+                </a:solidFill>
+                <a:latin typeface="나눔고딕" panose="020D0604000000000000" pitchFamily="50" charset="-127"/>
+                <a:ea typeface="나눔고딕" panose="020D0604000000000000" pitchFamily="50" charset="-127"/>
+              </a:rPr>
+              <a:t>대시보드 설계</a:t>
+            </a:r>
+            <a:endParaRPr lang="en-US" altLang="ko-KR" b="1" spc="-1" dirty="0">
+              <a:solidFill>
+                <a:srgbClr val="745EA8"/>
+              </a:solidFill>
+              <a:latin typeface="나눔고딕" panose="020D0604000000000000" pitchFamily="50" charset="-127"/>
+              <a:ea typeface="나눔고딕" panose="020D0604000000000000" pitchFamily="50" charset="-127"/>
+            </a:endParaRPr>
+          </a:p>
+          <a:p>
+            <a:pPr marL="742950" lvl="1" indent="-285750">
+              <a:lnSpc>
+                <a:spcPct val="150000"/>
+              </a:lnSpc>
+              <a:buFontTx/>
+              <a:buChar char="-"/>
+            </a:pPr>
+            <a:r>
+              <a:rPr lang="ko-KR" altLang="en-US" spc="-1" dirty="0">
+                <a:latin typeface="나눔고딕" panose="020D0604000000000000" pitchFamily="50" charset="-127"/>
+                <a:ea typeface="나눔고딕" panose="020D0604000000000000" pitchFamily="50" charset="-127"/>
+              </a:rPr>
+              <a:t>모든 기능을 보여주기보단 사용 빈도가 높은 </a:t>
+            </a:r>
+            <a:br>
+              <a:rPr lang="en-US" altLang="ko-KR" spc="-1" dirty="0">
+                <a:latin typeface="나눔고딕" panose="020D0604000000000000" pitchFamily="50" charset="-127"/>
+                <a:ea typeface="나눔고딕" panose="020D0604000000000000" pitchFamily="50" charset="-127"/>
+              </a:rPr>
+            </a:br>
+            <a:r>
+              <a:rPr lang="ko-KR" altLang="en-US" spc="-1" dirty="0">
+                <a:latin typeface="나눔고딕" panose="020D0604000000000000" pitchFamily="50" charset="-127"/>
+                <a:ea typeface="나눔고딕" panose="020D0604000000000000" pitchFamily="50" charset="-127"/>
+              </a:rPr>
+              <a:t>기능 </a:t>
+            </a:r>
+            <a:r>
+              <a:rPr lang="en-US" altLang="ko-KR" spc="-1" dirty="0">
+                <a:latin typeface="나눔고딕" panose="020D0604000000000000" pitchFamily="50" charset="-127"/>
+                <a:ea typeface="나눔고딕" panose="020D0604000000000000" pitchFamily="50" charset="-127"/>
+              </a:rPr>
+              <a:t>2-3</a:t>
+            </a:r>
+            <a:r>
+              <a:rPr lang="ko-KR" altLang="en-US" spc="-1" dirty="0">
+                <a:latin typeface="나눔고딕" panose="020D0604000000000000" pitchFamily="50" charset="-127"/>
+                <a:ea typeface="나눔고딕" panose="020D0604000000000000" pitchFamily="50" charset="-127"/>
+              </a:rPr>
+              <a:t>가지 위주로</a:t>
+            </a:r>
+            <a:endParaRPr lang="en-US" altLang="ko-KR" spc="-1" dirty="0">
+              <a:latin typeface="나눔고딕" panose="020D0604000000000000" pitchFamily="50" charset="-127"/>
+              <a:ea typeface="나눔고딕" panose="020D0604000000000000" pitchFamily="50" charset="-127"/>
+            </a:endParaRPr>
+          </a:p>
+          <a:p>
+            <a:pPr marL="742950" lvl="1" indent="-285750">
+              <a:lnSpc>
+                <a:spcPct val="150000"/>
+              </a:lnSpc>
+              <a:buFontTx/>
+              <a:buChar char="-"/>
+            </a:pPr>
+            <a:r>
+              <a:rPr lang="ko-KR" altLang="en-US" spc="-1" dirty="0">
+                <a:latin typeface="나눔고딕" panose="020D0604000000000000" pitchFamily="50" charset="-127"/>
+                <a:ea typeface="나눔고딕" panose="020D0604000000000000" pitchFamily="50" charset="-127"/>
+              </a:rPr>
+              <a:t>쿼리 최적화의 중요성</a:t>
+            </a:r>
+            <a:endParaRPr lang="en-US" altLang="ko-KR" spc="-1" dirty="0">
+              <a:latin typeface="나눔고딕" panose="020D0604000000000000" pitchFamily="50" charset="-127"/>
+              <a:ea typeface="나눔고딕" panose="020D0604000000000000" pitchFamily="50" charset="-127"/>
+            </a:endParaRPr>
+          </a:p>
+          <a:p>
+            <a:pPr lvl="1">
+              <a:lnSpc>
+                <a:spcPct val="150000"/>
+              </a:lnSpc>
+            </a:pPr>
+            <a:r>
+              <a:rPr lang="en-US" altLang="ko-KR" spc="-1" dirty="0">
+                <a:latin typeface="나눔고딕" panose="020D0604000000000000" pitchFamily="50" charset="-127"/>
+                <a:ea typeface="나눔고딕" panose="020D0604000000000000" pitchFamily="50" charset="-127"/>
+              </a:rPr>
+              <a:t>	Ex. Select </a:t>
+            </a:r>
+            <a:r>
+              <a:rPr lang="ko-KR" altLang="en-US" spc="-1" dirty="0">
+                <a:latin typeface="나눔고딕" panose="020D0604000000000000" pitchFamily="50" charset="-127"/>
+                <a:ea typeface="나눔고딕" panose="020D0604000000000000" pitchFamily="50" charset="-127"/>
+              </a:rPr>
+              <a:t>문을 짤 때</a:t>
+            </a:r>
+            <a:r>
+              <a:rPr lang="en-US" altLang="ko-KR" spc="-1" dirty="0">
+                <a:latin typeface="나눔고딕" panose="020D0604000000000000" pitchFamily="50" charset="-127"/>
+                <a:ea typeface="나눔고딕" panose="020D0604000000000000" pitchFamily="50" charset="-127"/>
+              </a:rPr>
+              <a:t>, </a:t>
+            </a:r>
+            <a:r>
+              <a:rPr lang="ko-KR" altLang="en-US" spc="-1" dirty="0">
+                <a:latin typeface="나눔고딕" panose="020D0604000000000000" pitchFamily="50" charset="-127"/>
+                <a:ea typeface="나눔고딕" panose="020D0604000000000000" pitchFamily="50" charset="-127"/>
+              </a:rPr>
+              <a:t>필요한 컬럼만 불러온다</a:t>
+            </a:r>
+            <a:r>
+              <a:rPr lang="en-US" altLang="ko-KR" spc="-1" dirty="0">
+                <a:latin typeface="나눔고딕" panose="020D0604000000000000" pitchFamily="50" charset="-127"/>
+                <a:ea typeface="나눔고딕" panose="020D0604000000000000" pitchFamily="50" charset="-127"/>
+              </a:rPr>
+              <a:t>.</a:t>
+            </a:r>
+          </a:p>
+        </p:txBody>
+      </p:sp>
     </p:spTree>
     <p:extLst>
       <p:ext uri="{BB962C8B-B14F-4D97-AF65-F5344CB8AC3E}">
-        <p14:creationId xmlns:p14="http://schemas.microsoft.com/office/powerpoint/2010/main" val="2361830224"/>
+        <p14:creationId xmlns:p14="http://schemas.microsoft.com/office/powerpoint/2010/main" val="2655871837"/>
       </p:ext>
     </p:extLst>
   </p:cSld>
   <p:clrMapOvr>
     <a:masterClrMapping/>
   </p:clrMapOvr>
+  <p:timing>
+    <p:tnLst>
+      <p:par>
+        <p:cTn id="1" dur="indefinite" restart="never" nodeType="tmRoot">
+          <p:childTnLst>
+            <p:seq>
+              <p:cTn id="2" dur="indefinite" nodeType="mainSeq"/>
+              <p:prevCondLst>
+                <p:cond evt="onPrev" delay="0">
+                  <p:tgtEl>
+                    <p:sldTgt/>
+                  </p:tgtEl>
+                </p:cond>
+              </p:prevCondLst>
+              <p:nextCondLst>
+                <p:cond evt="onNext" delay="0">
+                  <p:tgtEl>
+                    <p:sldTgt/>
+                  </p:tgtEl>
+                </p:cond>
+              </p:nextCondLst>
+            </p:seq>
+          </p:childTnLst>
+        </p:cTn>
+      </p:par>
+    </p:tnLst>
+  </p:timing>
 </p:sld>
 </file>
 
@@ -21251,14 +20696,14 @@
       </p:grpSpPr>
       <p:sp>
         <p:nvSpPr>
-          <p:cNvPr id="4" name="CustomShape 1"/>
+          <p:cNvPr id="259" name="CustomShape 2"/>
           <p:cNvSpPr/>
           <p:nvPr/>
         </p:nvSpPr>
         <p:spPr>
           <a:xfrm>
-            <a:off x="470880" y="432360"/>
-            <a:ext cx="2404800" cy="2515680"/>
+            <a:off x="118080" y="3710520"/>
+            <a:ext cx="1615680" cy="2407680"/>
           </a:xfrm>
           <a:prstGeom prst="rect">
             <a:avLst/>
@@ -21284,6 +20729,206 @@
           <a:bodyPr lIns="0" tIns="0" rIns="0" bIns="0"/>
           <a:lstStyle/>
           <a:p>
+            <a:pPr>
+              <a:lnSpc>
+                <a:spcPts val="18499"/>
+              </a:lnSpc>
+            </a:pPr>
+            <a:r>
+              <a:rPr lang="en-US" sz="18500" b="0" strike="noStrike" spc="-117">
+                <a:solidFill>
+                  <a:srgbClr val="E1E2E3"/>
+                </a:solidFill>
+                <a:latin typeface="나눔명조"/>
+                <a:ea typeface="나눔명조"/>
+              </a:rPr>
+              <a:t>2</a:t>
+            </a:r>
+            <a:endParaRPr lang="en-US" sz="18500" b="0" strike="noStrike" spc="-1">
+              <a:latin typeface="Times New Roman"/>
+            </a:endParaRPr>
+          </a:p>
+        </p:txBody>
+      </p:sp>
+      <p:sp>
+        <p:nvSpPr>
+          <p:cNvPr id="260" name="CustomShape 3"/>
+          <p:cNvSpPr/>
+          <p:nvPr/>
+        </p:nvSpPr>
+        <p:spPr>
+          <a:xfrm rot="16200000">
+            <a:off x="9093240" y="4948560"/>
+            <a:ext cx="2623680" cy="715680"/>
+          </a:xfrm>
+          <a:prstGeom prst="rect">
+            <a:avLst/>
+          </a:prstGeom>
+          <a:noFill/>
+          <a:ln>
+            <a:noFill/>
+          </a:ln>
+        </p:spPr>
+        <p:style>
+          <a:lnRef idx="0">
+            <a:scrgbClr r="0" g="0" b="0"/>
+          </a:lnRef>
+          <a:fillRef idx="0">
+            <a:scrgbClr r="0" g="0" b="0"/>
+          </a:fillRef>
+          <a:effectRef idx="0">
+            <a:scrgbClr r="0" g="0" b="0"/>
+          </a:effectRef>
+          <a:fontRef idx="minor"/>
+        </p:style>
+        <p:txBody>
+          <a:bodyPr lIns="0" tIns="0" rIns="0" bIns="0"/>
+          <a:lstStyle/>
+          <a:p>
+            <a:pPr>
+              <a:lnSpc>
+                <a:spcPts val="3849"/>
+              </a:lnSpc>
+            </a:pPr>
+            <a:r>
+              <a:rPr lang="en-US" sz="3850" b="0" strike="noStrike" spc="-117">
+                <a:solidFill>
+                  <a:srgbClr val="D1D3D4"/>
+                </a:solidFill>
+                <a:latin typeface="나눔명조"/>
+                <a:ea typeface="나눔명조"/>
+              </a:rPr>
+              <a:t>confidential</a:t>
+            </a:r>
+            <a:endParaRPr lang="en-US" sz="3850" b="0" strike="noStrike" spc="-1">
+              <a:latin typeface="Times New Roman"/>
+            </a:endParaRPr>
+          </a:p>
+        </p:txBody>
+      </p:sp>
+      <p:sp>
+        <p:nvSpPr>
+          <p:cNvPr id="261" name="CustomShape 4"/>
+          <p:cNvSpPr/>
+          <p:nvPr/>
+        </p:nvSpPr>
+        <p:spPr>
+          <a:xfrm>
+            <a:off x="4320000" y="864000"/>
+            <a:ext cx="5935680" cy="2263680"/>
+          </a:xfrm>
+          <a:prstGeom prst="rect">
+            <a:avLst/>
+          </a:prstGeom>
+          <a:noFill/>
+          <a:ln>
+            <a:noFill/>
+          </a:ln>
+        </p:spPr>
+        <p:style>
+          <a:lnRef idx="0">
+            <a:scrgbClr r="0" g="0" b="0"/>
+          </a:lnRef>
+          <a:fillRef idx="0">
+            <a:scrgbClr r="0" g="0" b="0"/>
+          </a:fillRef>
+          <a:effectRef idx="0">
+            <a:scrgbClr r="0" g="0" b="0"/>
+          </a:effectRef>
+          <a:fontRef idx="minor"/>
+        </p:style>
+      </p:sp>
+      <p:sp>
+        <p:nvSpPr>
+          <p:cNvPr id="262" name="CustomShape 5"/>
+          <p:cNvSpPr/>
+          <p:nvPr/>
+        </p:nvSpPr>
+        <p:spPr>
+          <a:xfrm>
+            <a:off x="7665840" y="184320"/>
+            <a:ext cx="2738880" cy="360720"/>
+          </a:xfrm>
+          <a:prstGeom prst="rect">
+            <a:avLst/>
+          </a:prstGeom>
+          <a:noFill/>
+          <a:ln>
+            <a:noFill/>
+          </a:ln>
+        </p:spPr>
+        <p:style>
+          <a:lnRef idx="0">
+            <a:scrgbClr r="0" g="0" b="0"/>
+          </a:lnRef>
+          <a:fillRef idx="0">
+            <a:scrgbClr r="0" g="0" b="0"/>
+          </a:fillRef>
+          <a:effectRef idx="0">
+            <a:scrgbClr r="0" g="0" b="0"/>
+          </a:effectRef>
+          <a:fontRef idx="minor"/>
+        </p:style>
+        <p:txBody>
+          <a:bodyPr lIns="90000" tIns="45000" rIns="90000" bIns="45000" anchor="ctr"/>
+          <a:lstStyle/>
+          <a:p>
+            <a:pPr algn="r">
+              <a:lnSpc>
+                <a:spcPct val="100000"/>
+              </a:lnSpc>
+            </a:pPr>
+            <a:fld id="{4BE3E488-F79C-47A6-9A13-15ED77F759EE}" type="slidenum">
+              <a:rPr lang="en-US" sz="3600" b="0" strike="noStrike" spc="-1">
+                <a:solidFill>
+                  <a:srgbClr val="B2B2B2"/>
+                </a:solidFill>
+                <a:latin typeface="맑은 고딕"/>
+                <a:ea typeface="DejaVu Sans"/>
+              </a:rPr>
+              <a:t>8</a:t>
+            </a:fld>
+            <a:endParaRPr lang="en-US" sz="3600" b="0" strike="noStrike" spc="-1">
+              <a:latin typeface="Times New Roman"/>
+            </a:endParaRPr>
+          </a:p>
+        </p:txBody>
+      </p:sp>
+      <p:sp>
+        <p:nvSpPr>
+          <p:cNvPr id="7" name="CustomShape 1"/>
+          <p:cNvSpPr/>
+          <p:nvPr/>
+        </p:nvSpPr>
+        <p:spPr>
+          <a:xfrm>
+            <a:off x="470880" y="432360"/>
+            <a:ext cx="2404800" cy="2515680"/>
+          </a:xfrm>
+          <a:prstGeom prst="rect">
+            <a:avLst/>
+          </a:prstGeom>
+          <a:noFill/>
+          <a:ln>
+            <a:noFill/>
+          </a:ln>
+        </p:spPr>
+        <p:style>
+          <a:lnRef idx="0">
+            <a:scrgbClr r="0" g="0" b="0"/>
+          </a:lnRef>
+          <a:fillRef idx="0">
+            <a:scrgbClr r="0" g="0" b="0"/>
+          </a:fillRef>
+          <a:effectRef idx="0">
+            <a:scrgbClr r="0" g="0" b="0"/>
+          </a:effectRef>
+          <a:fontRef idx="minor"/>
+        </p:style>
+        <p:txBody>
+          <a:bodyPr lIns="0" tIns="0" rIns="0" bIns="0"/>
+          <a:lstStyle/>
+          <a:p>
             <a:pPr algn="r">
               <a:lnSpc>
                 <a:spcPct val="100000"/>
@@ -21307,7 +20952,7 @@
                 <a:latin typeface="나눔명조"/>
                 <a:ea typeface="나눔명조"/>
               </a:rPr>
-              <a:t>매장 구조 입력</a:t>
+              <a:t>피드백</a:t>
             </a:r>
             <a:endParaRPr lang="en-US" sz="4000" b="0" strike="noStrike" spc="-1" dirty="0">
               <a:latin typeface="Times New Roman"/>
@@ -21315,46 +20960,319 @@
           </a:p>
         </p:txBody>
       </p:sp>
-      <p:pic>
-        <p:nvPicPr>
-          <p:cNvPr id="2" name="그림 1">
-            <a:extLst>
-              <a:ext uri="{FF2B5EF4-FFF2-40B4-BE49-F238E27FC236}">
-                <a16:creationId xmlns:a16="http://schemas.microsoft.com/office/drawing/2014/main" id="{5DAF4728-3EC0-4D3C-8786-40E149F3B1C2}"/>
-              </a:ext>
-            </a:extLst>
-          </p:cNvPr>
-          <p:cNvPicPr>
-            <a:picLocks noChangeAspect="1"/>
-          </p:cNvPicPr>
+      <p:graphicFrame>
+        <p:nvGraphicFramePr>
+          <p:cNvPr id="2" name="다이어그램 1"/>
+          <p:cNvGraphicFramePr/>
+          <p:nvPr>
+            <p:extLst>
+              <p:ext uri="{D42A27DB-BD31-4B8C-83A1-F6EECF244321}">
+                <p14:modId xmlns:p14="http://schemas.microsoft.com/office/powerpoint/2010/main" val="3575947768"/>
+              </p:ext>
+            </p:extLst>
+          </p:nvPr>
+        </p:nvGraphicFramePr>
+        <p:xfrm>
+          <a:off x="4035126" y="3921711"/>
+          <a:ext cx="6115074" cy="3726129"/>
+        </p:xfrm>
+        <a:graphic>
+          <a:graphicData uri="http://schemas.openxmlformats.org/drawingml/2006/diagram">
+            <dgm:relIds xmlns:dgm="http://schemas.openxmlformats.org/drawingml/2006/diagram" xmlns:r="http://schemas.openxmlformats.org/officeDocument/2006/relationships" r:dm="rId2" r:lo="rId3" r:qs="rId4" r:cs="rId5"/>
+          </a:graphicData>
+        </a:graphic>
+      </p:graphicFrame>
+      <p:sp>
+        <p:nvSpPr>
+          <p:cNvPr id="8" name="CustomShape 3"/>
+          <p:cNvSpPr/>
           <p:nvPr/>
-        </p:nvPicPr>
-        <p:blipFill>
-          <a:blip r:embed="rId2"/>
-          <a:stretch>
-            <a:fillRect/>
-          </a:stretch>
-        </p:blipFill>
+        </p:nvSpPr>
         <p:spPr>
           <a:xfrm>
-            <a:off x="2813241" y="1891862"/>
-            <a:ext cx="7409571" cy="4635062"/>
+            <a:off x="4320000" y="863280"/>
+            <a:ext cx="5830200" cy="6466320"/>
           </a:xfrm>
           <a:prstGeom prst="rect">
             <a:avLst/>
           </a:prstGeom>
-        </p:spPr>
-      </p:pic>
+          <a:noFill/>
+          <a:ln>
+            <a:noFill/>
+          </a:ln>
+        </p:spPr>
+        <p:style>
+          <a:lnRef idx="0">
+            <a:scrgbClr r="0" g="0" b="0"/>
+          </a:lnRef>
+          <a:fillRef idx="0">
+            <a:scrgbClr r="0" g="0" b="0"/>
+          </a:fillRef>
+          <a:effectRef idx="0">
+            <a:scrgbClr r="0" g="0" b="0"/>
+          </a:effectRef>
+          <a:fontRef idx="minor"/>
+        </p:style>
+        <p:txBody>
+          <a:bodyPr lIns="0" tIns="0" rIns="0" bIns="0"/>
+          <a:lstStyle/>
+          <a:p>
+            <a:pPr marL="342900" indent="-342900">
+              <a:lnSpc>
+                <a:spcPct val="150000"/>
+              </a:lnSpc>
+              <a:buAutoNum type="arabicPeriod"/>
+            </a:pPr>
+            <a:r>
+              <a:rPr lang="en-US" altLang="ko-KR" b="1" spc="-1" dirty="0">
+                <a:solidFill>
+                  <a:srgbClr val="745EA8"/>
+                </a:solidFill>
+                <a:latin typeface="나눔고딕" panose="020D0604000000000000" pitchFamily="50" charset="-127"/>
+                <a:ea typeface="나눔고딕" panose="020D0604000000000000" pitchFamily="50" charset="-127"/>
+              </a:rPr>
+              <a:t>QR </a:t>
+            </a:r>
+            <a:r>
+              <a:rPr lang="ko-KR" altLang="en-US" b="1" spc="-1" dirty="0">
+                <a:solidFill>
+                  <a:srgbClr val="745EA8"/>
+                </a:solidFill>
+                <a:latin typeface="나눔고딕" panose="020D0604000000000000" pitchFamily="50" charset="-127"/>
+                <a:ea typeface="나눔고딕" panose="020D0604000000000000" pitchFamily="50" charset="-127"/>
+              </a:rPr>
+              <a:t>코드</a:t>
+            </a:r>
+            <a:endParaRPr lang="en-US" altLang="ko-KR" b="1" spc="-1" dirty="0">
+              <a:solidFill>
+                <a:srgbClr val="745EA8"/>
+              </a:solidFill>
+              <a:latin typeface="나눔고딕" panose="020D0604000000000000" pitchFamily="50" charset="-127"/>
+              <a:ea typeface="나눔고딕" panose="020D0604000000000000" pitchFamily="50" charset="-127"/>
+            </a:endParaRPr>
+          </a:p>
+          <a:p>
+            <a:pPr marL="742950" lvl="1" indent="-285750">
+              <a:lnSpc>
+                <a:spcPct val="150000"/>
+              </a:lnSpc>
+              <a:buFontTx/>
+              <a:buChar char="-"/>
+            </a:pPr>
+            <a:r>
+              <a:rPr lang="ko-KR" altLang="en-US" spc="-1" dirty="0">
+                <a:latin typeface="나눔고딕" panose="020D0604000000000000" pitchFamily="50" charset="-127"/>
+                <a:ea typeface="나눔고딕" panose="020D0604000000000000" pitchFamily="50" charset="-127"/>
+              </a:rPr>
+              <a:t>일정의 여유가 있을 경우</a:t>
+            </a:r>
+            <a:r>
+              <a:rPr lang="en-US" altLang="ko-KR" spc="-1" dirty="0">
+                <a:latin typeface="나눔고딕" panose="020D0604000000000000" pitchFamily="50" charset="-127"/>
+                <a:ea typeface="나눔고딕" panose="020D0604000000000000" pitchFamily="50" charset="-127"/>
+              </a:rPr>
+              <a:t> </a:t>
+            </a:r>
+            <a:r>
+              <a:rPr lang="ko-KR" altLang="en-US" spc="-1" dirty="0">
+                <a:latin typeface="나눔고딕" panose="020D0604000000000000" pitchFamily="50" charset="-127"/>
+                <a:ea typeface="나눔고딕" panose="020D0604000000000000" pitchFamily="50" charset="-127"/>
+              </a:rPr>
+              <a:t>개발할 예정</a:t>
+            </a:r>
+            <a:endParaRPr lang="en-US" altLang="ko-KR" spc="-1" dirty="0">
+              <a:latin typeface="나눔고딕" panose="020D0604000000000000" pitchFamily="50" charset="-127"/>
+              <a:ea typeface="나눔고딕" panose="020D0604000000000000" pitchFamily="50" charset="-127"/>
+            </a:endParaRPr>
+          </a:p>
+          <a:p>
+            <a:pPr marL="742950" lvl="1" indent="-285750">
+              <a:lnSpc>
+                <a:spcPct val="150000"/>
+              </a:lnSpc>
+              <a:buFontTx/>
+              <a:buChar char="-"/>
+            </a:pPr>
+            <a:endParaRPr lang="en-US" altLang="ko-KR" spc="-1" dirty="0">
+              <a:latin typeface="나눔고딕" panose="020D0604000000000000" pitchFamily="50" charset="-127"/>
+              <a:ea typeface="나눔고딕" panose="020D0604000000000000" pitchFamily="50" charset="-127"/>
+            </a:endParaRPr>
+          </a:p>
+          <a:p>
+            <a:pPr marL="342900" indent="-342900">
+              <a:lnSpc>
+                <a:spcPct val="150000"/>
+              </a:lnSpc>
+              <a:buAutoNum type="arabicPeriod"/>
+            </a:pPr>
+            <a:r>
+              <a:rPr lang="ko-KR" altLang="en-US" b="1" spc="-1" dirty="0">
+                <a:solidFill>
+                  <a:srgbClr val="745EA8"/>
+                </a:solidFill>
+                <a:latin typeface="나눔고딕" panose="020D0604000000000000" pitchFamily="50" charset="-127"/>
+                <a:ea typeface="나눔고딕" panose="020D0604000000000000" pitchFamily="50" charset="-127"/>
+              </a:rPr>
+              <a:t>가판대의 단 처리</a:t>
+            </a:r>
+            <a:endParaRPr lang="en-US" altLang="ko-KR" b="1" spc="-1" dirty="0">
+              <a:solidFill>
+                <a:srgbClr val="745EA8"/>
+              </a:solidFill>
+              <a:latin typeface="나눔고딕" panose="020D0604000000000000" pitchFamily="50" charset="-127"/>
+              <a:ea typeface="나눔고딕" panose="020D0604000000000000" pitchFamily="50" charset="-127"/>
+            </a:endParaRPr>
+          </a:p>
+          <a:p>
+            <a:pPr marL="742950" lvl="1" indent="-285750">
+              <a:lnSpc>
+                <a:spcPct val="150000"/>
+              </a:lnSpc>
+              <a:buFontTx/>
+              <a:buChar char="-"/>
+            </a:pPr>
+            <a:r>
+              <a:rPr lang="ko-KR" altLang="en-US" spc="-1" dirty="0">
+                <a:latin typeface="나눔고딕" panose="020D0604000000000000" pitchFamily="50" charset="-127"/>
+                <a:ea typeface="나눔고딕" panose="020D0604000000000000" pitchFamily="50" charset="-127"/>
+              </a:rPr>
+              <a:t>사용자에게 가판대의 이름</a:t>
+            </a:r>
+            <a:r>
+              <a:rPr lang="en-US" altLang="ko-KR" spc="-1" dirty="0">
+                <a:latin typeface="나눔고딕" panose="020D0604000000000000" pitchFamily="50" charset="-127"/>
+                <a:ea typeface="나눔고딕" panose="020D0604000000000000" pitchFamily="50" charset="-127"/>
+              </a:rPr>
+              <a:t> </a:t>
+            </a:r>
+            <a:r>
+              <a:rPr lang="ko-KR" altLang="en-US" spc="-1" dirty="0">
+                <a:latin typeface="나눔고딕" panose="020D0604000000000000" pitchFamily="50" charset="-127"/>
+                <a:ea typeface="나눔고딕" panose="020D0604000000000000" pitchFamily="50" charset="-127"/>
+              </a:rPr>
+              <a:t>입력</a:t>
+            </a:r>
+            <a:endParaRPr lang="en-US" altLang="ko-KR" spc="-1" dirty="0">
+              <a:latin typeface="나눔고딕" panose="020D0604000000000000" pitchFamily="50" charset="-127"/>
+              <a:ea typeface="나눔고딕" panose="020D0604000000000000" pitchFamily="50" charset="-127"/>
+            </a:endParaRPr>
+          </a:p>
+          <a:p>
+            <a:pPr marL="742950" lvl="1" indent="-285750">
+              <a:lnSpc>
+                <a:spcPct val="150000"/>
+              </a:lnSpc>
+              <a:buFontTx/>
+              <a:buChar char="-"/>
+            </a:pPr>
+            <a:r>
+              <a:rPr lang="ko-KR" altLang="en-US" spc="-1" dirty="0">
+                <a:latin typeface="나눔고딕" panose="020D0604000000000000" pitchFamily="50" charset="-127"/>
+                <a:ea typeface="나눔고딕" panose="020D0604000000000000" pitchFamily="50" charset="-127"/>
+              </a:rPr>
+              <a:t>해당 가판대에 진열된 물품 입력</a:t>
+            </a:r>
+            <a:endParaRPr lang="en-US" altLang="ko-KR" spc="-1" dirty="0">
+              <a:latin typeface="나눔고딕" panose="020D0604000000000000" pitchFamily="50" charset="-127"/>
+              <a:ea typeface="나눔고딕" panose="020D0604000000000000" pitchFamily="50" charset="-127"/>
+            </a:endParaRPr>
+          </a:p>
+          <a:p>
+            <a:pPr marL="742950" lvl="1" indent="-285750">
+              <a:lnSpc>
+                <a:spcPct val="150000"/>
+              </a:lnSpc>
+              <a:buFontTx/>
+              <a:buChar char="-"/>
+            </a:pPr>
+            <a:r>
+              <a:rPr lang="ko-KR" altLang="en-US" spc="-1" dirty="0">
+                <a:latin typeface="나눔고딕" panose="020D0604000000000000" pitchFamily="50" charset="-127"/>
+                <a:ea typeface="나눔고딕" panose="020D0604000000000000" pitchFamily="50" charset="-127"/>
+              </a:rPr>
+              <a:t>각 가판대는 상품의 </a:t>
+            </a:r>
+            <a:r>
+              <a:rPr lang="ko-KR" altLang="en-US" spc="-1" dirty="0" err="1">
+                <a:latin typeface="나눔고딕" panose="020D0604000000000000" pitchFamily="50" charset="-127"/>
+                <a:ea typeface="나눔고딕" panose="020D0604000000000000" pitchFamily="50" charset="-127"/>
+              </a:rPr>
+              <a:t>대분류를</a:t>
+            </a:r>
+            <a:r>
+              <a:rPr lang="ko-KR" altLang="en-US" spc="-1" dirty="0">
+                <a:latin typeface="나눔고딕" panose="020D0604000000000000" pitchFamily="50" charset="-127"/>
+                <a:ea typeface="나눔고딕" panose="020D0604000000000000" pitchFamily="50" charset="-127"/>
+              </a:rPr>
+              <a:t> 저장하기 때문에</a:t>
+            </a:r>
+            <a:r>
+              <a:rPr lang="en-US" altLang="ko-KR" spc="-1" dirty="0">
+                <a:latin typeface="나눔고딕" panose="020D0604000000000000" pitchFamily="50" charset="-127"/>
+                <a:ea typeface="나눔고딕" panose="020D0604000000000000" pitchFamily="50" charset="-127"/>
+              </a:rPr>
+              <a:t>, </a:t>
+            </a:r>
+            <a:br>
+              <a:rPr lang="en-US" altLang="ko-KR" spc="-1" dirty="0">
+                <a:latin typeface="나눔고딕" panose="020D0604000000000000" pitchFamily="50" charset="-127"/>
+                <a:ea typeface="나눔고딕" panose="020D0604000000000000" pitchFamily="50" charset="-127"/>
+              </a:rPr>
+            </a:br>
+            <a:r>
+              <a:rPr lang="ko-KR" altLang="en-US" spc="-1" dirty="0">
+                <a:latin typeface="나눔고딕" panose="020D0604000000000000" pitchFamily="50" charset="-127"/>
+                <a:ea typeface="나눔고딕" panose="020D0604000000000000" pitchFamily="50" charset="-127"/>
+              </a:rPr>
+              <a:t>제품의 상세 위치를 저장하지는 않음</a:t>
+            </a:r>
+            <a:r>
+              <a:rPr lang="en-US" altLang="ko-KR" spc="-1" dirty="0">
+                <a:latin typeface="나눔고딕" panose="020D0604000000000000" pitchFamily="50" charset="-127"/>
+                <a:ea typeface="나눔고딕" panose="020D0604000000000000" pitchFamily="50" charset="-127"/>
+              </a:rPr>
+              <a:t>.</a:t>
+            </a:r>
+          </a:p>
+        </p:txBody>
+      </p:sp>
     </p:spTree>
     <p:extLst>
       <p:ext uri="{BB962C8B-B14F-4D97-AF65-F5344CB8AC3E}">
-        <p14:creationId xmlns:p14="http://schemas.microsoft.com/office/powerpoint/2010/main" val="2528179142"/>
+        <p14:creationId xmlns:p14="http://schemas.microsoft.com/office/powerpoint/2010/main" val="1101011423"/>
       </p:ext>
     </p:extLst>
   </p:cSld>
   <p:clrMapOvr>
     <a:masterClrMapping/>
   </p:clrMapOvr>
+  <p:timing>
+    <p:tnLst>
+      <p:par>
+        <p:cTn id="1" dur="indefinite" restart="never" nodeType="tmRoot">
+          <p:childTnLst>
+            <p:seq>
+              <p:cTn id="2" dur="indefinite" nodeType="mainSeq"/>
+              <p:prevCondLst>
+                <p:cond evt="onPrev" delay="0">
+                  <p:tgtEl>
+                    <p:sldTgt/>
+                  </p:tgtEl>
+                </p:cond>
+              </p:prevCondLst>
+              <p:nextCondLst>
+                <p:cond evt="onNext" delay="0">
+                  <p:tgtEl>
+                    <p:sldTgt/>
+                  </p:tgtEl>
+                </p:cond>
+              </p:nextCondLst>
+            </p:seq>
+          </p:childTnLst>
+        </p:cTn>
+      </p:par>
+    </p:tnLst>
+  </p:timing>
 </p:sld>
 </file>
 
@@ -21377,7 +21295,7 @@
       </p:grpSpPr>
       <p:sp>
         <p:nvSpPr>
-          <p:cNvPr id="4" name="CustomShape 1"/>
+          <p:cNvPr id="291" name="CustomShape 1"/>
           <p:cNvSpPr/>
           <p:nvPr/>
         </p:nvSpPr>
@@ -21415,7 +21333,7 @@
                 <a:spcPct val="100000"/>
               </a:lnSpc>
             </a:pPr>
-            <a:endParaRPr lang="en-US" sz="1800" b="0" strike="noStrike" spc="-1" dirty="0">
+            <a:endParaRPr lang="en-US" sz="1800" b="0" strike="noStrike" spc="-1">
               <a:latin typeface="Times New Roman"/>
             </a:endParaRPr>
           </a:p>
@@ -21426,16 +21344,235 @@
               </a:lnSpc>
             </a:pPr>
             <a:r>
-              <a:rPr lang="ko-KR" altLang="en-US" sz="4000" spc="-1" dirty="0">
+              <a:rPr lang="en-US" sz="4000" b="0" strike="noStrike" spc="-1">
                 <a:solidFill>
                   <a:srgbClr val="00AAAE"/>
                 </a:solidFill>
                 <a:latin typeface="나눔명조"/>
                 <a:ea typeface="나눔명조"/>
               </a:rPr>
-              <a:t>매장 구조 입력</a:t>
+              <a:t>개발 일정</a:t>
             </a:r>
-            <a:endParaRPr lang="en-US" sz="4000" b="0" strike="noStrike" spc="-1" dirty="0">
+            <a:endParaRPr lang="en-US" sz="4000" b="0" strike="noStrike" spc="-1">
+              <a:latin typeface="Times New Roman"/>
+            </a:endParaRPr>
+          </a:p>
+        </p:txBody>
+      </p:sp>
+      <p:sp>
+        <p:nvSpPr>
+          <p:cNvPr id="292" name="CustomShape 2"/>
+          <p:cNvSpPr/>
+          <p:nvPr/>
+        </p:nvSpPr>
+        <p:spPr>
+          <a:xfrm>
+            <a:off x="118080" y="3710520"/>
+            <a:ext cx="1615680" cy="2407680"/>
+          </a:xfrm>
+          <a:prstGeom prst="rect">
+            <a:avLst/>
+          </a:prstGeom>
+          <a:noFill/>
+          <a:ln>
+            <a:noFill/>
+          </a:ln>
+        </p:spPr>
+        <p:style>
+          <a:lnRef idx="0">
+            <a:scrgbClr r="0" g="0" b="0"/>
+          </a:lnRef>
+          <a:fillRef idx="0">
+            <a:scrgbClr r="0" g="0" b="0"/>
+          </a:fillRef>
+          <a:effectRef idx="0">
+            <a:scrgbClr r="0" g="0" b="0"/>
+          </a:effectRef>
+          <a:fontRef idx="minor"/>
+        </p:style>
+        <p:txBody>
+          <a:bodyPr lIns="0" tIns="0" rIns="0" bIns="0"/>
+          <a:lstStyle/>
+          <a:p>
+            <a:pPr>
+              <a:lnSpc>
+                <a:spcPts val="18499"/>
+              </a:lnSpc>
+            </a:pPr>
+            <a:endParaRPr lang="en-US" sz="18500" b="0" strike="noStrike" spc="-1" dirty="0">
+              <a:latin typeface="Times New Roman"/>
+            </a:endParaRPr>
+          </a:p>
+        </p:txBody>
+      </p:sp>
+      <p:sp>
+        <p:nvSpPr>
+          <p:cNvPr id="293" name="CustomShape 3"/>
+          <p:cNvSpPr/>
+          <p:nvPr/>
+        </p:nvSpPr>
+        <p:spPr>
+          <a:xfrm rot="16200000">
+            <a:off x="9093240" y="4948560"/>
+            <a:ext cx="2623680" cy="715680"/>
+          </a:xfrm>
+          <a:prstGeom prst="rect">
+            <a:avLst/>
+          </a:prstGeom>
+          <a:noFill/>
+          <a:ln>
+            <a:noFill/>
+          </a:ln>
+        </p:spPr>
+        <p:style>
+          <a:lnRef idx="0">
+            <a:scrgbClr r="0" g="0" b="0"/>
+          </a:lnRef>
+          <a:fillRef idx="0">
+            <a:scrgbClr r="0" g="0" b="0"/>
+          </a:fillRef>
+          <a:effectRef idx="0">
+            <a:scrgbClr r="0" g="0" b="0"/>
+          </a:effectRef>
+          <a:fontRef idx="minor"/>
+        </p:style>
+        <p:txBody>
+          <a:bodyPr lIns="0" tIns="0" rIns="0" bIns="0"/>
+          <a:lstStyle/>
+          <a:p>
+            <a:pPr>
+              <a:lnSpc>
+                <a:spcPts val="3849"/>
+              </a:lnSpc>
+            </a:pPr>
+            <a:endParaRPr lang="en-US" sz="3850" b="0" strike="noStrike" spc="-1" dirty="0">
+              <a:latin typeface="Times New Roman"/>
+            </a:endParaRPr>
+          </a:p>
+        </p:txBody>
+      </p:sp>
+      <p:sp>
+        <p:nvSpPr>
+          <p:cNvPr id="294" name="CustomShape 4"/>
+          <p:cNvSpPr/>
+          <p:nvPr/>
+        </p:nvSpPr>
+        <p:spPr>
+          <a:xfrm>
+            <a:off x="4320000" y="864000"/>
+            <a:ext cx="5935680" cy="2263680"/>
+          </a:xfrm>
+          <a:prstGeom prst="rect">
+            <a:avLst/>
+          </a:prstGeom>
+          <a:noFill/>
+          <a:ln>
+            <a:noFill/>
+          </a:ln>
+        </p:spPr>
+        <p:style>
+          <a:lnRef idx="0">
+            <a:scrgbClr r="0" g="0" b="0"/>
+          </a:lnRef>
+          <a:fillRef idx="0">
+            <a:scrgbClr r="0" g="0" b="0"/>
+          </a:fillRef>
+          <a:effectRef idx="0">
+            <a:scrgbClr r="0" g="0" b="0"/>
+          </a:effectRef>
+          <a:fontRef idx="minor"/>
+        </p:style>
+      </p:sp>
+      <p:sp>
+        <p:nvSpPr>
+          <p:cNvPr id="298" name="CustomShape 8"/>
+          <p:cNvSpPr/>
+          <p:nvPr/>
+        </p:nvSpPr>
+        <p:spPr>
+          <a:xfrm>
+            <a:off x="7368613" y="1557360"/>
+            <a:ext cx="270000" cy="265680"/>
+          </a:xfrm>
+          <a:prstGeom prst="downArrow">
+            <a:avLst>
+              <a:gd name="adj1" fmla="val 50000"/>
+              <a:gd name="adj2" fmla="val 50000"/>
+            </a:avLst>
+          </a:prstGeom>
+          <a:solidFill>
+            <a:schemeClr val="accent2"/>
+          </a:solidFill>
+          <a:ln>
+            <a:noFill/>
+          </a:ln>
+        </p:spPr>
+        <p:style>
+          <a:lnRef idx="2">
+            <a:schemeClr val="accent1">
+              <a:shade val="50000"/>
+            </a:schemeClr>
+          </a:lnRef>
+          <a:fillRef idx="1">
+            <a:schemeClr val="accent1"/>
+          </a:fillRef>
+          <a:effectRef idx="0">
+            <a:schemeClr val="accent1"/>
+          </a:effectRef>
+          <a:fontRef idx="minor"/>
+        </p:style>
+      </p:sp>
+      <p:sp>
+        <p:nvSpPr>
+          <p:cNvPr id="299" name="CustomShape 9"/>
+          <p:cNvSpPr/>
+          <p:nvPr/>
+        </p:nvSpPr>
+        <p:spPr>
+          <a:xfrm>
+            <a:off x="7665840" y="184320"/>
+            <a:ext cx="2738880" cy="360720"/>
+          </a:xfrm>
+          <a:prstGeom prst="rect">
+            <a:avLst/>
+          </a:prstGeom>
+          <a:noFill/>
+          <a:ln>
+            <a:noFill/>
+          </a:ln>
+        </p:spPr>
+        <p:style>
+          <a:lnRef idx="0">
+            <a:scrgbClr r="0" g="0" b="0"/>
+          </a:lnRef>
+          <a:fillRef idx="0">
+            <a:scrgbClr r="0" g="0" b="0"/>
+          </a:fillRef>
+          <a:effectRef idx="0">
+            <a:scrgbClr r="0" g="0" b="0"/>
+          </a:effectRef>
+          <a:fontRef idx="minor"/>
+        </p:style>
+        <p:txBody>
+          <a:bodyPr lIns="90000" tIns="45000" rIns="90000" bIns="45000" anchor="ctr"/>
+          <a:lstStyle/>
+          <a:p>
+            <a:pPr algn="r">
+              <a:lnSpc>
+                <a:spcPct val="100000"/>
+              </a:lnSpc>
+            </a:pPr>
+            <a:fld id="{1B3B86FF-E4DC-44C6-8412-B41B5B7219B5}" type="slidenum">
+              <a:rPr lang="en-US" sz="3600" b="0" strike="noStrike" spc="-1">
+                <a:solidFill>
+                  <a:srgbClr val="B2B2B2"/>
+                </a:solidFill>
+                <a:latin typeface="맑은 고딕"/>
+                <a:ea typeface="DejaVu Sans"/>
+              </a:rPr>
+              <a:t>9</a:t>
+            </a:fld>
+            <a:endParaRPr lang="en-US" sz="3600" b="0" strike="noStrike" spc="-1">
               <a:latin typeface="Times New Roman"/>
             </a:endParaRPr>
           </a:p>
@@ -21443,50 +21580,148 @@
       </p:sp>
       <p:pic>
         <p:nvPicPr>
-          <p:cNvPr id="5" name="그림 4" descr="스크린샷, 거리, 하얀색, 주차이(가) 표시된 사진&#10;&#10;자동 생성된 설명">
-            <a:extLst>
-              <a:ext uri="{FF2B5EF4-FFF2-40B4-BE49-F238E27FC236}">
-                <a16:creationId xmlns:a16="http://schemas.microsoft.com/office/drawing/2014/main" id="{3EFE4F51-5B44-445B-9447-78BCCE8111D7}"/>
-              </a:ext>
-            </a:extLst>
-          </p:cNvPr>
+          <p:cNvPr id="3" name="그림 2"/>
           <p:cNvPicPr>
             <a:picLocks noChangeAspect="1"/>
           </p:cNvPicPr>
           <p:nvPr/>
         </p:nvPicPr>
         <p:blipFill>
-          <a:blip r:embed="rId2">
-            <a:extLst>
-              <a:ext uri="{28A0092B-C50C-407E-A947-70E740481C1C}">
-                <a14:useLocalDpi xmlns:a14="http://schemas.microsoft.com/office/drawing/2010/main" val="0"/>
-              </a:ext>
-            </a:extLst>
-          </a:blip>
+          <a:blip r:embed="rId2"/>
           <a:stretch>
             <a:fillRect/>
           </a:stretch>
         </p:blipFill>
         <p:spPr>
           <a:xfrm>
-            <a:off x="3745515" y="2453536"/>
-            <a:ext cx="5314950" cy="4010025"/>
+            <a:off x="0" y="1872042"/>
+            <a:ext cx="10693400" cy="4784470"/>
           </a:xfrm>
           <a:prstGeom prst="rect">
             <a:avLst/>
           </a:prstGeom>
         </p:spPr>
       </p:pic>
+      <p:sp>
+        <p:nvSpPr>
+          <p:cNvPr id="11" name="CustomShape 3"/>
+          <p:cNvSpPr/>
+          <p:nvPr/>
+        </p:nvSpPr>
+        <p:spPr>
+          <a:xfrm>
+            <a:off x="4320000" y="432360"/>
+            <a:ext cx="5755680" cy="463680"/>
+          </a:xfrm>
+          <a:prstGeom prst="rect">
+            <a:avLst/>
+          </a:prstGeom>
+          <a:noFill/>
+          <a:ln>
+            <a:noFill/>
+          </a:ln>
+        </p:spPr>
+        <p:style>
+          <a:lnRef idx="0">
+            <a:scrgbClr r="0" g="0" b="0"/>
+          </a:lnRef>
+          <a:fillRef idx="0">
+            <a:scrgbClr r="0" g="0" b="0"/>
+          </a:fillRef>
+          <a:effectRef idx="0">
+            <a:scrgbClr r="0" g="0" b="0"/>
+          </a:effectRef>
+          <a:fontRef idx="minor"/>
+        </p:style>
+        <p:txBody>
+          <a:bodyPr lIns="0" tIns="0" rIns="0" bIns="0"/>
+          <a:lstStyle/>
+          <a:p>
+            <a:pPr>
+              <a:lnSpc>
+                <a:spcPts val="2401"/>
+              </a:lnSpc>
+            </a:pPr>
+            <a:endParaRPr lang="en-US" sz="2100" spc="-1" dirty="0">
+              <a:solidFill>
+                <a:srgbClr val="00AAAE"/>
+              </a:solidFill>
+              <a:latin typeface="나눔명조"/>
+              <a:ea typeface="나눔명조"/>
+            </a:endParaRPr>
+          </a:p>
+          <a:p>
+            <a:pPr>
+              <a:lnSpc>
+                <a:spcPts val="2401"/>
+              </a:lnSpc>
+            </a:pPr>
+            <a:endParaRPr lang="en-US" sz="2100" b="0" strike="noStrike" spc="-1" dirty="0">
+              <a:solidFill>
+                <a:srgbClr val="00AAAE"/>
+              </a:solidFill>
+              <a:latin typeface="나눔명조"/>
+              <a:ea typeface="나눔명조"/>
+            </a:endParaRPr>
+          </a:p>
+          <a:p>
+            <a:pPr>
+              <a:lnSpc>
+                <a:spcPts val="2401"/>
+              </a:lnSpc>
+            </a:pPr>
+            <a:r>
+              <a:rPr lang="ko-KR" altLang="en-US" sz="2100" spc="-1" dirty="0">
+                <a:solidFill>
+                  <a:srgbClr val="00AAAE"/>
+                </a:solidFill>
+                <a:latin typeface="나눔명조"/>
+              </a:rPr>
+              <a:t>전체 일정</a:t>
+            </a:r>
+            <a:endParaRPr lang="en-US" sz="2100" b="0" strike="noStrike" spc="-1" dirty="0">
+              <a:latin typeface="Times New Roman"/>
+            </a:endParaRPr>
+          </a:p>
+        </p:txBody>
+      </p:sp>
     </p:spTree>
     <p:extLst>
       <p:ext uri="{BB962C8B-B14F-4D97-AF65-F5344CB8AC3E}">
-        <p14:creationId xmlns:p14="http://schemas.microsoft.com/office/powerpoint/2010/main" val="1312362820"/>
+        <p14:creationId xmlns:p14="http://schemas.microsoft.com/office/powerpoint/2010/main" val="990917115"/>
       </p:ext>
     </p:extLst>
   </p:cSld>
   <p:clrMapOvr>
     <a:masterClrMapping/>
   </p:clrMapOvr>
+  <p:timing>
+    <p:tnLst>
+      <p:par>
+        <p:cTn id="1" dur="indefinite" restart="never" nodeType="tmRoot">
+          <p:childTnLst>
+            <p:seq>
+              <p:cTn id="2" dur="indefinite" nodeType="mainSeq"/>
+              <p:prevCondLst>
+                <p:cond evt="onPrev" delay="0">
+                  <p:tgtEl>
+                    <p:sldTgt/>
+                  </p:tgtEl>
+                </p:cond>
+              </p:prevCondLst>
+              <p:nextCondLst>
+                <p:cond evt="onNext" delay="0">
+                  <p:tgtEl>
+                    <p:sldTgt/>
+                  </p:tgtEl>
+                </p:cond>
+              </p:nextCondLst>
+            </p:seq>
+          </p:childTnLst>
+        </p:cTn>
+      </p:par>
+    </p:tnLst>
+  </p:timing>
 </p:sld>
 </file>
 
